--- a/PocketCoachExcel-PDF/PowerPoints/PocketCoach.pptx
+++ b/PocketCoachExcel-PDF/PowerPoints/PocketCoach.pptx
@@ -4,17 +4,23 @@
   <p:sldMasterIdLst>
     <p:sldMasterId id="2147483660" r:id="rId1"/>
   </p:sldMasterIdLst>
+  <p:notesMasterIdLst>
+    <p:notesMasterId r:id="rId15"/>
+  </p:notesMasterIdLst>
   <p:sldIdLst>
     <p:sldId id="256" r:id="rId2"/>
     <p:sldId id="257" r:id="rId3"/>
-    <p:sldId id="266" r:id="rId4"/>
-    <p:sldId id="264" r:id="rId5"/>
-    <p:sldId id="265" r:id="rId6"/>
-    <p:sldId id="258" r:id="rId7"/>
-    <p:sldId id="263" r:id="rId8"/>
-    <p:sldId id="260" r:id="rId9"/>
-    <p:sldId id="261" r:id="rId10"/>
-    <p:sldId id="262" r:id="rId11"/>
+    <p:sldId id="268" r:id="rId4"/>
+    <p:sldId id="269" r:id="rId5"/>
+    <p:sldId id="264" r:id="rId6"/>
+    <p:sldId id="271" r:id="rId7"/>
+    <p:sldId id="265" r:id="rId8"/>
+    <p:sldId id="258" r:id="rId9"/>
+    <p:sldId id="267" r:id="rId10"/>
+    <p:sldId id="263" r:id="rId11"/>
+    <p:sldId id="260" r:id="rId12"/>
+    <p:sldId id="261" r:id="rId13"/>
+    <p:sldId id="262" r:id="rId14"/>
   </p:sldIdLst>
   <p:sldSz cx="12192000" cy="6858000"/>
   <p:notesSz cx="6858000" cy="9144000"/>
@@ -113,7 +119,1411 @@
       </a:defRPr>
     </a:lvl9pPr>
   </p:defaultTextStyle>
+  <p:extLst>
+    <p:ext uri="{EFAFB233-063F-42B5-8137-9DF3F51BA10A}">
+      <p15:sldGuideLst xmlns:p15="http://schemas.microsoft.com/office/powerpoint/2012/main"/>
+    </p:ext>
+  </p:extLst>
 </p:presentation>
+</file>
+
+<file path=ppt/notesMasters/notesMaster1.xml><?xml version="1.0" encoding="utf-8"?>
+<p:notesMaster xmlns:a="http://schemas.openxmlformats.org/drawingml/2006/main" xmlns:r="http://schemas.openxmlformats.org/officeDocument/2006/relationships" xmlns:p="http://schemas.openxmlformats.org/presentationml/2006/main">
+  <p:cSld>
+    <p:bg>
+      <p:bgRef idx="1001">
+        <a:schemeClr val="bg1"/>
+      </p:bgRef>
+    </p:bg>
+    <p:spTree>
+      <p:nvGrpSpPr>
+        <p:cNvPr id="1" name=""/>
+        <p:cNvGrpSpPr/>
+        <p:nvPr/>
+      </p:nvGrpSpPr>
+      <p:grpSpPr>
+        <a:xfrm>
+          <a:off x="0" y="0"/>
+          <a:ext cx="0" cy="0"/>
+          <a:chOff x="0" y="0"/>
+          <a:chExt cx="0" cy="0"/>
+        </a:xfrm>
+      </p:grpSpPr>
+      <p:sp>
+        <p:nvSpPr>
+          <p:cNvPr id="2" name="Kopfzeilenplatzhalter 1"/>
+          <p:cNvSpPr>
+            <a:spLocks noGrp="1"/>
+          </p:cNvSpPr>
+          <p:nvPr>
+            <p:ph type="hdr" sz="quarter"/>
+          </p:nvPr>
+        </p:nvSpPr>
+        <p:spPr>
+          <a:xfrm>
+            <a:off x="0" y="0"/>
+            <a:ext cx="2971800" cy="458788"/>
+          </a:xfrm>
+          <a:prstGeom prst="rect">
+            <a:avLst/>
+          </a:prstGeom>
+        </p:spPr>
+        <p:txBody>
+          <a:bodyPr vert="horz" lIns="91440" tIns="45720" rIns="91440" bIns="45720" rtlCol="0"/>
+          <a:lstStyle>
+            <a:lvl1pPr algn="l">
+              <a:defRPr sz="1200"/>
+            </a:lvl1pPr>
+          </a:lstStyle>
+          <a:p>
+            <a:endParaRPr lang="de-DE"/>
+          </a:p>
+        </p:txBody>
+      </p:sp>
+      <p:sp>
+        <p:nvSpPr>
+          <p:cNvPr id="3" name="Datumsplatzhalter 2"/>
+          <p:cNvSpPr>
+            <a:spLocks noGrp="1"/>
+          </p:cNvSpPr>
+          <p:nvPr>
+            <p:ph type="dt" idx="1"/>
+          </p:nvPr>
+        </p:nvSpPr>
+        <p:spPr>
+          <a:xfrm>
+            <a:off x="3884613" y="0"/>
+            <a:ext cx="2971800" cy="458788"/>
+          </a:xfrm>
+          <a:prstGeom prst="rect">
+            <a:avLst/>
+          </a:prstGeom>
+        </p:spPr>
+        <p:txBody>
+          <a:bodyPr vert="horz" lIns="91440" tIns="45720" rIns="91440" bIns="45720" rtlCol="0"/>
+          <a:lstStyle>
+            <a:lvl1pPr algn="r">
+              <a:defRPr sz="1200"/>
+            </a:lvl1pPr>
+          </a:lstStyle>
+          <a:p>
+            <a:fld id="{876C7EC8-880A-DF4F-BED9-A1919BEA3339}" type="datetimeFigureOut">
+              <a:rPr lang="de-DE" smtClean="0"/>
+              <a:t>06.11.20</a:t>
+            </a:fld>
+            <a:endParaRPr lang="de-DE"/>
+          </a:p>
+        </p:txBody>
+      </p:sp>
+      <p:sp>
+        <p:nvSpPr>
+          <p:cNvPr id="4" name="Folienbildplatzhalter 3"/>
+          <p:cNvSpPr>
+            <a:spLocks noGrp="1" noRot="1" noChangeAspect="1"/>
+          </p:cNvSpPr>
+          <p:nvPr>
+            <p:ph type="sldImg" idx="2"/>
+          </p:nvPr>
+        </p:nvSpPr>
+        <p:spPr>
+          <a:xfrm>
+            <a:off x="685800" y="1143000"/>
+            <a:ext cx="5486400" cy="3086100"/>
+          </a:xfrm>
+          <a:prstGeom prst="rect">
+            <a:avLst/>
+          </a:prstGeom>
+          <a:noFill/>
+          <a:ln w="12700">
+            <a:solidFill>
+              <a:prstClr val="black"/>
+            </a:solidFill>
+          </a:ln>
+        </p:spPr>
+        <p:txBody>
+          <a:bodyPr vert="horz" lIns="91440" tIns="45720" rIns="91440" bIns="45720" rtlCol="0" anchor="ctr"/>
+          <a:lstStyle/>
+          <a:p>
+            <a:endParaRPr lang="de-DE"/>
+          </a:p>
+        </p:txBody>
+      </p:sp>
+      <p:sp>
+        <p:nvSpPr>
+          <p:cNvPr id="5" name="Notizenplatzhalter 4"/>
+          <p:cNvSpPr>
+            <a:spLocks noGrp="1"/>
+          </p:cNvSpPr>
+          <p:nvPr>
+            <p:ph type="body" sz="quarter" idx="3"/>
+          </p:nvPr>
+        </p:nvSpPr>
+        <p:spPr>
+          <a:xfrm>
+            <a:off x="685800" y="4400550"/>
+            <a:ext cx="5486400" cy="3600450"/>
+          </a:xfrm>
+          <a:prstGeom prst="rect">
+            <a:avLst/>
+          </a:prstGeom>
+        </p:spPr>
+        <p:txBody>
+          <a:bodyPr vert="horz" lIns="91440" tIns="45720" rIns="91440" bIns="45720" rtlCol="0"/>
+          <a:lstStyle/>
+          <a:p>
+            <a:pPr lvl="0"/>
+            <a:r>
+              <a:rPr lang="de-DE"/>
+              <a:t>Mastertextformat bearbeiten</a:t>
+            </a:r>
+          </a:p>
+          <a:p>
+            <a:pPr lvl="1"/>
+            <a:r>
+              <a:rPr lang="de-DE"/>
+              <a:t>Zweite Ebene</a:t>
+            </a:r>
+          </a:p>
+          <a:p>
+            <a:pPr lvl="2"/>
+            <a:r>
+              <a:rPr lang="de-DE"/>
+              <a:t>Dritte Ebene</a:t>
+            </a:r>
+          </a:p>
+          <a:p>
+            <a:pPr lvl="3"/>
+            <a:r>
+              <a:rPr lang="de-DE"/>
+              <a:t>Vierte Ebene</a:t>
+            </a:r>
+          </a:p>
+          <a:p>
+            <a:pPr lvl="4"/>
+            <a:r>
+              <a:rPr lang="de-DE"/>
+              <a:t>Fünfte Ebene</a:t>
+            </a:r>
+          </a:p>
+        </p:txBody>
+      </p:sp>
+      <p:sp>
+        <p:nvSpPr>
+          <p:cNvPr id="6" name="Fußzeilenplatzhalter 5"/>
+          <p:cNvSpPr>
+            <a:spLocks noGrp="1"/>
+          </p:cNvSpPr>
+          <p:nvPr>
+            <p:ph type="ftr" sz="quarter" idx="4"/>
+          </p:nvPr>
+        </p:nvSpPr>
+        <p:spPr>
+          <a:xfrm>
+            <a:off x="0" y="8685213"/>
+            <a:ext cx="2971800" cy="458787"/>
+          </a:xfrm>
+          <a:prstGeom prst="rect">
+            <a:avLst/>
+          </a:prstGeom>
+        </p:spPr>
+        <p:txBody>
+          <a:bodyPr vert="horz" lIns="91440" tIns="45720" rIns="91440" bIns="45720" rtlCol="0" anchor="b"/>
+          <a:lstStyle>
+            <a:lvl1pPr algn="l">
+              <a:defRPr sz="1200"/>
+            </a:lvl1pPr>
+          </a:lstStyle>
+          <a:p>
+            <a:endParaRPr lang="de-DE"/>
+          </a:p>
+        </p:txBody>
+      </p:sp>
+      <p:sp>
+        <p:nvSpPr>
+          <p:cNvPr id="7" name="Foliennummernplatzhalter 6"/>
+          <p:cNvSpPr>
+            <a:spLocks noGrp="1"/>
+          </p:cNvSpPr>
+          <p:nvPr>
+            <p:ph type="sldNum" sz="quarter" idx="5"/>
+          </p:nvPr>
+        </p:nvSpPr>
+        <p:spPr>
+          <a:xfrm>
+            <a:off x="3884613" y="8685213"/>
+            <a:ext cx="2971800" cy="458787"/>
+          </a:xfrm>
+          <a:prstGeom prst="rect">
+            <a:avLst/>
+          </a:prstGeom>
+        </p:spPr>
+        <p:txBody>
+          <a:bodyPr vert="horz" lIns="91440" tIns="45720" rIns="91440" bIns="45720" rtlCol="0" anchor="b"/>
+          <a:lstStyle>
+            <a:lvl1pPr algn="r">
+              <a:defRPr sz="1200"/>
+            </a:lvl1pPr>
+          </a:lstStyle>
+          <a:p>
+            <a:fld id="{7023F634-3B75-3C42-9B21-44E0DAFB93BE}" type="slidenum">
+              <a:rPr lang="de-DE" smtClean="0"/>
+              <a:t>‹Nr.›</a:t>
+            </a:fld>
+            <a:endParaRPr lang="de-DE"/>
+          </a:p>
+        </p:txBody>
+      </p:sp>
+    </p:spTree>
+    <p:extLst>
+      <p:ext uri="{BB962C8B-B14F-4D97-AF65-F5344CB8AC3E}">
+        <p14:creationId xmlns:p14="http://schemas.microsoft.com/office/powerpoint/2010/main" val="294134053"/>
+      </p:ext>
+    </p:extLst>
+  </p:cSld>
+  <p:clrMap bg1="lt1" tx1="dk1" bg2="lt2" tx2="dk2" accent1="accent1" accent2="accent2" accent3="accent3" accent4="accent4" accent5="accent5" accent6="accent6" hlink="hlink" folHlink="folHlink"/>
+  <p:notesStyle>
+    <a:lvl1pPr marL="0" algn="l" defTabSz="914400" rtl="0" eaLnBrk="1" latinLnBrk="0" hangingPunct="1">
+      <a:defRPr sz="1200" kern="1200">
+        <a:solidFill>
+          <a:schemeClr val="tx1"/>
+        </a:solidFill>
+        <a:latin typeface="+mn-lt"/>
+        <a:ea typeface="+mn-ea"/>
+        <a:cs typeface="+mn-cs"/>
+      </a:defRPr>
+    </a:lvl1pPr>
+    <a:lvl2pPr marL="457200" algn="l" defTabSz="914400" rtl="0" eaLnBrk="1" latinLnBrk="0" hangingPunct="1">
+      <a:defRPr sz="1200" kern="1200">
+        <a:solidFill>
+          <a:schemeClr val="tx1"/>
+        </a:solidFill>
+        <a:latin typeface="+mn-lt"/>
+        <a:ea typeface="+mn-ea"/>
+        <a:cs typeface="+mn-cs"/>
+      </a:defRPr>
+    </a:lvl2pPr>
+    <a:lvl3pPr marL="914400" algn="l" defTabSz="914400" rtl="0" eaLnBrk="1" latinLnBrk="0" hangingPunct="1">
+      <a:defRPr sz="1200" kern="1200">
+        <a:solidFill>
+          <a:schemeClr val="tx1"/>
+        </a:solidFill>
+        <a:latin typeface="+mn-lt"/>
+        <a:ea typeface="+mn-ea"/>
+        <a:cs typeface="+mn-cs"/>
+      </a:defRPr>
+    </a:lvl3pPr>
+    <a:lvl4pPr marL="1371600" algn="l" defTabSz="914400" rtl="0" eaLnBrk="1" latinLnBrk="0" hangingPunct="1">
+      <a:defRPr sz="1200" kern="1200">
+        <a:solidFill>
+          <a:schemeClr val="tx1"/>
+        </a:solidFill>
+        <a:latin typeface="+mn-lt"/>
+        <a:ea typeface="+mn-ea"/>
+        <a:cs typeface="+mn-cs"/>
+      </a:defRPr>
+    </a:lvl4pPr>
+    <a:lvl5pPr marL="1828800" algn="l" defTabSz="914400" rtl="0" eaLnBrk="1" latinLnBrk="0" hangingPunct="1">
+      <a:defRPr sz="1200" kern="1200">
+        <a:solidFill>
+          <a:schemeClr val="tx1"/>
+        </a:solidFill>
+        <a:latin typeface="+mn-lt"/>
+        <a:ea typeface="+mn-ea"/>
+        <a:cs typeface="+mn-cs"/>
+      </a:defRPr>
+    </a:lvl5pPr>
+    <a:lvl6pPr marL="2286000" algn="l" defTabSz="914400" rtl="0" eaLnBrk="1" latinLnBrk="0" hangingPunct="1">
+      <a:defRPr sz="1200" kern="1200">
+        <a:solidFill>
+          <a:schemeClr val="tx1"/>
+        </a:solidFill>
+        <a:latin typeface="+mn-lt"/>
+        <a:ea typeface="+mn-ea"/>
+        <a:cs typeface="+mn-cs"/>
+      </a:defRPr>
+    </a:lvl6pPr>
+    <a:lvl7pPr marL="2743200" algn="l" defTabSz="914400" rtl="0" eaLnBrk="1" latinLnBrk="0" hangingPunct="1">
+      <a:defRPr sz="1200" kern="1200">
+        <a:solidFill>
+          <a:schemeClr val="tx1"/>
+        </a:solidFill>
+        <a:latin typeface="+mn-lt"/>
+        <a:ea typeface="+mn-ea"/>
+        <a:cs typeface="+mn-cs"/>
+      </a:defRPr>
+    </a:lvl7pPr>
+    <a:lvl8pPr marL="3200400" algn="l" defTabSz="914400" rtl="0" eaLnBrk="1" latinLnBrk="0" hangingPunct="1">
+      <a:defRPr sz="1200" kern="1200">
+        <a:solidFill>
+          <a:schemeClr val="tx1"/>
+        </a:solidFill>
+        <a:latin typeface="+mn-lt"/>
+        <a:ea typeface="+mn-ea"/>
+        <a:cs typeface="+mn-cs"/>
+      </a:defRPr>
+    </a:lvl8pPr>
+    <a:lvl9pPr marL="3657600" algn="l" defTabSz="914400" rtl="0" eaLnBrk="1" latinLnBrk="0" hangingPunct="1">
+      <a:defRPr sz="1200" kern="1200">
+        <a:solidFill>
+          <a:schemeClr val="tx1"/>
+        </a:solidFill>
+        <a:latin typeface="+mn-lt"/>
+        <a:ea typeface="+mn-ea"/>
+        <a:cs typeface="+mn-cs"/>
+      </a:defRPr>
+    </a:lvl9pPr>
+  </p:notesStyle>
+</p:notesMaster>
+</file>
+
+<file path=ppt/notesSlides/notesSlide1.xml><?xml version="1.0" encoding="utf-8"?>
+<p:notes xmlns:a="http://schemas.openxmlformats.org/drawingml/2006/main" xmlns:r="http://schemas.openxmlformats.org/officeDocument/2006/relationships" xmlns:p="http://schemas.openxmlformats.org/presentationml/2006/main">
+  <p:cSld>
+    <p:spTree>
+      <p:nvGrpSpPr>
+        <p:cNvPr id="1" name=""/>
+        <p:cNvGrpSpPr/>
+        <p:nvPr/>
+      </p:nvGrpSpPr>
+      <p:grpSpPr>
+        <a:xfrm>
+          <a:off x="0" y="0"/>
+          <a:ext cx="0" cy="0"/>
+          <a:chOff x="0" y="0"/>
+          <a:chExt cx="0" cy="0"/>
+        </a:xfrm>
+      </p:grpSpPr>
+      <p:sp>
+        <p:nvSpPr>
+          <p:cNvPr id="2" name="Folienbildplatzhalter 1"/>
+          <p:cNvSpPr>
+            <a:spLocks noGrp="1" noRot="1" noChangeAspect="1"/>
+          </p:cNvSpPr>
+          <p:nvPr>
+            <p:ph type="sldImg"/>
+          </p:nvPr>
+        </p:nvSpPr>
+        <p:spPr/>
+      </p:sp>
+      <p:sp>
+        <p:nvSpPr>
+          <p:cNvPr id="3" name="Notizenplatzhalter 2"/>
+          <p:cNvSpPr>
+            <a:spLocks noGrp="1"/>
+          </p:cNvSpPr>
+          <p:nvPr>
+            <p:ph type="body" idx="1"/>
+          </p:nvPr>
+        </p:nvSpPr>
+        <p:spPr/>
+        <p:txBody>
+          <a:bodyPr/>
+          <a:lstStyle/>
+          <a:p>
+            <a:pPr marL="0" indent="0">
+              <a:buNone/>
+            </a:pPr>
+            <a:r>
+              <a:rPr lang="de-DE" b="1" dirty="0"/>
+              <a:t>a) Aktueller Stand</a:t>
+            </a:r>
+          </a:p>
+          <a:p>
+            <a:r>
+              <a:rPr lang="de-DE" dirty="0"/>
+              <a:t>[Aktualisiertes Gantt-Diagramm]</a:t>
+            </a:r>
+          </a:p>
+          <a:p>
+            <a:r>
+              <a:rPr lang="de-DE" dirty="0"/>
+              <a:t>- Ende Planung / Start der praktischen Arbeiten</a:t>
+            </a:r>
+          </a:p>
+          <a:p>
+            <a:pPr marL="0" indent="0">
+              <a:buNone/>
+            </a:pPr>
+            <a:r>
+              <a:rPr lang="de-DE" b="1" dirty="0"/>
+              <a:t>b) Abgeschlossenes</a:t>
+            </a:r>
+          </a:p>
+          <a:p>
+            <a:r>
+              <a:rPr lang="de-DE" dirty="0"/>
+              <a:t>- Arbeitspaketerstellung</a:t>
+            </a:r>
+          </a:p>
+          <a:p>
+            <a:r>
+              <a:rPr lang="de-DE" dirty="0"/>
+              <a:t>- Paketaufteilung</a:t>
+            </a:r>
+          </a:p>
+          <a:p>
+            <a:r>
+              <a:rPr lang="de-DE" dirty="0"/>
+              <a:t>- Nutzerumfrage</a:t>
+            </a:r>
+          </a:p>
+          <a:p>
+            <a:endParaRPr lang="de-DE" dirty="0"/>
+          </a:p>
+        </p:txBody>
+      </p:sp>
+      <p:sp>
+        <p:nvSpPr>
+          <p:cNvPr id="4" name="Foliennummernplatzhalter 3"/>
+          <p:cNvSpPr>
+            <a:spLocks noGrp="1"/>
+          </p:cNvSpPr>
+          <p:nvPr>
+            <p:ph type="sldNum" sz="quarter" idx="5"/>
+          </p:nvPr>
+        </p:nvSpPr>
+        <p:spPr/>
+        <p:txBody>
+          <a:bodyPr/>
+          <a:lstStyle/>
+          <a:p>
+            <a:fld id="{7023F634-3B75-3C42-9B21-44E0DAFB93BE}" type="slidenum">
+              <a:rPr lang="de-DE" smtClean="0"/>
+              <a:t>3</a:t>
+            </a:fld>
+            <a:endParaRPr lang="de-DE"/>
+          </a:p>
+        </p:txBody>
+      </p:sp>
+    </p:spTree>
+    <p:extLst>
+      <p:ext uri="{BB962C8B-B14F-4D97-AF65-F5344CB8AC3E}">
+        <p14:creationId xmlns:p14="http://schemas.microsoft.com/office/powerpoint/2010/main" val="1800101939"/>
+      </p:ext>
+    </p:extLst>
+  </p:cSld>
+  <p:clrMapOvr>
+    <a:masterClrMapping/>
+  </p:clrMapOvr>
+</p:notes>
+</file>
+
+<file path=ppt/notesSlides/notesSlide2.xml><?xml version="1.0" encoding="utf-8"?>
+<p:notes xmlns:a="http://schemas.openxmlformats.org/drawingml/2006/main" xmlns:r="http://schemas.openxmlformats.org/officeDocument/2006/relationships" xmlns:p="http://schemas.openxmlformats.org/presentationml/2006/main">
+  <p:cSld>
+    <p:spTree>
+      <p:nvGrpSpPr>
+        <p:cNvPr id="1" name=""/>
+        <p:cNvGrpSpPr/>
+        <p:nvPr/>
+      </p:nvGrpSpPr>
+      <p:grpSpPr>
+        <a:xfrm>
+          <a:off x="0" y="0"/>
+          <a:ext cx="0" cy="0"/>
+          <a:chOff x="0" y="0"/>
+          <a:chExt cx="0" cy="0"/>
+        </a:xfrm>
+      </p:grpSpPr>
+      <p:sp>
+        <p:nvSpPr>
+          <p:cNvPr id="2" name="Folienbildplatzhalter 1"/>
+          <p:cNvSpPr>
+            <a:spLocks noGrp="1" noRot="1" noChangeAspect="1"/>
+          </p:cNvSpPr>
+          <p:nvPr>
+            <p:ph type="sldImg"/>
+          </p:nvPr>
+        </p:nvSpPr>
+        <p:spPr/>
+      </p:sp>
+      <p:sp>
+        <p:nvSpPr>
+          <p:cNvPr id="3" name="Notizenplatzhalter 2"/>
+          <p:cNvSpPr>
+            <a:spLocks noGrp="1"/>
+          </p:cNvSpPr>
+          <p:nvPr>
+            <p:ph type="body" idx="1"/>
+          </p:nvPr>
+        </p:nvSpPr>
+        <p:spPr/>
+        <p:txBody>
+          <a:bodyPr/>
+          <a:lstStyle/>
+          <a:p>
+            <a:pPr marL="0" indent="0">
+              <a:buNone/>
+            </a:pPr>
+            <a:r>
+              <a:rPr lang="de-DE" b="1" dirty="0"/>
+              <a:t>a) Aktueller Stand</a:t>
+            </a:r>
+          </a:p>
+          <a:p>
+            <a:r>
+              <a:rPr lang="de-DE" dirty="0"/>
+              <a:t>[Aktualisiertes Gantt-Diagramm]</a:t>
+            </a:r>
+          </a:p>
+          <a:p>
+            <a:r>
+              <a:rPr lang="de-DE" dirty="0"/>
+              <a:t>- Ende Planung / Start der praktischen Arbeiten</a:t>
+            </a:r>
+          </a:p>
+          <a:p>
+            <a:pPr marL="0" indent="0">
+              <a:buNone/>
+            </a:pPr>
+            <a:r>
+              <a:rPr lang="de-DE" b="1" dirty="0"/>
+              <a:t>b) Abgeschlossenes</a:t>
+            </a:r>
+          </a:p>
+          <a:p>
+            <a:r>
+              <a:rPr lang="de-DE" dirty="0"/>
+              <a:t>- Arbeitspaketerstellung</a:t>
+            </a:r>
+          </a:p>
+          <a:p>
+            <a:r>
+              <a:rPr lang="de-DE" dirty="0"/>
+              <a:t>- Paketaufteilung</a:t>
+            </a:r>
+          </a:p>
+          <a:p>
+            <a:r>
+              <a:rPr lang="de-DE" dirty="0"/>
+              <a:t>- Nutzerumfrage</a:t>
+            </a:r>
+          </a:p>
+          <a:p>
+            <a:endParaRPr lang="de-DE" dirty="0"/>
+          </a:p>
+        </p:txBody>
+      </p:sp>
+      <p:sp>
+        <p:nvSpPr>
+          <p:cNvPr id="4" name="Foliennummernplatzhalter 3"/>
+          <p:cNvSpPr>
+            <a:spLocks noGrp="1"/>
+          </p:cNvSpPr>
+          <p:nvPr>
+            <p:ph type="sldNum" sz="quarter" idx="5"/>
+          </p:nvPr>
+        </p:nvSpPr>
+        <p:spPr/>
+        <p:txBody>
+          <a:bodyPr/>
+          <a:lstStyle/>
+          <a:p>
+            <a:fld id="{7023F634-3B75-3C42-9B21-44E0DAFB93BE}" type="slidenum">
+              <a:rPr lang="de-DE" smtClean="0"/>
+              <a:t>4</a:t>
+            </a:fld>
+            <a:endParaRPr lang="de-DE"/>
+          </a:p>
+        </p:txBody>
+      </p:sp>
+    </p:spTree>
+    <p:extLst>
+      <p:ext uri="{BB962C8B-B14F-4D97-AF65-F5344CB8AC3E}">
+        <p14:creationId xmlns:p14="http://schemas.microsoft.com/office/powerpoint/2010/main" val="691431207"/>
+      </p:ext>
+    </p:extLst>
+  </p:cSld>
+  <p:clrMapOvr>
+    <a:masterClrMapping/>
+  </p:clrMapOvr>
+</p:notes>
+</file>
+
+<file path=ppt/notesSlides/notesSlide3.xml><?xml version="1.0" encoding="utf-8"?>
+<p:notes xmlns:a="http://schemas.openxmlformats.org/drawingml/2006/main" xmlns:r="http://schemas.openxmlformats.org/officeDocument/2006/relationships" xmlns:p="http://schemas.openxmlformats.org/presentationml/2006/main">
+  <p:cSld>
+    <p:spTree>
+      <p:nvGrpSpPr>
+        <p:cNvPr id="1" name=""/>
+        <p:cNvGrpSpPr/>
+        <p:nvPr/>
+      </p:nvGrpSpPr>
+      <p:grpSpPr>
+        <a:xfrm>
+          <a:off x="0" y="0"/>
+          <a:ext cx="0" cy="0"/>
+          <a:chOff x="0" y="0"/>
+          <a:chExt cx="0" cy="0"/>
+        </a:xfrm>
+      </p:grpSpPr>
+      <p:sp>
+        <p:nvSpPr>
+          <p:cNvPr id="2" name="Folienbildplatzhalter 1"/>
+          <p:cNvSpPr>
+            <a:spLocks noGrp="1" noRot="1" noChangeAspect="1"/>
+          </p:cNvSpPr>
+          <p:nvPr>
+            <p:ph type="sldImg"/>
+          </p:nvPr>
+        </p:nvSpPr>
+        <p:spPr/>
+      </p:sp>
+      <p:sp>
+        <p:nvSpPr>
+          <p:cNvPr id="3" name="Notizenplatzhalter 2"/>
+          <p:cNvSpPr>
+            <a:spLocks noGrp="1"/>
+          </p:cNvSpPr>
+          <p:nvPr>
+            <p:ph type="body" idx="1"/>
+          </p:nvPr>
+        </p:nvSpPr>
+        <p:spPr/>
+        <p:txBody>
+          <a:bodyPr/>
+          <a:lstStyle/>
+          <a:p>
+            <a:pPr marL="0" indent="0">
+              <a:buNone/>
+            </a:pPr>
+            <a:r>
+              <a:rPr lang="de-DE" b="1" dirty="0"/>
+              <a:t>c) Lief alles planmäßig? Wenn nein, gibt es Änderungen im Plan?</a:t>
+            </a:r>
+          </a:p>
+          <a:p>
+            <a:r>
+              <a:rPr lang="de-DE" b="1" dirty="0"/>
+              <a:t>Ja, außer:</a:t>
+            </a:r>
+          </a:p>
+          <a:p>
+            <a:r>
+              <a:rPr lang="de-DE" dirty="0"/>
+              <a:t>Durch Corona: Kein Befragen von Fitnessstudios möglich</a:t>
+            </a:r>
+          </a:p>
+          <a:p>
+            <a:r>
+              <a:rPr lang="de-DE" dirty="0"/>
+              <a:t>-&amp;</a:t>
+            </a:r>
+            <a:r>
+              <a:rPr lang="de-DE" dirty="0" err="1"/>
+              <a:t>gt</a:t>
+            </a:r>
+            <a:r>
+              <a:rPr lang="de-DE" dirty="0"/>
+              <a:t>; Vertagen oder Wegfall je nach weiterer Entwicklung der Maßnahmen</a:t>
+            </a:r>
+          </a:p>
+          <a:p>
+            <a:r>
+              <a:rPr lang="de-DE" dirty="0"/>
+              <a:t>-&amp;</a:t>
+            </a:r>
+            <a:r>
+              <a:rPr lang="de-DE" dirty="0" err="1"/>
+              <a:t>gt</a:t>
+            </a:r>
+            <a:r>
+              <a:rPr lang="de-DE" dirty="0"/>
+              <a:t>; Vorziehen der weiteren Schritte (am Ende weiterer Puffer zur ggf. Kommenden Umfrage)</a:t>
+            </a:r>
+          </a:p>
+          <a:p>
+            <a:endParaRPr lang="de-DE" dirty="0"/>
+          </a:p>
+        </p:txBody>
+      </p:sp>
+      <p:sp>
+        <p:nvSpPr>
+          <p:cNvPr id="4" name="Foliennummernplatzhalter 3"/>
+          <p:cNvSpPr>
+            <a:spLocks noGrp="1"/>
+          </p:cNvSpPr>
+          <p:nvPr>
+            <p:ph type="sldNum" sz="quarter" idx="5"/>
+          </p:nvPr>
+        </p:nvSpPr>
+        <p:spPr/>
+        <p:txBody>
+          <a:bodyPr/>
+          <a:lstStyle/>
+          <a:p>
+            <a:fld id="{7023F634-3B75-3C42-9B21-44E0DAFB93BE}" type="slidenum">
+              <a:rPr lang="de-DE" smtClean="0"/>
+              <a:t>5</a:t>
+            </a:fld>
+            <a:endParaRPr lang="de-DE"/>
+          </a:p>
+        </p:txBody>
+      </p:sp>
+    </p:spTree>
+    <p:extLst>
+      <p:ext uri="{BB962C8B-B14F-4D97-AF65-F5344CB8AC3E}">
+        <p14:creationId xmlns:p14="http://schemas.microsoft.com/office/powerpoint/2010/main" val="2506434219"/>
+      </p:ext>
+    </p:extLst>
+  </p:cSld>
+  <p:clrMapOvr>
+    <a:masterClrMapping/>
+  </p:clrMapOvr>
+</p:notes>
+</file>
+
+<file path=ppt/notesSlides/notesSlide4.xml><?xml version="1.0" encoding="utf-8"?>
+<p:notes xmlns:a="http://schemas.openxmlformats.org/drawingml/2006/main" xmlns:r="http://schemas.openxmlformats.org/officeDocument/2006/relationships" xmlns:p="http://schemas.openxmlformats.org/presentationml/2006/main">
+  <p:cSld>
+    <p:spTree>
+      <p:nvGrpSpPr>
+        <p:cNvPr id="1" name=""/>
+        <p:cNvGrpSpPr/>
+        <p:nvPr/>
+      </p:nvGrpSpPr>
+      <p:grpSpPr>
+        <a:xfrm>
+          <a:off x="0" y="0"/>
+          <a:ext cx="0" cy="0"/>
+          <a:chOff x="0" y="0"/>
+          <a:chExt cx="0" cy="0"/>
+        </a:xfrm>
+      </p:grpSpPr>
+      <p:sp>
+        <p:nvSpPr>
+          <p:cNvPr id="2" name="Folienbildplatzhalter 1"/>
+          <p:cNvSpPr>
+            <a:spLocks noGrp="1" noRot="1" noChangeAspect="1"/>
+          </p:cNvSpPr>
+          <p:nvPr>
+            <p:ph type="sldImg"/>
+          </p:nvPr>
+        </p:nvSpPr>
+        <p:spPr/>
+      </p:sp>
+      <p:sp>
+        <p:nvSpPr>
+          <p:cNvPr id="3" name="Notizenplatzhalter 2"/>
+          <p:cNvSpPr>
+            <a:spLocks noGrp="1"/>
+          </p:cNvSpPr>
+          <p:nvPr>
+            <p:ph type="body" idx="1"/>
+          </p:nvPr>
+        </p:nvSpPr>
+        <p:spPr/>
+        <p:txBody>
+          <a:bodyPr/>
+          <a:lstStyle/>
+          <a:p>
+            <a:pPr marL="0" indent="0">
+              <a:buNone/>
+            </a:pPr>
+            <a:r>
+              <a:rPr lang="de-DE" b="1" dirty="0"/>
+              <a:t>c) Lief alles planmäßig? Wenn nein, gibt es Änderungen im Plan?</a:t>
+            </a:r>
+          </a:p>
+          <a:p>
+            <a:r>
+              <a:rPr lang="de-DE" b="1" dirty="0"/>
+              <a:t>Ja, außer:</a:t>
+            </a:r>
+          </a:p>
+          <a:p>
+            <a:r>
+              <a:rPr lang="de-DE" dirty="0"/>
+              <a:t>Durch Corona: Kein Befragen von Fitnessstudios möglich</a:t>
+            </a:r>
+          </a:p>
+          <a:p>
+            <a:r>
+              <a:rPr lang="de-DE" dirty="0"/>
+              <a:t>-&amp;</a:t>
+            </a:r>
+            <a:r>
+              <a:rPr lang="de-DE" dirty="0" err="1"/>
+              <a:t>gt</a:t>
+            </a:r>
+            <a:r>
+              <a:rPr lang="de-DE" dirty="0"/>
+              <a:t>; Vertagen oder Wegfall je nach weiterer Entwicklung der Maßnahmen</a:t>
+            </a:r>
+          </a:p>
+          <a:p>
+            <a:r>
+              <a:rPr lang="de-DE" dirty="0"/>
+              <a:t>-&amp;</a:t>
+            </a:r>
+            <a:r>
+              <a:rPr lang="de-DE" dirty="0" err="1"/>
+              <a:t>gt</a:t>
+            </a:r>
+            <a:r>
+              <a:rPr lang="de-DE" dirty="0"/>
+              <a:t>; Vorziehen der weiteren Schritte (am Ende weiterer Puffer zur ggf. Kommenden Umfrage)</a:t>
+            </a:r>
+          </a:p>
+          <a:p>
+            <a:endParaRPr lang="de-DE" dirty="0"/>
+          </a:p>
+        </p:txBody>
+      </p:sp>
+      <p:sp>
+        <p:nvSpPr>
+          <p:cNvPr id="4" name="Foliennummernplatzhalter 3"/>
+          <p:cNvSpPr>
+            <a:spLocks noGrp="1"/>
+          </p:cNvSpPr>
+          <p:nvPr>
+            <p:ph type="sldNum" sz="quarter" idx="5"/>
+          </p:nvPr>
+        </p:nvSpPr>
+        <p:spPr/>
+        <p:txBody>
+          <a:bodyPr/>
+          <a:lstStyle/>
+          <a:p>
+            <a:fld id="{7023F634-3B75-3C42-9B21-44E0DAFB93BE}" type="slidenum">
+              <a:rPr lang="de-DE" smtClean="0"/>
+              <a:t>6</a:t>
+            </a:fld>
+            <a:endParaRPr lang="de-DE"/>
+          </a:p>
+        </p:txBody>
+      </p:sp>
+    </p:spTree>
+    <p:extLst>
+      <p:ext uri="{BB962C8B-B14F-4D97-AF65-F5344CB8AC3E}">
+        <p14:creationId xmlns:p14="http://schemas.microsoft.com/office/powerpoint/2010/main" val="2728311340"/>
+      </p:ext>
+    </p:extLst>
+  </p:cSld>
+  <p:clrMapOvr>
+    <a:masterClrMapping/>
+  </p:clrMapOvr>
+</p:notes>
+</file>
+
+<file path=ppt/notesSlides/notesSlide5.xml><?xml version="1.0" encoding="utf-8"?>
+<p:notes xmlns:a="http://schemas.openxmlformats.org/drawingml/2006/main" xmlns:r="http://schemas.openxmlformats.org/officeDocument/2006/relationships" xmlns:p="http://schemas.openxmlformats.org/presentationml/2006/main">
+  <p:cSld>
+    <p:spTree>
+      <p:nvGrpSpPr>
+        <p:cNvPr id="1" name=""/>
+        <p:cNvGrpSpPr/>
+        <p:nvPr/>
+      </p:nvGrpSpPr>
+      <p:grpSpPr>
+        <a:xfrm>
+          <a:off x="0" y="0"/>
+          <a:ext cx="0" cy="0"/>
+          <a:chOff x="0" y="0"/>
+          <a:chExt cx="0" cy="0"/>
+        </a:xfrm>
+      </p:grpSpPr>
+      <p:sp>
+        <p:nvSpPr>
+          <p:cNvPr id="2" name="Folienbildplatzhalter 1"/>
+          <p:cNvSpPr>
+            <a:spLocks noGrp="1" noRot="1" noChangeAspect="1"/>
+          </p:cNvSpPr>
+          <p:nvPr>
+            <p:ph type="sldImg"/>
+          </p:nvPr>
+        </p:nvSpPr>
+        <p:spPr/>
+      </p:sp>
+      <p:sp>
+        <p:nvSpPr>
+          <p:cNvPr id="3" name="Notizenplatzhalter 2"/>
+          <p:cNvSpPr>
+            <a:spLocks noGrp="1"/>
+          </p:cNvSpPr>
+          <p:nvPr>
+            <p:ph type="body" idx="1"/>
+          </p:nvPr>
+        </p:nvSpPr>
+        <p:spPr/>
+        <p:txBody>
+          <a:bodyPr/>
+          <a:lstStyle/>
+          <a:p>
+            <a:pPr marL="0" indent="0">
+              <a:buNone/>
+            </a:pPr>
+            <a:r>
+              <a:rPr lang="de-DE" b="1" dirty="0"/>
+              <a:t>d) Folgende Schritte</a:t>
+            </a:r>
+          </a:p>
+          <a:p>
+            <a:r>
+              <a:rPr lang="de-DE" dirty="0"/>
+              <a:t>Start der Programmierung:</a:t>
+            </a:r>
+          </a:p>
+          <a:p>
+            <a:r>
+              <a:rPr lang="de-DE" dirty="0"/>
+              <a:t>- Sensor auslesen</a:t>
+            </a:r>
+          </a:p>
+          <a:p>
+            <a:pPr marL="171450" indent="-171450">
+              <a:buFontTx/>
+              <a:buChar char="-"/>
+            </a:pPr>
+            <a:r>
+              <a:rPr lang="de-DE" dirty="0"/>
+              <a:t>App-Grundgerät</a:t>
+            </a:r>
+          </a:p>
+          <a:p>
+            <a:pPr marL="171450" marR="0" lvl="0" indent="-171450" algn="l" defTabSz="914400" rtl="0" eaLnBrk="1" fontAlgn="auto" latinLnBrk="0" hangingPunct="1">
+              <a:lnSpc>
+                <a:spcPct val="100000"/>
+              </a:lnSpc>
+              <a:spcBef>
+                <a:spcPts val="0"/>
+              </a:spcBef>
+              <a:spcAft>
+                <a:spcPts val="0"/>
+              </a:spcAft>
+              <a:buClrTx/>
+              <a:buSzTx/>
+              <a:buFontTx/>
+              <a:buChar char="-"/>
+              <a:tabLst/>
+              <a:defRPr/>
+            </a:pPr>
+            <a:r>
+              <a:rPr lang="de-DE" dirty="0"/>
+              <a:t>Datenbankeinbindung</a:t>
+            </a:r>
+          </a:p>
+          <a:p>
+            <a:pPr marL="171450" indent="-171450">
+              <a:buFontTx/>
+              <a:buChar char="-"/>
+            </a:pPr>
+            <a:endParaRPr lang="de-DE" dirty="0"/>
+          </a:p>
+          <a:p>
+            <a:endParaRPr lang="de-DE" dirty="0"/>
+          </a:p>
+        </p:txBody>
+      </p:sp>
+      <p:sp>
+        <p:nvSpPr>
+          <p:cNvPr id="4" name="Foliennummernplatzhalter 3"/>
+          <p:cNvSpPr>
+            <a:spLocks noGrp="1"/>
+          </p:cNvSpPr>
+          <p:nvPr>
+            <p:ph type="sldNum" sz="quarter" idx="5"/>
+          </p:nvPr>
+        </p:nvSpPr>
+        <p:spPr/>
+        <p:txBody>
+          <a:bodyPr/>
+          <a:lstStyle/>
+          <a:p>
+            <a:fld id="{7023F634-3B75-3C42-9B21-44E0DAFB93BE}" type="slidenum">
+              <a:rPr lang="de-DE" smtClean="0"/>
+              <a:t>7</a:t>
+            </a:fld>
+            <a:endParaRPr lang="de-DE"/>
+          </a:p>
+        </p:txBody>
+      </p:sp>
+    </p:spTree>
+    <p:extLst>
+      <p:ext uri="{BB962C8B-B14F-4D97-AF65-F5344CB8AC3E}">
+        <p14:creationId xmlns:p14="http://schemas.microsoft.com/office/powerpoint/2010/main" val="2934266147"/>
+      </p:ext>
+    </p:extLst>
+  </p:cSld>
+  <p:clrMapOvr>
+    <a:masterClrMapping/>
+  </p:clrMapOvr>
+</p:notes>
+</file>
+
+<file path=ppt/notesSlides/notesSlide6.xml><?xml version="1.0" encoding="utf-8"?>
+<p:notes xmlns:a="http://schemas.openxmlformats.org/drawingml/2006/main" xmlns:r="http://schemas.openxmlformats.org/officeDocument/2006/relationships" xmlns:p="http://schemas.openxmlformats.org/presentationml/2006/main">
+  <p:cSld>
+    <p:spTree>
+      <p:nvGrpSpPr>
+        <p:cNvPr id="1" name=""/>
+        <p:cNvGrpSpPr/>
+        <p:nvPr/>
+      </p:nvGrpSpPr>
+      <p:grpSpPr>
+        <a:xfrm>
+          <a:off x="0" y="0"/>
+          <a:ext cx="0" cy="0"/>
+          <a:chOff x="0" y="0"/>
+          <a:chExt cx="0" cy="0"/>
+        </a:xfrm>
+      </p:grpSpPr>
+      <p:sp>
+        <p:nvSpPr>
+          <p:cNvPr id="2" name="Folienbildplatzhalter 1"/>
+          <p:cNvSpPr>
+            <a:spLocks noGrp="1" noRot="1" noChangeAspect="1"/>
+          </p:cNvSpPr>
+          <p:nvPr>
+            <p:ph type="sldImg"/>
+          </p:nvPr>
+        </p:nvSpPr>
+        <p:spPr/>
+      </p:sp>
+      <p:sp>
+        <p:nvSpPr>
+          <p:cNvPr id="3" name="Notizenplatzhalter 2"/>
+          <p:cNvSpPr>
+            <a:spLocks noGrp="1"/>
+          </p:cNvSpPr>
+          <p:nvPr>
+            <p:ph type="body" idx="1"/>
+          </p:nvPr>
+        </p:nvSpPr>
+        <p:spPr/>
+        <p:txBody>
+          <a:bodyPr/>
+          <a:lstStyle/>
+          <a:p>
+            <a:r>
+              <a:rPr lang="de-DE" dirty="0"/>
+              <a:t>1. Scannen von NFC-Chip via Smartphone</a:t>
+            </a:r>
+          </a:p>
+          <a:p>
+            <a:r>
+              <a:rPr lang="de-DE" dirty="0"/>
+              <a:t>2. Öffnung der App (</a:t>
+            </a:r>
+            <a:r>
+              <a:rPr lang="de-DE" dirty="0" err="1"/>
+              <a:t>Activity</a:t>
+            </a:r>
+            <a:r>
+              <a:rPr lang="de-DE" dirty="0"/>
+              <a:t> der gescannten Übung)</a:t>
+            </a:r>
+          </a:p>
+          <a:p>
+            <a:r>
+              <a:rPr lang="de-DE" dirty="0"/>
+              <a:t>3. Sensor erkennt Bewegungen und Richtigkeit der Ausführung</a:t>
+            </a:r>
+          </a:p>
+          <a:p>
+            <a:r>
+              <a:rPr lang="de-DE" dirty="0"/>
+              <a:t>4. Schreibt Werte in Datenbank</a:t>
+            </a:r>
+          </a:p>
+          <a:p>
+            <a:r>
+              <a:rPr lang="de-DE" dirty="0"/>
+              <a:t>5. App liest Werte aus und stellt sie dem Nutzer dar</a:t>
+            </a:r>
+          </a:p>
+          <a:p>
+            <a:endParaRPr lang="de-DE" dirty="0"/>
+          </a:p>
+        </p:txBody>
+      </p:sp>
+      <p:sp>
+        <p:nvSpPr>
+          <p:cNvPr id="4" name="Foliennummernplatzhalter 3"/>
+          <p:cNvSpPr>
+            <a:spLocks noGrp="1"/>
+          </p:cNvSpPr>
+          <p:nvPr>
+            <p:ph type="sldNum" sz="quarter" idx="5"/>
+          </p:nvPr>
+        </p:nvSpPr>
+        <p:spPr/>
+        <p:txBody>
+          <a:bodyPr/>
+          <a:lstStyle/>
+          <a:p>
+            <a:fld id="{7023F634-3B75-3C42-9B21-44E0DAFB93BE}" type="slidenum">
+              <a:rPr lang="de-DE" smtClean="0"/>
+              <a:t>8</a:t>
+            </a:fld>
+            <a:endParaRPr lang="de-DE"/>
+          </a:p>
+        </p:txBody>
+      </p:sp>
+    </p:spTree>
+    <p:extLst>
+      <p:ext uri="{BB962C8B-B14F-4D97-AF65-F5344CB8AC3E}">
+        <p14:creationId xmlns:p14="http://schemas.microsoft.com/office/powerpoint/2010/main" val="218988608"/>
+      </p:ext>
+    </p:extLst>
+  </p:cSld>
+  <p:clrMapOvr>
+    <a:masterClrMapping/>
+  </p:clrMapOvr>
+</p:notes>
+</file>
+
+<file path=ppt/notesSlides/notesSlide7.xml><?xml version="1.0" encoding="utf-8"?>
+<p:notes xmlns:a="http://schemas.openxmlformats.org/drawingml/2006/main" xmlns:r="http://schemas.openxmlformats.org/officeDocument/2006/relationships" xmlns:p="http://schemas.openxmlformats.org/presentationml/2006/main">
+  <p:cSld>
+    <p:spTree>
+      <p:nvGrpSpPr>
+        <p:cNvPr id="1" name=""/>
+        <p:cNvGrpSpPr/>
+        <p:nvPr/>
+      </p:nvGrpSpPr>
+      <p:grpSpPr>
+        <a:xfrm>
+          <a:off x="0" y="0"/>
+          <a:ext cx="0" cy="0"/>
+          <a:chOff x="0" y="0"/>
+          <a:chExt cx="0" cy="0"/>
+        </a:xfrm>
+      </p:grpSpPr>
+      <p:sp>
+        <p:nvSpPr>
+          <p:cNvPr id="2" name="Folienbildplatzhalter 1"/>
+          <p:cNvSpPr>
+            <a:spLocks noGrp="1" noRot="1" noChangeAspect="1"/>
+          </p:cNvSpPr>
+          <p:nvPr>
+            <p:ph type="sldImg"/>
+          </p:nvPr>
+        </p:nvSpPr>
+        <p:spPr/>
+      </p:sp>
+      <p:sp>
+        <p:nvSpPr>
+          <p:cNvPr id="3" name="Notizenplatzhalter 2"/>
+          <p:cNvSpPr>
+            <a:spLocks noGrp="1"/>
+          </p:cNvSpPr>
+          <p:nvPr>
+            <p:ph type="body" idx="1"/>
+          </p:nvPr>
+        </p:nvSpPr>
+        <p:spPr/>
+        <p:txBody>
+          <a:bodyPr/>
+          <a:lstStyle/>
+          <a:p>
+            <a:r>
+              <a:rPr lang="de-DE" dirty="0"/>
+              <a:t>1. Scannen von NFC-Chip via Smartphone</a:t>
+            </a:r>
+          </a:p>
+          <a:p>
+            <a:r>
+              <a:rPr lang="de-DE" dirty="0"/>
+              <a:t>2. Öffnung der App (</a:t>
+            </a:r>
+            <a:r>
+              <a:rPr lang="de-DE" dirty="0" err="1"/>
+              <a:t>Activity</a:t>
+            </a:r>
+            <a:r>
+              <a:rPr lang="de-DE" dirty="0"/>
+              <a:t> der gescannten Übung)</a:t>
+            </a:r>
+          </a:p>
+          <a:p>
+            <a:r>
+              <a:rPr lang="de-DE" dirty="0"/>
+              <a:t>3. Sensor erkennt Bewegungen und Richtigkeit der Ausführung</a:t>
+            </a:r>
+          </a:p>
+          <a:p>
+            <a:r>
+              <a:rPr lang="de-DE" dirty="0"/>
+              <a:t>4. Schreibt Werte in Datenbank</a:t>
+            </a:r>
+          </a:p>
+          <a:p>
+            <a:r>
+              <a:rPr lang="de-DE" dirty="0"/>
+              <a:t>5. App liest Werte aus und stellt sie dem Nutzer dar</a:t>
+            </a:r>
+          </a:p>
+          <a:p>
+            <a:endParaRPr lang="de-DE" dirty="0"/>
+          </a:p>
+        </p:txBody>
+      </p:sp>
+      <p:sp>
+        <p:nvSpPr>
+          <p:cNvPr id="4" name="Foliennummernplatzhalter 3"/>
+          <p:cNvSpPr>
+            <a:spLocks noGrp="1"/>
+          </p:cNvSpPr>
+          <p:nvPr>
+            <p:ph type="sldNum" sz="quarter" idx="5"/>
+          </p:nvPr>
+        </p:nvSpPr>
+        <p:spPr/>
+        <p:txBody>
+          <a:bodyPr/>
+          <a:lstStyle/>
+          <a:p>
+            <a:fld id="{7023F634-3B75-3C42-9B21-44E0DAFB93BE}" type="slidenum">
+              <a:rPr lang="de-DE" smtClean="0"/>
+              <a:t>9</a:t>
+            </a:fld>
+            <a:endParaRPr lang="de-DE"/>
+          </a:p>
+        </p:txBody>
+      </p:sp>
+    </p:spTree>
+    <p:extLst>
+      <p:ext uri="{BB962C8B-B14F-4D97-AF65-F5344CB8AC3E}">
+        <p14:creationId xmlns:p14="http://schemas.microsoft.com/office/powerpoint/2010/main" val="3194941530"/>
+      </p:ext>
+    </p:extLst>
+  </p:cSld>
+  <p:clrMapOvr>
+    <a:masterClrMapping/>
+  </p:clrMapOvr>
+</p:notes>
+</file>
+
+<file path=ppt/notesSlides/notesSlide8.xml><?xml version="1.0" encoding="utf-8"?>
+<p:notes xmlns:a="http://schemas.openxmlformats.org/drawingml/2006/main" xmlns:r="http://schemas.openxmlformats.org/officeDocument/2006/relationships" xmlns:p="http://schemas.openxmlformats.org/presentationml/2006/main">
+  <p:cSld>
+    <p:spTree>
+      <p:nvGrpSpPr>
+        <p:cNvPr id="1" name=""/>
+        <p:cNvGrpSpPr/>
+        <p:nvPr/>
+      </p:nvGrpSpPr>
+      <p:grpSpPr>
+        <a:xfrm>
+          <a:off x="0" y="0"/>
+          <a:ext cx="0" cy="0"/>
+          <a:chOff x="0" y="0"/>
+          <a:chExt cx="0" cy="0"/>
+        </a:xfrm>
+      </p:grpSpPr>
+      <p:sp>
+        <p:nvSpPr>
+          <p:cNvPr id="2" name="Folienbildplatzhalter 1"/>
+          <p:cNvSpPr>
+            <a:spLocks noGrp="1" noRot="1" noChangeAspect="1"/>
+          </p:cNvSpPr>
+          <p:nvPr>
+            <p:ph type="sldImg"/>
+          </p:nvPr>
+        </p:nvSpPr>
+        <p:spPr/>
+      </p:sp>
+      <p:sp>
+        <p:nvSpPr>
+          <p:cNvPr id="3" name="Notizenplatzhalter 2"/>
+          <p:cNvSpPr>
+            <a:spLocks noGrp="1"/>
+          </p:cNvSpPr>
+          <p:nvPr>
+            <p:ph type="body" idx="1"/>
+          </p:nvPr>
+        </p:nvSpPr>
+        <p:spPr/>
+        <p:txBody>
+          <a:bodyPr/>
+          <a:lstStyle/>
+          <a:p>
+            <a:pPr marL="0" indent="0">
+              <a:buNone/>
+            </a:pPr>
+            <a:r>
+              <a:rPr lang="de-DE" b="1" u="sng" dirty="0"/>
+              <a:t>b) Mögliche Probleme</a:t>
+            </a:r>
+          </a:p>
+          <a:p>
+            <a:r>
+              <a:rPr lang="de-DE" b="1" dirty="0"/>
+              <a:t>Bewegungserkennung</a:t>
+            </a:r>
+          </a:p>
+          <a:p>
+            <a:pPr lvl="1"/>
+            <a:r>
+              <a:rPr lang="de-DE" dirty="0"/>
+              <a:t>Zählen der richtigen Bewegungen</a:t>
+            </a:r>
+          </a:p>
+          <a:p>
+            <a:pPr lvl="1"/>
+            <a:r>
+              <a:rPr lang="de-DE" dirty="0"/>
+              <a:t>insbesondere falsche Ausführung erkennen</a:t>
+            </a:r>
+          </a:p>
+          <a:p>
+            <a:r>
+              <a:rPr lang="de-DE" b="1" dirty="0"/>
+              <a:t>Kompaktes Design des </a:t>
+            </a:r>
+            <a:r>
+              <a:rPr lang="de-DE" b="1" dirty="0" err="1"/>
+              <a:t>Wearables</a:t>
+            </a:r>
+            <a:endParaRPr lang="de-DE" b="1" dirty="0"/>
+          </a:p>
+          <a:p>
+            <a:pPr lvl="1"/>
+            <a:r>
+              <a:rPr lang="de-DE" dirty="0"/>
+              <a:t>Könnte größer werden als gedacht/angenehm (Gehäuse)</a:t>
+            </a:r>
+          </a:p>
+          <a:p>
+            <a:endParaRPr lang="de-DE" dirty="0"/>
+          </a:p>
+        </p:txBody>
+      </p:sp>
+      <p:sp>
+        <p:nvSpPr>
+          <p:cNvPr id="4" name="Foliennummernplatzhalter 3"/>
+          <p:cNvSpPr>
+            <a:spLocks noGrp="1"/>
+          </p:cNvSpPr>
+          <p:nvPr>
+            <p:ph type="sldNum" sz="quarter" idx="5"/>
+          </p:nvPr>
+        </p:nvSpPr>
+        <p:spPr/>
+        <p:txBody>
+          <a:bodyPr/>
+          <a:lstStyle/>
+          <a:p>
+            <a:fld id="{7023F634-3B75-3C42-9B21-44E0DAFB93BE}" type="slidenum">
+              <a:rPr lang="de-DE" smtClean="0"/>
+              <a:t>10</a:t>
+            </a:fld>
+            <a:endParaRPr lang="de-DE"/>
+          </a:p>
+        </p:txBody>
+      </p:sp>
+    </p:spTree>
+    <p:extLst>
+      <p:ext uri="{BB962C8B-B14F-4D97-AF65-F5344CB8AC3E}">
+        <p14:creationId xmlns:p14="http://schemas.microsoft.com/office/powerpoint/2010/main" val="2719721182"/>
+      </p:ext>
+    </p:extLst>
+  </p:cSld>
+  <p:clrMapOvr>
+    <a:masterClrMapping/>
+  </p:clrMapOvr>
+</p:notes>
 </file>
 
 <file path=ppt/slideLayouts/slideLayout1.xml><?xml version="1.0" encoding="utf-8"?>
@@ -838,7 +2248,7 @@
           <a:p>
             <a:fld id="{05398259-13D8-49B1-995A-833CACEE6A13}" type="datetimeFigureOut">
               <a:rPr lang="de-DE" smtClean="0"/>
-              <a:t>05.11.2020</a:t>
+              <a:t>06.11.20</a:t>
             </a:fld>
             <a:endParaRPr lang="de-DE"/>
           </a:p>
@@ -1089,7 +2499,7 @@
           <a:p>
             <a:fld id="{05398259-13D8-49B1-995A-833CACEE6A13}" type="datetimeFigureOut">
               <a:rPr lang="de-DE" smtClean="0"/>
-              <a:t>05.11.2020</a:t>
+              <a:t>06.11.20</a:t>
             </a:fld>
             <a:endParaRPr lang="de-DE"/>
           </a:p>
@@ -1403,7 +2813,7 @@
           <a:p>
             <a:fld id="{05398259-13D8-49B1-995A-833CACEE6A13}" type="datetimeFigureOut">
               <a:rPr lang="de-DE" smtClean="0"/>
-              <a:t>05.11.2020</a:t>
+              <a:t>06.11.20</a:t>
             </a:fld>
             <a:endParaRPr lang="de-DE"/>
           </a:p>
@@ -1744,7 +3154,7 @@
           <a:p>
             <a:fld id="{05398259-13D8-49B1-995A-833CACEE6A13}" type="datetimeFigureOut">
               <a:rPr lang="de-DE" smtClean="0"/>
-              <a:t>05.11.2020</a:t>
+              <a:t>06.11.20</a:t>
             </a:fld>
             <a:endParaRPr lang="de-DE"/>
           </a:p>
@@ -2058,7 +3468,7 @@
           <a:p>
             <a:fld id="{05398259-13D8-49B1-995A-833CACEE6A13}" type="datetimeFigureOut">
               <a:rPr lang="de-DE" smtClean="0"/>
-              <a:t>05.11.2020</a:t>
+              <a:t>06.11.20</a:t>
             </a:fld>
             <a:endParaRPr lang="de-DE"/>
           </a:p>
@@ -2451,7 +3861,7 @@
           <a:p>
             <a:fld id="{05398259-13D8-49B1-995A-833CACEE6A13}" type="datetimeFigureOut">
               <a:rPr lang="de-DE" smtClean="0"/>
-              <a:t>05.11.2020</a:t>
+              <a:t>06.11.20</a:t>
             </a:fld>
             <a:endParaRPr lang="de-DE"/>
           </a:p>
@@ -2621,7 +4031,7 @@
           <a:p>
             <a:fld id="{05398259-13D8-49B1-995A-833CACEE6A13}" type="datetimeFigureOut">
               <a:rPr lang="de-DE" smtClean="0"/>
-              <a:t>05.11.2020</a:t>
+              <a:t>06.11.20</a:t>
             </a:fld>
             <a:endParaRPr lang="de-DE"/>
           </a:p>
@@ -2801,7 +4211,7 @@
           <a:p>
             <a:fld id="{05398259-13D8-49B1-995A-833CACEE6A13}" type="datetimeFigureOut">
               <a:rPr lang="de-DE" smtClean="0"/>
-              <a:t>05.11.2020</a:t>
+              <a:t>06.11.20</a:t>
             </a:fld>
             <a:endParaRPr lang="de-DE"/>
           </a:p>
@@ -2977,7 +4387,7 @@
           <a:p>
             <a:fld id="{05398259-13D8-49B1-995A-833CACEE6A13}" type="datetimeFigureOut">
               <a:rPr lang="de-DE" smtClean="0"/>
-              <a:t>05.11.2020</a:t>
+              <a:t>06.11.20</a:t>
             </a:fld>
             <a:endParaRPr lang="de-DE"/>
           </a:p>
@@ -3224,7 +4634,7 @@
           <a:p>
             <a:fld id="{05398259-13D8-49B1-995A-833CACEE6A13}" type="datetimeFigureOut">
               <a:rPr lang="de-DE" smtClean="0"/>
-              <a:t>05.11.2020</a:t>
+              <a:t>06.11.20</a:t>
             </a:fld>
             <a:endParaRPr lang="de-DE"/>
           </a:p>
@@ -3456,7 +4866,7 @@
           <a:p>
             <a:fld id="{05398259-13D8-49B1-995A-833CACEE6A13}" type="datetimeFigureOut">
               <a:rPr lang="de-DE" smtClean="0"/>
-              <a:t>05.11.2020</a:t>
+              <a:t>06.11.20</a:t>
             </a:fld>
             <a:endParaRPr lang="de-DE"/>
           </a:p>
@@ -3830,7 +5240,7 @@
           <a:p>
             <a:fld id="{05398259-13D8-49B1-995A-833CACEE6A13}" type="datetimeFigureOut">
               <a:rPr lang="de-DE" smtClean="0"/>
-              <a:t>05.11.2020</a:t>
+              <a:t>06.11.20</a:t>
             </a:fld>
             <a:endParaRPr lang="de-DE"/>
           </a:p>
@@ -3953,7 +5363,7 @@
           <a:p>
             <a:fld id="{05398259-13D8-49B1-995A-833CACEE6A13}" type="datetimeFigureOut">
               <a:rPr lang="de-DE" smtClean="0"/>
-              <a:t>05.11.2020</a:t>
+              <a:t>06.11.20</a:t>
             </a:fld>
             <a:endParaRPr lang="de-DE"/>
           </a:p>
@@ -4048,7 +5458,7 @@
           <a:p>
             <a:fld id="{05398259-13D8-49B1-995A-833CACEE6A13}" type="datetimeFigureOut">
               <a:rPr lang="de-DE" smtClean="0"/>
-              <a:t>05.11.2020</a:t>
+              <a:t>06.11.20</a:t>
             </a:fld>
             <a:endParaRPr lang="de-DE"/>
           </a:p>
@@ -4303,7 +5713,7 @@
           <a:p>
             <a:fld id="{05398259-13D8-49B1-995A-833CACEE6A13}" type="datetimeFigureOut">
               <a:rPr lang="de-DE" smtClean="0"/>
-              <a:t>05.11.2020</a:t>
+              <a:t>06.11.20</a:t>
             </a:fld>
             <a:endParaRPr lang="de-DE"/>
           </a:p>
@@ -4566,7 +5976,7 @@
           <a:p>
             <a:fld id="{05398259-13D8-49B1-995A-833CACEE6A13}" type="datetimeFigureOut">
               <a:rPr lang="de-DE" smtClean="0"/>
-              <a:t>05.11.2020</a:t>
+              <a:t>06.11.20</a:t>
             </a:fld>
             <a:endParaRPr lang="de-DE"/>
           </a:p>
@@ -5309,7 +6719,7 @@
           <a:p>
             <a:fld id="{05398259-13D8-49B1-995A-833CACEE6A13}" type="datetimeFigureOut">
               <a:rPr lang="de-DE" smtClean="0"/>
-              <a:t>05.11.2020</a:t>
+              <a:t>06.11.20</a:t>
             </a:fld>
             <a:endParaRPr lang="de-DE"/>
           </a:p>
@@ -6000,13 +7410,513 @@
         </p:nvSpPr>
         <p:spPr/>
         <p:txBody>
+          <a:bodyPr>
+            <a:normAutofit/>
+          </a:bodyPr>
+          <a:lstStyle/>
+          <a:p>
+            <a:pPr algn="ctr"/>
+            <a:r>
+              <a:rPr lang="de-DE" dirty="0"/>
+              <a:t>Umsetzung der Projektidee</a:t>
+            </a:r>
+          </a:p>
+        </p:txBody>
+      </p:sp>
+      <p:pic>
+        <p:nvPicPr>
+          <p:cNvPr id="5" name="Grafik 4">
+            <a:extLst>
+              <a:ext uri="{FF2B5EF4-FFF2-40B4-BE49-F238E27FC236}">
+                <a16:creationId xmlns:a16="http://schemas.microsoft.com/office/drawing/2014/main" id="{7D260344-23DD-4348-A2A1-C8A2EF22687F}"/>
+              </a:ext>
+            </a:extLst>
+          </p:cNvPr>
+          <p:cNvPicPr>
+            <a:picLocks noChangeAspect="1"/>
+          </p:cNvPicPr>
+          <p:nvPr/>
+        </p:nvPicPr>
+        <p:blipFill rotWithShape="1">
+          <a:blip r:embed="rId3" cstate="print">
+            <a:extLst>
+              <a:ext uri="{28A0092B-C50C-407E-A947-70E740481C1C}">
+                <a14:useLocalDpi xmlns:a14="http://schemas.microsoft.com/office/drawing/2010/main" val="0"/>
+              </a:ext>
+            </a:extLst>
+          </a:blip>
+          <a:srcRect l="11774" t="14019" r="12142" b="11639"/>
+          <a:stretch/>
+        </p:blipFill>
+        <p:spPr bwMode="auto">
+          <a:xfrm>
+            <a:off x="10401302" y="104775"/>
+            <a:ext cx="1678020" cy="1440000"/>
+          </a:xfrm>
+          <a:prstGeom prst="rect">
+            <a:avLst/>
+          </a:prstGeom>
+          <a:noFill/>
+          <a:ln>
+            <a:noFill/>
+          </a:ln>
+        </p:spPr>
+      </p:pic>
+      <p:pic>
+        <p:nvPicPr>
+          <p:cNvPr id="11" name="Grafik 10">
+            <a:extLst>
+              <a:ext uri="{FF2B5EF4-FFF2-40B4-BE49-F238E27FC236}">
+                <a16:creationId xmlns:a16="http://schemas.microsoft.com/office/drawing/2014/main" id="{BDE6FB44-65FD-4E2B-BE99-975EFC3E58BC}"/>
+              </a:ext>
+            </a:extLst>
+          </p:cNvPr>
+          <p:cNvPicPr>
+            <a:picLocks noChangeAspect="1"/>
+          </p:cNvPicPr>
+          <p:nvPr/>
+        </p:nvPicPr>
+        <p:blipFill rotWithShape="1">
+          <a:blip r:embed="rId4">
+            <a:extLst>
+              <a:ext uri="{28A0092B-C50C-407E-A947-70E740481C1C}">
+                <a14:useLocalDpi xmlns:a14="http://schemas.microsoft.com/office/drawing/2010/main" val="0"/>
+              </a:ext>
+            </a:extLst>
+          </a:blip>
+          <a:srcRect l="6667" t="9360" r="47917" b="29306"/>
+          <a:stretch/>
+        </p:blipFill>
+        <p:spPr>
+          <a:xfrm>
+            <a:off x="112678" y="104775"/>
+            <a:ext cx="1421712" cy="1440000"/>
+          </a:xfrm>
+          <a:prstGeom prst="rect">
+            <a:avLst/>
+          </a:prstGeom>
+        </p:spPr>
+      </p:pic>
+      <p:sp>
+        <p:nvSpPr>
+          <p:cNvPr id="6" name="Inhaltsplatzhalter 5">
+            <a:extLst>
+              <a:ext uri="{FF2B5EF4-FFF2-40B4-BE49-F238E27FC236}">
+                <a16:creationId xmlns:a16="http://schemas.microsoft.com/office/drawing/2014/main" id="{E57FA0E7-DD8D-B14F-99C2-D4FC70B98E81}"/>
+              </a:ext>
+            </a:extLst>
+          </p:cNvPr>
+          <p:cNvSpPr>
+            <a:spLocks noGrp="1"/>
+          </p:cNvSpPr>
+          <p:nvPr>
+            <p:ph idx="1"/>
+          </p:nvPr>
+        </p:nvSpPr>
+        <p:spPr>
+          <a:xfrm>
+            <a:off x="677334" y="3151413"/>
+            <a:ext cx="4066116" cy="1561436"/>
+          </a:xfrm>
+        </p:spPr>
+        <p:txBody>
           <a:bodyPr/>
           <a:lstStyle/>
           <a:p>
+            <a:r>
+              <a:rPr lang="de-DE" b="1" dirty="0"/>
+              <a:t>Bewegungserkennung</a:t>
+            </a:r>
+          </a:p>
+          <a:p>
+            <a:pPr lvl="1"/>
+            <a:r>
+              <a:rPr lang="de-DE" dirty="0"/>
+              <a:t>Zählen der richtigen Bewegungen</a:t>
+            </a:r>
+          </a:p>
+          <a:p>
+            <a:pPr lvl="1"/>
+            <a:r>
+              <a:rPr lang="de-DE" dirty="0"/>
+              <a:t>insbesondere falsche Ausführung erkennen</a:t>
+            </a:r>
+          </a:p>
+          <a:p>
+            <a:endParaRPr lang="de-DE" dirty="0"/>
+          </a:p>
+        </p:txBody>
+      </p:sp>
+      <p:sp>
+        <p:nvSpPr>
+          <p:cNvPr id="8" name="Textfeld 7">
+            <a:extLst>
+              <a:ext uri="{FF2B5EF4-FFF2-40B4-BE49-F238E27FC236}">
+                <a16:creationId xmlns:a16="http://schemas.microsoft.com/office/drawing/2014/main" id="{531AB123-C5C1-7D4A-876E-FD6AB335CECA}"/>
+              </a:ext>
+            </a:extLst>
+          </p:cNvPr>
+          <p:cNvSpPr txBox="1"/>
+          <p:nvPr/>
+        </p:nvSpPr>
+        <p:spPr>
+          <a:xfrm>
+            <a:off x="112678" y="2049600"/>
+            <a:ext cx="3234603" cy="477054"/>
+          </a:xfrm>
+          <a:prstGeom prst="rect">
+            <a:avLst/>
+          </a:prstGeom>
+          <a:noFill/>
+        </p:spPr>
+        <p:txBody>
+          <a:bodyPr wrap="none" rtlCol="0">
+            <a:spAutoFit/>
+          </a:bodyPr>
+          <a:lstStyle/>
+          <a:p>
+            <a:r>
+              <a:rPr lang="de-DE" sz="2500" dirty="0"/>
+              <a:t>Mögliche Probleme…</a:t>
+            </a:r>
+          </a:p>
+        </p:txBody>
+      </p:sp>
+      <p:sp>
+        <p:nvSpPr>
+          <p:cNvPr id="9" name="Inhaltsplatzhalter 5">
+            <a:extLst>
+              <a:ext uri="{FF2B5EF4-FFF2-40B4-BE49-F238E27FC236}">
+                <a16:creationId xmlns:a16="http://schemas.microsoft.com/office/drawing/2014/main" id="{D5E561B3-1437-E549-8F1A-61C07EB95FB3}"/>
+              </a:ext>
+            </a:extLst>
+          </p:cNvPr>
+          <p:cNvSpPr txBox="1">
+            <a:spLocks/>
+          </p:cNvSpPr>
+          <p:nvPr/>
+        </p:nvSpPr>
+        <p:spPr>
+          <a:xfrm>
+            <a:off x="4975668" y="3151413"/>
+            <a:ext cx="4066116" cy="1561436"/>
+          </a:xfrm>
+          <a:prstGeom prst="rect">
+            <a:avLst/>
+          </a:prstGeom>
+        </p:spPr>
+        <p:txBody>
+          <a:bodyPr vert="horz" lIns="91440" tIns="45720" rIns="91440" bIns="45720" rtlCol="0">
+            <a:normAutofit/>
+          </a:bodyPr>
+          <a:lstStyle>
+            <a:lvl1pPr marL="342900" indent="-342900" algn="l" defTabSz="457200" rtl="0" eaLnBrk="1" latinLnBrk="0" hangingPunct="1">
+              <a:spcBef>
+                <a:spcPts val="1000"/>
+              </a:spcBef>
+              <a:spcAft>
+                <a:spcPts val="0"/>
+              </a:spcAft>
+              <a:buClr>
+                <a:schemeClr val="accent1"/>
+              </a:buClr>
+              <a:buSzPct val="80000"/>
+              <a:buFont typeface="Wingdings 3" charset="2"/>
+              <a:buChar char=""/>
+              <a:defRPr sz="1800" kern="1200">
+                <a:solidFill>
+                  <a:schemeClr val="tx1">
+                    <a:lumMod val="75000"/>
+                    <a:lumOff val="25000"/>
+                  </a:schemeClr>
+                </a:solidFill>
+                <a:latin typeface="+mn-lt"/>
+                <a:ea typeface="+mn-ea"/>
+                <a:cs typeface="+mn-cs"/>
+              </a:defRPr>
+            </a:lvl1pPr>
+            <a:lvl2pPr marL="742950" indent="-285750" algn="l" defTabSz="457200" rtl="0" eaLnBrk="1" latinLnBrk="0" hangingPunct="1">
+              <a:spcBef>
+                <a:spcPts val="1000"/>
+              </a:spcBef>
+              <a:spcAft>
+                <a:spcPts val="0"/>
+              </a:spcAft>
+              <a:buClr>
+                <a:schemeClr val="accent1"/>
+              </a:buClr>
+              <a:buSzPct val="80000"/>
+              <a:buFont typeface="Wingdings 3" charset="2"/>
+              <a:buChar char=""/>
+              <a:defRPr sz="1600" kern="1200">
+                <a:solidFill>
+                  <a:schemeClr val="tx1">
+                    <a:lumMod val="75000"/>
+                    <a:lumOff val="25000"/>
+                  </a:schemeClr>
+                </a:solidFill>
+                <a:latin typeface="+mn-lt"/>
+                <a:ea typeface="+mn-ea"/>
+                <a:cs typeface="+mn-cs"/>
+              </a:defRPr>
+            </a:lvl2pPr>
+            <a:lvl3pPr marL="1143000" indent="-228600" algn="l" defTabSz="457200" rtl="0" eaLnBrk="1" latinLnBrk="0" hangingPunct="1">
+              <a:spcBef>
+                <a:spcPts val="1000"/>
+              </a:spcBef>
+              <a:spcAft>
+                <a:spcPts val="0"/>
+              </a:spcAft>
+              <a:buClr>
+                <a:schemeClr val="accent1"/>
+              </a:buClr>
+              <a:buSzPct val="80000"/>
+              <a:buFont typeface="Wingdings 3" charset="2"/>
+              <a:buChar char=""/>
+              <a:defRPr sz="1400" kern="1200">
+                <a:solidFill>
+                  <a:schemeClr val="tx1">
+                    <a:lumMod val="75000"/>
+                    <a:lumOff val="25000"/>
+                  </a:schemeClr>
+                </a:solidFill>
+                <a:latin typeface="+mn-lt"/>
+                <a:ea typeface="+mn-ea"/>
+                <a:cs typeface="+mn-cs"/>
+              </a:defRPr>
+            </a:lvl3pPr>
+            <a:lvl4pPr marL="1600200" indent="-228600" algn="l" defTabSz="457200" rtl="0" eaLnBrk="1" latinLnBrk="0" hangingPunct="1">
+              <a:spcBef>
+                <a:spcPts val="1000"/>
+              </a:spcBef>
+              <a:spcAft>
+                <a:spcPts val="0"/>
+              </a:spcAft>
+              <a:buClr>
+                <a:schemeClr val="accent1"/>
+              </a:buClr>
+              <a:buSzPct val="80000"/>
+              <a:buFont typeface="Wingdings 3" charset="2"/>
+              <a:buChar char=""/>
+              <a:defRPr sz="1200" kern="1200">
+                <a:solidFill>
+                  <a:schemeClr val="tx1">
+                    <a:lumMod val="75000"/>
+                    <a:lumOff val="25000"/>
+                  </a:schemeClr>
+                </a:solidFill>
+                <a:latin typeface="+mn-lt"/>
+                <a:ea typeface="+mn-ea"/>
+                <a:cs typeface="+mn-cs"/>
+              </a:defRPr>
+            </a:lvl4pPr>
+            <a:lvl5pPr marL="2057400" indent="-228600" algn="l" defTabSz="457200" rtl="0" eaLnBrk="1" latinLnBrk="0" hangingPunct="1">
+              <a:spcBef>
+                <a:spcPts val="1000"/>
+              </a:spcBef>
+              <a:spcAft>
+                <a:spcPts val="0"/>
+              </a:spcAft>
+              <a:buClr>
+                <a:schemeClr val="accent1"/>
+              </a:buClr>
+              <a:buSzPct val="80000"/>
+              <a:buFont typeface="Wingdings 3" charset="2"/>
+              <a:buChar char=""/>
+              <a:defRPr sz="1200" kern="1200">
+                <a:solidFill>
+                  <a:schemeClr val="tx1">
+                    <a:lumMod val="75000"/>
+                    <a:lumOff val="25000"/>
+                  </a:schemeClr>
+                </a:solidFill>
+                <a:latin typeface="+mn-lt"/>
+                <a:ea typeface="+mn-ea"/>
+                <a:cs typeface="+mn-cs"/>
+              </a:defRPr>
+            </a:lvl5pPr>
+            <a:lvl6pPr marL="2514600" indent="-228600" algn="l" defTabSz="457200" rtl="0" eaLnBrk="1" latinLnBrk="0" hangingPunct="1">
+              <a:spcBef>
+                <a:spcPts val="1000"/>
+              </a:spcBef>
+              <a:spcAft>
+                <a:spcPts val="0"/>
+              </a:spcAft>
+              <a:buClr>
+                <a:schemeClr val="accent1"/>
+              </a:buClr>
+              <a:buSzPct val="80000"/>
+              <a:buFont typeface="Wingdings 3" charset="2"/>
+              <a:buChar char=""/>
+              <a:defRPr sz="1200" kern="1200">
+                <a:solidFill>
+                  <a:schemeClr val="tx1">
+                    <a:lumMod val="75000"/>
+                    <a:lumOff val="25000"/>
+                  </a:schemeClr>
+                </a:solidFill>
+                <a:latin typeface="+mn-lt"/>
+                <a:ea typeface="+mn-ea"/>
+                <a:cs typeface="+mn-cs"/>
+              </a:defRPr>
+            </a:lvl6pPr>
+            <a:lvl7pPr marL="2971800" indent="-228600" algn="l" defTabSz="457200" rtl="0" eaLnBrk="1" latinLnBrk="0" hangingPunct="1">
+              <a:spcBef>
+                <a:spcPts val="1000"/>
+              </a:spcBef>
+              <a:spcAft>
+                <a:spcPts val="0"/>
+              </a:spcAft>
+              <a:buClr>
+                <a:schemeClr val="accent1"/>
+              </a:buClr>
+              <a:buSzPct val="80000"/>
+              <a:buFont typeface="Wingdings 3" charset="2"/>
+              <a:buChar char=""/>
+              <a:defRPr sz="1200" kern="1200">
+                <a:solidFill>
+                  <a:schemeClr val="tx1">
+                    <a:lumMod val="75000"/>
+                    <a:lumOff val="25000"/>
+                  </a:schemeClr>
+                </a:solidFill>
+                <a:latin typeface="+mn-lt"/>
+                <a:ea typeface="+mn-ea"/>
+                <a:cs typeface="+mn-cs"/>
+              </a:defRPr>
+            </a:lvl7pPr>
+            <a:lvl8pPr marL="3429000" indent="-228600" algn="l" defTabSz="457200" rtl="0" eaLnBrk="1" latinLnBrk="0" hangingPunct="1">
+              <a:spcBef>
+                <a:spcPts val="1000"/>
+              </a:spcBef>
+              <a:spcAft>
+                <a:spcPts val="0"/>
+              </a:spcAft>
+              <a:buClr>
+                <a:schemeClr val="accent1"/>
+              </a:buClr>
+              <a:buSzPct val="80000"/>
+              <a:buFont typeface="Wingdings 3" charset="2"/>
+              <a:buChar char=""/>
+              <a:defRPr sz="1200" kern="1200">
+                <a:solidFill>
+                  <a:schemeClr val="tx1">
+                    <a:lumMod val="75000"/>
+                    <a:lumOff val="25000"/>
+                  </a:schemeClr>
+                </a:solidFill>
+                <a:latin typeface="+mn-lt"/>
+                <a:ea typeface="+mn-ea"/>
+                <a:cs typeface="+mn-cs"/>
+              </a:defRPr>
+            </a:lvl8pPr>
+            <a:lvl9pPr marL="3886200" indent="-228600" algn="l" defTabSz="457200" rtl="0" eaLnBrk="1" latinLnBrk="0" hangingPunct="1">
+              <a:spcBef>
+                <a:spcPts val="1000"/>
+              </a:spcBef>
+              <a:spcAft>
+                <a:spcPts val="0"/>
+              </a:spcAft>
+              <a:buClr>
+                <a:schemeClr val="accent1"/>
+              </a:buClr>
+              <a:buSzPct val="80000"/>
+              <a:buFont typeface="Wingdings 3" charset="2"/>
+              <a:buChar char=""/>
+              <a:defRPr sz="1200" kern="1200">
+                <a:solidFill>
+                  <a:schemeClr val="tx1">
+                    <a:lumMod val="75000"/>
+                    <a:lumOff val="25000"/>
+                  </a:schemeClr>
+                </a:solidFill>
+                <a:latin typeface="+mn-lt"/>
+                <a:ea typeface="+mn-ea"/>
+                <a:cs typeface="+mn-cs"/>
+              </a:defRPr>
+            </a:lvl9pPr>
+          </a:lstStyle>
+          <a:p>
+            <a:r>
+              <a:rPr lang="de-DE" b="1" dirty="0" err="1"/>
+              <a:t>Wearables</a:t>
+            </a:r>
+            <a:endParaRPr lang="de-DE" b="1" dirty="0"/>
+          </a:p>
+          <a:p>
+            <a:pPr lvl="1"/>
+            <a:r>
+              <a:rPr lang="de-DE" dirty="0"/>
+              <a:t>Kompaktes Design benötigt</a:t>
+            </a:r>
+          </a:p>
+          <a:p>
+            <a:pPr lvl="1"/>
+            <a:r>
+              <a:rPr lang="de-DE" dirty="0"/>
+              <a:t>Könnte größer werden als gedacht/angenehm (Gehäuse)</a:t>
+            </a:r>
+          </a:p>
+          <a:p>
+            <a:endParaRPr lang="de-DE" dirty="0"/>
+          </a:p>
+        </p:txBody>
+      </p:sp>
+    </p:spTree>
+    <p:extLst>
+      <p:ext uri="{BB962C8B-B14F-4D97-AF65-F5344CB8AC3E}">
+        <p14:creationId xmlns:p14="http://schemas.microsoft.com/office/powerpoint/2010/main" val="2918873836"/>
+      </p:ext>
+    </p:extLst>
+  </p:cSld>
+  <p:clrMapOvr>
+    <a:masterClrMapping/>
+  </p:clrMapOvr>
+</p:sld>
+</file>
+
+<file path=ppt/slides/slide11.xml><?xml version="1.0" encoding="utf-8"?>
+<p:sld xmlns:a="http://schemas.openxmlformats.org/drawingml/2006/main" xmlns:r="http://schemas.openxmlformats.org/officeDocument/2006/relationships" xmlns:p="http://schemas.openxmlformats.org/presentationml/2006/main">
+  <p:cSld>
+    <p:spTree>
+      <p:nvGrpSpPr>
+        <p:cNvPr id="1" name=""/>
+        <p:cNvGrpSpPr/>
+        <p:nvPr/>
+      </p:nvGrpSpPr>
+      <p:grpSpPr>
+        <a:xfrm>
+          <a:off x="0" y="0"/>
+          <a:ext cx="0" cy="0"/>
+          <a:chOff x="0" y="0"/>
+          <a:chExt cx="0" cy="0"/>
+        </a:xfrm>
+      </p:grpSpPr>
+      <p:sp>
+        <p:nvSpPr>
+          <p:cNvPr id="2" name="Titel 1">
+            <a:extLst>
+              <a:ext uri="{FF2B5EF4-FFF2-40B4-BE49-F238E27FC236}">
+                <a16:creationId xmlns:a16="http://schemas.microsoft.com/office/drawing/2014/main" id="{0F09C5DB-EA82-4F84-A170-C8D7412D4EE0}"/>
+              </a:ext>
+            </a:extLst>
+          </p:cNvPr>
+          <p:cNvSpPr>
+            <a:spLocks noGrp="1"/>
+          </p:cNvSpPr>
+          <p:nvPr>
+            <p:ph type="title"/>
+          </p:nvPr>
+        </p:nvSpPr>
+        <p:spPr/>
+        <p:txBody>
+          <a:bodyPr/>
+          <a:lstStyle/>
+          <a:p>
             <a:pPr algn="ctr"/>
             <a:r>
               <a:rPr lang="de-DE" dirty="0"/>
-              <a:t>Allgemeine Diskussion</a:t>
+              <a:t>Lastenheft</a:t>
             </a:r>
           </a:p>
         </p:txBody>
@@ -6032,7 +7942,641 @@
           <a:bodyPr/>
           <a:lstStyle/>
           <a:p>
+            <a:pPr marL="0" indent="0">
+              <a:buNone/>
+            </a:pPr>
             <a:endParaRPr lang="de-DE" dirty="0"/>
+          </a:p>
+        </p:txBody>
+      </p:sp>
+      <p:pic>
+        <p:nvPicPr>
+          <p:cNvPr id="5" name="Grafik 4">
+            <a:extLst>
+              <a:ext uri="{FF2B5EF4-FFF2-40B4-BE49-F238E27FC236}">
+                <a16:creationId xmlns:a16="http://schemas.microsoft.com/office/drawing/2014/main" id="{7D260344-23DD-4348-A2A1-C8A2EF22687F}"/>
+              </a:ext>
+            </a:extLst>
+          </p:cNvPr>
+          <p:cNvPicPr>
+            <a:picLocks noChangeAspect="1"/>
+          </p:cNvPicPr>
+          <p:nvPr/>
+        </p:nvPicPr>
+        <p:blipFill rotWithShape="1">
+          <a:blip r:embed="rId2" cstate="print">
+            <a:extLst>
+              <a:ext uri="{28A0092B-C50C-407E-A947-70E740481C1C}">
+                <a14:useLocalDpi xmlns:a14="http://schemas.microsoft.com/office/drawing/2010/main" val="0"/>
+              </a:ext>
+            </a:extLst>
+          </a:blip>
+          <a:srcRect l="11774" t="14019" r="12142" b="11639"/>
+          <a:stretch/>
+        </p:blipFill>
+        <p:spPr bwMode="auto">
+          <a:xfrm>
+            <a:off x="10401302" y="104775"/>
+            <a:ext cx="1678020" cy="1440000"/>
+          </a:xfrm>
+          <a:prstGeom prst="rect">
+            <a:avLst/>
+          </a:prstGeom>
+          <a:noFill/>
+          <a:ln>
+            <a:noFill/>
+          </a:ln>
+        </p:spPr>
+      </p:pic>
+      <p:pic>
+        <p:nvPicPr>
+          <p:cNvPr id="11" name="Grafik 10">
+            <a:extLst>
+              <a:ext uri="{FF2B5EF4-FFF2-40B4-BE49-F238E27FC236}">
+                <a16:creationId xmlns:a16="http://schemas.microsoft.com/office/drawing/2014/main" id="{BDE6FB44-65FD-4E2B-BE99-975EFC3E58BC}"/>
+              </a:ext>
+            </a:extLst>
+          </p:cNvPr>
+          <p:cNvPicPr>
+            <a:picLocks noChangeAspect="1"/>
+          </p:cNvPicPr>
+          <p:nvPr/>
+        </p:nvPicPr>
+        <p:blipFill rotWithShape="1">
+          <a:blip r:embed="rId3">
+            <a:extLst>
+              <a:ext uri="{28A0092B-C50C-407E-A947-70E740481C1C}">
+                <a14:useLocalDpi xmlns:a14="http://schemas.microsoft.com/office/drawing/2010/main" val="0"/>
+              </a:ext>
+            </a:extLst>
+          </a:blip>
+          <a:srcRect l="6667" t="9360" r="47917" b="29306"/>
+          <a:stretch/>
+        </p:blipFill>
+        <p:spPr>
+          <a:xfrm>
+            <a:off x="112678" y="104775"/>
+            <a:ext cx="1421712" cy="1440000"/>
+          </a:xfrm>
+          <a:prstGeom prst="rect">
+            <a:avLst/>
+          </a:prstGeom>
+        </p:spPr>
+      </p:pic>
+    </p:spTree>
+    <p:extLst>
+      <p:ext uri="{BB962C8B-B14F-4D97-AF65-F5344CB8AC3E}">
+        <p14:creationId xmlns:p14="http://schemas.microsoft.com/office/powerpoint/2010/main" val="2217748098"/>
+      </p:ext>
+    </p:extLst>
+  </p:cSld>
+  <p:clrMapOvr>
+    <a:masterClrMapping/>
+  </p:clrMapOvr>
+</p:sld>
+</file>
+
+<file path=ppt/slides/slide12.xml><?xml version="1.0" encoding="utf-8"?>
+<p:sld xmlns:a="http://schemas.openxmlformats.org/drawingml/2006/main" xmlns:r="http://schemas.openxmlformats.org/officeDocument/2006/relationships" xmlns:p="http://schemas.openxmlformats.org/presentationml/2006/main">
+  <p:cSld>
+    <p:spTree>
+      <p:nvGrpSpPr>
+        <p:cNvPr id="1" name=""/>
+        <p:cNvGrpSpPr/>
+        <p:nvPr/>
+      </p:nvGrpSpPr>
+      <p:grpSpPr>
+        <a:xfrm>
+          <a:off x="0" y="0"/>
+          <a:ext cx="0" cy="0"/>
+          <a:chOff x="0" y="0"/>
+          <a:chExt cx="0" cy="0"/>
+        </a:xfrm>
+      </p:grpSpPr>
+      <p:sp>
+        <p:nvSpPr>
+          <p:cNvPr id="2" name="Titel 1">
+            <a:extLst>
+              <a:ext uri="{FF2B5EF4-FFF2-40B4-BE49-F238E27FC236}">
+                <a16:creationId xmlns:a16="http://schemas.microsoft.com/office/drawing/2014/main" id="{0F09C5DB-EA82-4F84-A170-C8D7412D4EE0}"/>
+              </a:ext>
+            </a:extLst>
+          </p:cNvPr>
+          <p:cNvSpPr>
+            <a:spLocks noGrp="1"/>
+          </p:cNvSpPr>
+          <p:nvPr>
+            <p:ph type="title"/>
+          </p:nvPr>
+        </p:nvSpPr>
+        <p:spPr/>
+        <p:txBody>
+          <a:bodyPr/>
+          <a:lstStyle/>
+          <a:p>
+            <a:pPr algn="ctr"/>
+            <a:r>
+              <a:rPr lang="de-DE" dirty="0"/>
+              <a:t>Fazit</a:t>
+            </a:r>
+          </a:p>
+        </p:txBody>
+      </p:sp>
+      <p:sp>
+        <p:nvSpPr>
+          <p:cNvPr id="3" name="Inhaltsplatzhalter 2">
+            <a:extLst>
+              <a:ext uri="{FF2B5EF4-FFF2-40B4-BE49-F238E27FC236}">
+                <a16:creationId xmlns:a16="http://schemas.microsoft.com/office/drawing/2014/main" id="{FCDCEEBD-68DF-4924-8A41-91582416FA35}"/>
+              </a:ext>
+            </a:extLst>
+          </p:cNvPr>
+          <p:cNvSpPr>
+            <a:spLocks noGrp="1"/>
+          </p:cNvSpPr>
+          <p:nvPr>
+            <p:ph idx="1"/>
+          </p:nvPr>
+        </p:nvSpPr>
+        <p:spPr>
+          <a:xfrm>
+            <a:off x="677334" y="2160590"/>
+            <a:ext cx="4294716" cy="3254374"/>
+          </a:xfrm>
+          <a:ln>
+            <a:solidFill>
+              <a:schemeClr val="accent1"/>
+            </a:solidFill>
+          </a:ln>
+        </p:spPr>
+        <p:txBody>
+          <a:bodyPr>
+            <a:normAutofit/>
+          </a:bodyPr>
+          <a:lstStyle/>
+          <a:p>
+            <a:pPr marL="0" indent="0">
+              <a:buNone/>
+            </a:pPr>
+            <a:r>
+              <a:rPr lang="de-DE" b="1" dirty="0"/>
+              <a:t> bisheriger Verlauf</a:t>
+            </a:r>
+          </a:p>
+          <a:p>
+            <a:r>
+              <a:rPr lang="de-DE" dirty="0"/>
+              <a:t>strukturiertes Arbeiten ermöglicht </a:t>
+            </a:r>
+          </a:p>
+          <a:p>
+            <a:r>
+              <a:rPr lang="de-DE" dirty="0"/>
+              <a:t>Projektplan steht fest</a:t>
+            </a:r>
+          </a:p>
+        </p:txBody>
+      </p:sp>
+      <p:pic>
+        <p:nvPicPr>
+          <p:cNvPr id="5" name="Grafik 4">
+            <a:extLst>
+              <a:ext uri="{FF2B5EF4-FFF2-40B4-BE49-F238E27FC236}">
+                <a16:creationId xmlns:a16="http://schemas.microsoft.com/office/drawing/2014/main" id="{7D260344-23DD-4348-A2A1-C8A2EF22687F}"/>
+              </a:ext>
+            </a:extLst>
+          </p:cNvPr>
+          <p:cNvPicPr>
+            <a:picLocks noChangeAspect="1"/>
+          </p:cNvPicPr>
+          <p:nvPr/>
+        </p:nvPicPr>
+        <p:blipFill rotWithShape="1">
+          <a:blip r:embed="rId2" cstate="print">
+            <a:extLst>
+              <a:ext uri="{28A0092B-C50C-407E-A947-70E740481C1C}">
+                <a14:useLocalDpi xmlns:a14="http://schemas.microsoft.com/office/drawing/2010/main" val="0"/>
+              </a:ext>
+            </a:extLst>
+          </a:blip>
+          <a:srcRect l="11774" t="14019" r="12142" b="11639"/>
+          <a:stretch/>
+        </p:blipFill>
+        <p:spPr bwMode="auto">
+          <a:xfrm>
+            <a:off x="10401302" y="104775"/>
+            <a:ext cx="1678020" cy="1440000"/>
+          </a:xfrm>
+          <a:prstGeom prst="rect">
+            <a:avLst/>
+          </a:prstGeom>
+          <a:noFill/>
+          <a:ln>
+            <a:noFill/>
+          </a:ln>
+        </p:spPr>
+      </p:pic>
+      <p:pic>
+        <p:nvPicPr>
+          <p:cNvPr id="11" name="Grafik 10">
+            <a:extLst>
+              <a:ext uri="{FF2B5EF4-FFF2-40B4-BE49-F238E27FC236}">
+                <a16:creationId xmlns:a16="http://schemas.microsoft.com/office/drawing/2014/main" id="{BDE6FB44-65FD-4E2B-BE99-975EFC3E58BC}"/>
+              </a:ext>
+            </a:extLst>
+          </p:cNvPr>
+          <p:cNvPicPr>
+            <a:picLocks noChangeAspect="1"/>
+          </p:cNvPicPr>
+          <p:nvPr/>
+        </p:nvPicPr>
+        <p:blipFill rotWithShape="1">
+          <a:blip r:embed="rId3">
+            <a:extLst>
+              <a:ext uri="{28A0092B-C50C-407E-A947-70E740481C1C}">
+                <a14:useLocalDpi xmlns:a14="http://schemas.microsoft.com/office/drawing/2010/main" val="0"/>
+              </a:ext>
+            </a:extLst>
+          </a:blip>
+          <a:srcRect l="6667" t="9360" r="47917" b="29306"/>
+          <a:stretch/>
+        </p:blipFill>
+        <p:spPr>
+          <a:xfrm>
+            <a:off x="112678" y="104775"/>
+            <a:ext cx="1421712" cy="1440000"/>
+          </a:xfrm>
+          <a:prstGeom prst="rect">
+            <a:avLst/>
+          </a:prstGeom>
+        </p:spPr>
+      </p:pic>
+      <p:sp>
+        <p:nvSpPr>
+          <p:cNvPr id="6" name="Inhaltsplatzhalter 2">
+            <a:extLst>
+              <a:ext uri="{FF2B5EF4-FFF2-40B4-BE49-F238E27FC236}">
+                <a16:creationId xmlns:a16="http://schemas.microsoft.com/office/drawing/2014/main" id="{95193EAA-0681-AC4A-BDBB-4BA56CEA3F75}"/>
+              </a:ext>
+            </a:extLst>
+          </p:cNvPr>
+          <p:cNvSpPr txBox="1">
+            <a:spLocks/>
+          </p:cNvSpPr>
+          <p:nvPr/>
+        </p:nvSpPr>
+        <p:spPr>
+          <a:xfrm>
+            <a:off x="5072594" y="2162532"/>
+            <a:ext cx="4294716" cy="3254375"/>
+          </a:xfrm>
+          <a:prstGeom prst="rect">
+            <a:avLst/>
+          </a:prstGeom>
+          <a:ln>
+            <a:solidFill>
+              <a:schemeClr val="accent1"/>
+            </a:solidFill>
+          </a:ln>
+        </p:spPr>
+        <p:txBody>
+          <a:bodyPr vert="horz" lIns="91440" tIns="45720" rIns="91440" bIns="45720" rtlCol="0">
+            <a:normAutofit/>
+          </a:bodyPr>
+          <a:lstStyle>
+            <a:lvl1pPr marL="342900" indent="-342900" algn="l" defTabSz="457200" rtl="0" eaLnBrk="1" latinLnBrk="0" hangingPunct="1">
+              <a:spcBef>
+                <a:spcPts val="1000"/>
+              </a:spcBef>
+              <a:spcAft>
+                <a:spcPts val="0"/>
+              </a:spcAft>
+              <a:buClr>
+                <a:schemeClr val="accent1"/>
+              </a:buClr>
+              <a:buSzPct val="80000"/>
+              <a:buFont typeface="Wingdings 3" charset="2"/>
+              <a:buChar char=""/>
+              <a:defRPr sz="1800" kern="1200">
+                <a:solidFill>
+                  <a:schemeClr val="tx1">
+                    <a:lumMod val="75000"/>
+                    <a:lumOff val="25000"/>
+                  </a:schemeClr>
+                </a:solidFill>
+                <a:latin typeface="+mn-lt"/>
+                <a:ea typeface="+mn-ea"/>
+                <a:cs typeface="+mn-cs"/>
+              </a:defRPr>
+            </a:lvl1pPr>
+            <a:lvl2pPr marL="742950" indent="-285750" algn="l" defTabSz="457200" rtl="0" eaLnBrk="1" latinLnBrk="0" hangingPunct="1">
+              <a:spcBef>
+                <a:spcPts val="1000"/>
+              </a:spcBef>
+              <a:spcAft>
+                <a:spcPts val="0"/>
+              </a:spcAft>
+              <a:buClr>
+                <a:schemeClr val="accent1"/>
+              </a:buClr>
+              <a:buSzPct val="80000"/>
+              <a:buFont typeface="Wingdings 3" charset="2"/>
+              <a:buChar char=""/>
+              <a:defRPr sz="1600" kern="1200">
+                <a:solidFill>
+                  <a:schemeClr val="tx1">
+                    <a:lumMod val="75000"/>
+                    <a:lumOff val="25000"/>
+                  </a:schemeClr>
+                </a:solidFill>
+                <a:latin typeface="+mn-lt"/>
+                <a:ea typeface="+mn-ea"/>
+                <a:cs typeface="+mn-cs"/>
+              </a:defRPr>
+            </a:lvl2pPr>
+            <a:lvl3pPr marL="1143000" indent="-228600" algn="l" defTabSz="457200" rtl="0" eaLnBrk="1" latinLnBrk="0" hangingPunct="1">
+              <a:spcBef>
+                <a:spcPts val="1000"/>
+              </a:spcBef>
+              <a:spcAft>
+                <a:spcPts val="0"/>
+              </a:spcAft>
+              <a:buClr>
+                <a:schemeClr val="accent1"/>
+              </a:buClr>
+              <a:buSzPct val="80000"/>
+              <a:buFont typeface="Wingdings 3" charset="2"/>
+              <a:buChar char=""/>
+              <a:defRPr sz="1400" kern="1200">
+                <a:solidFill>
+                  <a:schemeClr val="tx1">
+                    <a:lumMod val="75000"/>
+                    <a:lumOff val="25000"/>
+                  </a:schemeClr>
+                </a:solidFill>
+                <a:latin typeface="+mn-lt"/>
+                <a:ea typeface="+mn-ea"/>
+                <a:cs typeface="+mn-cs"/>
+              </a:defRPr>
+            </a:lvl3pPr>
+            <a:lvl4pPr marL="1600200" indent="-228600" algn="l" defTabSz="457200" rtl="0" eaLnBrk="1" latinLnBrk="0" hangingPunct="1">
+              <a:spcBef>
+                <a:spcPts val="1000"/>
+              </a:spcBef>
+              <a:spcAft>
+                <a:spcPts val="0"/>
+              </a:spcAft>
+              <a:buClr>
+                <a:schemeClr val="accent1"/>
+              </a:buClr>
+              <a:buSzPct val="80000"/>
+              <a:buFont typeface="Wingdings 3" charset="2"/>
+              <a:buChar char=""/>
+              <a:defRPr sz="1200" kern="1200">
+                <a:solidFill>
+                  <a:schemeClr val="tx1">
+                    <a:lumMod val="75000"/>
+                    <a:lumOff val="25000"/>
+                  </a:schemeClr>
+                </a:solidFill>
+                <a:latin typeface="+mn-lt"/>
+                <a:ea typeface="+mn-ea"/>
+                <a:cs typeface="+mn-cs"/>
+              </a:defRPr>
+            </a:lvl4pPr>
+            <a:lvl5pPr marL="2057400" indent="-228600" algn="l" defTabSz="457200" rtl="0" eaLnBrk="1" latinLnBrk="0" hangingPunct="1">
+              <a:spcBef>
+                <a:spcPts val="1000"/>
+              </a:spcBef>
+              <a:spcAft>
+                <a:spcPts val="0"/>
+              </a:spcAft>
+              <a:buClr>
+                <a:schemeClr val="accent1"/>
+              </a:buClr>
+              <a:buSzPct val="80000"/>
+              <a:buFont typeface="Wingdings 3" charset="2"/>
+              <a:buChar char=""/>
+              <a:defRPr sz="1200" kern="1200">
+                <a:solidFill>
+                  <a:schemeClr val="tx1">
+                    <a:lumMod val="75000"/>
+                    <a:lumOff val="25000"/>
+                  </a:schemeClr>
+                </a:solidFill>
+                <a:latin typeface="+mn-lt"/>
+                <a:ea typeface="+mn-ea"/>
+                <a:cs typeface="+mn-cs"/>
+              </a:defRPr>
+            </a:lvl5pPr>
+            <a:lvl6pPr marL="2514600" indent="-228600" algn="l" defTabSz="457200" rtl="0" eaLnBrk="1" latinLnBrk="0" hangingPunct="1">
+              <a:spcBef>
+                <a:spcPts val="1000"/>
+              </a:spcBef>
+              <a:spcAft>
+                <a:spcPts val="0"/>
+              </a:spcAft>
+              <a:buClr>
+                <a:schemeClr val="accent1"/>
+              </a:buClr>
+              <a:buSzPct val="80000"/>
+              <a:buFont typeface="Wingdings 3" charset="2"/>
+              <a:buChar char=""/>
+              <a:defRPr sz="1200" kern="1200">
+                <a:solidFill>
+                  <a:schemeClr val="tx1">
+                    <a:lumMod val="75000"/>
+                    <a:lumOff val="25000"/>
+                  </a:schemeClr>
+                </a:solidFill>
+                <a:latin typeface="+mn-lt"/>
+                <a:ea typeface="+mn-ea"/>
+                <a:cs typeface="+mn-cs"/>
+              </a:defRPr>
+            </a:lvl6pPr>
+            <a:lvl7pPr marL="2971800" indent="-228600" algn="l" defTabSz="457200" rtl="0" eaLnBrk="1" latinLnBrk="0" hangingPunct="1">
+              <a:spcBef>
+                <a:spcPts val="1000"/>
+              </a:spcBef>
+              <a:spcAft>
+                <a:spcPts val="0"/>
+              </a:spcAft>
+              <a:buClr>
+                <a:schemeClr val="accent1"/>
+              </a:buClr>
+              <a:buSzPct val="80000"/>
+              <a:buFont typeface="Wingdings 3" charset="2"/>
+              <a:buChar char=""/>
+              <a:defRPr sz="1200" kern="1200">
+                <a:solidFill>
+                  <a:schemeClr val="tx1">
+                    <a:lumMod val="75000"/>
+                    <a:lumOff val="25000"/>
+                  </a:schemeClr>
+                </a:solidFill>
+                <a:latin typeface="+mn-lt"/>
+                <a:ea typeface="+mn-ea"/>
+                <a:cs typeface="+mn-cs"/>
+              </a:defRPr>
+            </a:lvl7pPr>
+            <a:lvl8pPr marL="3429000" indent="-228600" algn="l" defTabSz="457200" rtl="0" eaLnBrk="1" latinLnBrk="0" hangingPunct="1">
+              <a:spcBef>
+                <a:spcPts val="1000"/>
+              </a:spcBef>
+              <a:spcAft>
+                <a:spcPts val="0"/>
+              </a:spcAft>
+              <a:buClr>
+                <a:schemeClr val="accent1"/>
+              </a:buClr>
+              <a:buSzPct val="80000"/>
+              <a:buFont typeface="Wingdings 3" charset="2"/>
+              <a:buChar char=""/>
+              <a:defRPr sz="1200" kern="1200">
+                <a:solidFill>
+                  <a:schemeClr val="tx1">
+                    <a:lumMod val="75000"/>
+                    <a:lumOff val="25000"/>
+                  </a:schemeClr>
+                </a:solidFill>
+                <a:latin typeface="+mn-lt"/>
+                <a:ea typeface="+mn-ea"/>
+                <a:cs typeface="+mn-cs"/>
+              </a:defRPr>
+            </a:lvl8pPr>
+            <a:lvl9pPr marL="3886200" indent="-228600" algn="l" defTabSz="457200" rtl="0" eaLnBrk="1" latinLnBrk="0" hangingPunct="1">
+              <a:spcBef>
+                <a:spcPts val="1000"/>
+              </a:spcBef>
+              <a:spcAft>
+                <a:spcPts val="0"/>
+              </a:spcAft>
+              <a:buClr>
+                <a:schemeClr val="accent1"/>
+              </a:buClr>
+              <a:buSzPct val="80000"/>
+              <a:buFont typeface="Wingdings 3" charset="2"/>
+              <a:buChar char=""/>
+              <a:defRPr sz="1200" kern="1200">
+                <a:solidFill>
+                  <a:schemeClr val="tx1">
+                    <a:lumMod val="75000"/>
+                    <a:lumOff val="25000"/>
+                  </a:schemeClr>
+                </a:solidFill>
+                <a:latin typeface="+mn-lt"/>
+                <a:ea typeface="+mn-ea"/>
+                <a:cs typeface="+mn-cs"/>
+              </a:defRPr>
+            </a:lvl9pPr>
+          </a:lstStyle>
+          <a:p>
+            <a:pPr marL="0" indent="0">
+              <a:buFont typeface="Wingdings 3" charset="2"/>
+              <a:buNone/>
+            </a:pPr>
+            <a:r>
+              <a:rPr lang="de-DE" b="1" dirty="0"/>
+              <a:t> Die nächsten Schritte </a:t>
+            </a:r>
+          </a:p>
+          <a:p>
+            <a:r>
+              <a:rPr lang="de-DE" dirty="0"/>
+              <a:t>Start der Programmierung:</a:t>
+            </a:r>
+          </a:p>
+          <a:p>
+            <a:pPr lvl="1"/>
+            <a:r>
+              <a:rPr lang="de-DE" dirty="0"/>
+              <a:t>Sensor auslesen</a:t>
+            </a:r>
+          </a:p>
+          <a:p>
+            <a:pPr lvl="1"/>
+            <a:r>
+              <a:rPr lang="de-DE" dirty="0"/>
+              <a:t>App</a:t>
+            </a:r>
+          </a:p>
+          <a:p>
+            <a:pPr lvl="1"/>
+            <a:r>
+              <a:rPr lang="de-DE" dirty="0"/>
+              <a:t>Datenbankeinbindung</a:t>
+            </a:r>
+          </a:p>
+        </p:txBody>
+      </p:sp>
+    </p:spTree>
+    <p:extLst>
+      <p:ext uri="{BB962C8B-B14F-4D97-AF65-F5344CB8AC3E}">
+        <p14:creationId xmlns:p14="http://schemas.microsoft.com/office/powerpoint/2010/main" val="1794733916"/>
+      </p:ext>
+    </p:extLst>
+  </p:cSld>
+  <p:clrMapOvr>
+    <a:masterClrMapping/>
+  </p:clrMapOvr>
+</p:sld>
+</file>
+
+<file path=ppt/slides/slide13.xml><?xml version="1.0" encoding="utf-8"?>
+<p:sld xmlns:a="http://schemas.openxmlformats.org/drawingml/2006/main" xmlns:r="http://schemas.openxmlformats.org/officeDocument/2006/relationships" xmlns:p="http://schemas.openxmlformats.org/presentationml/2006/main">
+  <p:cSld>
+    <p:spTree>
+      <p:nvGrpSpPr>
+        <p:cNvPr id="1" name=""/>
+        <p:cNvGrpSpPr/>
+        <p:nvPr/>
+      </p:nvGrpSpPr>
+      <p:grpSpPr>
+        <a:xfrm>
+          <a:off x="0" y="0"/>
+          <a:ext cx="0" cy="0"/>
+          <a:chOff x="0" y="0"/>
+          <a:chExt cx="0" cy="0"/>
+        </a:xfrm>
+      </p:grpSpPr>
+      <p:sp>
+        <p:nvSpPr>
+          <p:cNvPr id="2" name="Titel 1">
+            <a:extLst>
+              <a:ext uri="{FF2B5EF4-FFF2-40B4-BE49-F238E27FC236}">
+                <a16:creationId xmlns:a16="http://schemas.microsoft.com/office/drawing/2014/main" id="{0F09C5DB-EA82-4F84-A170-C8D7412D4EE0}"/>
+              </a:ext>
+            </a:extLst>
+          </p:cNvPr>
+          <p:cNvSpPr>
+            <a:spLocks noGrp="1"/>
+          </p:cNvSpPr>
+          <p:nvPr>
+            <p:ph type="title"/>
+          </p:nvPr>
+        </p:nvSpPr>
+        <p:spPr>
+          <a:xfrm>
+            <a:off x="823534" y="2108200"/>
+            <a:ext cx="8596668" cy="1320800"/>
+          </a:xfrm>
+        </p:spPr>
+        <p:txBody>
+          <a:bodyPr/>
+          <a:lstStyle/>
+          <a:p>
+            <a:pPr algn="ctr"/>
+            <a:br>
+              <a:rPr lang="de-DE" dirty="0"/>
+            </a:br>
+            <a:r>
+              <a:rPr lang="de-DE" dirty="0"/>
+              <a:t> </a:t>
+            </a:r>
+            <a:r>
+              <a:rPr lang="de-DE" sz="10000" dirty="0"/>
+              <a:t>Diskussion</a:t>
+            </a:r>
           </a:p>
         </p:txBody>
       </p:sp>
@@ -6218,7 +8762,7 @@
           <a:p>
             <a:r>
               <a:rPr lang="de-DE" sz="2400" dirty="0"/>
-              <a:t>Allgemeine Diskussion</a:t>
+              <a:t>Diskussion</a:t>
             </a:r>
           </a:p>
         </p:txBody>
@@ -6360,82 +8904,6 @@
           </a:p>
         </p:txBody>
       </p:sp>
-      <p:sp>
-        <p:nvSpPr>
-          <p:cNvPr id="3" name="Inhaltsplatzhalter 2">
-            <a:extLst>
-              <a:ext uri="{FF2B5EF4-FFF2-40B4-BE49-F238E27FC236}">
-                <a16:creationId xmlns:a16="http://schemas.microsoft.com/office/drawing/2014/main" id="{FCDCEEBD-68DF-4924-8A41-91582416FA35}"/>
-              </a:ext>
-            </a:extLst>
-          </p:cNvPr>
-          <p:cNvSpPr>
-            <a:spLocks noGrp="1"/>
-          </p:cNvSpPr>
-          <p:nvPr>
-            <p:ph idx="1"/>
-          </p:nvPr>
-        </p:nvSpPr>
-        <p:spPr/>
-        <p:txBody>
-          <a:bodyPr>
-            <a:normAutofit/>
-          </a:bodyPr>
-          <a:lstStyle/>
-          <a:p>
-            <a:pPr marL="0" indent="0">
-              <a:buNone/>
-            </a:pPr>
-            <a:r>
-              <a:rPr lang="de-DE"/>
-              <a:t>a</a:t>
-            </a:r>
-            <a:r>
-              <a:rPr lang="de-DE" dirty="0"/>
-              <a:t>) Aktueller Stand</a:t>
-            </a:r>
-          </a:p>
-          <a:p>
-            <a:r>
-              <a:rPr lang="de-DE" dirty="0"/>
-              <a:t>[Aktualisiertes Gantt-Diagramm]</a:t>
-            </a:r>
-          </a:p>
-          <a:p>
-            <a:r>
-              <a:rPr lang="de-DE" dirty="0"/>
-              <a:t>- Ende Planung / Start der praktischen Arbeiten</a:t>
-            </a:r>
-          </a:p>
-          <a:p>
-            <a:pPr marL="0" indent="0">
-              <a:buNone/>
-            </a:pPr>
-            <a:r>
-              <a:rPr lang="de-DE" dirty="0"/>
-              <a:t>b) Abgeschlossenes</a:t>
-            </a:r>
-          </a:p>
-          <a:p>
-            <a:r>
-              <a:rPr lang="de-DE" dirty="0"/>
-              <a:t>- Arbeitspaketerstellung</a:t>
-            </a:r>
-          </a:p>
-          <a:p>
-            <a:r>
-              <a:rPr lang="de-DE" dirty="0"/>
-              <a:t>- Paketaufteilung</a:t>
-            </a:r>
-          </a:p>
-          <a:p>
-            <a:r>
-              <a:rPr lang="de-DE" dirty="0"/>
-              <a:t>- Nutzerumfrage</a:t>
-            </a:r>
-          </a:p>
-        </p:txBody>
-      </p:sp>
       <p:pic>
         <p:nvPicPr>
           <p:cNvPr id="5" name="Grafik 4">
@@ -6451,7 +8919,1471 @@
           <p:nvPr/>
         </p:nvPicPr>
         <p:blipFill rotWithShape="1">
-          <a:blip r:embed="rId2" cstate="print">
+          <a:blip r:embed="rId3" cstate="print">
+            <a:extLst>
+              <a:ext uri="{28A0092B-C50C-407E-A947-70E740481C1C}">
+                <a14:useLocalDpi xmlns:a14="http://schemas.microsoft.com/office/drawing/2010/main" val="0"/>
+              </a:ext>
+            </a:extLst>
+          </a:blip>
+          <a:srcRect l="11774" t="14019" r="12142" b="11639"/>
+          <a:stretch/>
+        </p:blipFill>
+        <p:spPr bwMode="auto">
+          <a:xfrm>
+            <a:off x="10824228" y="467711"/>
+            <a:ext cx="1255093" cy="1077063"/>
+          </a:xfrm>
+          <a:prstGeom prst="rect">
+            <a:avLst/>
+          </a:prstGeom>
+          <a:noFill/>
+          <a:ln>
+            <a:noFill/>
+          </a:ln>
+        </p:spPr>
+      </p:pic>
+      <p:pic>
+        <p:nvPicPr>
+          <p:cNvPr id="11" name="Grafik 10">
+            <a:extLst>
+              <a:ext uri="{FF2B5EF4-FFF2-40B4-BE49-F238E27FC236}">
+                <a16:creationId xmlns:a16="http://schemas.microsoft.com/office/drawing/2014/main" id="{BDE6FB44-65FD-4E2B-BE99-975EFC3E58BC}"/>
+              </a:ext>
+            </a:extLst>
+          </p:cNvPr>
+          <p:cNvPicPr>
+            <a:picLocks noChangeAspect="1"/>
+          </p:cNvPicPr>
+          <p:nvPr/>
+        </p:nvPicPr>
+        <p:blipFill rotWithShape="1">
+          <a:blip r:embed="rId4">
+            <a:extLst>
+              <a:ext uri="{28A0092B-C50C-407E-A947-70E740481C1C}">
+                <a14:useLocalDpi xmlns:a14="http://schemas.microsoft.com/office/drawing/2010/main" val="0"/>
+              </a:ext>
+            </a:extLst>
+          </a:blip>
+          <a:srcRect l="6667" t="9360" r="47917" b="29306"/>
+          <a:stretch/>
+        </p:blipFill>
+        <p:spPr>
+          <a:xfrm>
+            <a:off x="112678" y="104775"/>
+            <a:ext cx="1421712" cy="1440000"/>
+          </a:xfrm>
+          <a:prstGeom prst="rect">
+            <a:avLst/>
+          </a:prstGeom>
+        </p:spPr>
+      </p:pic>
+      <p:grpSp>
+        <p:nvGrpSpPr>
+          <p:cNvPr id="23" name="Gruppieren 22">
+            <a:extLst>
+              <a:ext uri="{FF2B5EF4-FFF2-40B4-BE49-F238E27FC236}">
+                <a16:creationId xmlns:a16="http://schemas.microsoft.com/office/drawing/2014/main" id="{AE0802D5-782D-1848-8BE8-4E86022B1C1B}"/>
+              </a:ext>
+            </a:extLst>
+          </p:cNvPr>
+          <p:cNvGrpSpPr/>
+          <p:nvPr/>
+        </p:nvGrpSpPr>
+        <p:grpSpPr>
+          <a:xfrm>
+            <a:off x="502035" y="1930400"/>
+            <a:ext cx="8947265" cy="3598611"/>
+            <a:chOff x="335281" y="1666240"/>
+            <a:chExt cx="11521439" cy="4093680"/>
+          </a:xfrm>
+        </p:grpSpPr>
+        <p:pic>
+          <p:nvPicPr>
+            <p:cNvPr id="8" name="Grafik 7">
+              <a:extLst>
+                <a:ext uri="{FF2B5EF4-FFF2-40B4-BE49-F238E27FC236}">
+                  <a16:creationId xmlns:a16="http://schemas.microsoft.com/office/drawing/2014/main" id="{0125A1EB-B88E-554D-A7A3-3CB1271052D4}"/>
+                </a:ext>
+              </a:extLst>
+            </p:cNvPr>
+            <p:cNvPicPr>
+              <a:picLocks noChangeAspect="1"/>
+            </p:cNvPicPr>
+            <p:nvPr/>
+          </p:nvPicPr>
+          <p:blipFill rotWithShape="1">
+            <a:blip r:embed="rId5">
+              <a:extLst>
+                <a:ext uri="{BEBA8EAE-BF5A-486C-A8C5-ECC9F3942E4B}">
+                  <a14:imgProps xmlns:a14="http://schemas.microsoft.com/office/drawing/2010/main">
+                    <a14:imgLayer r:embed="rId6">
+                      <a14:imgEffect>
+                        <a14:saturation sat="0"/>
+                      </a14:imgEffect>
+                    </a14:imgLayer>
+                  </a14:imgProps>
+                </a:ext>
+                <a:ext uri="{28A0092B-C50C-407E-A947-70E740481C1C}">
+                  <a14:useLocalDpi xmlns:a14="http://schemas.microsoft.com/office/drawing/2010/main" val="0"/>
+                </a:ext>
+              </a:extLst>
+            </a:blip>
+            <a:srcRect l="1067" t="19618" r="79530" b="38506"/>
+            <a:stretch/>
+          </p:blipFill>
+          <p:spPr>
+            <a:xfrm>
+              <a:off x="335281" y="1666240"/>
+              <a:ext cx="3555634" cy="4093680"/>
+            </a:xfrm>
+            <a:prstGeom prst="rect">
+              <a:avLst/>
+            </a:prstGeom>
+          </p:spPr>
+        </p:pic>
+        <p:pic>
+          <p:nvPicPr>
+            <p:cNvPr id="15" name="Grafik 14">
+              <a:extLst>
+                <a:ext uri="{FF2B5EF4-FFF2-40B4-BE49-F238E27FC236}">
+                  <a16:creationId xmlns:a16="http://schemas.microsoft.com/office/drawing/2014/main" id="{435232C0-A90D-514F-83D8-13444981D437}"/>
+                </a:ext>
+              </a:extLst>
+            </p:cNvPr>
+            <p:cNvPicPr>
+              <a:picLocks noChangeAspect="1"/>
+            </p:cNvPicPr>
+            <p:nvPr/>
+          </p:nvPicPr>
+          <p:blipFill rotWithShape="1">
+            <a:blip r:embed="rId7">
+              <a:extLst>
+                <a:ext uri="{BEBA8EAE-BF5A-486C-A8C5-ECC9F3942E4B}">
+                  <a14:imgProps xmlns:a14="http://schemas.microsoft.com/office/drawing/2010/main">
+                    <a14:imgLayer r:embed="rId8">
+                      <a14:imgEffect>
+                        <a14:saturation sat="0"/>
+                      </a14:imgEffect>
+                    </a14:imgLayer>
+                  </a14:imgProps>
+                </a:ext>
+                <a:ext uri="{28A0092B-C50C-407E-A947-70E740481C1C}">
+                  <a14:useLocalDpi xmlns:a14="http://schemas.microsoft.com/office/drawing/2010/main" val="0"/>
+                </a:ext>
+              </a:extLst>
+            </a:blip>
+            <a:srcRect t="1873" b="20101"/>
+            <a:stretch/>
+          </p:blipFill>
+          <p:spPr>
+            <a:xfrm>
+              <a:off x="4126327" y="1666240"/>
+              <a:ext cx="7730393" cy="4093680"/>
+            </a:xfrm>
+            <a:prstGeom prst="rect">
+              <a:avLst/>
+            </a:prstGeom>
+          </p:spPr>
+        </p:pic>
+        <p:cxnSp>
+          <p:nvCxnSpPr>
+            <p:cNvPr id="17" name="Gerade Verbindung 16">
+              <a:extLst>
+                <a:ext uri="{FF2B5EF4-FFF2-40B4-BE49-F238E27FC236}">
+                  <a16:creationId xmlns:a16="http://schemas.microsoft.com/office/drawing/2014/main" id="{45A5DCEF-7D0E-BC4C-A05C-D92A28F9BDCA}"/>
+                </a:ext>
+              </a:extLst>
+            </p:cNvPr>
+            <p:cNvCxnSpPr>
+              <a:cxnSpLocks/>
+            </p:cNvCxnSpPr>
+            <p:nvPr/>
+          </p:nvCxnSpPr>
+          <p:spPr>
+            <a:xfrm>
+              <a:off x="3890914" y="2245013"/>
+              <a:ext cx="0" cy="3514907"/>
+            </a:xfrm>
+            <a:prstGeom prst="line">
+              <a:avLst/>
+            </a:prstGeom>
+          </p:spPr>
+          <p:style>
+            <a:lnRef idx="3">
+              <a:schemeClr val="accent2"/>
+            </a:lnRef>
+            <a:fillRef idx="0">
+              <a:schemeClr val="accent2"/>
+            </a:fillRef>
+            <a:effectRef idx="2">
+              <a:schemeClr val="accent2"/>
+            </a:effectRef>
+            <a:fontRef idx="minor">
+              <a:schemeClr val="tx1"/>
+            </a:fontRef>
+          </p:style>
+        </p:cxnSp>
+        <p:cxnSp>
+          <p:nvCxnSpPr>
+            <p:cNvPr id="19" name="Gerade Verbindung 18">
+              <a:extLst>
+                <a:ext uri="{FF2B5EF4-FFF2-40B4-BE49-F238E27FC236}">
+                  <a16:creationId xmlns:a16="http://schemas.microsoft.com/office/drawing/2014/main" id="{D3C78C52-3027-644D-AD8E-4E92C042B58E}"/>
+                </a:ext>
+              </a:extLst>
+            </p:cNvPr>
+            <p:cNvCxnSpPr>
+              <a:cxnSpLocks/>
+            </p:cNvCxnSpPr>
+            <p:nvPr/>
+          </p:nvCxnSpPr>
+          <p:spPr>
+            <a:xfrm>
+              <a:off x="4126327" y="2245013"/>
+              <a:ext cx="0" cy="3514907"/>
+            </a:xfrm>
+            <a:prstGeom prst="line">
+              <a:avLst/>
+            </a:prstGeom>
+          </p:spPr>
+          <p:style>
+            <a:lnRef idx="3">
+              <a:schemeClr val="accent2"/>
+            </a:lnRef>
+            <a:fillRef idx="0">
+              <a:schemeClr val="accent2"/>
+            </a:fillRef>
+            <a:effectRef idx="2">
+              <a:schemeClr val="accent2"/>
+            </a:effectRef>
+            <a:fontRef idx="minor">
+              <a:schemeClr val="tx1"/>
+            </a:fontRef>
+          </p:style>
+        </p:cxnSp>
+        <p:cxnSp>
+          <p:nvCxnSpPr>
+            <p:cNvPr id="20" name="Gerade Verbindung 19">
+              <a:extLst>
+                <a:ext uri="{FF2B5EF4-FFF2-40B4-BE49-F238E27FC236}">
+                  <a16:creationId xmlns:a16="http://schemas.microsoft.com/office/drawing/2014/main" id="{74723EAC-DF0D-0A4D-93B7-1AA0BC4924B7}"/>
+                </a:ext>
+              </a:extLst>
+            </p:cNvPr>
+            <p:cNvCxnSpPr>
+              <a:cxnSpLocks/>
+            </p:cNvCxnSpPr>
+            <p:nvPr/>
+          </p:nvCxnSpPr>
+          <p:spPr>
+            <a:xfrm>
+              <a:off x="3973927" y="3826195"/>
+              <a:ext cx="0" cy="352542"/>
+            </a:xfrm>
+            <a:prstGeom prst="line">
+              <a:avLst/>
+            </a:prstGeom>
+          </p:spPr>
+          <p:style>
+            <a:lnRef idx="3">
+              <a:schemeClr val="accent2"/>
+            </a:lnRef>
+            <a:fillRef idx="0">
+              <a:schemeClr val="accent2"/>
+            </a:fillRef>
+            <a:effectRef idx="2">
+              <a:schemeClr val="accent2"/>
+            </a:effectRef>
+            <a:fontRef idx="minor">
+              <a:schemeClr val="tx1"/>
+            </a:fontRef>
+          </p:style>
+        </p:cxnSp>
+        <p:cxnSp>
+          <p:nvCxnSpPr>
+            <p:cNvPr id="22" name="Gerade Verbindung 21">
+              <a:extLst>
+                <a:ext uri="{FF2B5EF4-FFF2-40B4-BE49-F238E27FC236}">
+                  <a16:creationId xmlns:a16="http://schemas.microsoft.com/office/drawing/2014/main" id="{19082AC2-074A-7643-A72B-B7F418E2C148}"/>
+                </a:ext>
+              </a:extLst>
+            </p:cNvPr>
+            <p:cNvCxnSpPr>
+              <a:cxnSpLocks/>
+            </p:cNvCxnSpPr>
+            <p:nvPr/>
+          </p:nvCxnSpPr>
+          <p:spPr>
+            <a:xfrm>
+              <a:off x="4047305" y="3826195"/>
+              <a:ext cx="0" cy="352542"/>
+            </a:xfrm>
+            <a:prstGeom prst="line">
+              <a:avLst/>
+            </a:prstGeom>
+          </p:spPr>
+          <p:style>
+            <a:lnRef idx="3">
+              <a:schemeClr val="accent2"/>
+            </a:lnRef>
+            <a:fillRef idx="0">
+              <a:schemeClr val="accent2"/>
+            </a:fillRef>
+            <a:effectRef idx="2">
+              <a:schemeClr val="accent2"/>
+            </a:effectRef>
+            <a:fontRef idx="minor">
+              <a:schemeClr val="tx1"/>
+            </a:fontRef>
+          </p:style>
+        </p:cxnSp>
+      </p:grpSp>
+      <p:sp>
+        <p:nvSpPr>
+          <p:cNvPr id="24" name="Rechteck 23">
+            <a:extLst>
+              <a:ext uri="{FF2B5EF4-FFF2-40B4-BE49-F238E27FC236}">
+                <a16:creationId xmlns:a16="http://schemas.microsoft.com/office/drawing/2014/main" id="{9DA0057B-845E-7F4C-B97A-0B35989A6EEF}"/>
+              </a:ext>
+            </a:extLst>
+          </p:cNvPr>
+          <p:cNvSpPr/>
+          <p:nvPr/>
+        </p:nvSpPr>
+        <p:spPr>
+          <a:xfrm>
+            <a:off x="4600766" y="2469245"/>
+            <a:ext cx="2270054" cy="359413"/>
+          </a:xfrm>
+          <a:prstGeom prst="rect">
+            <a:avLst/>
+          </a:prstGeom>
+          <a:ln>
+            <a:noFill/>
+          </a:ln>
+        </p:spPr>
+        <p:style>
+          <a:lnRef idx="2">
+            <a:schemeClr val="accent1">
+              <a:shade val="50000"/>
+            </a:schemeClr>
+          </a:lnRef>
+          <a:fillRef idx="1">
+            <a:schemeClr val="accent1"/>
+          </a:fillRef>
+          <a:effectRef idx="0">
+            <a:schemeClr val="accent1"/>
+          </a:effectRef>
+          <a:fontRef idx="minor">
+            <a:schemeClr val="lt1"/>
+          </a:fontRef>
+        </p:style>
+        <p:txBody>
+          <a:bodyPr rtlCol="0" anchor="ctr"/>
+          <a:lstStyle/>
+          <a:p>
+            <a:pPr algn="ctr"/>
+            <a:endParaRPr lang="de-DE"/>
+          </a:p>
+        </p:txBody>
+      </p:sp>
+      <p:sp>
+        <p:nvSpPr>
+          <p:cNvPr id="25" name="Rechteck 24">
+            <a:extLst>
+              <a:ext uri="{FF2B5EF4-FFF2-40B4-BE49-F238E27FC236}">
+                <a16:creationId xmlns:a16="http://schemas.microsoft.com/office/drawing/2014/main" id="{5E780847-90EA-A34F-9A7E-63E45E3CBE6E}"/>
+              </a:ext>
+            </a:extLst>
+          </p:cNvPr>
+          <p:cNvSpPr/>
+          <p:nvPr/>
+        </p:nvSpPr>
+        <p:spPr>
+          <a:xfrm>
+            <a:off x="6848477" y="2844533"/>
+            <a:ext cx="180967" cy="375288"/>
+          </a:xfrm>
+          <a:prstGeom prst="rect">
+            <a:avLst/>
+          </a:prstGeom>
+          <a:ln>
+            <a:noFill/>
+          </a:ln>
+        </p:spPr>
+        <p:style>
+          <a:lnRef idx="2">
+            <a:schemeClr val="accent1">
+              <a:shade val="50000"/>
+            </a:schemeClr>
+          </a:lnRef>
+          <a:fillRef idx="1">
+            <a:schemeClr val="accent1"/>
+          </a:fillRef>
+          <a:effectRef idx="0">
+            <a:schemeClr val="accent1"/>
+          </a:effectRef>
+          <a:fontRef idx="minor">
+            <a:schemeClr val="lt1"/>
+          </a:fontRef>
+        </p:style>
+        <p:txBody>
+          <a:bodyPr rtlCol="0" anchor="ctr"/>
+          <a:lstStyle/>
+          <a:p>
+            <a:pPr algn="ctr"/>
+            <a:endParaRPr lang="de-DE"/>
+          </a:p>
+        </p:txBody>
+      </p:sp>
+      <p:sp>
+        <p:nvSpPr>
+          <p:cNvPr id="27" name="Rechteck 26">
+            <a:extLst>
+              <a:ext uri="{FF2B5EF4-FFF2-40B4-BE49-F238E27FC236}">
+                <a16:creationId xmlns:a16="http://schemas.microsoft.com/office/drawing/2014/main" id="{7B50C7FB-5840-D840-AA3D-D4A9BA15D98E}"/>
+              </a:ext>
+            </a:extLst>
+          </p:cNvPr>
+          <p:cNvSpPr/>
+          <p:nvPr/>
+        </p:nvSpPr>
+        <p:spPr>
+          <a:xfrm>
+            <a:off x="6848477" y="3219821"/>
+            <a:ext cx="672351" cy="394028"/>
+          </a:xfrm>
+          <a:prstGeom prst="rect">
+            <a:avLst/>
+          </a:prstGeom>
+          <a:ln>
+            <a:noFill/>
+          </a:ln>
+        </p:spPr>
+        <p:style>
+          <a:lnRef idx="2">
+            <a:schemeClr val="accent1">
+              <a:shade val="50000"/>
+            </a:schemeClr>
+          </a:lnRef>
+          <a:fillRef idx="1">
+            <a:schemeClr val="accent1"/>
+          </a:fillRef>
+          <a:effectRef idx="0">
+            <a:schemeClr val="accent1"/>
+          </a:effectRef>
+          <a:fontRef idx="minor">
+            <a:schemeClr val="lt1"/>
+          </a:fontRef>
+        </p:style>
+        <p:txBody>
+          <a:bodyPr rtlCol="0" anchor="ctr"/>
+          <a:lstStyle/>
+          <a:p>
+            <a:pPr algn="ctr"/>
+            <a:endParaRPr lang="de-DE"/>
+          </a:p>
+        </p:txBody>
+      </p:sp>
+      <p:sp>
+        <p:nvSpPr>
+          <p:cNvPr id="28" name="Rechteck 27">
+            <a:extLst>
+              <a:ext uri="{FF2B5EF4-FFF2-40B4-BE49-F238E27FC236}">
+                <a16:creationId xmlns:a16="http://schemas.microsoft.com/office/drawing/2014/main" id="{3AADB768-8813-F14E-ABA9-956957849C05}"/>
+              </a:ext>
+            </a:extLst>
+          </p:cNvPr>
+          <p:cNvSpPr/>
+          <p:nvPr/>
+        </p:nvSpPr>
+        <p:spPr>
+          <a:xfrm>
+            <a:off x="6848477" y="3613849"/>
+            <a:ext cx="1158484" cy="406816"/>
+          </a:xfrm>
+          <a:prstGeom prst="rect">
+            <a:avLst/>
+          </a:prstGeom>
+          <a:ln>
+            <a:noFill/>
+          </a:ln>
+        </p:spPr>
+        <p:style>
+          <a:lnRef idx="2">
+            <a:schemeClr val="accent1">
+              <a:shade val="50000"/>
+            </a:schemeClr>
+          </a:lnRef>
+          <a:fillRef idx="1">
+            <a:schemeClr val="accent1"/>
+          </a:fillRef>
+          <a:effectRef idx="0">
+            <a:schemeClr val="accent1"/>
+          </a:effectRef>
+          <a:fontRef idx="minor">
+            <a:schemeClr val="lt1"/>
+          </a:fontRef>
+        </p:style>
+        <p:txBody>
+          <a:bodyPr rtlCol="0" anchor="ctr"/>
+          <a:lstStyle/>
+          <a:p>
+            <a:pPr algn="ctr"/>
+            <a:endParaRPr lang="de-DE"/>
+          </a:p>
+        </p:txBody>
+      </p:sp>
+      <p:sp>
+        <p:nvSpPr>
+          <p:cNvPr id="30" name="Rechteck 29">
+            <a:extLst>
+              <a:ext uri="{FF2B5EF4-FFF2-40B4-BE49-F238E27FC236}">
+                <a16:creationId xmlns:a16="http://schemas.microsoft.com/office/drawing/2014/main" id="{0C2ED59E-472D-2047-82C8-44C3389130F2}"/>
+              </a:ext>
+            </a:extLst>
+          </p:cNvPr>
+          <p:cNvSpPr/>
+          <p:nvPr/>
+        </p:nvSpPr>
+        <p:spPr>
+          <a:xfrm>
+            <a:off x="9138584" y="4020665"/>
+            <a:ext cx="180967" cy="381006"/>
+          </a:xfrm>
+          <a:prstGeom prst="rect">
+            <a:avLst/>
+          </a:prstGeom>
+          <a:ln>
+            <a:noFill/>
+          </a:ln>
+        </p:spPr>
+        <p:style>
+          <a:lnRef idx="2">
+            <a:schemeClr val="accent1">
+              <a:shade val="50000"/>
+            </a:schemeClr>
+          </a:lnRef>
+          <a:fillRef idx="1">
+            <a:schemeClr val="accent1"/>
+          </a:fillRef>
+          <a:effectRef idx="0">
+            <a:schemeClr val="accent1"/>
+          </a:effectRef>
+          <a:fontRef idx="minor">
+            <a:schemeClr val="lt1"/>
+          </a:fontRef>
+        </p:style>
+        <p:txBody>
+          <a:bodyPr rtlCol="0" anchor="ctr"/>
+          <a:lstStyle/>
+          <a:p>
+            <a:pPr algn="ctr"/>
+            <a:endParaRPr lang="de-DE"/>
+          </a:p>
+        </p:txBody>
+      </p:sp>
+      <p:sp>
+        <p:nvSpPr>
+          <p:cNvPr id="31" name="Rechteck 30">
+            <a:extLst>
+              <a:ext uri="{FF2B5EF4-FFF2-40B4-BE49-F238E27FC236}">
+                <a16:creationId xmlns:a16="http://schemas.microsoft.com/office/drawing/2014/main" id="{9B757904-1DFD-9542-8659-2FAAF6E70C76}"/>
+              </a:ext>
+            </a:extLst>
+          </p:cNvPr>
+          <p:cNvSpPr/>
+          <p:nvPr/>
+        </p:nvSpPr>
+        <p:spPr>
+          <a:xfrm>
+            <a:off x="8957618" y="2289538"/>
+            <a:ext cx="180966" cy="3300229"/>
+          </a:xfrm>
+          <a:prstGeom prst="rect">
+            <a:avLst/>
+          </a:prstGeom>
+          <a:noFill/>
+          <a:ln w="38100">
+            <a:solidFill>
+              <a:srgbClr val="36FF86"/>
+            </a:solidFill>
+          </a:ln>
+        </p:spPr>
+        <p:style>
+          <a:lnRef idx="2">
+            <a:schemeClr val="accent2"/>
+          </a:lnRef>
+          <a:fillRef idx="1">
+            <a:schemeClr val="lt1"/>
+          </a:fillRef>
+          <a:effectRef idx="0">
+            <a:schemeClr val="accent2"/>
+          </a:effectRef>
+          <a:fontRef idx="minor">
+            <a:schemeClr val="dk1"/>
+          </a:fontRef>
+        </p:style>
+        <p:txBody>
+          <a:bodyPr rtlCol="0" anchor="ctr"/>
+          <a:lstStyle/>
+          <a:p>
+            <a:pPr algn="ctr"/>
+            <a:endParaRPr lang="de-DE"/>
+          </a:p>
+        </p:txBody>
+      </p:sp>
+    </p:spTree>
+    <p:extLst>
+      <p:ext uri="{BB962C8B-B14F-4D97-AF65-F5344CB8AC3E}">
+        <p14:creationId xmlns:p14="http://schemas.microsoft.com/office/powerpoint/2010/main" val="2745963099"/>
+      </p:ext>
+    </p:extLst>
+  </p:cSld>
+  <p:clrMapOvr>
+    <a:masterClrMapping/>
+  </p:clrMapOvr>
+</p:sld>
+</file>
+
+<file path=ppt/slides/slide4.xml><?xml version="1.0" encoding="utf-8"?>
+<p:sld xmlns:a="http://schemas.openxmlformats.org/drawingml/2006/main" xmlns:r="http://schemas.openxmlformats.org/officeDocument/2006/relationships" xmlns:p="http://schemas.openxmlformats.org/presentationml/2006/main">
+  <p:cSld>
+    <p:spTree>
+      <p:nvGrpSpPr>
+        <p:cNvPr id="1" name=""/>
+        <p:cNvGrpSpPr/>
+        <p:nvPr/>
+      </p:nvGrpSpPr>
+      <p:grpSpPr>
+        <a:xfrm>
+          <a:off x="0" y="0"/>
+          <a:ext cx="0" cy="0"/>
+          <a:chOff x="0" y="0"/>
+          <a:chExt cx="0" cy="0"/>
+        </a:xfrm>
+      </p:grpSpPr>
+      <p:sp>
+        <p:nvSpPr>
+          <p:cNvPr id="2" name="Titel 1">
+            <a:extLst>
+              <a:ext uri="{FF2B5EF4-FFF2-40B4-BE49-F238E27FC236}">
+                <a16:creationId xmlns:a16="http://schemas.microsoft.com/office/drawing/2014/main" id="{0F09C5DB-EA82-4F84-A170-C8D7412D4EE0}"/>
+              </a:ext>
+            </a:extLst>
+          </p:cNvPr>
+          <p:cNvSpPr>
+            <a:spLocks noGrp="1"/>
+          </p:cNvSpPr>
+          <p:nvPr>
+            <p:ph type="title"/>
+          </p:nvPr>
+        </p:nvSpPr>
+        <p:spPr/>
+        <p:txBody>
+          <a:bodyPr/>
+          <a:lstStyle/>
+          <a:p>
+            <a:pPr algn="ctr"/>
+            <a:r>
+              <a:rPr lang="de-DE" dirty="0"/>
+              <a:t>Gantt-Diagramm</a:t>
+            </a:r>
+            <a:br>
+              <a:rPr lang="de-DE" dirty="0"/>
+            </a:br>
+            <a:endParaRPr lang="de-DE" dirty="0"/>
+          </a:p>
+        </p:txBody>
+      </p:sp>
+      <p:pic>
+        <p:nvPicPr>
+          <p:cNvPr id="5" name="Grafik 4">
+            <a:extLst>
+              <a:ext uri="{FF2B5EF4-FFF2-40B4-BE49-F238E27FC236}">
+                <a16:creationId xmlns:a16="http://schemas.microsoft.com/office/drawing/2014/main" id="{7D260344-23DD-4348-A2A1-C8A2EF22687F}"/>
+              </a:ext>
+            </a:extLst>
+          </p:cNvPr>
+          <p:cNvPicPr>
+            <a:picLocks noChangeAspect="1"/>
+          </p:cNvPicPr>
+          <p:nvPr/>
+        </p:nvPicPr>
+        <p:blipFill rotWithShape="1">
+          <a:blip r:embed="rId3" cstate="print">
+            <a:extLst>
+              <a:ext uri="{28A0092B-C50C-407E-A947-70E740481C1C}">
+                <a14:useLocalDpi xmlns:a14="http://schemas.microsoft.com/office/drawing/2010/main" val="0"/>
+              </a:ext>
+            </a:extLst>
+          </a:blip>
+          <a:srcRect l="11774" t="14019" r="12142" b="11639"/>
+          <a:stretch/>
+        </p:blipFill>
+        <p:spPr bwMode="auto">
+          <a:xfrm>
+            <a:off x="10824228" y="467711"/>
+            <a:ext cx="1255093" cy="1077063"/>
+          </a:xfrm>
+          <a:prstGeom prst="rect">
+            <a:avLst/>
+          </a:prstGeom>
+          <a:noFill/>
+          <a:ln>
+            <a:noFill/>
+          </a:ln>
+        </p:spPr>
+      </p:pic>
+      <p:pic>
+        <p:nvPicPr>
+          <p:cNvPr id="11" name="Grafik 10">
+            <a:extLst>
+              <a:ext uri="{FF2B5EF4-FFF2-40B4-BE49-F238E27FC236}">
+                <a16:creationId xmlns:a16="http://schemas.microsoft.com/office/drawing/2014/main" id="{BDE6FB44-65FD-4E2B-BE99-975EFC3E58BC}"/>
+              </a:ext>
+            </a:extLst>
+          </p:cNvPr>
+          <p:cNvPicPr>
+            <a:picLocks noChangeAspect="1"/>
+          </p:cNvPicPr>
+          <p:nvPr/>
+        </p:nvPicPr>
+        <p:blipFill rotWithShape="1">
+          <a:blip r:embed="rId4">
+            <a:extLst>
+              <a:ext uri="{28A0092B-C50C-407E-A947-70E740481C1C}">
+                <a14:useLocalDpi xmlns:a14="http://schemas.microsoft.com/office/drawing/2010/main" val="0"/>
+              </a:ext>
+            </a:extLst>
+          </a:blip>
+          <a:srcRect l="6667" t="9360" r="47917" b="29306"/>
+          <a:stretch/>
+        </p:blipFill>
+        <p:spPr>
+          <a:xfrm>
+            <a:off x="112678" y="104775"/>
+            <a:ext cx="1421712" cy="1440000"/>
+          </a:xfrm>
+          <a:prstGeom prst="rect">
+            <a:avLst/>
+          </a:prstGeom>
+        </p:spPr>
+      </p:pic>
+      <p:grpSp>
+        <p:nvGrpSpPr>
+          <p:cNvPr id="23" name="Gruppieren 22">
+            <a:extLst>
+              <a:ext uri="{FF2B5EF4-FFF2-40B4-BE49-F238E27FC236}">
+                <a16:creationId xmlns:a16="http://schemas.microsoft.com/office/drawing/2014/main" id="{AE0802D5-782D-1848-8BE8-4E86022B1C1B}"/>
+              </a:ext>
+            </a:extLst>
+          </p:cNvPr>
+          <p:cNvGrpSpPr/>
+          <p:nvPr/>
+        </p:nvGrpSpPr>
+        <p:grpSpPr>
+          <a:xfrm>
+            <a:off x="502035" y="1930400"/>
+            <a:ext cx="8947265" cy="3598611"/>
+            <a:chOff x="335281" y="1666240"/>
+            <a:chExt cx="11521439" cy="4093680"/>
+          </a:xfrm>
+        </p:grpSpPr>
+        <p:pic>
+          <p:nvPicPr>
+            <p:cNvPr id="8" name="Grafik 7">
+              <a:extLst>
+                <a:ext uri="{FF2B5EF4-FFF2-40B4-BE49-F238E27FC236}">
+                  <a16:creationId xmlns:a16="http://schemas.microsoft.com/office/drawing/2014/main" id="{0125A1EB-B88E-554D-A7A3-3CB1271052D4}"/>
+                </a:ext>
+              </a:extLst>
+            </p:cNvPr>
+            <p:cNvPicPr>
+              <a:picLocks noChangeAspect="1"/>
+            </p:cNvPicPr>
+            <p:nvPr/>
+          </p:nvPicPr>
+          <p:blipFill rotWithShape="1">
+            <a:blip r:embed="rId5">
+              <a:extLst>
+                <a:ext uri="{BEBA8EAE-BF5A-486C-A8C5-ECC9F3942E4B}">
+                  <a14:imgProps xmlns:a14="http://schemas.microsoft.com/office/drawing/2010/main">
+                    <a14:imgLayer r:embed="rId6">
+                      <a14:imgEffect>
+                        <a14:saturation sat="0"/>
+                      </a14:imgEffect>
+                    </a14:imgLayer>
+                  </a14:imgProps>
+                </a:ext>
+                <a:ext uri="{28A0092B-C50C-407E-A947-70E740481C1C}">
+                  <a14:useLocalDpi xmlns:a14="http://schemas.microsoft.com/office/drawing/2010/main" val="0"/>
+                </a:ext>
+              </a:extLst>
+            </a:blip>
+            <a:srcRect l="1067" t="19618" r="79530" b="38506"/>
+            <a:stretch/>
+          </p:blipFill>
+          <p:spPr>
+            <a:xfrm>
+              <a:off x="335281" y="1666240"/>
+              <a:ext cx="3555634" cy="4093680"/>
+            </a:xfrm>
+            <a:prstGeom prst="rect">
+              <a:avLst/>
+            </a:prstGeom>
+          </p:spPr>
+        </p:pic>
+        <p:pic>
+          <p:nvPicPr>
+            <p:cNvPr id="15" name="Grafik 14">
+              <a:extLst>
+                <a:ext uri="{FF2B5EF4-FFF2-40B4-BE49-F238E27FC236}">
+                  <a16:creationId xmlns:a16="http://schemas.microsoft.com/office/drawing/2014/main" id="{435232C0-A90D-514F-83D8-13444981D437}"/>
+                </a:ext>
+              </a:extLst>
+            </p:cNvPr>
+            <p:cNvPicPr>
+              <a:picLocks noChangeAspect="1"/>
+            </p:cNvPicPr>
+            <p:nvPr/>
+          </p:nvPicPr>
+          <p:blipFill rotWithShape="1">
+            <a:blip r:embed="rId7">
+              <a:extLst>
+                <a:ext uri="{BEBA8EAE-BF5A-486C-A8C5-ECC9F3942E4B}">
+                  <a14:imgProps xmlns:a14="http://schemas.microsoft.com/office/drawing/2010/main">
+                    <a14:imgLayer r:embed="rId8">
+                      <a14:imgEffect>
+                        <a14:saturation sat="0"/>
+                      </a14:imgEffect>
+                    </a14:imgLayer>
+                  </a14:imgProps>
+                </a:ext>
+                <a:ext uri="{28A0092B-C50C-407E-A947-70E740481C1C}">
+                  <a14:useLocalDpi xmlns:a14="http://schemas.microsoft.com/office/drawing/2010/main" val="0"/>
+                </a:ext>
+              </a:extLst>
+            </a:blip>
+            <a:srcRect t="1873" b="20101"/>
+            <a:stretch/>
+          </p:blipFill>
+          <p:spPr>
+            <a:xfrm>
+              <a:off x="4126327" y="1666240"/>
+              <a:ext cx="7730393" cy="4093680"/>
+            </a:xfrm>
+            <a:prstGeom prst="rect">
+              <a:avLst/>
+            </a:prstGeom>
+          </p:spPr>
+        </p:pic>
+        <p:cxnSp>
+          <p:nvCxnSpPr>
+            <p:cNvPr id="17" name="Gerade Verbindung 16">
+              <a:extLst>
+                <a:ext uri="{FF2B5EF4-FFF2-40B4-BE49-F238E27FC236}">
+                  <a16:creationId xmlns:a16="http://schemas.microsoft.com/office/drawing/2014/main" id="{45A5DCEF-7D0E-BC4C-A05C-D92A28F9BDCA}"/>
+                </a:ext>
+              </a:extLst>
+            </p:cNvPr>
+            <p:cNvCxnSpPr>
+              <a:cxnSpLocks/>
+            </p:cNvCxnSpPr>
+            <p:nvPr/>
+          </p:nvCxnSpPr>
+          <p:spPr>
+            <a:xfrm>
+              <a:off x="3890914" y="2245013"/>
+              <a:ext cx="0" cy="3514907"/>
+            </a:xfrm>
+            <a:prstGeom prst="line">
+              <a:avLst/>
+            </a:prstGeom>
+          </p:spPr>
+          <p:style>
+            <a:lnRef idx="3">
+              <a:schemeClr val="accent2"/>
+            </a:lnRef>
+            <a:fillRef idx="0">
+              <a:schemeClr val="accent2"/>
+            </a:fillRef>
+            <a:effectRef idx="2">
+              <a:schemeClr val="accent2"/>
+            </a:effectRef>
+            <a:fontRef idx="minor">
+              <a:schemeClr val="tx1"/>
+            </a:fontRef>
+          </p:style>
+        </p:cxnSp>
+        <p:cxnSp>
+          <p:nvCxnSpPr>
+            <p:cNvPr id="19" name="Gerade Verbindung 18">
+              <a:extLst>
+                <a:ext uri="{FF2B5EF4-FFF2-40B4-BE49-F238E27FC236}">
+                  <a16:creationId xmlns:a16="http://schemas.microsoft.com/office/drawing/2014/main" id="{D3C78C52-3027-644D-AD8E-4E92C042B58E}"/>
+                </a:ext>
+              </a:extLst>
+            </p:cNvPr>
+            <p:cNvCxnSpPr>
+              <a:cxnSpLocks/>
+            </p:cNvCxnSpPr>
+            <p:nvPr/>
+          </p:nvCxnSpPr>
+          <p:spPr>
+            <a:xfrm>
+              <a:off x="4126327" y="2245013"/>
+              <a:ext cx="0" cy="3514907"/>
+            </a:xfrm>
+            <a:prstGeom prst="line">
+              <a:avLst/>
+            </a:prstGeom>
+          </p:spPr>
+          <p:style>
+            <a:lnRef idx="3">
+              <a:schemeClr val="accent2"/>
+            </a:lnRef>
+            <a:fillRef idx="0">
+              <a:schemeClr val="accent2"/>
+            </a:fillRef>
+            <a:effectRef idx="2">
+              <a:schemeClr val="accent2"/>
+            </a:effectRef>
+            <a:fontRef idx="minor">
+              <a:schemeClr val="tx1"/>
+            </a:fontRef>
+          </p:style>
+        </p:cxnSp>
+        <p:cxnSp>
+          <p:nvCxnSpPr>
+            <p:cNvPr id="20" name="Gerade Verbindung 19">
+              <a:extLst>
+                <a:ext uri="{FF2B5EF4-FFF2-40B4-BE49-F238E27FC236}">
+                  <a16:creationId xmlns:a16="http://schemas.microsoft.com/office/drawing/2014/main" id="{74723EAC-DF0D-0A4D-93B7-1AA0BC4924B7}"/>
+                </a:ext>
+              </a:extLst>
+            </p:cNvPr>
+            <p:cNvCxnSpPr>
+              <a:cxnSpLocks/>
+            </p:cNvCxnSpPr>
+            <p:nvPr/>
+          </p:nvCxnSpPr>
+          <p:spPr>
+            <a:xfrm>
+              <a:off x="3973927" y="3826195"/>
+              <a:ext cx="0" cy="352542"/>
+            </a:xfrm>
+            <a:prstGeom prst="line">
+              <a:avLst/>
+            </a:prstGeom>
+          </p:spPr>
+          <p:style>
+            <a:lnRef idx="3">
+              <a:schemeClr val="accent2"/>
+            </a:lnRef>
+            <a:fillRef idx="0">
+              <a:schemeClr val="accent2"/>
+            </a:fillRef>
+            <a:effectRef idx="2">
+              <a:schemeClr val="accent2"/>
+            </a:effectRef>
+            <a:fontRef idx="minor">
+              <a:schemeClr val="tx1"/>
+            </a:fontRef>
+          </p:style>
+        </p:cxnSp>
+        <p:cxnSp>
+          <p:nvCxnSpPr>
+            <p:cNvPr id="22" name="Gerade Verbindung 21">
+              <a:extLst>
+                <a:ext uri="{FF2B5EF4-FFF2-40B4-BE49-F238E27FC236}">
+                  <a16:creationId xmlns:a16="http://schemas.microsoft.com/office/drawing/2014/main" id="{19082AC2-074A-7643-A72B-B7F418E2C148}"/>
+                </a:ext>
+              </a:extLst>
+            </p:cNvPr>
+            <p:cNvCxnSpPr>
+              <a:cxnSpLocks/>
+            </p:cNvCxnSpPr>
+            <p:nvPr/>
+          </p:nvCxnSpPr>
+          <p:spPr>
+            <a:xfrm>
+              <a:off x="4047305" y="3826195"/>
+              <a:ext cx="0" cy="352542"/>
+            </a:xfrm>
+            <a:prstGeom prst="line">
+              <a:avLst/>
+            </a:prstGeom>
+          </p:spPr>
+          <p:style>
+            <a:lnRef idx="3">
+              <a:schemeClr val="accent2"/>
+            </a:lnRef>
+            <a:fillRef idx="0">
+              <a:schemeClr val="accent2"/>
+            </a:fillRef>
+            <a:effectRef idx="2">
+              <a:schemeClr val="accent2"/>
+            </a:effectRef>
+            <a:fontRef idx="minor">
+              <a:schemeClr val="tx1"/>
+            </a:fontRef>
+          </p:style>
+        </p:cxnSp>
+      </p:grpSp>
+      <p:sp>
+        <p:nvSpPr>
+          <p:cNvPr id="24" name="Rechteck 23">
+            <a:extLst>
+              <a:ext uri="{FF2B5EF4-FFF2-40B4-BE49-F238E27FC236}">
+                <a16:creationId xmlns:a16="http://schemas.microsoft.com/office/drawing/2014/main" id="{9DA0057B-845E-7F4C-B97A-0B35989A6EEF}"/>
+              </a:ext>
+            </a:extLst>
+          </p:cNvPr>
+          <p:cNvSpPr/>
+          <p:nvPr/>
+        </p:nvSpPr>
+        <p:spPr>
+          <a:xfrm>
+            <a:off x="4600766" y="2469245"/>
+            <a:ext cx="2270054" cy="359413"/>
+          </a:xfrm>
+          <a:prstGeom prst="rect">
+            <a:avLst/>
+          </a:prstGeom>
+          <a:ln>
+            <a:noFill/>
+          </a:ln>
+        </p:spPr>
+        <p:style>
+          <a:lnRef idx="2">
+            <a:schemeClr val="accent1">
+              <a:shade val="50000"/>
+            </a:schemeClr>
+          </a:lnRef>
+          <a:fillRef idx="1">
+            <a:schemeClr val="accent1"/>
+          </a:fillRef>
+          <a:effectRef idx="0">
+            <a:schemeClr val="accent1"/>
+          </a:effectRef>
+          <a:fontRef idx="minor">
+            <a:schemeClr val="lt1"/>
+          </a:fontRef>
+        </p:style>
+        <p:txBody>
+          <a:bodyPr rtlCol="0" anchor="ctr"/>
+          <a:lstStyle/>
+          <a:p>
+            <a:pPr algn="ctr"/>
+            <a:endParaRPr lang="de-DE"/>
+          </a:p>
+        </p:txBody>
+      </p:sp>
+      <p:sp>
+        <p:nvSpPr>
+          <p:cNvPr id="25" name="Rechteck 24">
+            <a:extLst>
+              <a:ext uri="{FF2B5EF4-FFF2-40B4-BE49-F238E27FC236}">
+                <a16:creationId xmlns:a16="http://schemas.microsoft.com/office/drawing/2014/main" id="{5E780847-90EA-A34F-9A7E-63E45E3CBE6E}"/>
+              </a:ext>
+            </a:extLst>
+          </p:cNvPr>
+          <p:cNvSpPr/>
+          <p:nvPr/>
+        </p:nvSpPr>
+        <p:spPr>
+          <a:xfrm>
+            <a:off x="6848477" y="2844533"/>
+            <a:ext cx="180967" cy="375288"/>
+          </a:xfrm>
+          <a:prstGeom prst="rect">
+            <a:avLst/>
+          </a:prstGeom>
+          <a:ln>
+            <a:noFill/>
+          </a:ln>
+        </p:spPr>
+        <p:style>
+          <a:lnRef idx="2">
+            <a:schemeClr val="accent1">
+              <a:shade val="50000"/>
+            </a:schemeClr>
+          </a:lnRef>
+          <a:fillRef idx="1">
+            <a:schemeClr val="accent1"/>
+          </a:fillRef>
+          <a:effectRef idx="0">
+            <a:schemeClr val="accent1"/>
+          </a:effectRef>
+          <a:fontRef idx="minor">
+            <a:schemeClr val="lt1"/>
+          </a:fontRef>
+        </p:style>
+        <p:txBody>
+          <a:bodyPr rtlCol="0" anchor="ctr"/>
+          <a:lstStyle/>
+          <a:p>
+            <a:pPr algn="ctr"/>
+            <a:endParaRPr lang="de-DE"/>
+          </a:p>
+        </p:txBody>
+      </p:sp>
+      <p:sp>
+        <p:nvSpPr>
+          <p:cNvPr id="27" name="Rechteck 26">
+            <a:extLst>
+              <a:ext uri="{FF2B5EF4-FFF2-40B4-BE49-F238E27FC236}">
+                <a16:creationId xmlns:a16="http://schemas.microsoft.com/office/drawing/2014/main" id="{7B50C7FB-5840-D840-AA3D-D4A9BA15D98E}"/>
+              </a:ext>
+            </a:extLst>
+          </p:cNvPr>
+          <p:cNvSpPr/>
+          <p:nvPr/>
+        </p:nvSpPr>
+        <p:spPr>
+          <a:xfrm>
+            <a:off x="6848477" y="3219821"/>
+            <a:ext cx="672351" cy="394028"/>
+          </a:xfrm>
+          <a:prstGeom prst="rect">
+            <a:avLst/>
+          </a:prstGeom>
+          <a:ln>
+            <a:noFill/>
+          </a:ln>
+        </p:spPr>
+        <p:style>
+          <a:lnRef idx="2">
+            <a:schemeClr val="accent1">
+              <a:shade val="50000"/>
+            </a:schemeClr>
+          </a:lnRef>
+          <a:fillRef idx="1">
+            <a:schemeClr val="accent1"/>
+          </a:fillRef>
+          <a:effectRef idx="0">
+            <a:schemeClr val="accent1"/>
+          </a:effectRef>
+          <a:fontRef idx="minor">
+            <a:schemeClr val="lt1"/>
+          </a:fontRef>
+        </p:style>
+        <p:txBody>
+          <a:bodyPr rtlCol="0" anchor="ctr"/>
+          <a:lstStyle/>
+          <a:p>
+            <a:pPr algn="ctr"/>
+            <a:endParaRPr lang="de-DE"/>
+          </a:p>
+        </p:txBody>
+      </p:sp>
+      <p:sp>
+        <p:nvSpPr>
+          <p:cNvPr id="28" name="Rechteck 27">
+            <a:extLst>
+              <a:ext uri="{FF2B5EF4-FFF2-40B4-BE49-F238E27FC236}">
+                <a16:creationId xmlns:a16="http://schemas.microsoft.com/office/drawing/2014/main" id="{3AADB768-8813-F14E-ABA9-956957849C05}"/>
+              </a:ext>
+            </a:extLst>
+          </p:cNvPr>
+          <p:cNvSpPr/>
+          <p:nvPr/>
+        </p:nvSpPr>
+        <p:spPr>
+          <a:xfrm>
+            <a:off x="6848477" y="3613849"/>
+            <a:ext cx="1158484" cy="406816"/>
+          </a:xfrm>
+          <a:prstGeom prst="rect">
+            <a:avLst/>
+          </a:prstGeom>
+          <a:ln>
+            <a:noFill/>
+          </a:ln>
+        </p:spPr>
+        <p:style>
+          <a:lnRef idx="2">
+            <a:schemeClr val="accent1">
+              <a:shade val="50000"/>
+            </a:schemeClr>
+          </a:lnRef>
+          <a:fillRef idx="1">
+            <a:schemeClr val="accent1"/>
+          </a:fillRef>
+          <a:effectRef idx="0">
+            <a:schemeClr val="accent1"/>
+          </a:effectRef>
+          <a:fontRef idx="minor">
+            <a:schemeClr val="lt1"/>
+          </a:fontRef>
+        </p:style>
+        <p:txBody>
+          <a:bodyPr rtlCol="0" anchor="ctr"/>
+          <a:lstStyle/>
+          <a:p>
+            <a:pPr algn="ctr"/>
+            <a:endParaRPr lang="de-DE"/>
+          </a:p>
+        </p:txBody>
+      </p:sp>
+      <p:sp>
+        <p:nvSpPr>
+          <p:cNvPr id="30" name="Rechteck 29">
+            <a:extLst>
+              <a:ext uri="{FF2B5EF4-FFF2-40B4-BE49-F238E27FC236}">
+                <a16:creationId xmlns:a16="http://schemas.microsoft.com/office/drawing/2014/main" id="{0C2ED59E-472D-2047-82C8-44C3389130F2}"/>
+              </a:ext>
+            </a:extLst>
+          </p:cNvPr>
+          <p:cNvSpPr/>
+          <p:nvPr/>
+        </p:nvSpPr>
+        <p:spPr>
+          <a:xfrm>
+            <a:off x="9138584" y="4020665"/>
+            <a:ext cx="180967" cy="381006"/>
+          </a:xfrm>
+          <a:prstGeom prst="rect">
+            <a:avLst/>
+          </a:prstGeom>
+          <a:ln>
+            <a:noFill/>
+          </a:ln>
+        </p:spPr>
+        <p:style>
+          <a:lnRef idx="2">
+            <a:schemeClr val="accent1">
+              <a:shade val="50000"/>
+            </a:schemeClr>
+          </a:lnRef>
+          <a:fillRef idx="1">
+            <a:schemeClr val="accent1"/>
+          </a:fillRef>
+          <a:effectRef idx="0">
+            <a:schemeClr val="accent1"/>
+          </a:effectRef>
+          <a:fontRef idx="minor">
+            <a:schemeClr val="lt1"/>
+          </a:fontRef>
+        </p:style>
+        <p:txBody>
+          <a:bodyPr rtlCol="0" anchor="ctr"/>
+          <a:lstStyle/>
+          <a:p>
+            <a:pPr algn="ctr"/>
+            <a:endParaRPr lang="de-DE"/>
+          </a:p>
+        </p:txBody>
+      </p:sp>
+      <p:sp>
+        <p:nvSpPr>
+          <p:cNvPr id="31" name="Rechteck 30">
+            <a:extLst>
+              <a:ext uri="{FF2B5EF4-FFF2-40B4-BE49-F238E27FC236}">
+                <a16:creationId xmlns:a16="http://schemas.microsoft.com/office/drawing/2014/main" id="{9B757904-1DFD-9542-8659-2FAAF6E70C76}"/>
+              </a:ext>
+            </a:extLst>
+          </p:cNvPr>
+          <p:cNvSpPr/>
+          <p:nvPr/>
+        </p:nvSpPr>
+        <p:spPr>
+          <a:xfrm>
+            <a:off x="8957618" y="2289538"/>
+            <a:ext cx="180966" cy="3300229"/>
+          </a:xfrm>
+          <a:prstGeom prst="rect">
+            <a:avLst/>
+          </a:prstGeom>
+          <a:noFill/>
+          <a:ln w="38100">
+            <a:solidFill>
+              <a:srgbClr val="36FF86"/>
+            </a:solidFill>
+          </a:ln>
+        </p:spPr>
+        <p:style>
+          <a:lnRef idx="2">
+            <a:schemeClr val="accent2"/>
+          </a:lnRef>
+          <a:fillRef idx="1">
+            <a:schemeClr val="lt1"/>
+          </a:fillRef>
+          <a:effectRef idx="0">
+            <a:schemeClr val="accent2"/>
+          </a:effectRef>
+          <a:fontRef idx="minor">
+            <a:schemeClr val="dk1"/>
+          </a:fontRef>
+        </p:style>
+        <p:txBody>
+          <a:bodyPr rtlCol="0" anchor="ctr"/>
+          <a:lstStyle/>
+          <a:p>
+            <a:pPr algn="ctr"/>
+            <a:endParaRPr lang="de-DE"/>
+          </a:p>
+        </p:txBody>
+      </p:sp>
+      <p:pic>
+        <p:nvPicPr>
+          <p:cNvPr id="4" name="Grafik 3" descr="Häkchen">
+            <a:extLst>
+              <a:ext uri="{FF2B5EF4-FFF2-40B4-BE49-F238E27FC236}">
+                <a16:creationId xmlns:a16="http://schemas.microsoft.com/office/drawing/2014/main" id="{BABFF0DE-6D7E-9A4D-9B2C-CFB4169AD516}"/>
+              </a:ext>
+            </a:extLst>
+          </p:cNvPr>
+          <p:cNvPicPr>
+            <a:picLocks noChangeAspect="1"/>
+          </p:cNvPicPr>
+          <p:nvPr/>
+        </p:nvPicPr>
+        <p:blipFill>
+          <a:blip r:embed="rId9">
+            <a:extLst>
+              <a:ext uri="{28A0092B-C50C-407E-A947-70E740481C1C}">
+                <a14:useLocalDpi xmlns:a14="http://schemas.microsoft.com/office/drawing/2010/main" val="0"/>
+              </a:ext>
+              <a:ext uri="{96DAC541-7B7A-43D3-8B79-37D633B846F1}">
+                <asvg:svgBlip xmlns:asvg="http://schemas.microsoft.com/office/drawing/2016/SVG/main" r:embed="rId10"/>
+              </a:ext>
+            </a:extLst>
+          </a:blip>
+          <a:stretch>
+            <a:fillRect/>
+          </a:stretch>
+        </p:blipFill>
+        <p:spPr>
+          <a:xfrm>
+            <a:off x="2648248" y="2771776"/>
+            <a:ext cx="479424" cy="479424"/>
+          </a:xfrm>
+          <a:prstGeom prst="rect">
+            <a:avLst/>
+          </a:prstGeom>
+        </p:spPr>
+      </p:pic>
+      <p:pic>
+        <p:nvPicPr>
+          <p:cNvPr id="21" name="Grafik 20" descr="Häkchen">
+            <a:extLst>
+              <a:ext uri="{FF2B5EF4-FFF2-40B4-BE49-F238E27FC236}">
+                <a16:creationId xmlns:a16="http://schemas.microsoft.com/office/drawing/2014/main" id="{9157FF37-95F5-A04A-81BC-AD9966A3FF2D}"/>
+              </a:ext>
+            </a:extLst>
+          </p:cNvPr>
+          <p:cNvPicPr>
+            <a:picLocks noChangeAspect="1"/>
+          </p:cNvPicPr>
+          <p:nvPr/>
+        </p:nvPicPr>
+        <p:blipFill>
+          <a:blip r:embed="rId9">
+            <a:extLst>
+              <a:ext uri="{28A0092B-C50C-407E-A947-70E740481C1C}">
+                <a14:useLocalDpi xmlns:a14="http://schemas.microsoft.com/office/drawing/2010/main" val="0"/>
+              </a:ext>
+              <a:ext uri="{96DAC541-7B7A-43D3-8B79-37D633B846F1}">
+                <asvg:svgBlip xmlns:asvg="http://schemas.microsoft.com/office/drawing/2016/SVG/main" r:embed="rId10"/>
+              </a:ext>
+            </a:extLst>
+          </a:blip>
+          <a:stretch>
+            <a:fillRect/>
+          </a:stretch>
+        </p:blipFill>
+        <p:spPr>
+          <a:xfrm>
+            <a:off x="2608584" y="3971456"/>
+            <a:ext cx="479424" cy="479424"/>
+          </a:xfrm>
+          <a:prstGeom prst="rect">
+            <a:avLst/>
+          </a:prstGeom>
+        </p:spPr>
+      </p:pic>
+    </p:spTree>
+    <p:extLst>
+      <p:ext uri="{BB962C8B-B14F-4D97-AF65-F5344CB8AC3E}">
+        <p14:creationId xmlns:p14="http://schemas.microsoft.com/office/powerpoint/2010/main" val="4290800729"/>
+      </p:ext>
+    </p:extLst>
+  </p:cSld>
+  <p:clrMapOvr>
+    <a:masterClrMapping/>
+  </p:clrMapOvr>
+</p:sld>
+</file>
+
+<file path=ppt/slides/slide5.xml><?xml version="1.0" encoding="utf-8"?>
+<p:sld xmlns:a="http://schemas.openxmlformats.org/drawingml/2006/main" xmlns:r="http://schemas.openxmlformats.org/officeDocument/2006/relationships" xmlns:p="http://schemas.openxmlformats.org/presentationml/2006/main">
+  <p:cSld>
+    <p:spTree>
+      <p:nvGrpSpPr>
+        <p:cNvPr id="1" name=""/>
+        <p:cNvGrpSpPr/>
+        <p:nvPr/>
+      </p:nvGrpSpPr>
+      <p:grpSpPr>
+        <a:xfrm>
+          <a:off x="0" y="0"/>
+          <a:ext cx="0" cy="0"/>
+          <a:chOff x="0" y="0"/>
+          <a:chExt cx="0" cy="0"/>
+        </a:xfrm>
+      </p:grpSpPr>
+      <p:sp>
+        <p:nvSpPr>
+          <p:cNvPr id="2" name="Titel 1">
+            <a:extLst>
+              <a:ext uri="{FF2B5EF4-FFF2-40B4-BE49-F238E27FC236}">
+                <a16:creationId xmlns:a16="http://schemas.microsoft.com/office/drawing/2014/main" id="{0F09C5DB-EA82-4F84-A170-C8D7412D4EE0}"/>
+              </a:ext>
+            </a:extLst>
+          </p:cNvPr>
+          <p:cNvSpPr>
+            <a:spLocks noGrp="1"/>
+          </p:cNvSpPr>
+          <p:nvPr>
+            <p:ph type="title"/>
+          </p:nvPr>
+        </p:nvSpPr>
+        <p:spPr/>
+        <p:txBody>
+          <a:bodyPr/>
+          <a:lstStyle/>
+          <a:p>
+            <a:pPr algn="ctr"/>
+            <a:r>
+              <a:rPr lang="de-DE" dirty="0"/>
+              <a:t>Gantt-Diagramm</a:t>
+            </a:r>
+            <a:br>
+              <a:rPr lang="de-DE" dirty="0"/>
+            </a:br>
+            <a:endParaRPr lang="de-DE" dirty="0"/>
+          </a:p>
+        </p:txBody>
+      </p:sp>
+      <p:pic>
+        <p:nvPicPr>
+          <p:cNvPr id="5" name="Grafik 4">
+            <a:extLst>
+              <a:ext uri="{FF2B5EF4-FFF2-40B4-BE49-F238E27FC236}">
+                <a16:creationId xmlns:a16="http://schemas.microsoft.com/office/drawing/2014/main" id="{7D260344-23DD-4348-A2A1-C8A2EF22687F}"/>
+              </a:ext>
+            </a:extLst>
+          </p:cNvPr>
+          <p:cNvPicPr>
+            <a:picLocks noChangeAspect="1"/>
+          </p:cNvPicPr>
+          <p:nvPr/>
+        </p:nvPicPr>
+        <p:blipFill rotWithShape="1">
+          <a:blip r:embed="rId3" cstate="print">
             <a:extLst>
               <a:ext uri="{28A0092B-C50C-407E-A947-70E740481C1C}">
                 <a14:useLocalDpi xmlns:a14="http://schemas.microsoft.com/office/drawing/2010/main" val="0"/>
@@ -6490,7 +10422,7 @@
           <p:nvPr/>
         </p:nvPicPr>
         <p:blipFill rotWithShape="1">
-          <a:blip r:embed="rId3">
+          <a:blip r:embed="rId4">
             <a:extLst>
               <a:ext uri="{28A0092B-C50C-407E-A947-70E740481C1C}">
                 <a14:useLocalDpi xmlns:a14="http://schemas.microsoft.com/office/drawing/2010/main" val="0"/>
@@ -6510,10 +10442,583 @@
           </a:prstGeom>
         </p:spPr>
       </p:pic>
+      <p:grpSp>
+        <p:nvGrpSpPr>
+          <p:cNvPr id="19" name="Gruppieren 18">
+            <a:extLst>
+              <a:ext uri="{FF2B5EF4-FFF2-40B4-BE49-F238E27FC236}">
+                <a16:creationId xmlns:a16="http://schemas.microsoft.com/office/drawing/2014/main" id="{C4A8928F-E994-5341-84CE-34F7FE7E6C72}"/>
+              </a:ext>
+            </a:extLst>
+          </p:cNvPr>
+          <p:cNvGrpSpPr/>
+          <p:nvPr/>
+        </p:nvGrpSpPr>
+        <p:grpSpPr>
+          <a:xfrm>
+            <a:off x="552300" y="1544775"/>
+            <a:ext cx="4090615" cy="4950085"/>
+            <a:chOff x="2612958" y="1593624"/>
+            <a:chExt cx="4090615" cy="4950085"/>
+          </a:xfrm>
+        </p:grpSpPr>
+        <p:pic>
+          <p:nvPicPr>
+            <p:cNvPr id="10" name="Grafik 9">
+              <a:extLst>
+                <a:ext uri="{FF2B5EF4-FFF2-40B4-BE49-F238E27FC236}">
+                  <a16:creationId xmlns:a16="http://schemas.microsoft.com/office/drawing/2014/main" id="{DB5659B8-8165-C848-A317-4FD1B2605754}"/>
+                </a:ext>
+              </a:extLst>
+            </p:cNvPr>
+            <p:cNvPicPr>
+              <a:picLocks noChangeAspect="1"/>
+            </p:cNvPicPr>
+            <p:nvPr/>
+          </p:nvPicPr>
+          <p:blipFill rotWithShape="1">
+            <a:blip r:embed="rId5">
+              <a:extLst>
+                <a:ext uri="{28A0092B-C50C-407E-A947-70E740481C1C}">
+                  <a14:useLocalDpi xmlns:a14="http://schemas.microsoft.com/office/drawing/2010/main" val="0"/>
+                </a:ext>
+              </a:extLst>
+            </a:blip>
+            <a:srcRect l="5656" t="7859" r="80523" b="65755"/>
+            <a:stretch/>
+          </p:blipFill>
+          <p:spPr>
+            <a:xfrm rot="20662523">
+              <a:off x="2814430" y="1593624"/>
+              <a:ext cx="3889143" cy="4950085"/>
+            </a:xfrm>
+            <a:prstGeom prst="rect">
+              <a:avLst/>
+            </a:prstGeom>
+          </p:spPr>
+        </p:pic>
+        <p:sp>
+          <p:nvSpPr>
+            <p:cNvPr id="12" name="Textfeld 11">
+              <a:extLst>
+                <a:ext uri="{FF2B5EF4-FFF2-40B4-BE49-F238E27FC236}">
+                  <a16:creationId xmlns:a16="http://schemas.microsoft.com/office/drawing/2014/main" id="{AA679050-4E1B-B74C-8558-E02627BDE355}"/>
+                </a:ext>
+              </a:extLst>
+            </p:cNvPr>
+            <p:cNvSpPr txBox="1"/>
+            <p:nvPr/>
+          </p:nvSpPr>
+          <p:spPr>
+            <a:xfrm rot="20155783">
+              <a:off x="2612958" y="2438028"/>
+              <a:ext cx="3538148" cy="477054"/>
+            </a:xfrm>
+            <a:prstGeom prst="rect">
+              <a:avLst/>
+            </a:prstGeom>
+            <a:noFill/>
+          </p:spPr>
+          <p:txBody>
+            <a:bodyPr wrap="none" rtlCol="0">
+              <a:spAutoFit/>
+            </a:bodyPr>
+            <a:lstStyle/>
+            <a:p>
+              <a:r>
+                <a:rPr lang="de-DE" sz="2500" dirty="0">
+                  <a:latin typeface="Bradley Hand" pitchFamily="2" charset="77"/>
+                </a:rPr>
+                <a:t>Läuft alles Planmäßig?</a:t>
+              </a:r>
+            </a:p>
+          </p:txBody>
+        </p:sp>
+        <p:sp>
+          <p:nvSpPr>
+            <p:cNvPr id="13" name="Rechteck 12">
+              <a:extLst>
+                <a:ext uri="{FF2B5EF4-FFF2-40B4-BE49-F238E27FC236}">
+                  <a16:creationId xmlns:a16="http://schemas.microsoft.com/office/drawing/2014/main" id="{24E24767-04A6-3649-8FD8-380CC13A65C9}"/>
+                </a:ext>
+              </a:extLst>
+            </p:cNvPr>
+            <p:cNvSpPr/>
+            <p:nvPr/>
+          </p:nvSpPr>
+          <p:spPr>
+            <a:xfrm rot="20598048">
+              <a:off x="3117273" y="3745722"/>
+              <a:ext cx="581891" cy="637308"/>
+            </a:xfrm>
+            <a:custGeom>
+              <a:avLst/>
+              <a:gdLst>
+                <a:gd name="connsiteX0" fmla="*/ 0 w 581891"/>
+                <a:gd name="connsiteY0" fmla="*/ 0 h 637308"/>
+                <a:gd name="connsiteX1" fmla="*/ 581891 w 581891"/>
+                <a:gd name="connsiteY1" fmla="*/ 0 h 637308"/>
+                <a:gd name="connsiteX2" fmla="*/ 581891 w 581891"/>
+                <a:gd name="connsiteY2" fmla="*/ 637308 h 637308"/>
+                <a:gd name="connsiteX3" fmla="*/ 0 w 581891"/>
+                <a:gd name="connsiteY3" fmla="*/ 637308 h 637308"/>
+                <a:gd name="connsiteX4" fmla="*/ 0 w 581891"/>
+                <a:gd name="connsiteY4" fmla="*/ 0 h 637308"/>
+              </a:gdLst>
+              <a:ahLst/>
+              <a:cxnLst>
+                <a:cxn ang="0">
+                  <a:pos x="connsiteX0" y="connsiteY0"/>
+                </a:cxn>
+                <a:cxn ang="0">
+                  <a:pos x="connsiteX1" y="connsiteY1"/>
+                </a:cxn>
+                <a:cxn ang="0">
+                  <a:pos x="connsiteX2" y="connsiteY2"/>
+                </a:cxn>
+                <a:cxn ang="0">
+                  <a:pos x="connsiteX3" y="connsiteY3"/>
+                </a:cxn>
+                <a:cxn ang="0">
+                  <a:pos x="connsiteX4" y="connsiteY4"/>
+                </a:cxn>
+              </a:cxnLst>
+              <a:rect l="l" t="t" r="r" b="b"/>
+              <a:pathLst>
+                <a:path w="581891" h="637308" extrusionOk="0">
+                  <a:moveTo>
+                    <a:pt x="0" y="0"/>
+                  </a:moveTo>
+                  <a:cubicBezTo>
+                    <a:pt x="225383" y="22305"/>
+                    <a:pt x="388817" y="-20230"/>
+                    <a:pt x="581891" y="0"/>
+                  </a:cubicBezTo>
+                  <a:cubicBezTo>
+                    <a:pt x="609457" y="222295"/>
+                    <a:pt x="584711" y="440465"/>
+                    <a:pt x="581891" y="637308"/>
+                  </a:cubicBezTo>
+                  <a:cubicBezTo>
+                    <a:pt x="402556" y="624877"/>
+                    <a:pt x="249799" y="662725"/>
+                    <a:pt x="0" y="637308"/>
+                  </a:cubicBezTo>
+                  <a:cubicBezTo>
+                    <a:pt x="-27274" y="424571"/>
+                    <a:pt x="-14703" y="183480"/>
+                    <a:pt x="0" y="0"/>
+                  </a:cubicBezTo>
+                  <a:close/>
+                </a:path>
+              </a:pathLst>
+            </a:custGeom>
+            <a:noFill/>
+            <a:ln w="38100">
+              <a:solidFill>
+                <a:schemeClr val="tx1"/>
+              </a:solidFill>
+              <a:extLst>
+                <a:ext uri="{C807C97D-BFC1-408E-A445-0C87EB9F89A2}">
+                  <ask:lineSketchStyleProps xmlns:ask="http://schemas.microsoft.com/office/drawing/2018/sketchyshapes" sd="1219033472">
+                    <a:prstGeom prst="rect">
+                      <a:avLst/>
+                    </a:prstGeom>
+                    <ask:type>
+                      <ask:lineSketchFreehand/>
+                    </ask:type>
+                  </ask:lineSketchStyleProps>
+                </a:ext>
+              </a:extLst>
+            </a:ln>
+          </p:spPr>
+          <p:style>
+            <a:lnRef idx="2">
+              <a:schemeClr val="accent1">
+                <a:shade val="50000"/>
+              </a:schemeClr>
+            </a:lnRef>
+            <a:fillRef idx="1">
+              <a:schemeClr val="accent1"/>
+            </a:fillRef>
+            <a:effectRef idx="0">
+              <a:schemeClr val="accent1"/>
+            </a:effectRef>
+            <a:fontRef idx="minor">
+              <a:schemeClr val="lt1"/>
+            </a:fontRef>
+          </p:style>
+          <p:txBody>
+            <a:bodyPr rtlCol="0" anchor="ctr"/>
+            <a:lstStyle/>
+            <a:p>
+              <a:pPr algn="ctr"/>
+              <a:endParaRPr lang="de-DE"/>
+            </a:p>
+          </p:txBody>
+        </p:sp>
+        <p:sp>
+          <p:nvSpPr>
+            <p:cNvPr id="14" name="Rechteck 13">
+              <a:extLst>
+                <a:ext uri="{FF2B5EF4-FFF2-40B4-BE49-F238E27FC236}">
+                  <a16:creationId xmlns:a16="http://schemas.microsoft.com/office/drawing/2014/main" id="{FA22038E-1A66-F440-B0D3-63DB94A3DB87}"/>
+                </a:ext>
+              </a:extLst>
+            </p:cNvPr>
+            <p:cNvSpPr/>
+            <p:nvPr/>
+          </p:nvSpPr>
+          <p:spPr>
+            <a:xfrm rot="20598048">
+              <a:off x="3340510" y="4510312"/>
+              <a:ext cx="652993" cy="615978"/>
+            </a:xfrm>
+            <a:custGeom>
+              <a:avLst/>
+              <a:gdLst>
+                <a:gd name="connsiteX0" fmla="*/ 0 w 652993"/>
+                <a:gd name="connsiteY0" fmla="*/ 0 h 615978"/>
+                <a:gd name="connsiteX1" fmla="*/ 652993 w 652993"/>
+                <a:gd name="connsiteY1" fmla="*/ 0 h 615978"/>
+                <a:gd name="connsiteX2" fmla="*/ 652993 w 652993"/>
+                <a:gd name="connsiteY2" fmla="*/ 615978 h 615978"/>
+                <a:gd name="connsiteX3" fmla="*/ 0 w 652993"/>
+                <a:gd name="connsiteY3" fmla="*/ 615978 h 615978"/>
+                <a:gd name="connsiteX4" fmla="*/ 0 w 652993"/>
+                <a:gd name="connsiteY4" fmla="*/ 0 h 615978"/>
+              </a:gdLst>
+              <a:ahLst/>
+              <a:cxnLst>
+                <a:cxn ang="0">
+                  <a:pos x="connsiteX0" y="connsiteY0"/>
+                </a:cxn>
+                <a:cxn ang="0">
+                  <a:pos x="connsiteX1" y="connsiteY1"/>
+                </a:cxn>
+                <a:cxn ang="0">
+                  <a:pos x="connsiteX2" y="connsiteY2"/>
+                </a:cxn>
+                <a:cxn ang="0">
+                  <a:pos x="connsiteX3" y="connsiteY3"/>
+                </a:cxn>
+                <a:cxn ang="0">
+                  <a:pos x="connsiteX4" y="connsiteY4"/>
+                </a:cxn>
+              </a:cxnLst>
+              <a:rect l="l" t="t" r="r" b="b"/>
+              <a:pathLst>
+                <a:path w="652993" h="615978" extrusionOk="0">
+                  <a:moveTo>
+                    <a:pt x="0" y="0"/>
+                  </a:moveTo>
+                  <a:cubicBezTo>
+                    <a:pt x="199150" y="3290"/>
+                    <a:pt x="351696" y="17445"/>
+                    <a:pt x="652993" y="0"/>
+                  </a:cubicBezTo>
+                  <a:cubicBezTo>
+                    <a:pt x="679751" y="162936"/>
+                    <a:pt x="673722" y="490475"/>
+                    <a:pt x="652993" y="615978"/>
+                  </a:cubicBezTo>
+                  <a:cubicBezTo>
+                    <a:pt x="487733" y="636036"/>
+                    <a:pt x="215224" y="595747"/>
+                    <a:pt x="0" y="615978"/>
+                  </a:cubicBezTo>
+                  <a:cubicBezTo>
+                    <a:pt x="25632" y="412280"/>
+                    <a:pt x="27349" y="244371"/>
+                    <a:pt x="0" y="0"/>
+                  </a:cubicBezTo>
+                  <a:close/>
+                </a:path>
+              </a:pathLst>
+            </a:custGeom>
+            <a:noFill/>
+            <a:ln w="38100">
+              <a:solidFill>
+                <a:schemeClr val="tx1"/>
+              </a:solidFill>
+              <a:extLst>
+                <a:ext uri="{C807C97D-BFC1-408E-A445-0C87EB9F89A2}">
+                  <ask:lineSketchStyleProps xmlns:ask="http://schemas.microsoft.com/office/drawing/2018/sketchyshapes" sd="1219033472">
+                    <a:prstGeom prst="rect">
+                      <a:avLst/>
+                    </a:prstGeom>
+                    <ask:type>
+                      <ask:lineSketchFreehand/>
+                    </ask:type>
+                  </ask:lineSketchStyleProps>
+                </a:ext>
+              </a:extLst>
+            </a:ln>
+          </p:spPr>
+          <p:style>
+            <a:lnRef idx="2">
+              <a:schemeClr val="accent1">
+                <a:shade val="50000"/>
+              </a:schemeClr>
+            </a:lnRef>
+            <a:fillRef idx="1">
+              <a:schemeClr val="accent1"/>
+            </a:fillRef>
+            <a:effectRef idx="0">
+              <a:schemeClr val="accent1"/>
+            </a:effectRef>
+            <a:fontRef idx="minor">
+              <a:schemeClr val="lt1"/>
+            </a:fontRef>
+          </p:style>
+          <p:txBody>
+            <a:bodyPr rtlCol="0" anchor="ctr"/>
+            <a:lstStyle/>
+            <a:p>
+              <a:pPr algn="ctr"/>
+              <a:endParaRPr lang="de-DE"/>
+            </a:p>
+          </p:txBody>
+        </p:sp>
+        <p:sp>
+          <p:nvSpPr>
+            <p:cNvPr id="15" name="Rechteck 14">
+              <a:extLst>
+                <a:ext uri="{FF2B5EF4-FFF2-40B4-BE49-F238E27FC236}">
+                  <a16:creationId xmlns:a16="http://schemas.microsoft.com/office/drawing/2014/main" id="{8C2ED109-A0A8-2F44-81DE-B90DF071B0AF}"/>
+                </a:ext>
+              </a:extLst>
+            </p:cNvPr>
+            <p:cNvSpPr/>
+            <p:nvPr/>
+          </p:nvSpPr>
+          <p:spPr>
+            <a:xfrm rot="20598048">
+              <a:off x="3581419" y="5379256"/>
+              <a:ext cx="501746" cy="504290"/>
+            </a:xfrm>
+            <a:custGeom>
+              <a:avLst/>
+              <a:gdLst>
+                <a:gd name="connsiteX0" fmla="*/ 0 w 501746"/>
+                <a:gd name="connsiteY0" fmla="*/ 0 h 504290"/>
+                <a:gd name="connsiteX1" fmla="*/ 501746 w 501746"/>
+                <a:gd name="connsiteY1" fmla="*/ 0 h 504290"/>
+                <a:gd name="connsiteX2" fmla="*/ 501746 w 501746"/>
+                <a:gd name="connsiteY2" fmla="*/ 504290 h 504290"/>
+                <a:gd name="connsiteX3" fmla="*/ 0 w 501746"/>
+                <a:gd name="connsiteY3" fmla="*/ 504290 h 504290"/>
+                <a:gd name="connsiteX4" fmla="*/ 0 w 501746"/>
+                <a:gd name="connsiteY4" fmla="*/ 0 h 504290"/>
+              </a:gdLst>
+              <a:ahLst/>
+              <a:cxnLst>
+                <a:cxn ang="0">
+                  <a:pos x="connsiteX0" y="connsiteY0"/>
+                </a:cxn>
+                <a:cxn ang="0">
+                  <a:pos x="connsiteX1" y="connsiteY1"/>
+                </a:cxn>
+                <a:cxn ang="0">
+                  <a:pos x="connsiteX2" y="connsiteY2"/>
+                </a:cxn>
+                <a:cxn ang="0">
+                  <a:pos x="connsiteX3" y="connsiteY3"/>
+                </a:cxn>
+                <a:cxn ang="0">
+                  <a:pos x="connsiteX4" y="connsiteY4"/>
+                </a:cxn>
+              </a:cxnLst>
+              <a:rect l="l" t="t" r="r" b="b"/>
+              <a:pathLst>
+                <a:path w="501746" h="504290" extrusionOk="0">
+                  <a:moveTo>
+                    <a:pt x="0" y="0"/>
+                  </a:moveTo>
+                  <a:cubicBezTo>
+                    <a:pt x="148927" y="-2061"/>
+                    <a:pt x="304760" y="18255"/>
+                    <a:pt x="501746" y="0"/>
+                  </a:cubicBezTo>
+                  <a:cubicBezTo>
+                    <a:pt x="483466" y="164185"/>
+                    <a:pt x="482998" y="365774"/>
+                    <a:pt x="501746" y="504290"/>
+                  </a:cubicBezTo>
+                  <a:cubicBezTo>
+                    <a:pt x="369484" y="492206"/>
+                    <a:pt x="248321" y="485550"/>
+                    <a:pt x="0" y="504290"/>
+                  </a:cubicBezTo>
+                  <a:cubicBezTo>
+                    <a:pt x="16648" y="298335"/>
+                    <a:pt x="-24761" y="198649"/>
+                    <a:pt x="0" y="0"/>
+                  </a:cubicBezTo>
+                  <a:close/>
+                </a:path>
+              </a:pathLst>
+            </a:custGeom>
+            <a:noFill/>
+            <a:ln w="38100">
+              <a:solidFill>
+                <a:schemeClr val="tx1"/>
+              </a:solidFill>
+              <a:extLst>
+                <a:ext uri="{C807C97D-BFC1-408E-A445-0C87EB9F89A2}">
+                  <ask:lineSketchStyleProps xmlns:ask="http://schemas.microsoft.com/office/drawing/2018/sketchyshapes" sd="1219033472">
+                    <a:prstGeom prst="rect">
+                      <a:avLst/>
+                    </a:prstGeom>
+                    <ask:type>
+                      <ask:lineSketchFreehand/>
+                    </ask:type>
+                  </ask:lineSketchStyleProps>
+                </a:ext>
+              </a:extLst>
+            </a:ln>
+          </p:spPr>
+          <p:style>
+            <a:lnRef idx="2">
+              <a:schemeClr val="accent1">
+                <a:shade val="50000"/>
+              </a:schemeClr>
+            </a:lnRef>
+            <a:fillRef idx="1">
+              <a:schemeClr val="accent1"/>
+            </a:fillRef>
+            <a:effectRef idx="0">
+              <a:schemeClr val="accent1"/>
+            </a:effectRef>
+            <a:fontRef idx="minor">
+              <a:schemeClr val="lt1"/>
+            </a:fontRef>
+          </p:style>
+          <p:txBody>
+            <a:bodyPr rtlCol="0" anchor="ctr"/>
+            <a:lstStyle/>
+            <a:p>
+              <a:pPr algn="ctr"/>
+              <a:endParaRPr lang="de-DE"/>
+            </a:p>
+          </p:txBody>
+        </p:sp>
+        <p:sp>
+          <p:nvSpPr>
+            <p:cNvPr id="16" name="Textfeld 15">
+              <a:extLst>
+                <a:ext uri="{FF2B5EF4-FFF2-40B4-BE49-F238E27FC236}">
+                  <a16:creationId xmlns:a16="http://schemas.microsoft.com/office/drawing/2014/main" id="{F34CBD28-EC88-EE44-9348-6D4D9EE20BEF}"/>
+                </a:ext>
+              </a:extLst>
+            </p:cNvPr>
+            <p:cNvSpPr txBox="1"/>
+            <p:nvPr/>
+          </p:nvSpPr>
+          <p:spPr>
+            <a:xfrm rot="20155783">
+              <a:off x="3841909" y="3536674"/>
+              <a:ext cx="606256" cy="477054"/>
+            </a:xfrm>
+            <a:prstGeom prst="rect">
+              <a:avLst/>
+            </a:prstGeom>
+            <a:noFill/>
+          </p:spPr>
+          <p:txBody>
+            <a:bodyPr wrap="none" rtlCol="0">
+              <a:spAutoFit/>
+            </a:bodyPr>
+            <a:lstStyle/>
+            <a:p>
+              <a:r>
+                <a:rPr lang="de-DE" sz="2500" dirty="0">
+                  <a:latin typeface="Bradley Hand" pitchFamily="2" charset="77"/>
+                </a:rPr>
+                <a:t>JA!</a:t>
+              </a:r>
+            </a:p>
+          </p:txBody>
+        </p:sp>
+        <p:sp>
+          <p:nvSpPr>
+            <p:cNvPr id="17" name="Textfeld 16">
+              <a:extLst>
+                <a:ext uri="{FF2B5EF4-FFF2-40B4-BE49-F238E27FC236}">
+                  <a16:creationId xmlns:a16="http://schemas.microsoft.com/office/drawing/2014/main" id="{C73CF24C-C313-614F-BFE8-A28AEE31FEDA}"/>
+                </a:ext>
+              </a:extLst>
+            </p:cNvPr>
+            <p:cNvSpPr txBox="1"/>
+            <p:nvPr/>
+          </p:nvSpPr>
+          <p:spPr>
+            <a:xfrm rot="20927907">
+              <a:off x="4041432" y="4328273"/>
+              <a:ext cx="1172116" cy="477054"/>
+            </a:xfrm>
+            <a:prstGeom prst="rect">
+              <a:avLst/>
+            </a:prstGeom>
+            <a:noFill/>
+          </p:spPr>
+          <p:txBody>
+            <a:bodyPr wrap="none" rtlCol="0">
+              <a:spAutoFit/>
+            </a:bodyPr>
+            <a:lstStyle/>
+            <a:p>
+              <a:r>
+                <a:rPr lang="de-DE" sz="2500" dirty="0">
+                  <a:latin typeface="Bradley Hand" pitchFamily="2" charset="77"/>
+                </a:rPr>
+                <a:t>NEIN!!</a:t>
+              </a:r>
+            </a:p>
+          </p:txBody>
+        </p:sp>
+        <p:sp>
+          <p:nvSpPr>
+            <p:cNvPr id="18" name="Textfeld 17">
+              <a:extLst>
+                <a:ext uri="{FF2B5EF4-FFF2-40B4-BE49-F238E27FC236}">
+                  <a16:creationId xmlns:a16="http://schemas.microsoft.com/office/drawing/2014/main" id="{A9D1DEA3-D330-AE46-A4FE-4F1B043E34E9}"/>
+                </a:ext>
+              </a:extLst>
+            </p:cNvPr>
+            <p:cNvSpPr txBox="1"/>
+            <p:nvPr/>
+          </p:nvSpPr>
+          <p:spPr>
+            <a:xfrm rot="21038825">
+              <a:off x="4202930" y="5227850"/>
+              <a:ext cx="2020105" cy="477054"/>
+            </a:xfrm>
+            <a:prstGeom prst="rect">
+              <a:avLst/>
+            </a:prstGeom>
+            <a:noFill/>
+          </p:spPr>
+          <p:txBody>
+            <a:bodyPr wrap="none" rtlCol="0">
+              <a:spAutoFit/>
+            </a:bodyPr>
+            <a:lstStyle/>
+            <a:p>
+              <a:r>
+                <a:rPr lang="de-DE" sz="2500" dirty="0">
+                  <a:latin typeface="Bradley Hand" pitchFamily="2" charset="77"/>
+                </a:rPr>
+                <a:t>VIELLEICHT</a:t>
+              </a:r>
+            </a:p>
+          </p:txBody>
+        </p:sp>
+      </p:grpSp>
     </p:spTree>
     <p:extLst>
       <p:ext uri="{BB962C8B-B14F-4D97-AF65-F5344CB8AC3E}">
-        <p14:creationId xmlns:p14="http://schemas.microsoft.com/office/powerpoint/2010/main" val="904106412"/>
+        <p14:creationId xmlns:p14="http://schemas.microsoft.com/office/powerpoint/2010/main" val="937292041"/>
       </p:ext>
     </p:extLst>
   </p:cSld>
@@ -6523,7 +11028,7 @@
 </p:sld>
 </file>
 
-<file path=ppt/slides/slide4.xml><?xml version="1.0" encoding="utf-8"?>
+<file path=ppt/slides/slide6.xml><?xml version="1.0" encoding="utf-8"?>
 <p:sld xmlns:a="http://schemas.openxmlformats.org/drawingml/2006/main" xmlns:r="http://schemas.openxmlformats.org/officeDocument/2006/relationships" xmlns:p="http://schemas.openxmlformats.org/presentationml/2006/main">
   <p:cSld>
     <p:spTree>
@@ -6573,79 +11078,6 @@
           </a:p>
         </p:txBody>
       </p:sp>
-      <p:sp>
-        <p:nvSpPr>
-          <p:cNvPr id="3" name="Inhaltsplatzhalter 2">
-            <a:extLst>
-              <a:ext uri="{FF2B5EF4-FFF2-40B4-BE49-F238E27FC236}">
-                <a16:creationId xmlns:a16="http://schemas.microsoft.com/office/drawing/2014/main" id="{FCDCEEBD-68DF-4924-8A41-91582416FA35}"/>
-              </a:ext>
-            </a:extLst>
-          </p:cNvPr>
-          <p:cNvSpPr>
-            <a:spLocks noGrp="1"/>
-          </p:cNvSpPr>
-          <p:nvPr>
-            <p:ph idx="1"/>
-          </p:nvPr>
-        </p:nvSpPr>
-        <p:spPr/>
-        <p:txBody>
-          <a:bodyPr>
-            <a:normAutofit/>
-          </a:bodyPr>
-          <a:lstStyle/>
-          <a:p>
-            <a:pPr marL="0" indent="0">
-              <a:buNone/>
-            </a:pPr>
-            <a:r>
-              <a:rPr lang="de-DE" dirty="0"/>
-              <a:t>c) Lief alles planmäßig? Wenn nein, gibt es Änderungen im Plan?</a:t>
-            </a:r>
-          </a:p>
-          <a:p>
-            <a:r>
-              <a:rPr lang="de-DE" dirty="0"/>
-              <a:t>Ja, außer:</a:t>
-            </a:r>
-          </a:p>
-          <a:p>
-            <a:r>
-              <a:rPr lang="de-DE" dirty="0"/>
-              <a:t>Durch Corona: Kein Befragen von Fitnessstudios möglich</a:t>
-            </a:r>
-          </a:p>
-          <a:p>
-            <a:r>
-              <a:rPr lang="de-DE" dirty="0"/>
-              <a:t>-&amp;</a:t>
-            </a:r>
-            <a:r>
-              <a:rPr lang="de-DE" dirty="0" err="1"/>
-              <a:t>gt</a:t>
-            </a:r>
-            <a:r>
-              <a:rPr lang="de-DE" dirty="0"/>
-              <a:t>; Vertagen oder Wegfall je nach weiterer Entwicklung der Maßnahmen</a:t>
-            </a:r>
-          </a:p>
-          <a:p>
-            <a:r>
-              <a:rPr lang="de-DE" dirty="0"/>
-              <a:t>-&amp;</a:t>
-            </a:r>
-            <a:r>
-              <a:rPr lang="de-DE" dirty="0" err="1"/>
-              <a:t>gt</a:t>
-            </a:r>
-            <a:r>
-              <a:rPr lang="de-DE" dirty="0"/>
-              <a:t>; Vorziehen der weiteren Schritte (am Ende weiterer Puffer zur ggf. Kommenden Umfrage)</a:t>
-            </a:r>
-          </a:p>
-        </p:txBody>
-      </p:sp>
       <p:pic>
         <p:nvPicPr>
           <p:cNvPr id="5" name="Grafik 4">
@@ -6661,7 +11093,7 @@
           <p:nvPr/>
         </p:nvPicPr>
         <p:blipFill rotWithShape="1">
-          <a:blip r:embed="rId2" cstate="print">
+          <a:blip r:embed="rId3" cstate="print">
             <a:extLst>
               <a:ext uri="{28A0092B-C50C-407E-A947-70E740481C1C}">
                 <a14:useLocalDpi xmlns:a14="http://schemas.microsoft.com/office/drawing/2010/main" val="0"/>
@@ -6700,7 +11132,7 @@
           <p:nvPr/>
         </p:nvPicPr>
         <p:blipFill rotWithShape="1">
-          <a:blip r:embed="rId3">
+          <a:blip r:embed="rId4">
             <a:extLst>
               <a:ext uri="{28A0092B-C50C-407E-A947-70E740481C1C}">
                 <a14:useLocalDpi xmlns:a14="http://schemas.microsoft.com/office/drawing/2010/main" val="0"/>
@@ -6720,10 +11152,983 @@
           </a:prstGeom>
         </p:spPr>
       </p:pic>
+      <p:grpSp>
+        <p:nvGrpSpPr>
+          <p:cNvPr id="19" name="Gruppieren 18">
+            <a:extLst>
+              <a:ext uri="{FF2B5EF4-FFF2-40B4-BE49-F238E27FC236}">
+                <a16:creationId xmlns:a16="http://schemas.microsoft.com/office/drawing/2014/main" id="{C4A8928F-E994-5341-84CE-34F7FE7E6C72}"/>
+              </a:ext>
+            </a:extLst>
+          </p:cNvPr>
+          <p:cNvGrpSpPr/>
+          <p:nvPr/>
+        </p:nvGrpSpPr>
+        <p:grpSpPr>
+          <a:xfrm>
+            <a:off x="552300" y="1544775"/>
+            <a:ext cx="4090615" cy="4950085"/>
+            <a:chOff x="2612958" y="1593624"/>
+            <a:chExt cx="4090615" cy="4950085"/>
+          </a:xfrm>
+        </p:grpSpPr>
+        <p:pic>
+          <p:nvPicPr>
+            <p:cNvPr id="10" name="Grafik 9">
+              <a:extLst>
+                <a:ext uri="{FF2B5EF4-FFF2-40B4-BE49-F238E27FC236}">
+                  <a16:creationId xmlns:a16="http://schemas.microsoft.com/office/drawing/2014/main" id="{DB5659B8-8165-C848-A317-4FD1B2605754}"/>
+                </a:ext>
+              </a:extLst>
+            </p:cNvPr>
+            <p:cNvPicPr>
+              <a:picLocks noChangeAspect="1"/>
+            </p:cNvPicPr>
+            <p:nvPr/>
+          </p:nvPicPr>
+          <p:blipFill rotWithShape="1">
+            <a:blip r:embed="rId5">
+              <a:extLst>
+                <a:ext uri="{28A0092B-C50C-407E-A947-70E740481C1C}">
+                  <a14:useLocalDpi xmlns:a14="http://schemas.microsoft.com/office/drawing/2010/main" val="0"/>
+                </a:ext>
+              </a:extLst>
+            </a:blip>
+            <a:srcRect l="5656" t="7859" r="80523" b="65755"/>
+            <a:stretch/>
+          </p:blipFill>
+          <p:spPr>
+            <a:xfrm rot="20662523">
+              <a:off x="2814430" y="1593624"/>
+              <a:ext cx="3889143" cy="4950085"/>
+            </a:xfrm>
+            <a:prstGeom prst="rect">
+              <a:avLst/>
+            </a:prstGeom>
+          </p:spPr>
+        </p:pic>
+        <p:sp>
+          <p:nvSpPr>
+            <p:cNvPr id="12" name="Textfeld 11">
+              <a:extLst>
+                <a:ext uri="{FF2B5EF4-FFF2-40B4-BE49-F238E27FC236}">
+                  <a16:creationId xmlns:a16="http://schemas.microsoft.com/office/drawing/2014/main" id="{AA679050-4E1B-B74C-8558-E02627BDE355}"/>
+                </a:ext>
+              </a:extLst>
+            </p:cNvPr>
+            <p:cNvSpPr txBox="1"/>
+            <p:nvPr/>
+          </p:nvSpPr>
+          <p:spPr>
+            <a:xfrm rot="20155783">
+              <a:off x="2612958" y="2438028"/>
+              <a:ext cx="3538148" cy="477054"/>
+            </a:xfrm>
+            <a:prstGeom prst="rect">
+              <a:avLst/>
+            </a:prstGeom>
+            <a:noFill/>
+          </p:spPr>
+          <p:txBody>
+            <a:bodyPr wrap="none" rtlCol="0">
+              <a:spAutoFit/>
+            </a:bodyPr>
+            <a:lstStyle/>
+            <a:p>
+              <a:r>
+                <a:rPr lang="de-DE" sz="2500" dirty="0">
+                  <a:latin typeface="Bradley Hand" pitchFamily="2" charset="77"/>
+                </a:rPr>
+                <a:t>Läuft alles Planmäßig?</a:t>
+              </a:r>
+            </a:p>
+          </p:txBody>
+        </p:sp>
+        <p:sp>
+          <p:nvSpPr>
+            <p:cNvPr id="13" name="Rechteck 12">
+              <a:extLst>
+                <a:ext uri="{FF2B5EF4-FFF2-40B4-BE49-F238E27FC236}">
+                  <a16:creationId xmlns:a16="http://schemas.microsoft.com/office/drawing/2014/main" id="{24E24767-04A6-3649-8FD8-380CC13A65C9}"/>
+                </a:ext>
+              </a:extLst>
+            </p:cNvPr>
+            <p:cNvSpPr/>
+            <p:nvPr/>
+          </p:nvSpPr>
+          <p:spPr>
+            <a:xfrm rot="20598048">
+              <a:off x="3117273" y="3745722"/>
+              <a:ext cx="581891" cy="637308"/>
+            </a:xfrm>
+            <a:custGeom>
+              <a:avLst/>
+              <a:gdLst>
+                <a:gd name="connsiteX0" fmla="*/ 0 w 581891"/>
+                <a:gd name="connsiteY0" fmla="*/ 0 h 637308"/>
+                <a:gd name="connsiteX1" fmla="*/ 581891 w 581891"/>
+                <a:gd name="connsiteY1" fmla="*/ 0 h 637308"/>
+                <a:gd name="connsiteX2" fmla="*/ 581891 w 581891"/>
+                <a:gd name="connsiteY2" fmla="*/ 637308 h 637308"/>
+                <a:gd name="connsiteX3" fmla="*/ 0 w 581891"/>
+                <a:gd name="connsiteY3" fmla="*/ 637308 h 637308"/>
+                <a:gd name="connsiteX4" fmla="*/ 0 w 581891"/>
+                <a:gd name="connsiteY4" fmla="*/ 0 h 637308"/>
+              </a:gdLst>
+              <a:ahLst/>
+              <a:cxnLst>
+                <a:cxn ang="0">
+                  <a:pos x="connsiteX0" y="connsiteY0"/>
+                </a:cxn>
+                <a:cxn ang="0">
+                  <a:pos x="connsiteX1" y="connsiteY1"/>
+                </a:cxn>
+                <a:cxn ang="0">
+                  <a:pos x="connsiteX2" y="connsiteY2"/>
+                </a:cxn>
+                <a:cxn ang="0">
+                  <a:pos x="connsiteX3" y="connsiteY3"/>
+                </a:cxn>
+                <a:cxn ang="0">
+                  <a:pos x="connsiteX4" y="connsiteY4"/>
+                </a:cxn>
+              </a:cxnLst>
+              <a:rect l="l" t="t" r="r" b="b"/>
+              <a:pathLst>
+                <a:path w="581891" h="637308" extrusionOk="0">
+                  <a:moveTo>
+                    <a:pt x="0" y="0"/>
+                  </a:moveTo>
+                  <a:cubicBezTo>
+                    <a:pt x="225383" y="22305"/>
+                    <a:pt x="388817" y="-20230"/>
+                    <a:pt x="581891" y="0"/>
+                  </a:cubicBezTo>
+                  <a:cubicBezTo>
+                    <a:pt x="609457" y="222295"/>
+                    <a:pt x="584711" y="440465"/>
+                    <a:pt x="581891" y="637308"/>
+                  </a:cubicBezTo>
+                  <a:cubicBezTo>
+                    <a:pt x="402556" y="624877"/>
+                    <a:pt x="249799" y="662725"/>
+                    <a:pt x="0" y="637308"/>
+                  </a:cubicBezTo>
+                  <a:cubicBezTo>
+                    <a:pt x="-27274" y="424571"/>
+                    <a:pt x="-14703" y="183480"/>
+                    <a:pt x="0" y="0"/>
+                  </a:cubicBezTo>
+                  <a:close/>
+                </a:path>
+              </a:pathLst>
+            </a:custGeom>
+            <a:noFill/>
+            <a:ln w="38100">
+              <a:solidFill>
+                <a:schemeClr val="tx1"/>
+              </a:solidFill>
+              <a:extLst>
+                <a:ext uri="{C807C97D-BFC1-408E-A445-0C87EB9F89A2}">
+                  <ask:lineSketchStyleProps xmlns:ask="http://schemas.microsoft.com/office/drawing/2018/sketchyshapes" sd="1219033472">
+                    <a:prstGeom prst="rect">
+                      <a:avLst/>
+                    </a:prstGeom>
+                    <ask:type>
+                      <ask:lineSketchFreehand/>
+                    </ask:type>
+                  </ask:lineSketchStyleProps>
+                </a:ext>
+              </a:extLst>
+            </a:ln>
+          </p:spPr>
+          <p:style>
+            <a:lnRef idx="2">
+              <a:schemeClr val="accent1">
+                <a:shade val="50000"/>
+              </a:schemeClr>
+            </a:lnRef>
+            <a:fillRef idx="1">
+              <a:schemeClr val="accent1"/>
+            </a:fillRef>
+            <a:effectRef idx="0">
+              <a:schemeClr val="accent1"/>
+            </a:effectRef>
+            <a:fontRef idx="minor">
+              <a:schemeClr val="lt1"/>
+            </a:fontRef>
+          </p:style>
+          <p:txBody>
+            <a:bodyPr rtlCol="0" anchor="ctr"/>
+            <a:lstStyle/>
+            <a:p>
+              <a:pPr algn="ctr"/>
+              <a:endParaRPr lang="de-DE"/>
+            </a:p>
+          </p:txBody>
+        </p:sp>
+        <p:sp>
+          <p:nvSpPr>
+            <p:cNvPr id="14" name="Rechteck 13">
+              <a:extLst>
+                <a:ext uri="{FF2B5EF4-FFF2-40B4-BE49-F238E27FC236}">
+                  <a16:creationId xmlns:a16="http://schemas.microsoft.com/office/drawing/2014/main" id="{FA22038E-1A66-F440-B0D3-63DB94A3DB87}"/>
+                </a:ext>
+              </a:extLst>
+            </p:cNvPr>
+            <p:cNvSpPr/>
+            <p:nvPr/>
+          </p:nvSpPr>
+          <p:spPr>
+            <a:xfrm rot="20598048">
+              <a:off x="3340510" y="4510312"/>
+              <a:ext cx="652993" cy="615978"/>
+            </a:xfrm>
+            <a:custGeom>
+              <a:avLst/>
+              <a:gdLst>
+                <a:gd name="connsiteX0" fmla="*/ 0 w 652993"/>
+                <a:gd name="connsiteY0" fmla="*/ 0 h 615978"/>
+                <a:gd name="connsiteX1" fmla="*/ 652993 w 652993"/>
+                <a:gd name="connsiteY1" fmla="*/ 0 h 615978"/>
+                <a:gd name="connsiteX2" fmla="*/ 652993 w 652993"/>
+                <a:gd name="connsiteY2" fmla="*/ 615978 h 615978"/>
+                <a:gd name="connsiteX3" fmla="*/ 0 w 652993"/>
+                <a:gd name="connsiteY3" fmla="*/ 615978 h 615978"/>
+                <a:gd name="connsiteX4" fmla="*/ 0 w 652993"/>
+                <a:gd name="connsiteY4" fmla="*/ 0 h 615978"/>
+              </a:gdLst>
+              <a:ahLst/>
+              <a:cxnLst>
+                <a:cxn ang="0">
+                  <a:pos x="connsiteX0" y="connsiteY0"/>
+                </a:cxn>
+                <a:cxn ang="0">
+                  <a:pos x="connsiteX1" y="connsiteY1"/>
+                </a:cxn>
+                <a:cxn ang="0">
+                  <a:pos x="connsiteX2" y="connsiteY2"/>
+                </a:cxn>
+                <a:cxn ang="0">
+                  <a:pos x="connsiteX3" y="connsiteY3"/>
+                </a:cxn>
+                <a:cxn ang="0">
+                  <a:pos x="connsiteX4" y="connsiteY4"/>
+                </a:cxn>
+              </a:cxnLst>
+              <a:rect l="l" t="t" r="r" b="b"/>
+              <a:pathLst>
+                <a:path w="652993" h="615978" extrusionOk="0">
+                  <a:moveTo>
+                    <a:pt x="0" y="0"/>
+                  </a:moveTo>
+                  <a:cubicBezTo>
+                    <a:pt x="199150" y="3290"/>
+                    <a:pt x="351696" y="17445"/>
+                    <a:pt x="652993" y="0"/>
+                  </a:cubicBezTo>
+                  <a:cubicBezTo>
+                    <a:pt x="679751" y="162936"/>
+                    <a:pt x="673722" y="490475"/>
+                    <a:pt x="652993" y="615978"/>
+                  </a:cubicBezTo>
+                  <a:cubicBezTo>
+                    <a:pt x="487733" y="636036"/>
+                    <a:pt x="215224" y="595747"/>
+                    <a:pt x="0" y="615978"/>
+                  </a:cubicBezTo>
+                  <a:cubicBezTo>
+                    <a:pt x="25632" y="412280"/>
+                    <a:pt x="27349" y="244371"/>
+                    <a:pt x="0" y="0"/>
+                  </a:cubicBezTo>
+                  <a:close/>
+                </a:path>
+              </a:pathLst>
+            </a:custGeom>
+            <a:noFill/>
+            <a:ln w="38100">
+              <a:solidFill>
+                <a:schemeClr val="tx1"/>
+              </a:solidFill>
+              <a:extLst>
+                <a:ext uri="{C807C97D-BFC1-408E-A445-0C87EB9F89A2}">
+                  <ask:lineSketchStyleProps xmlns:ask="http://schemas.microsoft.com/office/drawing/2018/sketchyshapes" sd="1219033472">
+                    <a:prstGeom prst="rect">
+                      <a:avLst/>
+                    </a:prstGeom>
+                    <ask:type>
+                      <ask:lineSketchFreehand/>
+                    </ask:type>
+                  </ask:lineSketchStyleProps>
+                </a:ext>
+              </a:extLst>
+            </a:ln>
+          </p:spPr>
+          <p:style>
+            <a:lnRef idx="2">
+              <a:schemeClr val="accent1">
+                <a:shade val="50000"/>
+              </a:schemeClr>
+            </a:lnRef>
+            <a:fillRef idx="1">
+              <a:schemeClr val="accent1"/>
+            </a:fillRef>
+            <a:effectRef idx="0">
+              <a:schemeClr val="accent1"/>
+            </a:effectRef>
+            <a:fontRef idx="minor">
+              <a:schemeClr val="lt1"/>
+            </a:fontRef>
+          </p:style>
+          <p:txBody>
+            <a:bodyPr rtlCol="0" anchor="ctr"/>
+            <a:lstStyle/>
+            <a:p>
+              <a:pPr algn="ctr"/>
+              <a:endParaRPr lang="de-DE"/>
+            </a:p>
+          </p:txBody>
+        </p:sp>
+        <p:sp>
+          <p:nvSpPr>
+            <p:cNvPr id="15" name="Rechteck 14">
+              <a:extLst>
+                <a:ext uri="{FF2B5EF4-FFF2-40B4-BE49-F238E27FC236}">
+                  <a16:creationId xmlns:a16="http://schemas.microsoft.com/office/drawing/2014/main" id="{8C2ED109-A0A8-2F44-81DE-B90DF071B0AF}"/>
+                </a:ext>
+              </a:extLst>
+            </p:cNvPr>
+            <p:cNvSpPr/>
+            <p:nvPr/>
+          </p:nvSpPr>
+          <p:spPr>
+            <a:xfrm rot="20598048">
+              <a:off x="3581419" y="5379256"/>
+              <a:ext cx="501746" cy="504290"/>
+            </a:xfrm>
+            <a:custGeom>
+              <a:avLst/>
+              <a:gdLst>
+                <a:gd name="connsiteX0" fmla="*/ 0 w 501746"/>
+                <a:gd name="connsiteY0" fmla="*/ 0 h 504290"/>
+                <a:gd name="connsiteX1" fmla="*/ 501746 w 501746"/>
+                <a:gd name="connsiteY1" fmla="*/ 0 h 504290"/>
+                <a:gd name="connsiteX2" fmla="*/ 501746 w 501746"/>
+                <a:gd name="connsiteY2" fmla="*/ 504290 h 504290"/>
+                <a:gd name="connsiteX3" fmla="*/ 0 w 501746"/>
+                <a:gd name="connsiteY3" fmla="*/ 504290 h 504290"/>
+                <a:gd name="connsiteX4" fmla="*/ 0 w 501746"/>
+                <a:gd name="connsiteY4" fmla="*/ 0 h 504290"/>
+              </a:gdLst>
+              <a:ahLst/>
+              <a:cxnLst>
+                <a:cxn ang="0">
+                  <a:pos x="connsiteX0" y="connsiteY0"/>
+                </a:cxn>
+                <a:cxn ang="0">
+                  <a:pos x="connsiteX1" y="connsiteY1"/>
+                </a:cxn>
+                <a:cxn ang="0">
+                  <a:pos x="connsiteX2" y="connsiteY2"/>
+                </a:cxn>
+                <a:cxn ang="0">
+                  <a:pos x="connsiteX3" y="connsiteY3"/>
+                </a:cxn>
+                <a:cxn ang="0">
+                  <a:pos x="connsiteX4" y="connsiteY4"/>
+                </a:cxn>
+              </a:cxnLst>
+              <a:rect l="l" t="t" r="r" b="b"/>
+              <a:pathLst>
+                <a:path w="501746" h="504290" extrusionOk="0">
+                  <a:moveTo>
+                    <a:pt x="0" y="0"/>
+                  </a:moveTo>
+                  <a:cubicBezTo>
+                    <a:pt x="148927" y="-2061"/>
+                    <a:pt x="304760" y="18255"/>
+                    <a:pt x="501746" y="0"/>
+                  </a:cubicBezTo>
+                  <a:cubicBezTo>
+                    <a:pt x="483466" y="164185"/>
+                    <a:pt x="482998" y="365774"/>
+                    <a:pt x="501746" y="504290"/>
+                  </a:cubicBezTo>
+                  <a:cubicBezTo>
+                    <a:pt x="369484" y="492206"/>
+                    <a:pt x="248321" y="485550"/>
+                    <a:pt x="0" y="504290"/>
+                  </a:cubicBezTo>
+                  <a:cubicBezTo>
+                    <a:pt x="16648" y="298335"/>
+                    <a:pt x="-24761" y="198649"/>
+                    <a:pt x="0" y="0"/>
+                  </a:cubicBezTo>
+                  <a:close/>
+                </a:path>
+              </a:pathLst>
+            </a:custGeom>
+            <a:noFill/>
+            <a:ln w="38100">
+              <a:solidFill>
+                <a:schemeClr val="tx1"/>
+              </a:solidFill>
+              <a:extLst>
+                <a:ext uri="{C807C97D-BFC1-408E-A445-0C87EB9F89A2}">
+                  <ask:lineSketchStyleProps xmlns:ask="http://schemas.microsoft.com/office/drawing/2018/sketchyshapes" sd="1219033472">
+                    <a:prstGeom prst="rect">
+                      <a:avLst/>
+                    </a:prstGeom>
+                    <ask:type>
+                      <ask:lineSketchFreehand/>
+                    </ask:type>
+                  </ask:lineSketchStyleProps>
+                </a:ext>
+              </a:extLst>
+            </a:ln>
+          </p:spPr>
+          <p:style>
+            <a:lnRef idx="2">
+              <a:schemeClr val="accent1">
+                <a:shade val="50000"/>
+              </a:schemeClr>
+            </a:lnRef>
+            <a:fillRef idx="1">
+              <a:schemeClr val="accent1"/>
+            </a:fillRef>
+            <a:effectRef idx="0">
+              <a:schemeClr val="accent1"/>
+            </a:effectRef>
+            <a:fontRef idx="minor">
+              <a:schemeClr val="lt1"/>
+            </a:fontRef>
+          </p:style>
+          <p:txBody>
+            <a:bodyPr rtlCol="0" anchor="ctr"/>
+            <a:lstStyle/>
+            <a:p>
+              <a:pPr algn="ctr"/>
+              <a:endParaRPr lang="de-DE"/>
+            </a:p>
+          </p:txBody>
+        </p:sp>
+        <p:sp>
+          <p:nvSpPr>
+            <p:cNvPr id="16" name="Textfeld 15">
+              <a:extLst>
+                <a:ext uri="{FF2B5EF4-FFF2-40B4-BE49-F238E27FC236}">
+                  <a16:creationId xmlns:a16="http://schemas.microsoft.com/office/drawing/2014/main" id="{F34CBD28-EC88-EE44-9348-6D4D9EE20BEF}"/>
+                </a:ext>
+              </a:extLst>
+            </p:cNvPr>
+            <p:cNvSpPr txBox="1"/>
+            <p:nvPr/>
+          </p:nvSpPr>
+          <p:spPr>
+            <a:xfrm rot="20155783">
+              <a:off x="3841909" y="3536674"/>
+              <a:ext cx="606256" cy="477054"/>
+            </a:xfrm>
+            <a:prstGeom prst="rect">
+              <a:avLst/>
+            </a:prstGeom>
+            <a:noFill/>
+          </p:spPr>
+          <p:txBody>
+            <a:bodyPr wrap="none" rtlCol="0">
+              <a:spAutoFit/>
+            </a:bodyPr>
+            <a:lstStyle/>
+            <a:p>
+              <a:r>
+                <a:rPr lang="de-DE" sz="2500" dirty="0">
+                  <a:latin typeface="Bradley Hand" pitchFamily="2" charset="77"/>
+                </a:rPr>
+                <a:t>JA!</a:t>
+              </a:r>
+            </a:p>
+          </p:txBody>
+        </p:sp>
+        <p:sp>
+          <p:nvSpPr>
+            <p:cNvPr id="17" name="Textfeld 16">
+              <a:extLst>
+                <a:ext uri="{FF2B5EF4-FFF2-40B4-BE49-F238E27FC236}">
+                  <a16:creationId xmlns:a16="http://schemas.microsoft.com/office/drawing/2014/main" id="{C73CF24C-C313-614F-BFE8-A28AEE31FEDA}"/>
+                </a:ext>
+              </a:extLst>
+            </p:cNvPr>
+            <p:cNvSpPr txBox="1"/>
+            <p:nvPr/>
+          </p:nvSpPr>
+          <p:spPr>
+            <a:xfrm rot="20927907">
+              <a:off x="4041432" y="4328273"/>
+              <a:ext cx="1172116" cy="477054"/>
+            </a:xfrm>
+            <a:prstGeom prst="rect">
+              <a:avLst/>
+            </a:prstGeom>
+            <a:noFill/>
+          </p:spPr>
+          <p:txBody>
+            <a:bodyPr wrap="none" rtlCol="0">
+              <a:spAutoFit/>
+            </a:bodyPr>
+            <a:lstStyle/>
+            <a:p>
+              <a:r>
+                <a:rPr lang="de-DE" sz="2500" dirty="0">
+                  <a:latin typeface="Bradley Hand" pitchFamily="2" charset="77"/>
+                </a:rPr>
+                <a:t>NEIN!!</a:t>
+              </a:r>
+            </a:p>
+          </p:txBody>
+        </p:sp>
+        <p:sp>
+          <p:nvSpPr>
+            <p:cNvPr id="18" name="Textfeld 17">
+              <a:extLst>
+                <a:ext uri="{FF2B5EF4-FFF2-40B4-BE49-F238E27FC236}">
+                  <a16:creationId xmlns:a16="http://schemas.microsoft.com/office/drawing/2014/main" id="{A9D1DEA3-D330-AE46-A4FE-4F1B043E34E9}"/>
+                </a:ext>
+              </a:extLst>
+            </p:cNvPr>
+            <p:cNvSpPr txBox="1"/>
+            <p:nvPr/>
+          </p:nvSpPr>
+          <p:spPr>
+            <a:xfrm rot="21038825">
+              <a:off x="4202930" y="5227850"/>
+              <a:ext cx="2020105" cy="477054"/>
+            </a:xfrm>
+            <a:prstGeom prst="rect">
+              <a:avLst/>
+            </a:prstGeom>
+            <a:noFill/>
+          </p:spPr>
+          <p:txBody>
+            <a:bodyPr wrap="none" rtlCol="0">
+              <a:spAutoFit/>
+            </a:bodyPr>
+            <a:lstStyle/>
+            <a:p>
+              <a:r>
+                <a:rPr lang="de-DE" sz="2500" dirty="0">
+                  <a:latin typeface="Bradley Hand" pitchFamily="2" charset="77"/>
+                </a:rPr>
+                <a:t>VIELLEICHT</a:t>
+              </a:r>
+            </a:p>
+          </p:txBody>
+        </p:sp>
+      </p:grpSp>
+      <p:sp>
+        <p:nvSpPr>
+          <p:cNvPr id="20" name="Freihandform 19">
+            <a:extLst>
+              <a:ext uri="{FF2B5EF4-FFF2-40B4-BE49-F238E27FC236}">
+                <a16:creationId xmlns:a16="http://schemas.microsoft.com/office/drawing/2014/main" id="{542D86A9-D1C3-B848-8642-5AC0DDC2E5B9}"/>
+              </a:ext>
+            </a:extLst>
+          </p:cNvPr>
+          <p:cNvSpPr/>
+          <p:nvPr/>
+        </p:nvSpPr>
+        <p:spPr>
+          <a:xfrm>
+            <a:off x="1043755" y="3783567"/>
+            <a:ext cx="554182" cy="429491"/>
+          </a:xfrm>
+          <a:custGeom>
+            <a:avLst/>
+            <a:gdLst>
+              <a:gd name="connsiteX0" fmla="*/ 0 w 554182"/>
+              <a:gd name="connsiteY0" fmla="*/ 0 h 429491"/>
+              <a:gd name="connsiteX1" fmla="*/ 69273 w 554182"/>
+              <a:gd name="connsiteY1" fmla="*/ 41564 h 429491"/>
+              <a:gd name="connsiteX2" fmla="*/ 110836 w 554182"/>
+              <a:gd name="connsiteY2" fmla="*/ 55418 h 429491"/>
+              <a:gd name="connsiteX3" fmla="*/ 138546 w 554182"/>
+              <a:gd name="connsiteY3" fmla="*/ 83127 h 429491"/>
+              <a:gd name="connsiteX4" fmla="*/ 180109 w 554182"/>
+              <a:gd name="connsiteY4" fmla="*/ 110836 h 429491"/>
+              <a:gd name="connsiteX5" fmla="*/ 207818 w 554182"/>
+              <a:gd name="connsiteY5" fmla="*/ 138546 h 429491"/>
+              <a:gd name="connsiteX6" fmla="*/ 290946 w 554182"/>
+              <a:gd name="connsiteY6" fmla="*/ 193964 h 429491"/>
+              <a:gd name="connsiteX7" fmla="*/ 360218 w 554182"/>
+              <a:gd name="connsiteY7" fmla="*/ 277091 h 429491"/>
+              <a:gd name="connsiteX8" fmla="*/ 387927 w 554182"/>
+              <a:gd name="connsiteY8" fmla="*/ 318655 h 429491"/>
+              <a:gd name="connsiteX9" fmla="*/ 471055 w 554182"/>
+              <a:gd name="connsiteY9" fmla="*/ 374073 h 429491"/>
+              <a:gd name="connsiteX10" fmla="*/ 512618 w 554182"/>
+              <a:gd name="connsiteY10" fmla="*/ 401782 h 429491"/>
+              <a:gd name="connsiteX11" fmla="*/ 554182 w 554182"/>
+              <a:gd name="connsiteY11" fmla="*/ 429491 h 429491"/>
+            </a:gdLst>
+            <a:ahLst/>
+            <a:cxnLst>
+              <a:cxn ang="0">
+                <a:pos x="connsiteX0" y="connsiteY0"/>
+              </a:cxn>
+              <a:cxn ang="0">
+                <a:pos x="connsiteX1" y="connsiteY1"/>
+              </a:cxn>
+              <a:cxn ang="0">
+                <a:pos x="connsiteX2" y="connsiteY2"/>
+              </a:cxn>
+              <a:cxn ang="0">
+                <a:pos x="connsiteX3" y="connsiteY3"/>
+              </a:cxn>
+              <a:cxn ang="0">
+                <a:pos x="connsiteX4" y="connsiteY4"/>
+              </a:cxn>
+              <a:cxn ang="0">
+                <a:pos x="connsiteX5" y="connsiteY5"/>
+              </a:cxn>
+              <a:cxn ang="0">
+                <a:pos x="connsiteX6" y="connsiteY6"/>
+              </a:cxn>
+              <a:cxn ang="0">
+                <a:pos x="connsiteX7" y="connsiteY7"/>
+              </a:cxn>
+              <a:cxn ang="0">
+                <a:pos x="connsiteX8" y="connsiteY8"/>
+              </a:cxn>
+              <a:cxn ang="0">
+                <a:pos x="connsiteX9" y="connsiteY9"/>
+              </a:cxn>
+              <a:cxn ang="0">
+                <a:pos x="connsiteX10" y="connsiteY10"/>
+              </a:cxn>
+              <a:cxn ang="0">
+                <a:pos x="connsiteX11" y="connsiteY11"/>
+              </a:cxn>
+            </a:cxnLst>
+            <a:rect l="l" t="t" r="r" b="b"/>
+            <a:pathLst>
+              <a:path w="554182" h="429491">
+                <a:moveTo>
+                  <a:pt x="0" y="0"/>
+                </a:moveTo>
+                <a:cubicBezTo>
+                  <a:pt x="23091" y="13855"/>
+                  <a:pt x="45187" y="29521"/>
+                  <a:pt x="69273" y="41564"/>
+                </a:cubicBezTo>
+                <a:cubicBezTo>
+                  <a:pt x="82335" y="48095"/>
+                  <a:pt x="98313" y="47905"/>
+                  <a:pt x="110836" y="55418"/>
+                </a:cubicBezTo>
+                <a:cubicBezTo>
+                  <a:pt x="122037" y="62138"/>
+                  <a:pt x="128346" y="74967"/>
+                  <a:pt x="138546" y="83127"/>
+                </a:cubicBezTo>
+                <a:cubicBezTo>
+                  <a:pt x="151548" y="93529"/>
+                  <a:pt x="167107" y="100434"/>
+                  <a:pt x="180109" y="110836"/>
+                </a:cubicBezTo>
+                <a:cubicBezTo>
+                  <a:pt x="190309" y="118996"/>
+                  <a:pt x="197368" y="130709"/>
+                  <a:pt x="207818" y="138546"/>
+                </a:cubicBezTo>
+                <a:cubicBezTo>
+                  <a:pt x="234460" y="158527"/>
+                  <a:pt x="290946" y="193964"/>
+                  <a:pt x="290946" y="193964"/>
+                </a:cubicBezTo>
+                <a:cubicBezTo>
+                  <a:pt x="359746" y="297162"/>
+                  <a:pt x="271319" y="170410"/>
+                  <a:pt x="360218" y="277091"/>
+                </a:cubicBezTo>
+                <a:cubicBezTo>
+                  <a:pt x="370878" y="289883"/>
+                  <a:pt x="375396" y="307690"/>
+                  <a:pt x="387927" y="318655"/>
+                </a:cubicBezTo>
+                <a:cubicBezTo>
+                  <a:pt x="412990" y="340585"/>
+                  <a:pt x="443346" y="355600"/>
+                  <a:pt x="471055" y="374073"/>
+                </a:cubicBezTo>
+                <a:lnTo>
+                  <a:pt x="512618" y="401782"/>
+                </a:lnTo>
+                <a:lnTo>
+                  <a:pt x="554182" y="429491"/>
+                </a:lnTo>
+              </a:path>
+            </a:pathLst>
+          </a:custGeom>
+          <a:noFill/>
+          <a:ln w="38100"/>
+        </p:spPr>
+        <p:style>
+          <a:lnRef idx="2">
+            <a:schemeClr val="accent1">
+              <a:shade val="50000"/>
+            </a:schemeClr>
+          </a:lnRef>
+          <a:fillRef idx="1">
+            <a:schemeClr val="accent1"/>
+          </a:fillRef>
+          <a:effectRef idx="0">
+            <a:schemeClr val="accent1"/>
+          </a:effectRef>
+          <a:fontRef idx="minor">
+            <a:schemeClr val="lt1"/>
+          </a:fontRef>
+        </p:style>
+        <p:txBody>
+          <a:bodyPr rtlCol="0" anchor="ctr"/>
+          <a:lstStyle/>
+          <a:p>
+            <a:pPr algn="ctr"/>
+            <a:endParaRPr lang="de-DE"/>
+          </a:p>
+        </p:txBody>
+      </p:sp>
+      <p:sp>
+        <p:nvSpPr>
+          <p:cNvPr id="21" name="Freihandform 20">
+            <a:extLst>
+              <a:ext uri="{FF2B5EF4-FFF2-40B4-BE49-F238E27FC236}">
+                <a16:creationId xmlns:a16="http://schemas.microsoft.com/office/drawing/2014/main" id="{26E0EAB3-0245-6544-85D4-FF96290BB22B}"/>
+              </a:ext>
+            </a:extLst>
+          </p:cNvPr>
+          <p:cNvSpPr/>
+          <p:nvPr/>
+        </p:nvSpPr>
+        <p:spPr>
+          <a:xfrm rot="4401625">
+            <a:off x="1067350" y="3821389"/>
+            <a:ext cx="554182" cy="429491"/>
+          </a:xfrm>
+          <a:custGeom>
+            <a:avLst/>
+            <a:gdLst>
+              <a:gd name="connsiteX0" fmla="*/ 0 w 554182"/>
+              <a:gd name="connsiteY0" fmla="*/ 0 h 429491"/>
+              <a:gd name="connsiteX1" fmla="*/ 69273 w 554182"/>
+              <a:gd name="connsiteY1" fmla="*/ 41564 h 429491"/>
+              <a:gd name="connsiteX2" fmla="*/ 110836 w 554182"/>
+              <a:gd name="connsiteY2" fmla="*/ 55418 h 429491"/>
+              <a:gd name="connsiteX3" fmla="*/ 138546 w 554182"/>
+              <a:gd name="connsiteY3" fmla="*/ 83127 h 429491"/>
+              <a:gd name="connsiteX4" fmla="*/ 180109 w 554182"/>
+              <a:gd name="connsiteY4" fmla="*/ 110836 h 429491"/>
+              <a:gd name="connsiteX5" fmla="*/ 207818 w 554182"/>
+              <a:gd name="connsiteY5" fmla="*/ 138546 h 429491"/>
+              <a:gd name="connsiteX6" fmla="*/ 290946 w 554182"/>
+              <a:gd name="connsiteY6" fmla="*/ 193964 h 429491"/>
+              <a:gd name="connsiteX7" fmla="*/ 360218 w 554182"/>
+              <a:gd name="connsiteY7" fmla="*/ 277091 h 429491"/>
+              <a:gd name="connsiteX8" fmla="*/ 387927 w 554182"/>
+              <a:gd name="connsiteY8" fmla="*/ 318655 h 429491"/>
+              <a:gd name="connsiteX9" fmla="*/ 471055 w 554182"/>
+              <a:gd name="connsiteY9" fmla="*/ 374073 h 429491"/>
+              <a:gd name="connsiteX10" fmla="*/ 512618 w 554182"/>
+              <a:gd name="connsiteY10" fmla="*/ 401782 h 429491"/>
+              <a:gd name="connsiteX11" fmla="*/ 554182 w 554182"/>
+              <a:gd name="connsiteY11" fmla="*/ 429491 h 429491"/>
+            </a:gdLst>
+            <a:ahLst/>
+            <a:cxnLst>
+              <a:cxn ang="0">
+                <a:pos x="connsiteX0" y="connsiteY0"/>
+              </a:cxn>
+              <a:cxn ang="0">
+                <a:pos x="connsiteX1" y="connsiteY1"/>
+              </a:cxn>
+              <a:cxn ang="0">
+                <a:pos x="connsiteX2" y="connsiteY2"/>
+              </a:cxn>
+              <a:cxn ang="0">
+                <a:pos x="connsiteX3" y="connsiteY3"/>
+              </a:cxn>
+              <a:cxn ang="0">
+                <a:pos x="connsiteX4" y="connsiteY4"/>
+              </a:cxn>
+              <a:cxn ang="0">
+                <a:pos x="connsiteX5" y="connsiteY5"/>
+              </a:cxn>
+              <a:cxn ang="0">
+                <a:pos x="connsiteX6" y="connsiteY6"/>
+              </a:cxn>
+              <a:cxn ang="0">
+                <a:pos x="connsiteX7" y="connsiteY7"/>
+              </a:cxn>
+              <a:cxn ang="0">
+                <a:pos x="connsiteX8" y="connsiteY8"/>
+              </a:cxn>
+              <a:cxn ang="0">
+                <a:pos x="connsiteX9" y="connsiteY9"/>
+              </a:cxn>
+              <a:cxn ang="0">
+                <a:pos x="connsiteX10" y="connsiteY10"/>
+              </a:cxn>
+              <a:cxn ang="0">
+                <a:pos x="connsiteX11" y="connsiteY11"/>
+              </a:cxn>
+            </a:cxnLst>
+            <a:rect l="l" t="t" r="r" b="b"/>
+            <a:pathLst>
+              <a:path w="554182" h="429491">
+                <a:moveTo>
+                  <a:pt x="0" y="0"/>
+                </a:moveTo>
+                <a:cubicBezTo>
+                  <a:pt x="23091" y="13855"/>
+                  <a:pt x="45187" y="29521"/>
+                  <a:pt x="69273" y="41564"/>
+                </a:cubicBezTo>
+                <a:cubicBezTo>
+                  <a:pt x="82335" y="48095"/>
+                  <a:pt x="98313" y="47905"/>
+                  <a:pt x="110836" y="55418"/>
+                </a:cubicBezTo>
+                <a:cubicBezTo>
+                  <a:pt x="122037" y="62138"/>
+                  <a:pt x="128346" y="74967"/>
+                  <a:pt x="138546" y="83127"/>
+                </a:cubicBezTo>
+                <a:cubicBezTo>
+                  <a:pt x="151548" y="93529"/>
+                  <a:pt x="167107" y="100434"/>
+                  <a:pt x="180109" y="110836"/>
+                </a:cubicBezTo>
+                <a:cubicBezTo>
+                  <a:pt x="190309" y="118996"/>
+                  <a:pt x="197368" y="130709"/>
+                  <a:pt x="207818" y="138546"/>
+                </a:cubicBezTo>
+                <a:cubicBezTo>
+                  <a:pt x="234460" y="158527"/>
+                  <a:pt x="290946" y="193964"/>
+                  <a:pt x="290946" y="193964"/>
+                </a:cubicBezTo>
+                <a:cubicBezTo>
+                  <a:pt x="359746" y="297162"/>
+                  <a:pt x="271319" y="170410"/>
+                  <a:pt x="360218" y="277091"/>
+                </a:cubicBezTo>
+                <a:cubicBezTo>
+                  <a:pt x="370878" y="289883"/>
+                  <a:pt x="375396" y="307690"/>
+                  <a:pt x="387927" y="318655"/>
+                </a:cubicBezTo>
+                <a:cubicBezTo>
+                  <a:pt x="412990" y="340585"/>
+                  <a:pt x="443346" y="355600"/>
+                  <a:pt x="471055" y="374073"/>
+                </a:cubicBezTo>
+                <a:lnTo>
+                  <a:pt x="512618" y="401782"/>
+                </a:lnTo>
+                <a:lnTo>
+                  <a:pt x="554182" y="429491"/>
+                </a:lnTo>
+              </a:path>
+            </a:pathLst>
+          </a:custGeom>
+          <a:noFill/>
+          <a:ln w="38100"/>
+        </p:spPr>
+        <p:style>
+          <a:lnRef idx="2">
+            <a:schemeClr val="accent1">
+              <a:shade val="50000"/>
+            </a:schemeClr>
+          </a:lnRef>
+          <a:fillRef idx="1">
+            <a:schemeClr val="accent1"/>
+          </a:fillRef>
+          <a:effectRef idx="0">
+            <a:schemeClr val="accent1"/>
+          </a:effectRef>
+          <a:fontRef idx="minor">
+            <a:schemeClr val="lt1"/>
+          </a:fontRef>
+        </p:style>
+        <p:txBody>
+          <a:bodyPr rtlCol="0" anchor="ctr"/>
+          <a:lstStyle/>
+          <a:p>
+            <a:pPr algn="ctr"/>
+            <a:endParaRPr lang="de-DE"/>
+          </a:p>
+        </p:txBody>
+      </p:sp>
+      <p:sp>
+        <p:nvSpPr>
+          <p:cNvPr id="22" name="Inhaltsplatzhalter 2">
+            <a:extLst>
+              <a:ext uri="{FF2B5EF4-FFF2-40B4-BE49-F238E27FC236}">
+                <a16:creationId xmlns:a16="http://schemas.microsoft.com/office/drawing/2014/main" id="{1EA1BD99-686F-A141-ACE5-3D87E235D641}"/>
+              </a:ext>
+            </a:extLst>
+          </p:cNvPr>
+          <p:cNvSpPr>
+            <a:spLocks noGrp="1"/>
+          </p:cNvSpPr>
+          <p:nvPr>
+            <p:ph idx="1"/>
+          </p:nvPr>
+        </p:nvSpPr>
+        <p:spPr>
+          <a:xfrm>
+            <a:off x="5237670" y="2160589"/>
+            <a:ext cx="4036332" cy="3880773"/>
+          </a:xfrm>
+        </p:spPr>
+        <p:txBody>
+          <a:bodyPr>
+            <a:normAutofit/>
+          </a:bodyPr>
+          <a:lstStyle/>
+          <a:p>
+            <a:r>
+              <a:rPr lang="de-DE" dirty="0"/>
+              <a:t>Durch Corona: Kein Befragen von Fitnessstudios möglich</a:t>
+            </a:r>
+          </a:p>
+          <a:p>
+            <a:pPr lvl="1"/>
+            <a:r>
+              <a:rPr lang="de-DE" dirty="0"/>
+              <a:t>Vertagt/Wegfall</a:t>
+            </a:r>
+          </a:p>
+          <a:p>
+            <a:pPr lvl="1"/>
+            <a:r>
+              <a:rPr lang="de-DE" dirty="0"/>
+              <a:t>Vorziehen der nächsten Schritte </a:t>
+            </a:r>
+          </a:p>
+          <a:p>
+            <a:pPr lvl="2"/>
+            <a:r>
+              <a:rPr lang="de-DE" dirty="0"/>
+              <a:t>Eventuell Befragung im Puffer gegen Ende durchführen</a:t>
+            </a:r>
+          </a:p>
+        </p:txBody>
+      </p:sp>
     </p:spTree>
     <p:extLst>
       <p:ext uri="{BB962C8B-B14F-4D97-AF65-F5344CB8AC3E}">
-        <p14:creationId xmlns:p14="http://schemas.microsoft.com/office/powerpoint/2010/main" val="937292041"/>
+        <p14:creationId xmlns:p14="http://schemas.microsoft.com/office/powerpoint/2010/main" val="3306363768"/>
       </p:ext>
     </p:extLst>
   </p:cSld>
@@ -6733,7 +12138,7 @@
 </p:sld>
 </file>
 
-<file path=ppt/slides/slide5.xml><?xml version="1.0" encoding="utf-8"?>
+<file path=ppt/slides/slide7.xml><?xml version="1.0" encoding="utf-8"?>
 <p:sld xmlns:a="http://schemas.openxmlformats.org/drawingml/2006/main" xmlns:r="http://schemas.openxmlformats.org/officeDocument/2006/relationships" xmlns:p="http://schemas.openxmlformats.org/presentationml/2006/main">
   <p:cSld>
     <p:spTree>
@@ -6783,57 +12188,6 @@
           </a:p>
         </p:txBody>
       </p:sp>
-      <p:sp>
-        <p:nvSpPr>
-          <p:cNvPr id="3" name="Inhaltsplatzhalter 2">
-            <a:extLst>
-              <a:ext uri="{FF2B5EF4-FFF2-40B4-BE49-F238E27FC236}">
-                <a16:creationId xmlns:a16="http://schemas.microsoft.com/office/drawing/2014/main" id="{FCDCEEBD-68DF-4924-8A41-91582416FA35}"/>
-              </a:ext>
-            </a:extLst>
-          </p:cNvPr>
-          <p:cNvSpPr>
-            <a:spLocks noGrp="1"/>
-          </p:cNvSpPr>
-          <p:nvPr>
-            <p:ph idx="1"/>
-          </p:nvPr>
-        </p:nvSpPr>
-        <p:spPr/>
-        <p:txBody>
-          <a:bodyPr>
-            <a:normAutofit/>
-          </a:bodyPr>
-          <a:lstStyle/>
-          <a:p>
-            <a:pPr marL="0" indent="0">
-              <a:buNone/>
-            </a:pPr>
-            <a:r>
-              <a:rPr lang="de-DE" dirty="0"/>
-              <a:t>d) Folgende Schritte</a:t>
-            </a:r>
-          </a:p>
-          <a:p>
-            <a:r>
-              <a:rPr lang="de-DE" dirty="0"/>
-              <a:t>Start der Programmierung:</a:t>
-            </a:r>
-          </a:p>
-          <a:p>
-            <a:r>
-              <a:rPr lang="de-DE" dirty="0"/>
-              <a:t>- Sensor auslesen</a:t>
-            </a:r>
-          </a:p>
-          <a:p>
-            <a:r>
-              <a:rPr lang="de-DE" dirty="0"/>
-              <a:t>- App-Grundgerät</a:t>
-            </a:r>
-          </a:p>
-        </p:txBody>
-      </p:sp>
       <p:pic>
         <p:nvPicPr>
           <p:cNvPr id="5" name="Grafik 4">
@@ -6849,7 +12203,7 @@
           <p:nvPr/>
         </p:nvPicPr>
         <p:blipFill rotWithShape="1">
-          <a:blip r:embed="rId2" cstate="print">
+          <a:blip r:embed="rId3" cstate="print">
             <a:extLst>
               <a:ext uri="{28A0092B-C50C-407E-A947-70E740481C1C}">
                 <a14:useLocalDpi xmlns:a14="http://schemas.microsoft.com/office/drawing/2010/main" val="0"/>
@@ -6888,7 +12242,7 @@
           <p:nvPr/>
         </p:nvPicPr>
         <p:blipFill rotWithShape="1">
-          <a:blip r:embed="rId3">
+          <a:blip r:embed="rId4">
             <a:extLst>
               <a:ext uri="{28A0092B-C50C-407E-A947-70E740481C1C}">
                 <a14:useLocalDpi xmlns:a14="http://schemas.microsoft.com/office/drawing/2010/main" val="0"/>
@@ -6908,6 +12262,482 @@
           </a:prstGeom>
         </p:spPr>
       </p:pic>
+      <p:pic>
+        <p:nvPicPr>
+          <p:cNvPr id="6" name="Grafik 5" descr="Smartphone">
+            <a:extLst>
+              <a:ext uri="{FF2B5EF4-FFF2-40B4-BE49-F238E27FC236}">
+                <a16:creationId xmlns:a16="http://schemas.microsoft.com/office/drawing/2014/main" id="{D029C7A3-4328-0A42-8B61-20DB0F0CACED}"/>
+              </a:ext>
+            </a:extLst>
+          </p:cNvPr>
+          <p:cNvPicPr>
+            <a:picLocks noChangeAspect="1"/>
+          </p:cNvPicPr>
+          <p:nvPr/>
+        </p:nvPicPr>
+        <p:blipFill>
+          <a:blip r:embed="rId5">
+            <a:extLst>
+              <a:ext uri="{28A0092B-C50C-407E-A947-70E740481C1C}">
+                <a14:useLocalDpi xmlns:a14="http://schemas.microsoft.com/office/drawing/2010/main" val="0"/>
+              </a:ext>
+              <a:ext uri="{96DAC541-7B7A-43D3-8B79-37D633B846F1}">
+                <asvg:svgBlip xmlns:asvg="http://schemas.microsoft.com/office/drawing/2016/SVG/main" r:embed="rId6"/>
+              </a:ext>
+            </a:extLst>
+          </a:blip>
+          <a:stretch>
+            <a:fillRect/>
+          </a:stretch>
+        </p:blipFill>
+        <p:spPr>
+          <a:xfrm>
+            <a:off x="1441545" y="2508475"/>
+            <a:ext cx="2579719" cy="2579719"/>
+          </a:xfrm>
+          <a:prstGeom prst="rect">
+            <a:avLst/>
+          </a:prstGeom>
+        </p:spPr>
+      </p:pic>
+      <p:sp>
+        <p:nvSpPr>
+          <p:cNvPr id="9" name="Textfeld 8">
+            <a:extLst>
+              <a:ext uri="{FF2B5EF4-FFF2-40B4-BE49-F238E27FC236}">
+                <a16:creationId xmlns:a16="http://schemas.microsoft.com/office/drawing/2014/main" id="{1EDCE801-808B-FC42-BF25-1889BD1880EA}"/>
+              </a:ext>
+            </a:extLst>
+          </p:cNvPr>
+          <p:cNvSpPr txBox="1"/>
+          <p:nvPr/>
+        </p:nvSpPr>
+        <p:spPr>
+          <a:xfrm>
+            <a:off x="112678" y="1735438"/>
+            <a:ext cx="3490058" cy="477054"/>
+          </a:xfrm>
+          <a:prstGeom prst="rect">
+            <a:avLst/>
+          </a:prstGeom>
+          <a:noFill/>
+        </p:spPr>
+        <p:txBody>
+          <a:bodyPr wrap="none" rtlCol="0">
+            <a:spAutoFit/>
+          </a:bodyPr>
+          <a:lstStyle/>
+          <a:p>
+            <a:r>
+              <a:rPr lang="de-DE" sz="2500" dirty="0"/>
+              <a:t>Die nächsten Schritte…</a:t>
+            </a:r>
+          </a:p>
+        </p:txBody>
+      </p:sp>
+      <p:grpSp>
+        <p:nvGrpSpPr>
+          <p:cNvPr id="26" name="Gruppieren 25">
+            <a:extLst>
+              <a:ext uri="{FF2B5EF4-FFF2-40B4-BE49-F238E27FC236}">
+                <a16:creationId xmlns:a16="http://schemas.microsoft.com/office/drawing/2014/main" id="{21821221-2548-9642-84C8-CE6A875DB9D5}"/>
+              </a:ext>
+            </a:extLst>
+          </p:cNvPr>
+          <p:cNvGrpSpPr/>
+          <p:nvPr/>
+        </p:nvGrpSpPr>
+        <p:grpSpPr>
+          <a:xfrm>
+            <a:off x="5254197" y="2674322"/>
+            <a:ext cx="3851046" cy="2424022"/>
+            <a:chOff x="5457743" y="2799647"/>
+            <a:chExt cx="3851046" cy="2424022"/>
+          </a:xfrm>
+        </p:grpSpPr>
+        <p:pic>
+          <p:nvPicPr>
+            <p:cNvPr id="16" name="Grafik 15" descr="USB">
+              <a:extLst>
+                <a:ext uri="{FF2B5EF4-FFF2-40B4-BE49-F238E27FC236}">
+                  <a16:creationId xmlns:a16="http://schemas.microsoft.com/office/drawing/2014/main" id="{3CE52D3E-6C3C-BD4C-81E2-AF8BC93202B1}"/>
+                </a:ext>
+              </a:extLst>
+            </p:cNvPr>
+            <p:cNvPicPr>
+              <a:picLocks noChangeAspect="1"/>
+            </p:cNvPicPr>
+            <p:nvPr/>
+          </p:nvPicPr>
+          <p:blipFill rotWithShape="1">
+            <a:blip r:embed="rId7">
+              <a:extLst>
+                <a:ext uri="{28A0092B-C50C-407E-A947-70E740481C1C}">
+                  <a14:useLocalDpi xmlns:a14="http://schemas.microsoft.com/office/drawing/2010/main" val="0"/>
+                </a:ext>
+                <a:ext uri="{96DAC541-7B7A-43D3-8B79-37D633B846F1}">
+                  <asvg:svgBlip xmlns:asvg="http://schemas.microsoft.com/office/drawing/2016/SVG/main" r:embed="rId8"/>
+                </a:ext>
+              </a:extLst>
+            </a:blip>
+            <a:srcRect r="57061"/>
+            <a:stretch/>
+          </p:blipFill>
+          <p:spPr>
+            <a:xfrm>
+              <a:off x="5457743" y="3215012"/>
+              <a:ext cx="667870" cy="1555378"/>
+            </a:xfrm>
+            <a:prstGeom prst="rect">
+              <a:avLst/>
+            </a:prstGeom>
+          </p:spPr>
+        </p:pic>
+        <p:grpSp>
+          <p:nvGrpSpPr>
+            <p:cNvPr id="19" name="Gruppieren 18">
+              <a:extLst>
+                <a:ext uri="{FF2B5EF4-FFF2-40B4-BE49-F238E27FC236}">
+                  <a16:creationId xmlns:a16="http://schemas.microsoft.com/office/drawing/2014/main" id="{8DB8CC8C-9C28-304C-B9D7-140FC6B66BC8}"/>
+                </a:ext>
+              </a:extLst>
+            </p:cNvPr>
+            <p:cNvGrpSpPr/>
+            <p:nvPr/>
+          </p:nvGrpSpPr>
+          <p:grpSpPr>
+            <a:xfrm>
+              <a:off x="5457743" y="2799647"/>
+              <a:ext cx="853409" cy="830730"/>
+              <a:chOff x="8148918" y="2971799"/>
+              <a:chExt cx="914400" cy="914401"/>
+            </a:xfrm>
+          </p:grpSpPr>
+          <p:sp>
+            <p:nvSpPr>
+              <p:cNvPr id="18" name="Abgerundetes Rechteck 17">
+                <a:extLst>
+                  <a:ext uri="{FF2B5EF4-FFF2-40B4-BE49-F238E27FC236}">
+                    <a16:creationId xmlns:a16="http://schemas.microsoft.com/office/drawing/2014/main" id="{0D803BC3-06D7-7741-A0F0-0E7FBD0282C1}"/>
+                  </a:ext>
+                </a:extLst>
+              </p:cNvPr>
+              <p:cNvSpPr/>
+              <p:nvPr/>
+            </p:nvSpPr>
+            <p:spPr>
+              <a:xfrm>
+                <a:off x="8148918" y="2971800"/>
+                <a:ext cx="914400" cy="914400"/>
+              </a:xfrm>
+              <a:prstGeom prst="roundRect">
+                <a:avLst/>
+              </a:prstGeom>
+            </p:spPr>
+            <p:style>
+              <a:lnRef idx="3">
+                <a:schemeClr val="lt1"/>
+              </a:lnRef>
+              <a:fillRef idx="1">
+                <a:schemeClr val="dk1"/>
+              </a:fillRef>
+              <a:effectRef idx="1">
+                <a:schemeClr val="dk1"/>
+              </a:effectRef>
+              <a:fontRef idx="minor">
+                <a:schemeClr val="lt1"/>
+              </a:fontRef>
+            </p:style>
+            <p:txBody>
+              <a:bodyPr rtlCol="0" anchor="ctr"/>
+              <a:lstStyle/>
+              <a:p>
+                <a:pPr algn="ctr"/>
+                <a:endParaRPr lang="de-DE"/>
+              </a:p>
+            </p:txBody>
+          </p:sp>
+          <p:pic>
+            <p:nvPicPr>
+              <p:cNvPr id="12" name="Grafik 11" descr="Pfeil: Gerade">
+                <a:extLst>
+                  <a:ext uri="{FF2B5EF4-FFF2-40B4-BE49-F238E27FC236}">
+                    <a16:creationId xmlns:a16="http://schemas.microsoft.com/office/drawing/2014/main" id="{DE7C4A62-0C00-1D47-898D-9AF7D884EB29}"/>
+                  </a:ext>
+                </a:extLst>
+              </p:cNvPr>
+              <p:cNvPicPr>
+                <a:picLocks noChangeAspect="1"/>
+              </p:cNvPicPr>
+              <p:nvPr/>
+            </p:nvPicPr>
+            <p:blipFill>
+              <a:blip r:embed="rId9">
+                <a:extLst>
+                  <a:ext uri="{28A0092B-C50C-407E-A947-70E740481C1C}">
+                    <a14:useLocalDpi xmlns:a14="http://schemas.microsoft.com/office/drawing/2010/main" val="0"/>
+                  </a:ext>
+                  <a:ext uri="{96DAC541-7B7A-43D3-8B79-37D633B846F1}">
+                    <asvg:svgBlip xmlns:asvg="http://schemas.microsoft.com/office/drawing/2016/SVG/main" r:embed="rId10"/>
+                  </a:ext>
+                </a:extLst>
+              </a:blip>
+              <a:stretch>
+                <a:fillRect/>
+              </a:stretch>
+            </p:blipFill>
+            <p:spPr>
+              <a:xfrm rot="8177453">
+                <a:off x="8148918" y="2971799"/>
+                <a:ext cx="914400" cy="914400"/>
+              </a:xfrm>
+              <a:prstGeom prst="rect">
+                <a:avLst/>
+              </a:prstGeom>
+            </p:spPr>
+          </p:pic>
+        </p:grpSp>
+        <p:pic>
+          <p:nvPicPr>
+            <p:cNvPr id="24" name="Grafik 23" descr="Computer">
+              <a:extLst>
+                <a:ext uri="{FF2B5EF4-FFF2-40B4-BE49-F238E27FC236}">
+                  <a16:creationId xmlns:a16="http://schemas.microsoft.com/office/drawing/2014/main" id="{B6C38B79-8CB3-C641-A98D-B9AC75A00A8F}"/>
+                </a:ext>
+              </a:extLst>
+            </p:cNvPr>
+            <p:cNvPicPr>
+              <a:picLocks noChangeAspect="1"/>
+            </p:cNvPicPr>
+            <p:nvPr/>
+          </p:nvPicPr>
+          <p:blipFill>
+            <a:blip r:embed="rId11">
+              <a:extLst>
+                <a:ext uri="{28A0092B-C50C-407E-A947-70E740481C1C}">
+                  <a14:useLocalDpi xmlns:a14="http://schemas.microsoft.com/office/drawing/2010/main" val="0"/>
+                </a:ext>
+                <a:ext uri="{96DAC541-7B7A-43D3-8B79-37D633B846F1}">
+                  <asvg:svgBlip xmlns:asvg="http://schemas.microsoft.com/office/drawing/2016/SVG/main" r:embed="rId12"/>
+                </a:ext>
+              </a:extLst>
+            </a:blip>
+            <a:stretch>
+              <a:fillRect/>
+            </a:stretch>
+          </p:blipFill>
+          <p:spPr>
+            <a:xfrm flipH="1">
+              <a:off x="6884768" y="2799648"/>
+              <a:ext cx="2424021" cy="2424021"/>
+            </a:xfrm>
+            <a:prstGeom prst="rect">
+              <a:avLst/>
+            </a:prstGeom>
+          </p:spPr>
+        </p:pic>
+        <p:pic>
+          <p:nvPicPr>
+            <p:cNvPr id="25" name="Grafik 24" descr="USB">
+              <a:extLst>
+                <a:ext uri="{FF2B5EF4-FFF2-40B4-BE49-F238E27FC236}">
+                  <a16:creationId xmlns:a16="http://schemas.microsoft.com/office/drawing/2014/main" id="{0A2D97F1-14E9-3641-A85A-3331928CCF39}"/>
+                </a:ext>
+              </a:extLst>
+            </p:cNvPr>
+            <p:cNvPicPr>
+              <a:picLocks noChangeAspect="1"/>
+            </p:cNvPicPr>
+            <p:nvPr/>
+          </p:nvPicPr>
+          <p:blipFill rotWithShape="1">
+            <a:blip r:embed="rId7">
+              <a:extLst>
+                <a:ext uri="{28A0092B-C50C-407E-A947-70E740481C1C}">
+                  <a14:useLocalDpi xmlns:a14="http://schemas.microsoft.com/office/drawing/2010/main" val="0"/>
+                </a:ext>
+                <a:ext uri="{96DAC541-7B7A-43D3-8B79-37D633B846F1}">
+                  <asvg:svgBlip xmlns:asvg="http://schemas.microsoft.com/office/drawing/2016/SVG/main" r:embed="rId8"/>
+                </a:ext>
+              </a:extLst>
+            </a:blip>
+            <a:srcRect r="57061"/>
+            <a:stretch/>
+          </p:blipFill>
+          <p:spPr>
+            <a:xfrm rot="16200000" flipV="1">
+              <a:off x="5982187" y="3740399"/>
+              <a:ext cx="667870" cy="1555378"/>
+            </a:xfrm>
+            <a:prstGeom prst="rect">
+              <a:avLst/>
+            </a:prstGeom>
+          </p:spPr>
+        </p:pic>
+      </p:grpSp>
+      <p:sp>
+        <p:nvSpPr>
+          <p:cNvPr id="27" name="Rechteck 26">
+            <a:extLst>
+              <a:ext uri="{FF2B5EF4-FFF2-40B4-BE49-F238E27FC236}">
+                <a16:creationId xmlns:a16="http://schemas.microsoft.com/office/drawing/2014/main" id="{147CBD1B-35EE-DE4F-90CA-A4ACC089A551}"/>
+              </a:ext>
+            </a:extLst>
+          </p:cNvPr>
+          <p:cNvSpPr/>
+          <p:nvPr/>
+        </p:nvSpPr>
+        <p:spPr>
+          <a:xfrm>
+            <a:off x="5125648" y="2426144"/>
+            <a:ext cx="4108145" cy="2662050"/>
+          </a:xfrm>
+          <a:prstGeom prst="rect">
+            <a:avLst/>
+          </a:prstGeom>
+          <a:noFill/>
+          <a:ln w="38100"/>
+        </p:spPr>
+        <p:style>
+          <a:lnRef idx="2">
+            <a:schemeClr val="accent1"/>
+          </a:lnRef>
+          <a:fillRef idx="1">
+            <a:schemeClr val="lt1"/>
+          </a:fillRef>
+          <a:effectRef idx="0">
+            <a:schemeClr val="accent1"/>
+          </a:effectRef>
+          <a:fontRef idx="minor">
+            <a:schemeClr val="dk1"/>
+          </a:fontRef>
+        </p:style>
+        <p:txBody>
+          <a:bodyPr rtlCol="0" anchor="ctr"/>
+          <a:lstStyle/>
+          <a:p>
+            <a:pPr algn="ctr"/>
+            <a:endParaRPr lang="de-DE"/>
+          </a:p>
+        </p:txBody>
+      </p:sp>
+      <p:sp>
+        <p:nvSpPr>
+          <p:cNvPr id="28" name="Rechteck 27">
+            <a:extLst>
+              <a:ext uri="{FF2B5EF4-FFF2-40B4-BE49-F238E27FC236}">
+                <a16:creationId xmlns:a16="http://schemas.microsoft.com/office/drawing/2014/main" id="{08E6008B-348C-FF42-96E5-CA5DE4B17DBD}"/>
+              </a:ext>
+            </a:extLst>
+          </p:cNvPr>
+          <p:cNvSpPr/>
+          <p:nvPr/>
+        </p:nvSpPr>
+        <p:spPr>
+          <a:xfrm>
+            <a:off x="677333" y="2426145"/>
+            <a:ext cx="4108145" cy="2662049"/>
+          </a:xfrm>
+          <a:prstGeom prst="rect">
+            <a:avLst/>
+          </a:prstGeom>
+          <a:noFill/>
+          <a:ln w="38100"/>
+        </p:spPr>
+        <p:style>
+          <a:lnRef idx="2">
+            <a:schemeClr val="accent1"/>
+          </a:lnRef>
+          <a:fillRef idx="1">
+            <a:schemeClr val="lt1"/>
+          </a:fillRef>
+          <a:effectRef idx="0">
+            <a:schemeClr val="accent1"/>
+          </a:effectRef>
+          <a:fontRef idx="minor">
+            <a:schemeClr val="dk1"/>
+          </a:fontRef>
+        </p:style>
+        <p:txBody>
+          <a:bodyPr rtlCol="0" anchor="ctr"/>
+          <a:lstStyle/>
+          <a:p>
+            <a:pPr algn="ctr"/>
+            <a:endParaRPr lang="de-DE"/>
+          </a:p>
+        </p:txBody>
+      </p:sp>
+      <p:sp>
+        <p:nvSpPr>
+          <p:cNvPr id="30" name="Textfeld 29">
+            <a:extLst>
+              <a:ext uri="{FF2B5EF4-FFF2-40B4-BE49-F238E27FC236}">
+                <a16:creationId xmlns:a16="http://schemas.microsoft.com/office/drawing/2014/main" id="{D0055098-6471-3041-A24E-2CA7F5AF2E18}"/>
+              </a:ext>
+            </a:extLst>
+          </p:cNvPr>
+          <p:cNvSpPr txBox="1"/>
+          <p:nvPr/>
+        </p:nvSpPr>
+        <p:spPr>
+          <a:xfrm>
+            <a:off x="1857707" y="5170524"/>
+            <a:ext cx="1834156" cy="369332"/>
+          </a:xfrm>
+          <a:prstGeom prst="rect">
+            <a:avLst/>
+          </a:prstGeom>
+          <a:noFill/>
+        </p:spPr>
+        <p:txBody>
+          <a:bodyPr wrap="none" rtlCol="0">
+            <a:spAutoFit/>
+          </a:bodyPr>
+          <a:lstStyle/>
+          <a:p>
+            <a:r>
+              <a:rPr lang="de-DE" dirty="0"/>
+              <a:t>App-Grundgerät</a:t>
+            </a:r>
+          </a:p>
+        </p:txBody>
+      </p:sp>
+      <p:sp>
+        <p:nvSpPr>
+          <p:cNvPr id="31" name="Textfeld 30">
+            <a:extLst>
+              <a:ext uri="{FF2B5EF4-FFF2-40B4-BE49-F238E27FC236}">
+                <a16:creationId xmlns:a16="http://schemas.microsoft.com/office/drawing/2014/main" id="{B255C5CE-14CC-4741-89B8-A2ED4A4FDF5F}"/>
+              </a:ext>
+            </a:extLst>
+          </p:cNvPr>
+          <p:cNvSpPr txBox="1"/>
+          <p:nvPr/>
+        </p:nvSpPr>
+        <p:spPr>
+          <a:xfrm>
+            <a:off x="6107606" y="5132805"/>
+            <a:ext cx="1805302" cy="369332"/>
+          </a:xfrm>
+          <a:prstGeom prst="rect">
+            <a:avLst/>
+          </a:prstGeom>
+          <a:noFill/>
+        </p:spPr>
+        <p:txBody>
+          <a:bodyPr wrap="none" rtlCol="0">
+            <a:spAutoFit/>
+          </a:bodyPr>
+          <a:lstStyle/>
+          <a:p>
+            <a:r>
+              <a:rPr lang="de-DE" dirty="0"/>
+              <a:t>Sensor auslesen</a:t>
+            </a:r>
+          </a:p>
+        </p:txBody>
+      </p:sp>
     </p:spTree>
     <p:extLst>
       <p:ext uri="{BB962C8B-B14F-4D97-AF65-F5344CB8AC3E}">
@@ -6921,7 +12751,7 @@
 </p:sld>
 </file>
 
-<file path=ppt/slides/slide6.xml><?xml version="1.0" encoding="utf-8"?>
+<file path=ppt/slides/slide8.xml><?xml version="1.0" encoding="utf-8"?>
 <p:sld xmlns:a="http://schemas.openxmlformats.org/drawingml/2006/main" xmlns:r="http://schemas.openxmlformats.org/officeDocument/2006/relationships" xmlns:p="http://schemas.openxmlformats.org/presentationml/2006/main">
   <p:cSld>
     <p:spTree>
@@ -6969,83 +12799,6 @@
           </a:p>
         </p:txBody>
       </p:sp>
-      <p:sp>
-        <p:nvSpPr>
-          <p:cNvPr id="3" name="Inhaltsplatzhalter 2">
-            <a:extLst>
-              <a:ext uri="{FF2B5EF4-FFF2-40B4-BE49-F238E27FC236}">
-                <a16:creationId xmlns:a16="http://schemas.microsoft.com/office/drawing/2014/main" id="{FCDCEEBD-68DF-4924-8A41-91582416FA35}"/>
-              </a:ext>
-            </a:extLst>
-          </p:cNvPr>
-          <p:cNvSpPr>
-            <a:spLocks noGrp="1"/>
-          </p:cNvSpPr>
-          <p:nvPr>
-            <p:ph idx="1"/>
-          </p:nvPr>
-        </p:nvSpPr>
-        <p:spPr/>
-        <p:txBody>
-          <a:bodyPr>
-            <a:normAutofit/>
-          </a:bodyPr>
-          <a:lstStyle/>
-          <a:p>
-            <a:pPr marL="0" indent="0">
-              <a:buNone/>
-            </a:pPr>
-            <a:r>
-              <a:rPr lang="de-DE" dirty="0"/>
-              <a:t>a) Konkrete Umsetzung</a:t>
-            </a:r>
-          </a:p>
-          <a:p>
-            <a:r>
-              <a:rPr lang="de-DE" dirty="0"/>
-              <a:t>[Schaubild von Nils]</a:t>
-            </a:r>
-          </a:p>
-          <a:p>
-            <a:r>
-              <a:rPr lang="de-DE" dirty="0"/>
-              <a:t>0. Scannen von NFC-Chip via Smartphone</a:t>
-            </a:r>
-          </a:p>
-          <a:p>
-            <a:r>
-              <a:rPr lang="de-DE" dirty="0"/>
-              <a:t>2. Öffnung der App (</a:t>
-            </a:r>
-            <a:r>
-              <a:rPr lang="de-DE" dirty="0" err="1"/>
-              <a:t>Activity</a:t>
-            </a:r>
-            <a:r>
-              <a:rPr lang="de-DE" dirty="0"/>
-              <a:t> der gescannten Übung)</a:t>
-            </a:r>
-          </a:p>
-          <a:p>
-            <a:r>
-              <a:rPr lang="de-DE" dirty="0"/>
-              <a:t>1. Sensor erkennt Bewegungen und Richtigkeit der Ausführung</a:t>
-            </a:r>
-          </a:p>
-          <a:p>
-            <a:r>
-              <a:rPr lang="de-DE" dirty="0"/>
-              <a:t>2. Schreibt Werte in Datenbank</a:t>
-            </a:r>
-          </a:p>
-          <a:p>
-            <a:r>
-              <a:rPr lang="de-DE" dirty="0"/>
-              <a:t>3. App liest Werte aus und stellt sie dem Nutzer dar</a:t>
-            </a:r>
-          </a:p>
-        </p:txBody>
-      </p:sp>
       <p:pic>
         <p:nvPicPr>
           <p:cNvPr id="5" name="Grafik 4">
@@ -7061,7 +12814,7 @@
           <p:nvPr/>
         </p:nvPicPr>
         <p:blipFill rotWithShape="1">
-          <a:blip r:embed="rId2" cstate="print">
+          <a:blip r:embed="rId3" cstate="print">
             <a:extLst>
               <a:ext uri="{28A0092B-C50C-407E-A947-70E740481C1C}">
                 <a14:useLocalDpi xmlns:a14="http://schemas.microsoft.com/office/drawing/2010/main" val="0"/>
@@ -7100,7 +12853,7 @@
           <p:nvPr/>
         </p:nvPicPr>
         <p:blipFill rotWithShape="1">
-          <a:blip r:embed="rId3">
+          <a:blip r:embed="rId4">
             <a:extLst>
               <a:ext uri="{28A0092B-C50C-407E-A947-70E740481C1C}">
                 <a14:useLocalDpi xmlns:a14="http://schemas.microsoft.com/office/drawing/2010/main" val="0"/>
@@ -7120,6 +12873,834 @@
           </a:prstGeom>
         </p:spPr>
       </p:pic>
+      <p:grpSp>
+        <p:nvGrpSpPr>
+          <p:cNvPr id="27" name="Gruppieren 26">
+            <a:extLst>
+              <a:ext uri="{FF2B5EF4-FFF2-40B4-BE49-F238E27FC236}">
+                <a16:creationId xmlns:a16="http://schemas.microsoft.com/office/drawing/2014/main" id="{B4E17520-E914-494E-9DAC-8F89D988DB8F}"/>
+              </a:ext>
+            </a:extLst>
+          </p:cNvPr>
+          <p:cNvGrpSpPr/>
+          <p:nvPr/>
+        </p:nvGrpSpPr>
+        <p:grpSpPr>
+          <a:xfrm>
+            <a:off x="231228" y="1606671"/>
+            <a:ext cx="8827493" cy="5251330"/>
+            <a:chOff x="-108489" y="-62541"/>
+            <a:chExt cx="11553059" cy="6920541"/>
+          </a:xfrm>
+        </p:grpSpPr>
+        <p:pic>
+          <p:nvPicPr>
+            <p:cNvPr id="28" name="Grafik 27">
+              <a:extLst>
+                <a:ext uri="{FF2B5EF4-FFF2-40B4-BE49-F238E27FC236}">
+                  <a16:creationId xmlns:a16="http://schemas.microsoft.com/office/drawing/2014/main" id="{78404845-0324-3B40-9D23-46C00D703F30}"/>
+                </a:ext>
+              </a:extLst>
+            </p:cNvPr>
+            <p:cNvPicPr>
+              <a:picLocks noChangeAspect="1"/>
+            </p:cNvPicPr>
+            <p:nvPr/>
+          </p:nvPicPr>
+          <p:blipFill rotWithShape="1">
+            <a:blip r:embed="rId5"/>
+            <a:srcRect l="31186" t="9809" r="38436" b="43232"/>
+            <a:stretch/>
+          </p:blipFill>
+          <p:spPr>
+            <a:xfrm>
+              <a:off x="3781325" y="219369"/>
+              <a:ext cx="7663245" cy="6638631"/>
+            </a:xfrm>
+            <a:prstGeom prst="rect">
+              <a:avLst/>
+            </a:prstGeom>
+          </p:spPr>
+        </p:pic>
+        <p:pic>
+          <p:nvPicPr>
+            <p:cNvPr id="29" name="Grafik 28">
+              <a:extLst>
+                <a:ext uri="{FF2B5EF4-FFF2-40B4-BE49-F238E27FC236}">
+                  <a16:creationId xmlns:a16="http://schemas.microsoft.com/office/drawing/2014/main" id="{518941E2-F75B-0742-9BF4-6C742B58EEFE}"/>
+                </a:ext>
+              </a:extLst>
+            </p:cNvPr>
+            <p:cNvPicPr>
+              <a:picLocks noChangeAspect="1"/>
+            </p:cNvPicPr>
+            <p:nvPr/>
+          </p:nvPicPr>
+          <p:blipFill>
+            <a:blip r:embed="rId6"/>
+            <a:stretch>
+              <a:fillRect/>
+            </a:stretch>
+          </p:blipFill>
+          <p:spPr>
+            <a:xfrm rot="1675002">
+              <a:off x="945761" y="2561349"/>
+              <a:ext cx="4299027" cy="4213775"/>
+            </a:xfrm>
+            <a:prstGeom prst="rect">
+              <a:avLst/>
+            </a:prstGeom>
+          </p:spPr>
+        </p:pic>
+        <p:sp>
+          <p:nvSpPr>
+            <p:cNvPr id="30" name="Rechteck 29">
+              <a:extLst>
+                <a:ext uri="{FF2B5EF4-FFF2-40B4-BE49-F238E27FC236}">
+                  <a16:creationId xmlns:a16="http://schemas.microsoft.com/office/drawing/2014/main" id="{48CF55FF-D70E-E44D-BB3A-9EB726B85588}"/>
+                </a:ext>
+              </a:extLst>
+            </p:cNvPr>
+            <p:cNvSpPr/>
+            <p:nvPr/>
+          </p:nvSpPr>
+          <p:spPr>
+            <a:xfrm rot="16008298">
+              <a:off x="-17842" y="4940447"/>
+              <a:ext cx="976869" cy="1158163"/>
+            </a:xfrm>
+            <a:prstGeom prst="rect">
+              <a:avLst/>
+            </a:prstGeom>
+            <a:solidFill>
+              <a:schemeClr val="tx1"/>
+            </a:solidFill>
+            <a:ln>
+              <a:noFill/>
+            </a:ln>
+          </p:spPr>
+          <p:style>
+            <a:lnRef idx="2">
+              <a:schemeClr val="accent6"/>
+            </a:lnRef>
+            <a:fillRef idx="1">
+              <a:schemeClr val="lt1"/>
+            </a:fillRef>
+            <a:effectRef idx="0">
+              <a:schemeClr val="accent6"/>
+            </a:effectRef>
+            <a:fontRef idx="minor">
+              <a:schemeClr val="dk1"/>
+            </a:fontRef>
+          </p:style>
+          <p:txBody>
+            <a:bodyPr rtlCol="0" anchor="ctr"/>
+            <a:lstStyle/>
+            <a:p>
+              <a:pPr algn="ctr"/>
+              <a:endParaRPr lang="de-DE"/>
+            </a:p>
+          </p:txBody>
+        </p:sp>
+        <p:pic>
+          <p:nvPicPr>
+            <p:cNvPr id="31" name="Grafik 30" descr="Muskulöser Arm">
+              <a:extLst>
+                <a:ext uri="{FF2B5EF4-FFF2-40B4-BE49-F238E27FC236}">
+                  <a16:creationId xmlns:a16="http://schemas.microsoft.com/office/drawing/2014/main" id="{F4CCD9D2-E9BF-DD45-98F0-FC96780B808E}"/>
+                </a:ext>
+              </a:extLst>
+            </p:cNvPr>
+            <p:cNvPicPr>
+              <a:picLocks noChangeAspect="1"/>
+            </p:cNvPicPr>
+            <p:nvPr/>
+          </p:nvPicPr>
+          <p:blipFill>
+            <a:blip r:embed="rId7">
+              <a:extLst>
+                <a:ext uri="{96DAC541-7B7A-43D3-8B79-37D633B846F1}">
+                  <asvg:svgBlip xmlns:asvg="http://schemas.microsoft.com/office/drawing/2016/SVG/main" r:embed="rId8"/>
+                </a:ext>
+              </a:extLst>
+            </a:blip>
+            <a:stretch>
+              <a:fillRect/>
+            </a:stretch>
+          </p:blipFill>
+          <p:spPr>
+            <a:xfrm rot="3224466">
+              <a:off x="2841387" y="4227968"/>
+              <a:ext cx="765616" cy="781106"/>
+            </a:xfrm>
+            <a:prstGeom prst="rect">
+              <a:avLst/>
+            </a:prstGeom>
+          </p:spPr>
+        </p:pic>
+        <p:sp>
+          <p:nvSpPr>
+            <p:cNvPr id="32" name="Rechteck 31">
+              <a:extLst>
+                <a:ext uri="{FF2B5EF4-FFF2-40B4-BE49-F238E27FC236}">
+                  <a16:creationId xmlns:a16="http://schemas.microsoft.com/office/drawing/2014/main" id="{7F2FA680-5928-394E-9FE8-10729283D366}"/>
+                </a:ext>
+              </a:extLst>
+            </p:cNvPr>
+            <p:cNvSpPr/>
+            <p:nvPr/>
+          </p:nvSpPr>
+          <p:spPr>
+            <a:xfrm rot="16008298">
+              <a:off x="526146" y="5151586"/>
+              <a:ext cx="1205465" cy="586750"/>
+            </a:xfrm>
+            <a:prstGeom prst="rect">
+              <a:avLst/>
+            </a:prstGeom>
+            <a:ln/>
+          </p:spPr>
+          <p:style>
+            <a:lnRef idx="2">
+              <a:schemeClr val="dk1"/>
+            </a:lnRef>
+            <a:fillRef idx="1">
+              <a:schemeClr val="lt1"/>
+            </a:fillRef>
+            <a:effectRef idx="0">
+              <a:schemeClr val="dk1"/>
+            </a:effectRef>
+            <a:fontRef idx="minor">
+              <a:schemeClr val="dk1"/>
+            </a:fontRef>
+          </p:style>
+          <p:txBody>
+            <a:bodyPr rtlCol="0" anchor="ctr"/>
+            <a:lstStyle/>
+            <a:p>
+              <a:pPr algn="ctr"/>
+              <a:endParaRPr lang="de-DE" dirty="0"/>
+            </a:p>
+          </p:txBody>
+        </p:sp>
+        <p:cxnSp>
+          <p:nvCxnSpPr>
+            <p:cNvPr id="33" name="Gerade Verbindung mit Pfeil 32">
+              <a:extLst>
+                <a:ext uri="{FF2B5EF4-FFF2-40B4-BE49-F238E27FC236}">
+                  <a16:creationId xmlns:a16="http://schemas.microsoft.com/office/drawing/2014/main" id="{F6FFF166-2124-5C41-8929-9FB3F162246C}"/>
+                </a:ext>
+              </a:extLst>
+            </p:cNvPr>
+            <p:cNvCxnSpPr>
+              <a:cxnSpLocks/>
+            </p:cNvCxnSpPr>
+            <p:nvPr/>
+          </p:nvCxnSpPr>
+          <p:spPr>
+            <a:xfrm>
+              <a:off x="1058166" y="3655425"/>
+              <a:ext cx="0" cy="1136522"/>
+            </a:xfrm>
+            <a:prstGeom prst="straightConnector1">
+              <a:avLst/>
+            </a:prstGeom>
+            <a:ln w="38100">
+              <a:headEnd type="triangle"/>
+              <a:tailEnd type="triangle"/>
+            </a:ln>
+          </p:spPr>
+          <p:style>
+            <a:lnRef idx="1">
+              <a:schemeClr val="dk1"/>
+            </a:lnRef>
+            <a:fillRef idx="0">
+              <a:schemeClr val="dk1"/>
+            </a:fillRef>
+            <a:effectRef idx="0">
+              <a:schemeClr val="dk1"/>
+            </a:effectRef>
+            <a:fontRef idx="minor">
+              <a:schemeClr val="tx1"/>
+            </a:fontRef>
+          </p:style>
+        </p:cxnSp>
+        <p:sp>
+          <p:nvSpPr>
+            <p:cNvPr id="34" name="Pfeil nach links und oben 33">
+              <a:extLst>
+                <a:ext uri="{FF2B5EF4-FFF2-40B4-BE49-F238E27FC236}">
+                  <a16:creationId xmlns:a16="http://schemas.microsoft.com/office/drawing/2014/main" id="{E574E129-304F-7E4E-9A30-435423587629}"/>
+                </a:ext>
+              </a:extLst>
+            </p:cNvPr>
+            <p:cNvSpPr/>
+            <p:nvPr/>
+          </p:nvSpPr>
+          <p:spPr>
+            <a:xfrm rot="16200000">
+              <a:off x="1914905" y="2413249"/>
+              <a:ext cx="711517" cy="1789135"/>
+            </a:xfrm>
+            <a:prstGeom prst="leftUpArrow">
+              <a:avLst>
+                <a:gd name="adj1" fmla="val 2657"/>
+                <a:gd name="adj2" fmla="val 6148"/>
+                <a:gd name="adj3" fmla="val 22207"/>
+              </a:avLst>
+            </a:prstGeom>
+            <a:ln/>
+          </p:spPr>
+          <p:style>
+            <a:lnRef idx="2">
+              <a:schemeClr val="dk1">
+                <a:shade val="50000"/>
+              </a:schemeClr>
+            </a:lnRef>
+            <a:fillRef idx="1">
+              <a:schemeClr val="dk1"/>
+            </a:fillRef>
+            <a:effectRef idx="0">
+              <a:schemeClr val="dk1"/>
+            </a:effectRef>
+            <a:fontRef idx="minor">
+              <a:schemeClr val="lt1"/>
+            </a:fontRef>
+          </p:style>
+          <p:txBody>
+            <a:bodyPr rtlCol="0" anchor="ctr"/>
+            <a:lstStyle/>
+            <a:p>
+              <a:pPr algn="ctr"/>
+              <a:endParaRPr lang="de-DE"/>
+            </a:p>
+          </p:txBody>
+        </p:sp>
+        <p:pic>
+          <p:nvPicPr>
+            <p:cNvPr id="35" name="Grafik 34" descr="Bluetooth">
+              <a:extLst>
+                <a:ext uri="{FF2B5EF4-FFF2-40B4-BE49-F238E27FC236}">
+                  <a16:creationId xmlns:a16="http://schemas.microsoft.com/office/drawing/2014/main" id="{FBEBD21A-15EE-2A4D-A96B-FA6868B1E85E}"/>
+                </a:ext>
+              </a:extLst>
+            </p:cNvPr>
+            <p:cNvPicPr>
+              <a:picLocks noChangeAspect="1"/>
+            </p:cNvPicPr>
+            <p:nvPr/>
+          </p:nvPicPr>
+          <p:blipFill>
+            <a:blip r:embed="rId9">
+              <a:extLst>
+                <a:ext uri="{96DAC541-7B7A-43D3-8B79-37D633B846F1}">
+                  <asvg:svgBlip xmlns:asvg="http://schemas.microsoft.com/office/drawing/2016/SVG/main" r:embed="rId10"/>
+                </a:ext>
+              </a:extLst>
+            </a:blip>
+            <a:stretch>
+              <a:fillRect/>
+            </a:stretch>
+          </p:blipFill>
+          <p:spPr>
+            <a:xfrm>
+              <a:off x="393447" y="2360503"/>
+              <a:ext cx="1329437" cy="1303073"/>
+            </a:xfrm>
+            <a:prstGeom prst="rect">
+              <a:avLst/>
+            </a:prstGeom>
+          </p:spPr>
+        </p:pic>
+        <p:pic>
+          <p:nvPicPr>
+            <p:cNvPr id="36" name="Grafik 35" descr="Tachometer niedrig">
+              <a:extLst>
+                <a:ext uri="{FF2B5EF4-FFF2-40B4-BE49-F238E27FC236}">
+                  <a16:creationId xmlns:a16="http://schemas.microsoft.com/office/drawing/2014/main" id="{1C27D854-0927-1F44-92F6-4F324C053623}"/>
+                </a:ext>
+              </a:extLst>
+            </p:cNvPr>
+            <p:cNvPicPr>
+              <a:picLocks noChangeAspect="1"/>
+            </p:cNvPicPr>
+            <p:nvPr/>
+          </p:nvPicPr>
+          <p:blipFill>
+            <a:blip r:embed="rId11">
+              <a:extLst>
+                <a:ext uri="{96DAC541-7B7A-43D3-8B79-37D633B846F1}">
+                  <asvg:svgBlip xmlns:asvg="http://schemas.microsoft.com/office/drawing/2016/SVG/main" r:embed="rId12"/>
+                </a:ext>
+              </a:extLst>
+            </a:blip>
+            <a:stretch>
+              <a:fillRect/>
+            </a:stretch>
+          </p:blipFill>
+          <p:spPr>
+            <a:xfrm rot="5197949">
+              <a:off x="776978" y="5054409"/>
+              <a:ext cx="765616" cy="781106"/>
+            </a:xfrm>
+            <a:prstGeom prst="rect">
+              <a:avLst/>
+            </a:prstGeom>
+          </p:spPr>
+        </p:pic>
+        <p:sp>
+          <p:nvSpPr>
+            <p:cNvPr id="37" name="Abgerundetes Rechteck 36">
+              <a:extLst>
+                <a:ext uri="{FF2B5EF4-FFF2-40B4-BE49-F238E27FC236}">
+                  <a16:creationId xmlns:a16="http://schemas.microsoft.com/office/drawing/2014/main" id="{AE409601-B5FA-3842-97FE-F379FBE927D1}"/>
+                </a:ext>
+              </a:extLst>
+            </p:cNvPr>
+            <p:cNvSpPr/>
+            <p:nvPr/>
+          </p:nvSpPr>
+          <p:spPr>
+            <a:xfrm>
+              <a:off x="5797405" y="2000819"/>
+              <a:ext cx="548352" cy="503808"/>
+            </a:xfrm>
+            <a:prstGeom prst="roundRect">
+              <a:avLst/>
+            </a:prstGeom>
+          </p:spPr>
+          <p:style>
+            <a:lnRef idx="2">
+              <a:schemeClr val="dk1"/>
+            </a:lnRef>
+            <a:fillRef idx="1">
+              <a:schemeClr val="lt1"/>
+            </a:fillRef>
+            <a:effectRef idx="0">
+              <a:schemeClr val="dk1"/>
+            </a:effectRef>
+            <a:fontRef idx="minor">
+              <a:schemeClr val="dk1"/>
+            </a:fontRef>
+          </p:style>
+          <p:txBody>
+            <a:bodyPr rtlCol="0" anchor="ctr"/>
+            <a:lstStyle/>
+            <a:p>
+              <a:pPr algn="ctr"/>
+              <a:endParaRPr lang="de-DE" dirty="0"/>
+            </a:p>
+          </p:txBody>
+        </p:sp>
+        <p:cxnSp>
+          <p:nvCxnSpPr>
+            <p:cNvPr id="38" name="Gerade Verbindung mit Pfeil 37">
+              <a:extLst>
+                <a:ext uri="{FF2B5EF4-FFF2-40B4-BE49-F238E27FC236}">
+                  <a16:creationId xmlns:a16="http://schemas.microsoft.com/office/drawing/2014/main" id="{421F7E86-040C-3147-B37B-44A973B1D7B9}"/>
+                </a:ext>
+              </a:extLst>
+            </p:cNvPr>
+            <p:cNvCxnSpPr>
+              <a:cxnSpLocks/>
+            </p:cNvCxnSpPr>
+            <p:nvPr/>
+          </p:nvCxnSpPr>
+          <p:spPr>
+            <a:xfrm>
+              <a:off x="3433262" y="1911014"/>
+              <a:ext cx="0" cy="1752561"/>
+            </a:xfrm>
+            <a:prstGeom prst="straightConnector1">
+              <a:avLst/>
+            </a:prstGeom>
+            <a:ln w="38100">
+              <a:headEnd type="triangle"/>
+              <a:tailEnd type="triangle"/>
+            </a:ln>
+          </p:spPr>
+          <p:style>
+            <a:lnRef idx="1">
+              <a:schemeClr val="dk1"/>
+            </a:lnRef>
+            <a:fillRef idx="0">
+              <a:schemeClr val="dk1"/>
+            </a:fillRef>
+            <a:effectRef idx="0">
+              <a:schemeClr val="dk1"/>
+            </a:effectRef>
+            <a:fontRef idx="minor">
+              <a:schemeClr val="tx1"/>
+            </a:fontRef>
+          </p:style>
+        </p:cxnSp>
+        <p:sp>
+          <p:nvSpPr>
+            <p:cNvPr id="39" name="Rechteck 38">
+              <a:extLst>
+                <a:ext uri="{FF2B5EF4-FFF2-40B4-BE49-F238E27FC236}">
+                  <a16:creationId xmlns:a16="http://schemas.microsoft.com/office/drawing/2014/main" id="{B7F12CC8-D7F7-0440-9E0B-B1261D686E73}"/>
+                </a:ext>
+              </a:extLst>
+            </p:cNvPr>
+            <p:cNvSpPr/>
+            <p:nvPr/>
+          </p:nvSpPr>
+          <p:spPr>
+            <a:xfrm rot="2673725">
+              <a:off x="3687070" y="2995440"/>
+              <a:ext cx="1536434" cy="1222206"/>
+            </a:xfrm>
+            <a:prstGeom prst="rect">
+              <a:avLst/>
+            </a:prstGeom>
+            <a:ln>
+              <a:noFill/>
+            </a:ln>
+          </p:spPr>
+          <p:style>
+            <a:lnRef idx="2">
+              <a:schemeClr val="accent6"/>
+            </a:lnRef>
+            <a:fillRef idx="1">
+              <a:schemeClr val="lt1"/>
+            </a:fillRef>
+            <a:effectRef idx="0">
+              <a:schemeClr val="accent6"/>
+            </a:effectRef>
+            <a:fontRef idx="minor">
+              <a:schemeClr val="dk1"/>
+            </a:fontRef>
+          </p:style>
+          <p:txBody>
+            <a:bodyPr rtlCol="0" anchor="ctr"/>
+            <a:lstStyle/>
+            <a:p>
+              <a:pPr algn="ctr"/>
+              <a:endParaRPr lang="de-DE"/>
+            </a:p>
+          </p:txBody>
+        </p:sp>
+        <p:sp>
+          <p:nvSpPr>
+            <p:cNvPr id="40" name="Pfeil nach links und oben 39">
+              <a:extLst>
+                <a:ext uri="{FF2B5EF4-FFF2-40B4-BE49-F238E27FC236}">
+                  <a16:creationId xmlns:a16="http://schemas.microsoft.com/office/drawing/2014/main" id="{E48E5EA0-DA6F-A146-93EA-4E2F1DF6F0FA}"/>
+                </a:ext>
+              </a:extLst>
+            </p:cNvPr>
+            <p:cNvSpPr/>
+            <p:nvPr/>
+          </p:nvSpPr>
+          <p:spPr>
+            <a:xfrm>
+              <a:off x="3910965" y="3135925"/>
+              <a:ext cx="711517" cy="942931"/>
+            </a:xfrm>
+            <a:prstGeom prst="leftUpArrow">
+              <a:avLst>
+                <a:gd name="adj1" fmla="val 2657"/>
+                <a:gd name="adj2" fmla="val 6148"/>
+                <a:gd name="adj3" fmla="val 22207"/>
+              </a:avLst>
+            </a:prstGeom>
+            <a:ln/>
+          </p:spPr>
+          <p:style>
+            <a:lnRef idx="2">
+              <a:schemeClr val="dk1">
+                <a:shade val="50000"/>
+              </a:schemeClr>
+            </a:lnRef>
+            <a:fillRef idx="1">
+              <a:schemeClr val="dk1"/>
+            </a:fillRef>
+            <a:effectRef idx="0">
+              <a:schemeClr val="dk1"/>
+            </a:effectRef>
+            <a:fontRef idx="minor">
+              <a:schemeClr val="lt1"/>
+            </a:fontRef>
+          </p:style>
+          <p:txBody>
+            <a:bodyPr rtlCol="0" anchor="ctr"/>
+            <a:lstStyle/>
+            <a:p>
+              <a:pPr algn="ctr"/>
+              <a:endParaRPr lang="de-DE"/>
+            </a:p>
+          </p:txBody>
+        </p:sp>
+        <p:pic>
+          <p:nvPicPr>
+            <p:cNvPr id="41" name="Grafik 40" descr="Drahtlos">
+              <a:extLst>
+                <a:ext uri="{FF2B5EF4-FFF2-40B4-BE49-F238E27FC236}">
+                  <a16:creationId xmlns:a16="http://schemas.microsoft.com/office/drawing/2014/main" id="{ADBB2247-8531-7F4A-877A-8D3428D5C09B}"/>
+                </a:ext>
+              </a:extLst>
+            </p:cNvPr>
+            <p:cNvPicPr>
+              <a:picLocks noChangeAspect="1"/>
+            </p:cNvPicPr>
+            <p:nvPr/>
+          </p:nvPicPr>
+          <p:blipFill>
+            <a:blip r:embed="rId13">
+              <a:extLst>
+                <a:ext uri="{96DAC541-7B7A-43D3-8B79-37D633B846F1}">
+                  <asvg:svgBlip xmlns:asvg="http://schemas.microsoft.com/office/drawing/2016/SVG/main" r:embed="rId14"/>
+                </a:ext>
+              </a:extLst>
+            </a:blip>
+            <a:stretch>
+              <a:fillRect/>
+            </a:stretch>
+          </p:blipFill>
+          <p:spPr>
+            <a:xfrm rot="2662637">
+              <a:off x="4129735" y="2181513"/>
+              <a:ext cx="923265" cy="923265"/>
+            </a:xfrm>
+            <a:prstGeom prst="rect">
+              <a:avLst/>
+            </a:prstGeom>
+          </p:spPr>
+        </p:pic>
+        <p:sp>
+          <p:nvSpPr>
+            <p:cNvPr id="42" name="Textfeld 41">
+              <a:extLst>
+                <a:ext uri="{FF2B5EF4-FFF2-40B4-BE49-F238E27FC236}">
+                  <a16:creationId xmlns:a16="http://schemas.microsoft.com/office/drawing/2014/main" id="{209BAD3C-DE65-C340-B1D6-ECED34D6A124}"/>
+                </a:ext>
+              </a:extLst>
+            </p:cNvPr>
+            <p:cNvSpPr txBox="1"/>
+            <p:nvPr/>
+          </p:nvSpPr>
+          <p:spPr>
+            <a:xfrm>
+              <a:off x="4181681" y="2026986"/>
+              <a:ext cx="866871" cy="527291"/>
+            </a:xfrm>
+            <a:prstGeom prst="rect">
+              <a:avLst/>
+            </a:prstGeom>
+            <a:noFill/>
+          </p:spPr>
+          <p:txBody>
+            <a:bodyPr wrap="none" rtlCol="0">
+              <a:spAutoFit/>
+            </a:bodyPr>
+            <a:lstStyle/>
+            <a:p>
+              <a:r>
+                <a:rPr lang="de-DE" sz="2000" b="1" dirty="0"/>
+                <a:t>NFC</a:t>
+              </a:r>
+            </a:p>
+          </p:txBody>
+        </p:sp>
+        <p:cxnSp>
+          <p:nvCxnSpPr>
+            <p:cNvPr id="43" name="Gerade Verbindung mit Pfeil 42">
+              <a:extLst>
+                <a:ext uri="{FF2B5EF4-FFF2-40B4-BE49-F238E27FC236}">
+                  <a16:creationId xmlns:a16="http://schemas.microsoft.com/office/drawing/2014/main" id="{526AABE3-B746-8546-BFEE-F0807CB4F6E4}"/>
+                </a:ext>
+              </a:extLst>
+            </p:cNvPr>
+            <p:cNvCxnSpPr>
+              <a:cxnSpLocks/>
+            </p:cNvCxnSpPr>
+            <p:nvPr/>
+          </p:nvCxnSpPr>
+          <p:spPr>
+            <a:xfrm flipH="1">
+              <a:off x="5107154" y="2282076"/>
+              <a:ext cx="648562" cy="0"/>
+            </a:xfrm>
+            <a:prstGeom prst="straightConnector1">
+              <a:avLst/>
+            </a:prstGeom>
+            <a:ln w="38100">
+              <a:headEnd type="triangle"/>
+              <a:tailEnd type="triangle"/>
+            </a:ln>
+          </p:spPr>
+          <p:style>
+            <a:lnRef idx="1">
+              <a:schemeClr val="dk1"/>
+            </a:lnRef>
+            <a:fillRef idx="0">
+              <a:schemeClr val="dk1"/>
+            </a:fillRef>
+            <a:effectRef idx="0">
+              <a:schemeClr val="dk1"/>
+            </a:effectRef>
+            <a:fontRef idx="minor">
+              <a:schemeClr val="tx1"/>
+            </a:fontRef>
+          </p:style>
+        </p:cxnSp>
+        <p:sp>
+          <p:nvSpPr>
+            <p:cNvPr id="44" name="Textfeld 43">
+              <a:extLst>
+                <a:ext uri="{FF2B5EF4-FFF2-40B4-BE49-F238E27FC236}">
+                  <a16:creationId xmlns:a16="http://schemas.microsoft.com/office/drawing/2014/main" id="{E1159765-B923-9A47-B53E-D3106355343F}"/>
+                </a:ext>
+              </a:extLst>
+            </p:cNvPr>
+            <p:cNvSpPr txBox="1"/>
+            <p:nvPr/>
+          </p:nvSpPr>
+          <p:spPr>
+            <a:xfrm>
+              <a:off x="2569506" y="-62541"/>
+              <a:ext cx="1676677" cy="527291"/>
+            </a:xfrm>
+            <a:prstGeom prst="rect">
+              <a:avLst/>
+            </a:prstGeom>
+            <a:noFill/>
+          </p:spPr>
+          <p:txBody>
+            <a:bodyPr wrap="none" rtlCol="0">
+              <a:spAutoFit/>
+            </a:bodyPr>
+            <a:lstStyle/>
+            <a:p>
+              <a:r>
+                <a:rPr lang="de-DE" sz="2000" b="1" dirty="0"/>
+                <a:t>Firestore</a:t>
+              </a:r>
+            </a:p>
+          </p:txBody>
+        </p:sp>
+        <p:pic>
+          <p:nvPicPr>
+            <p:cNvPr id="45" name="Grafik 44" descr="UI UX">
+              <a:extLst>
+                <a:ext uri="{FF2B5EF4-FFF2-40B4-BE49-F238E27FC236}">
+                  <a16:creationId xmlns:a16="http://schemas.microsoft.com/office/drawing/2014/main" id="{D8951F89-6AB4-974A-91A3-0C89FC5F32E5}"/>
+                </a:ext>
+              </a:extLst>
+            </p:cNvPr>
+            <p:cNvPicPr>
+              <a:picLocks noChangeAspect="1"/>
+            </p:cNvPicPr>
+            <p:nvPr/>
+          </p:nvPicPr>
+          <p:blipFill rotWithShape="1">
+            <a:blip r:embed="rId15">
+              <a:extLst>
+                <a:ext uri="{96DAC541-7B7A-43D3-8B79-37D633B846F1}">
+                  <asvg:svgBlip xmlns:asvg="http://schemas.microsoft.com/office/drawing/2016/SVG/main" r:embed="rId16"/>
+                </a:ext>
+              </a:extLst>
+            </a:blip>
+            <a:srcRect b="25782"/>
+            <a:stretch/>
+          </p:blipFill>
+          <p:spPr>
+            <a:xfrm>
+              <a:off x="2537516" y="340822"/>
+              <a:ext cx="1789136" cy="1327869"/>
+            </a:xfrm>
+            <a:prstGeom prst="rect">
+              <a:avLst/>
+            </a:prstGeom>
+          </p:spPr>
+        </p:pic>
+        <p:pic>
+          <p:nvPicPr>
+            <p:cNvPr id="46" name="Grafik 45" descr="Drahtlos">
+              <a:extLst>
+                <a:ext uri="{FF2B5EF4-FFF2-40B4-BE49-F238E27FC236}">
+                  <a16:creationId xmlns:a16="http://schemas.microsoft.com/office/drawing/2014/main" id="{4550C70E-8018-9B4B-AF3E-5C6EC6787F87}"/>
+                </a:ext>
+              </a:extLst>
+            </p:cNvPr>
+            <p:cNvPicPr>
+              <a:picLocks noChangeAspect="1"/>
+            </p:cNvPicPr>
+            <p:nvPr/>
+          </p:nvPicPr>
+          <p:blipFill>
+            <a:blip r:embed="rId13">
+              <a:extLst>
+                <a:ext uri="{96DAC541-7B7A-43D3-8B79-37D633B846F1}">
+                  <asvg:svgBlip xmlns:asvg="http://schemas.microsoft.com/office/drawing/2016/SVG/main" r:embed="rId14"/>
+                </a:ext>
+              </a:extLst>
+            </a:blip>
+            <a:stretch>
+              <a:fillRect/>
+            </a:stretch>
+          </p:blipFill>
+          <p:spPr>
+            <a:xfrm rot="2662637">
+              <a:off x="5857944" y="1977580"/>
+              <a:ext cx="427275" cy="427275"/>
+            </a:xfrm>
+            <a:prstGeom prst="rect">
+              <a:avLst/>
+            </a:prstGeom>
+          </p:spPr>
+        </p:pic>
+      </p:grpSp>
+      <p:sp>
+        <p:nvSpPr>
+          <p:cNvPr id="6" name="Rechtwinkliges Dreieck 5">
+            <a:extLst>
+              <a:ext uri="{FF2B5EF4-FFF2-40B4-BE49-F238E27FC236}">
+                <a16:creationId xmlns:a16="http://schemas.microsoft.com/office/drawing/2014/main" id="{03A46127-C2F9-CF45-8A0A-168950A7CBF4}"/>
+              </a:ext>
+            </a:extLst>
+          </p:cNvPr>
+          <p:cNvSpPr/>
+          <p:nvPr/>
+        </p:nvSpPr>
+        <p:spPr>
+          <a:xfrm rot="1921020">
+            <a:off x="-1060357" y="3975217"/>
+            <a:ext cx="2583264" cy="2945320"/>
+          </a:xfrm>
+          <a:prstGeom prst="rtTriangle">
+            <a:avLst/>
+          </a:prstGeom>
+          <a:ln>
+            <a:noFill/>
+          </a:ln>
+        </p:spPr>
+        <p:style>
+          <a:lnRef idx="2">
+            <a:schemeClr val="accent1">
+              <a:shade val="50000"/>
+            </a:schemeClr>
+          </a:lnRef>
+          <a:fillRef idx="1">
+            <a:schemeClr val="accent1"/>
+          </a:fillRef>
+          <a:effectRef idx="0">
+            <a:schemeClr val="accent1"/>
+          </a:effectRef>
+          <a:fontRef idx="minor">
+            <a:schemeClr val="lt1"/>
+          </a:fontRef>
+        </p:style>
+        <p:txBody>
+          <a:bodyPr rtlCol="0" anchor="ctr"/>
+          <a:lstStyle/>
+          <a:p>
+            <a:pPr algn="ctr"/>
+            <a:endParaRPr lang="de-DE"/>
+          </a:p>
+        </p:txBody>
+      </p:sp>
     </p:spTree>
     <p:extLst>
       <p:ext uri="{BB962C8B-B14F-4D97-AF65-F5344CB8AC3E}">
@@ -7133,7 +13714,7 @@
 </p:sld>
 </file>
 
-<file path=ppt/slides/slide7.xml><?xml version="1.0" encoding="utf-8"?>
+<file path=ppt/slides/slide9.xml><?xml version="1.0" encoding="utf-8"?>
 <p:sld xmlns:a="http://schemas.openxmlformats.org/drawingml/2006/main" xmlns:r="http://schemas.openxmlformats.org/officeDocument/2006/relationships" xmlns:p="http://schemas.openxmlformats.org/presentationml/2006/main">
   <p:cSld>
     <p:spTree>
@@ -7181,72 +13762,6 @@
           </a:p>
         </p:txBody>
       </p:sp>
-      <p:sp>
-        <p:nvSpPr>
-          <p:cNvPr id="3" name="Inhaltsplatzhalter 2">
-            <a:extLst>
-              <a:ext uri="{FF2B5EF4-FFF2-40B4-BE49-F238E27FC236}">
-                <a16:creationId xmlns:a16="http://schemas.microsoft.com/office/drawing/2014/main" id="{FCDCEEBD-68DF-4924-8A41-91582416FA35}"/>
-              </a:ext>
-            </a:extLst>
-          </p:cNvPr>
-          <p:cNvSpPr>
-            <a:spLocks noGrp="1"/>
-          </p:cNvSpPr>
-          <p:nvPr>
-            <p:ph idx="1"/>
-          </p:nvPr>
-        </p:nvSpPr>
-        <p:spPr/>
-        <p:txBody>
-          <a:bodyPr>
-            <a:normAutofit/>
-          </a:bodyPr>
-          <a:lstStyle/>
-          <a:p>
-            <a:pPr marL="0" indent="0">
-              <a:buNone/>
-            </a:pPr>
-            <a:r>
-              <a:rPr lang="de-DE" dirty="0"/>
-              <a:t>b) Mögliche Probleme</a:t>
-            </a:r>
-          </a:p>
-          <a:p>
-            <a:r>
-              <a:rPr lang="de-DE" dirty="0"/>
-              <a:t>Bewegungserkennung</a:t>
-            </a:r>
-          </a:p>
-          <a:p>
-            <a:pPr lvl="1"/>
-            <a:r>
-              <a:rPr lang="de-DE" dirty="0"/>
-              <a:t>Zählen der richtigen Bewegungen</a:t>
-            </a:r>
-          </a:p>
-          <a:p>
-            <a:pPr lvl="1"/>
-            <a:r>
-              <a:rPr lang="de-DE" dirty="0"/>
-              <a:t>insbesondere falsche Ausführung erkennen</a:t>
-            </a:r>
-          </a:p>
-          <a:p>
-            <a:r>
-              <a:rPr lang="de-DE" dirty="0"/>
-              <a:t>Kompaktes Design des Wearables</a:t>
-            </a:r>
-          </a:p>
-          <a:p>
-            <a:pPr lvl="1"/>
-            <a:r>
-              <a:rPr lang="de-DE" dirty="0"/>
-              <a:t>Könnte größer werden als gedacht/angenehm (Gehäuse)</a:t>
-            </a:r>
-          </a:p>
-        </p:txBody>
-      </p:sp>
       <p:pic>
         <p:nvPicPr>
           <p:cNvPr id="5" name="Grafik 4">
@@ -7262,7 +13777,7 @@
           <p:nvPr/>
         </p:nvPicPr>
         <p:blipFill rotWithShape="1">
-          <a:blip r:embed="rId2" cstate="print">
+          <a:blip r:embed="rId3" cstate="print">
             <a:extLst>
               <a:ext uri="{28A0092B-C50C-407E-A947-70E740481C1C}">
                 <a14:useLocalDpi xmlns:a14="http://schemas.microsoft.com/office/drawing/2010/main" val="0"/>
@@ -7301,7 +13816,7 @@
           <p:nvPr/>
         </p:nvPicPr>
         <p:blipFill rotWithShape="1">
-          <a:blip r:embed="rId3">
+          <a:blip r:embed="rId4">
             <a:extLst>
               <a:ext uri="{28A0092B-C50C-407E-A947-70E740481C1C}">
                 <a14:useLocalDpi xmlns:a14="http://schemas.microsoft.com/office/drawing/2010/main" val="0"/>
@@ -7321,385 +13836,723 @@
           </a:prstGeom>
         </p:spPr>
       </p:pic>
+      <p:grpSp>
+        <p:nvGrpSpPr>
+          <p:cNvPr id="6" name="Gruppieren 5">
+            <a:extLst>
+              <a:ext uri="{FF2B5EF4-FFF2-40B4-BE49-F238E27FC236}">
+                <a16:creationId xmlns:a16="http://schemas.microsoft.com/office/drawing/2014/main" id="{5D4BD2A1-56DD-6E4D-8A2A-A7F0B9A068FA}"/>
+              </a:ext>
+            </a:extLst>
+          </p:cNvPr>
+          <p:cNvGrpSpPr/>
+          <p:nvPr/>
+        </p:nvGrpSpPr>
+        <p:grpSpPr>
+          <a:xfrm>
+            <a:off x="455821" y="1688662"/>
+            <a:ext cx="8818181" cy="4660756"/>
+            <a:chOff x="0" y="306888"/>
+            <a:chExt cx="12192001" cy="6244224"/>
+          </a:xfrm>
+        </p:grpSpPr>
+        <p:pic>
+          <p:nvPicPr>
+            <p:cNvPr id="7" name="Grafik 6" descr="Smartphone">
+              <a:extLst>
+                <a:ext uri="{FF2B5EF4-FFF2-40B4-BE49-F238E27FC236}">
+                  <a16:creationId xmlns:a16="http://schemas.microsoft.com/office/drawing/2014/main" id="{CF40A642-1805-8B40-9844-61EB29381709}"/>
+                </a:ext>
+              </a:extLst>
+            </p:cNvPr>
+            <p:cNvPicPr>
+              <a:picLocks noChangeAspect="1"/>
+            </p:cNvPicPr>
+            <p:nvPr/>
+          </p:nvPicPr>
+          <p:blipFill rotWithShape="1">
+            <a:blip r:embed="rId5">
+              <a:extLst>
+                <a:ext uri="{96DAC541-7B7A-43D3-8B79-37D633B846F1}">
+                  <asvg:svgBlip xmlns:asvg="http://schemas.microsoft.com/office/drawing/2016/SVG/main" r:embed="rId6"/>
+                </a:ext>
+              </a:extLst>
+            </a:blip>
+            <a:srcRect t="4152" r="19668" b="4060"/>
+            <a:stretch/>
+          </p:blipFill>
+          <p:spPr>
+            <a:xfrm>
+              <a:off x="6732615" y="313151"/>
+              <a:ext cx="5459386" cy="6237961"/>
+            </a:xfrm>
+            <a:prstGeom prst="rect">
+              <a:avLst/>
+            </a:prstGeom>
+          </p:spPr>
+        </p:pic>
+        <p:pic>
+          <p:nvPicPr>
+            <p:cNvPr id="8" name="Grafik 7" descr="Smartphone">
+              <a:extLst>
+                <a:ext uri="{FF2B5EF4-FFF2-40B4-BE49-F238E27FC236}">
+                  <a16:creationId xmlns:a16="http://schemas.microsoft.com/office/drawing/2014/main" id="{02979F11-0FDE-0B44-9A43-B2F333FE238A}"/>
+                </a:ext>
+              </a:extLst>
+            </p:cNvPr>
+            <p:cNvPicPr>
+              <a:picLocks noChangeAspect="1"/>
+            </p:cNvPicPr>
+            <p:nvPr/>
+          </p:nvPicPr>
+          <p:blipFill rotWithShape="1">
+            <a:blip r:embed="rId5">
+              <a:extLst>
+                <a:ext uri="{96DAC541-7B7A-43D3-8B79-37D633B846F1}">
+                  <asvg:svgBlip xmlns:asvg="http://schemas.microsoft.com/office/drawing/2016/SVG/main" r:embed="rId6"/>
+                </a:ext>
+              </a:extLst>
+            </a:blip>
+            <a:srcRect t="4060" b="4152"/>
+            <a:stretch/>
+          </p:blipFill>
+          <p:spPr>
+            <a:xfrm>
+              <a:off x="2697957" y="306888"/>
+              <a:ext cx="6796085" cy="6237961"/>
+            </a:xfrm>
+            <a:prstGeom prst="rect">
+              <a:avLst/>
+            </a:prstGeom>
+          </p:spPr>
+        </p:pic>
+        <p:pic>
+          <p:nvPicPr>
+            <p:cNvPr id="9" name="Grafik 8" descr="Smartphone">
+              <a:extLst>
+                <a:ext uri="{FF2B5EF4-FFF2-40B4-BE49-F238E27FC236}">
+                  <a16:creationId xmlns:a16="http://schemas.microsoft.com/office/drawing/2014/main" id="{69990857-5937-8C46-9611-E306A64535EA}"/>
+                </a:ext>
+              </a:extLst>
+            </p:cNvPr>
+            <p:cNvPicPr>
+              <a:picLocks noChangeAspect="1"/>
+            </p:cNvPicPr>
+            <p:nvPr/>
+          </p:nvPicPr>
+          <p:blipFill rotWithShape="1">
+            <a:blip r:embed="rId5">
+              <a:extLst>
+                <a:ext uri="{96DAC541-7B7A-43D3-8B79-37D633B846F1}">
+                  <asvg:svgBlip xmlns:asvg="http://schemas.microsoft.com/office/drawing/2016/SVG/main" r:embed="rId6"/>
+                </a:ext>
+              </a:extLst>
+            </a:blip>
+            <a:srcRect l="19622" t="4607" b="3605"/>
+            <a:stretch/>
+          </p:blipFill>
+          <p:spPr>
+            <a:xfrm>
+              <a:off x="0" y="313151"/>
+              <a:ext cx="5462589" cy="6237961"/>
+            </a:xfrm>
+            <a:prstGeom prst="rect">
+              <a:avLst/>
+            </a:prstGeom>
+          </p:spPr>
+        </p:pic>
+        <p:grpSp>
+          <p:nvGrpSpPr>
+            <p:cNvPr id="10" name="Gruppieren 9">
+              <a:extLst>
+                <a:ext uri="{FF2B5EF4-FFF2-40B4-BE49-F238E27FC236}">
+                  <a16:creationId xmlns:a16="http://schemas.microsoft.com/office/drawing/2014/main" id="{E3BA2661-9732-5E41-844C-87F3AA3425CB}"/>
+                </a:ext>
+              </a:extLst>
+            </p:cNvPr>
+            <p:cNvGrpSpPr/>
+            <p:nvPr/>
+          </p:nvGrpSpPr>
+          <p:grpSpPr>
+            <a:xfrm>
+              <a:off x="882443" y="2306206"/>
+              <a:ext cx="2364206" cy="2139272"/>
+              <a:chOff x="1119973" y="1429332"/>
+              <a:chExt cx="2940802" cy="3024858"/>
+            </a:xfrm>
+          </p:grpSpPr>
+          <p:sp>
+            <p:nvSpPr>
+              <p:cNvPr id="18" name="Abgerundetes Rechteck 17">
+                <a:extLst>
+                  <a:ext uri="{FF2B5EF4-FFF2-40B4-BE49-F238E27FC236}">
+                    <a16:creationId xmlns:a16="http://schemas.microsoft.com/office/drawing/2014/main" id="{E101281D-EBD7-7746-8AF3-9446A195CB3A}"/>
+                  </a:ext>
+                </a:extLst>
+              </p:cNvPr>
+              <p:cNvSpPr/>
+              <p:nvPr/>
+            </p:nvSpPr>
+            <p:spPr>
+              <a:xfrm>
+                <a:off x="1119973" y="1429332"/>
+                <a:ext cx="1381931" cy="1464391"/>
+              </a:xfrm>
+              <a:prstGeom prst="roundRect">
+                <a:avLst/>
+              </a:prstGeom>
+              <a:noFill/>
+              <a:ln w="76200">
+                <a:solidFill>
+                  <a:schemeClr val="tx1"/>
+                </a:solidFill>
+              </a:ln>
+            </p:spPr>
+            <p:style>
+              <a:lnRef idx="2">
+                <a:schemeClr val="accent6"/>
+              </a:lnRef>
+              <a:fillRef idx="1">
+                <a:schemeClr val="lt1"/>
+              </a:fillRef>
+              <a:effectRef idx="0">
+                <a:schemeClr val="accent6"/>
+              </a:effectRef>
+              <a:fontRef idx="minor">
+                <a:schemeClr val="dk1"/>
+              </a:fontRef>
+            </p:style>
+            <p:txBody>
+              <a:bodyPr rtlCol="0" anchor="ctr"/>
+              <a:lstStyle/>
+              <a:p>
+                <a:endParaRPr lang="de-DE"/>
+              </a:p>
+            </p:txBody>
+          </p:sp>
+          <p:sp>
+            <p:nvSpPr>
+              <p:cNvPr id="19" name="Abgerundetes Rechteck 18">
+                <a:extLst>
+                  <a:ext uri="{FF2B5EF4-FFF2-40B4-BE49-F238E27FC236}">
+                    <a16:creationId xmlns:a16="http://schemas.microsoft.com/office/drawing/2014/main" id="{8D08869D-676E-E448-BB29-41720F15C9A1}"/>
+                  </a:ext>
+                </a:extLst>
+              </p:cNvPr>
+              <p:cNvSpPr/>
+              <p:nvPr/>
+            </p:nvSpPr>
+            <p:spPr>
+              <a:xfrm>
+                <a:off x="2678844" y="1429332"/>
+                <a:ext cx="1381931" cy="1464391"/>
+              </a:xfrm>
+              <a:prstGeom prst="roundRect">
+                <a:avLst/>
+              </a:prstGeom>
+              <a:noFill/>
+              <a:ln w="76200">
+                <a:solidFill>
+                  <a:schemeClr val="tx1"/>
+                </a:solidFill>
+              </a:ln>
+            </p:spPr>
+            <p:style>
+              <a:lnRef idx="2">
+                <a:schemeClr val="accent6"/>
+              </a:lnRef>
+              <a:fillRef idx="1">
+                <a:schemeClr val="lt1"/>
+              </a:fillRef>
+              <a:effectRef idx="0">
+                <a:schemeClr val="accent6"/>
+              </a:effectRef>
+              <a:fontRef idx="minor">
+                <a:schemeClr val="dk1"/>
+              </a:fontRef>
+            </p:style>
+            <p:txBody>
+              <a:bodyPr rtlCol="0" anchor="ctr"/>
+              <a:lstStyle/>
+              <a:p>
+                <a:endParaRPr lang="de-DE"/>
+              </a:p>
+            </p:txBody>
+          </p:sp>
+          <p:sp>
+            <p:nvSpPr>
+              <p:cNvPr id="20" name="Abgerundetes Rechteck 19">
+                <a:extLst>
+                  <a:ext uri="{FF2B5EF4-FFF2-40B4-BE49-F238E27FC236}">
+                    <a16:creationId xmlns:a16="http://schemas.microsoft.com/office/drawing/2014/main" id="{F385159A-9674-854B-9CFF-2CE05AFAAB6D}"/>
+                  </a:ext>
+                </a:extLst>
+              </p:cNvPr>
+              <p:cNvSpPr/>
+              <p:nvPr/>
+            </p:nvSpPr>
+            <p:spPr>
+              <a:xfrm>
+                <a:off x="1119973" y="3052577"/>
+                <a:ext cx="1381931" cy="1401613"/>
+              </a:xfrm>
+              <a:prstGeom prst="roundRect">
+                <a:avLst/>
+              </a:prstGeom>
+              <a:noFill/>
+              <a:ln w="76200">
+                <a:solidFill>
+                  <a:schemeClr val="tx1"/>
+                </a:solidFill>
+              </a:ln>
+            </p:spPr>
+            <p:style>
+              <a:lnRef idx="2">
+                <a:schemeClr val="accent6"/>
+              </a:lnRef>
+              <a:fillRef idx="1">
+                <a:schemeClr val="lt1"/>
+              </a:fillRef>
+              <a:effectRef idx="0">
+                <a:schemeClr val="accent6"/>
+              </a:effectRef>
+              <a:fontRef idx="minor">
+                <a:schemeClr val="dk1"/>
+              </a:fontRef>
+            </p:style>
+            <p:txBody>
+              <a:bodyPr rtlCol="0" anchor="ctr"/>
+              <a:lstStyle/>
+              <a:p>
+                <a:endParaRPr lang="de-DE"/>
+              </a:p>
+            </p:txBody>
+          </p:sp>
+          <p:sp>
+            <p:nvSpPr>
+              <p:cNvPr id="21" name="Abgerundetes Rechteck 20">
+                <a:extLst>
+                  <a:ext uri="{FF2B5EF4-FFF2-40B4-BE49-F238E27FC236}">
+                    <a16:creationId xmlns:a16="http://schemas.microsoft.com/office/drawing/2014/main" id="{2759EA4E-4F89-E844-A111-8E4A78C5D56C}"/>
+                  </a:ext>
+                </a:extLst>
+              </p:cNvPr>
+              <p:cNvSpPr/>
+              <p:nvPr/>
+            </p:nvSpPr>
+            <p:spPr>
+              <a:xfrm>
+                <a:off x="2678844" y="3052577"/>
+                <a:ext cx="1381931" cy="1401613"/>
+              </a:xfrm>
+              <a:prstGeom prst="roundRect">
+                <a:avLst/>
+              </a:prstGeom>
+              <a:noFill/>
+              <a:ln w="76200">
+                <a:solidFill>
+                  <a:schemeClr val="tx1"/>
+                </a:solidFill>
+              </a:ln>
+            </p:spPr>
+            <p:style>
+              <a:lnRef idx="2">
+                <a:schemeClr val="accent6"/>
+              </a:lnRef>
+              <a:fillRef idx="1">
+                <a:schemeClr val="lt1"/>
+              </a:fillRef>
+              <a:effectRef idx="0">
+                <a:schemeClr val="accent6"/>
+              </a:effectRef>
+              <a:fontRef idx="minor">
+                <a:schemeClr val="dk1"/>
+              </a:fontRef>
+            </p:style>
+            <p:txBody>
+              <a:bodyPr rtlCol="0" anchor="ctr"/>
+              <a:lstStyle/>
+              <a:p>
+                <a:endParaRPr lang="de-DE" dirty="0"/>
+              </a:p>
+            </p:txBody>
+          </p:sp>
+          <p:pic>
+            <p:nvPicPr>
+              <p:cNvPr id="22" name="Grafik 21" descr="Muskulöser Arm">
+                <a:extLst>
+                  <a:ext uri="{FF2B5EF4-FFF2-40B4-BE49-F238E27FC236}">
+                    <a16:creationId xmlns:a16="http://schemas.microsoft.com/office/drawing/2014/main" id="{37481845-8549-624B-B525-705CC8380AB1}"/>
+                  </a:ext>
+                </a:extLst>
+              </p:cNvPr>
+              <p:cNvPicPr>
+                <a:picLocks noChangeAspect="1"/>
+              </p:cNvPicPr>
+              <p:nvPr/>
+            </p:nvPicPr>
+            <p:blipFill>
+              <a:blip r:embed="rId7">
+                <a:extLst>
+                  <a:ext uri="{96DAC541-7B7A-43D3-8B79-37D633B846F1}">
+                    <asvg:svgBlip xmlns:asvg="http://schemas.microsoft.com/office/drawing/2016/SVG/main" r:embed="rId8"/>
+                  </a:ext>
+                </a:extLst>
+              </a:blip>
+              <a:stretch>
+                <a:fillRect/>
+              </a:stretch>
+            </p:blipFill>
+            <p:spPr>
+              <a:xfrm>
+                <a:off x="2916509" y="1758667"/>
+                <a:ext cx="914400" cy="914400"/>
+              </a:xfrm>
+              <a:prstGeom prst="rect">
+                <a:avLst/>
+              </a:prstGeom>
+            </p:spPr>
+          </p:pic>
+          <p:pic>
+            <p:nvPicPr>
+              <p:cNvPr id="23" name="Grafik 22" descr="Bodybuilder">
+                <a:extLst>
+                  <a:ext uri="{FF2B5EF4-FFF2-40B4-BE49-F238E27FC236}">
+                    <a16:creationId xmlns:a16="http://schemas.microsoft.com/office/drawing/2014/main" id="{92816990-15E4-5C40-85BE-E22CB4DC39F0}"/>
+                  </a:ext>
+                </a:extLst>
+              </p:cNvPr>
+              <p:cNvPicPr>
+                <a:picLocks noChangeAspect="1"/>
+              </p:cNvPicPr>
+              <p:nvPr/>
+            </p:nvPicPr>
+            <p:blipFill>
+              <a:blip r:embed="rId9">
+                <a:extLst>
+                  <a:ext uri="{96DAC541-7B7A-43D3-8B79-37D633B846F1}">
+                    <asvg:svgBlip xmlns:asvg="http://schemas.microsoft.com/office/drawing/2016/SVG/main" r:embed="rId10"/>
+                  </a:ext>
+                </a:extLst>
+              </a:blip>
+              <a:stretch>
+                <a:fillRect/>
+              </a:stretch>
+            </p:blipFill>
+            <p:spPr>
+              <a:xfrm>
+                <a:off x="1353738" y="1785592"/>
+                <a:ext cx="914400" cy="914400"/>
+              </a:xfrm>
+              <a:prstGeom prst="rect">
+                <a:avLst/>
+              </a:prstGeom>
+            </p:spPr>
+          </p:pic>
+          <p:pic>
+            <p:nvPicPr>
+              <p:cNvPr id="24" name="Grafik 23" descr="Hürde">
+                <a:extLst>
+                  <a:ext uri="{FF2B5EF4-FFF2-40B4-BE49-F238E27FC236}">
+                    <a16:creationId xmlns:a16="http://schemas.microsoft.com/office/drawing/2014/main" id="{3000C8CF-A8A5-3B4B-97C6-06EE421C8227}"/>
+                  </a:ext>
+                </a:extLst>
+              </p:cNvPr>
+              <p:cNvPicPr>
+                <a:picLocks noChangeAspect="1"/>
+              </p:cNvPicPr>
+              <p:nvPr/>
+            </p:nvPicPr>
+            <p:blipFill>
+              <a:blip r:embed="rId11">
+                <a:extLst>
+                  <a:ext uri="{96DAC541-7B7A-43D3-8B79-37D633B846F1}">
+                    <asvg:svgBlip xmlns:asvg="http://schemas.microsoft.com/office/drawing/2016/SVG/main" r:embed="rId12"/>
+                  </a:ext>
+                </a:extLst>
+              </a:blip>
+              <a:stretch>
+                <a:fillRect/>
+              </a:stretch>
+            </p:blipFill>
+            <p:spPr>
+              <a:xfrm>
+                <a:off x="1353738" y="3226937"/>
+                <a:ext cx="914400" cy="914400"/>
+              </a:xfrm>
+              <a:prstGeom prst="rect">
+                <a:avLst/>
+              </a:prstGeom>
+            </p:spPr>
+          </p:pic>
+          <p:pic>
+            <p:nvPicPr>
+              <p:cNvPr id="25" name="Grafik 24" descr="Elliptisch">
+                <a:extLst>
+                  <a:ext uri="{FF2B5EF4-FFF2-40B4-BE49-F238E27FC236}">
+                    <a16:creationId xmlns:a16="http://schemas.microsoft.com/office/drawing/2014/main" id="{30DC96F1-E14A-594E-B289-FE6053B4C256}"/>
+                  </a:ext>
+                </a:extLst>
+              </p:cNvPr>
+              <p:cNvPicPr>
+                <a:picLocks noChangeAspect="1"/>
+              </p:cNvPicPr>
+              <p:nvPr/>
+            </p:nvPicPr>
+            <p:blipFill>
+              <a:blip r:embed="rId13">
+                <a:extLst>
+                  <a:ext uri="{96DAC541-7B7A-43D3-8B79-37D633B846F1}">
+                    <asvg:svgBlip xmlns:asvg="http://schemas.microsoft.com/office/drawing/2016/SVG/main" r:embed="rId14"/>
+                  </a:ext>
+                </a:extLst>
+              </a:blip>
+              <a:stretch>
+                <a:fillRect/>
+              </a:stretch>
+            </p:blipFill>
+            <p:spPr>
+              <a:xfrm>
+                <a:off x="2830726" y="3214535"/>
+                <a:ext cx="914400" cy="914400"/>
+              </a:xfrm>
+              <a:prstGeom prst="rect">
+                <a:avLst/>
+              </a:prstGeom>
+            </p:spPr>
+          </p:pic>
+        </p:grpSp>
+        <p:grpSp>
+          <p:nvGrpSpPr>
+            <p:cNvPr id="12" name="Gruppieren 11">
+              <a:extLst>
+                <a:ext uri="{FF2B5EF4-FFF2-40B4-BE49-F238E27FC236}">
+                  <a16:creationId xmlns:a16="http://schemas.microsoft.com/office/drawing/2014/main" id="{43D67448-20CE-5840-AC4E-D1766D4116DC}"/>
+                </a:ext>
+              </a:extLst>
+            </p:cNvPr>
+            <p:cNvGrpSpPr/>
+            <p:nvPr/>
+          </p:nvGrpSpPr>
+          <p:grpSpPr>
+            <a:xfrm>
+              <a:off x="4901652" y="2306525"/>
+              <a:ext cx="2376450" cy="2287932"/>
+              <a:chOff x="4711486" y="1296043"/>
+              <a:chExt cx="2933938" cy="3371626"/>
+            </a:xfrm>
+          </p:grpSpPr>
+          <p:sp>
+            <p:nvSpPr>
+              <p:cNvPr id="16" name="Abgerundetes Rechteck 15">
+                <a:extLst>
+                  <a:ext uri="{FF2B5EF4-FFF2-40B4-BE49-F238E27FC236}">
+                    <a16:creationId xmlns:a16="http://schemas.microsoft.com/office/drawing/2014/main" id="{3ADCE7F0-4FFC-1348-901E-8F4359A868A0}"/>
+                  </a:ext>
+                </a:extLst>
+              </p:cNvPr>
+              <p:cNvSpPr/>
+              <p:nvPr/>
+            </p:nvSpPr>
+            <p:spPr>
+              <a:xfrm>
+                <a:off x="4711486" y="1296043"/>
+                <a:ext cx="2933938" cy="3248833"/>
+              </a:xfrm>
+              <a:prstGeom prst="roundRect">
+                <a:avLst/>
+              </a:prstGeom>
+              <a:noFill/>
+              <a:ln w="76200">
+                <a:solidFill>
+                  <a:schemeClr val="tx1"/>
+                </a:solidFill>
+              </a:ln>
+            </p:spPr>
+            <p:style>
+              <a:lnRef idx="2">
+                <a:schemeClr val="accent6"/>
+              </a:lnRef>
+              <a:fillRef idx="1">
+                <a:schemeClr val="lt1"/>
+              </a:fillRef>
+              <a:effectRef idx="0">
+                <a:schemeClr val="accent6"/>
+              </a:effectRef>
+              <a:fontRef idx="minor">
+                <a:schemeClr val="dk1"/>
+              </a:fontRef>
+            </p:style>
+            <p:txBody>
+              <a:bodyPr rtlCol="0" anchor="ctr"/>
+              <a:lstStyle/>
+              <a:p>
+                <a:endParaRPr lang="de-DE"/>
+              </a:p>
+            </p:txBody>
+          </p:sp>
+          <p:pic>
+            <p:nvPicPr>
+              <p:cNvPr id="17" name="Grafik 16" descr="Änderungen &amp; Schneider">
+                <a:extLst>
+                  <a:ext uri="{FF2B5EF4-FFF2-40B4-BE49-F238E27FC236}">
+                    <a16:creationId xmlns:a16="http://schemas.microsoft.com/office/drawing/2014/main" id="{8BA2BE37-FDC6-0E44-9E97-14BE56340635}"/>
+                  </a:ext>
+                </a:extLst>
+              </p:cNvPr>
+              <p:cNvPicPr>
+                <a:picLocks noChangeAspect="1"/>
+              </p:cNvPicPr>
+              <p:nvPr/>
+            </p:nvPicPr>
+            <p:blipFill>
+              <a:blip r:embed="rId15">
+                <a:extLst>
+                  <a:ext uri="{96DAC541-7B7A-43D3-8B79-37D633B846F1}">
+                    <asvg:svgBlip xmlns:asvg="http://schemas.microsoft.com/office/drawing/2016/SVG/main" r:embed="rId16"/>
+                  </a:ext>
+                </a:extLst>
+              </a:blip>
+              <a:stretch>
+                <a:fillRect/>
+              </a:stretch>
+            </p:blipFill>
+            <p:spPr>
+              <a:xfrm>
+                <a:off x="5160161" y="2631081"/>
+                <a:ext cx="2036588" cy="2036588"/>
+              </a:xfrm>
+              <a:prstGeom prst="rect">
+                <a:avLst/>
+              </a:prstGeom>
+            </p:spPr>
+          </p:pic>
+        </p:grpSp>
+        <p:sp>
+          <p:nvSpPr>
+            <p:cNvPr id="13" name="Abgerundetes Rechteck 12">
+              <a:extLst>
+                <a:ext uri="{FF2B5EF4-FFF2-40B4-BE49-F238E27FC236}">
+                  <a16:creationId xmlns:a16="http://schemas.microsoft.com/office/drawing/2014/main" id="{0CC6499E-85D5-C44F-9E16-BD5B9097FCD7}"/>
+                </a:ext>
+              </a:extLst>
+            </p:cNvPr>
+            <p:cNvSpPr/>
+            <p:nvPr/>
+          </p:nvSpPr>
+          <p:spPr>
+            <a:xfrm>
+              <a:off x="8954503" y="2306524"/>
+              <a:ext cx="2376450" cy="2204607"/>
+            </a:xfrm>
+            <a:prstGeom prst="roundRect">
+              <a:avLst/>
+            </a:prstGeom>
+            <a:noFill/>
+            <a:ln w="76200">
+              <a:solidFill>
+                <a:schemeClr val="tx1"/>
+              </a:solidFill>
+            </a:ln>
+          </p:spPr>
+          <p:style>
+            <a:lnRef idx="2">
+              <a:schemeClr val="accent6"/>
+            </a:lnRef>
+            <a:fillRef idx="1">
+              <a:schemeClr val="lt1"/>
+            </a:fillRef>
+            <a:effectRef idx="0">
+              <a:schemeClr val="accent6"/>
+            </a:effectRef>
+            <a:fontRef idx="minor">
+              <a:schemeClr val="dk1"/>
+            </a:fontRef>
+          </p:style>
+          <p:txBody>
+            <a:bodyPr rtlCol="0" anchor="ctr"/>
+            <a:lstStyle/>
+            <a:p>
+              <a:endParaRPr lang="de-DE"/>
+            </a:p>
+          </p:txBody>
+        </p:sp>
+        <p:pic>
+          <p:nvPicPr>
+            <p:cNvPr id="14" name="Grafik 13" descr="Balkendiagramm">
+              <a:extLst>
+                <a:ext uri="{FF2B5EF4-FFF2-40B4-BE49-F238E27FC236}">
+                  <a16:creationId xmlns:a16="http://schemas.microsoft.com/office/drawing/2014/main" id="{888274BA-26D4-F449-9E91-7B0BF3260EF9}"/>
+                </a:ext>
+              </a:extLst>
+            </p:cNvPr>
+            <p:cNvPicPr>
+              <a:picLocks noChangeAspect="1"/>
+            </p:cNvPicPr>
+            <p:nvPr/>
+          </p:nvPicPr>
+          <p:blipFill>
+            <a:blip r:embed="rId17">
+              <a:extLst>
+                <a:ext uri="{96DAC541-7B7A-43D3-8B79-37D633B846F1}">
+                  <asvg:svgBlip xmlns:asvg="http://schemas.microsoft.com/office/drawing/2016/SVG/main" r:embed="rId18"/>
+                </a:ext>
+              </a:extLst>
+            </a:blip>
+            <a:stretch>
+              <a:fillRect/>
+            </a:stretch>
+          </p:blipFill>
+          <p:spPr>
+            <a:xfrm>
+              <a:off x="8894497" y="2195226"/>
+              <a:ext cx="2517976" cy="2517976"/>
+            </a:xfrm>
+            <a:prstGeom prst="rect">
+              <a:avLst/>
+            </a:prstGeom>
+          </p:spPr>
+        </p:pic>
+        <p:sp>
+          <p:nvSpPr>
+            <p:cNvPr id="15" name="Textfeld 14">
+              <a:extLst>
+                <a:ext uri="{FF2B5EF4-FFF2-40B4-BE49-F238E27FC236}">
+                  <a16:creationId xmlns:a16="http://schemas.microsoft.com/office/drawing/2014/main" id="{FD8337D0-6287-5940-887A-D2B9F12221AA}"/>
+                </a:ext>
+              </a:extLst>
+            </p:cNvPr>
+            <p:cNvSpPr txBox="1"/>
+            <p:nvPr/>
+          </p:nvSpPr>
+          <p:spPr>
+            <a:xfrm>
+              <a:off x="5373976" y="2547679"/>
+              <a:ext cx="1431802" cy="861774"/>
+            </a:xfrm>
+            <a:prstGeom prst="rect">
+              <a:avLst/>
+            </a:prstGeom>
+            <a:noFill/>
+          </p:spPr>
+          <p:txBody>
+            <a:bodyPr wrap="none" rtlCol="0">
+              <a:spAutoFit/>
+            </a:bodyPr>
+            <a:lstStyle/>
+            <a:p>
+              <a:r>
+                <a:rPr lang="de-DE" sz="5000" b="1" dirty="0"/>
+                <a:t>1RM</a:t>
+              </a:r>
+            </a:p>
+          </p:txBody>
+        </p:sp>
+      </p:grpSp>
     </p:spTree>
     <p:extLst>
       <p:ext uri="{BB962C8B-B14F-4D97-AF65-F5344CB8AC3E}">
-        <p14:creationId xmlns:p14="http://schemas.microsoft.com/office/powerpoint/2010/main" val="2918873836"/>
-      </p:ext>
-    </p:extLst>
-  </p:cSld>
-  <p:clrMapOvr>
-    <a:masterClrMapping/>
-  </p:clrMapOvr>
-</p:sld>
-</file>
-
-<file path=ppt/slides/slide8.xml><?xml version="1.0" encoding="utf-8"?>
-<p:sld xmlns:a="http://schemas.openxmlformats.org/drawingml/2006/main" xmlns:r="http://schemas.openxmlformats.org/officeDocument/2006/relationships" xmlns:p="http://schemas.openxmlformats.org/presentationml/2006/main">
-  <p:cSld>
-    <p:spTree>
-      <p:nvGrpSpPr>
-        <p:cNvPr id="1" name=""/>
-        <p:cNvGrpSpPr/>
-        <p:nvPr/>
-      </p:nvGrpSpPr>
-      <p:grpSpPr>
-        <a:xfrm>
-          <a:off x="0" y="0"/>
-          <a:ext cx="0" cy="0"/>
-          <a:chOff x="0" y="0"/>
-          <a:chExt cx="0" cy="0"/>
-        </a:xfrm>
-      </p:grpSpPr>
-      <p:sp>
-        <p:nvSpPr>
-          <p:cNvPr id="2" name="Titel 1">
-            <a:extLst>
-              <a:ext uri="{FF2B5EF4-FFF2-40B4-BE49-F238E27FC236}">
-                <a16:creationId xmlns:a16="http://schemas.microsoft.com/office/drawing/2014/main" id="{0F09C5DB-EA82-4F84-A170-C8D7412D4EE0}"/>
-              </a:ext>
-            </a:extLst>
-          </p:cNvPr>
-          <p:cNvSpPr>
-            <a:spLocks noGrp="1"/>
-          </p:cNvSpPr>
-          <p:nvPr>
-            <p:ph type="title"/>
-          </p:nvPr>
-        </p:nvSpPr>
-        <p:spPr/>
-        <p:txBody>
-          <a:bodyPr/>
-          <a:lstStyle/>
-          <a:p>
-            <a:pPr algn="ctr"/>
-            <a:r>
-              <a:rPr lang="de-DE" dirty="0"/>
-              <a:t>Lastenheft</a:t>
-            </a:r>
-          </a:p>
-        </p:txBody>
-      </p:sp>
-      <p:sp>
-        <p:nvSpPr>
-          <p:cNvPr id="3" name="Inhaltsplatzhalter 2">
-            <a:extLst>
-              <a:ext uri="{FF2B5EF4-FFF2-40B4-BE49-F238E27FC236}">
-                <a16:creationId xmlns:a16="http://schemas.microsoft.com/office/drawing/2014/main" id="{FCDCEEBD-68DF-4924-8A41-91582416FA35}"/>
-              </a:ext>
-            </a:extLst>
-          </p:cNvPr>
-          <p:cNvSpPr>
-            <a:spLocks noGrp="1"/>
-          </p:cNvSpPr>
-          <p:nvPr>
-            <p:ph idx="1"/>
-          </p:nvPr>
-        </p:nvSpPr>
-        <p:spPr/>
-        <p:txBody>
-          <a:bodyPr/>
-          <a:lstStyle/>
-          <a:p>
-            <a:pPr marL="0" indent="0">
-              <a:buNone/>
-            </a:pPr>
-            <a:endParaRPr lang="de-DE" dirty="0"/>
-          </a:p>
-        </p:txBody>
-      </p:sp>
-      <p:pic>
-        <p:nvPicPr>
-          <p:cNvPr id="5" name="Grafik 4">
-            <a:extLst>
-              <a:ext uri="{FF2B5EF4-FFF2-40B4-BE49-F238E27FC236}">
-                <a16:creationId xmlns:a16="http://schemas.microsoft.com/office/drawing/2014/main" id="{7D260344-23DD-4348-A2A1-C8A2EF22687F}"/>
-              </a:ext>
-            </a:extLst>
-          </p:cNvPr>
-          <p:cNvPicPr>
-            <a:picLocks noChangeAspect="1"/>
-          </p:cNvPicPr>
-          <p:nvPr/>
-        </p:nvPicPr>
-        <p:blipFill rotWithShape="1">
-          <a:blip r:embed="rId2" cstate="print">
-            <a:extLst>
-              <a:ext uri="{28A0092B-C50C-407E-A947-70E740481C1C}">
-                <a14:useLocalDpi xmlns:a14="http://schemas.microsoft.com/office/drawing/2010/main" val="0"/>
-              </a:ext>
-            </a:extLst>
-          </a:blip>
-          <a:srcRect l="11774" t="14019" r="12142" b="11639"/>
-          <a:stretch/>
-        </p:blipFill>
-        <p:spPr bwMode="auto">
-          <a:xfrm>
-            <a:off x="10401302" y="104775"/>
-            <a:ext cx="1678020" cy="1440000"/>
-          </a:xfrm>
-          <a:prstGeom prst="rect">
-            <a:avLst/>
-          </a:prstGeom>
-          <a:noFill/>
-          <a:ln>
-            <a:noFill/>
-          </a:ln>
-        </p:spPr>
-      </p:pic>
-      <p:pic>
-        <p:nvPicPr>
-          <p:cNvPr id="11" name="Grafik 10">
-            <a:extLst>
-              <a:ext uri="{FF2B5EF4-FFF2-40B4-BE49-F238E27FC236}">
-                <a16:creationId xmlns:a16="http://schemas.microsoft.com/office/drawing/2014/main" id="{BDE6FB44-65FD-4E2B-BE99-975EFC3E58BC}"/>
-              </a:ext>
-            </a:extLst>
-          </p:cNvPr>
-          <p:cNvPicPr>
-            <a:picLocks noChangeAspect="1"/>
-          </p:cNvPicPr>
-          <p:nvPr/>
-        </p:nvPicPr>
-        <p:blipFill rotWithShape="1">
-          <a:blip r:embed="rId3">
-            <a:extLst>
-              <a:ext uri="{28A0092B-C50C-407E-A947-70E740481C1C}">
-                <a14:useLocalDpi xmlns:a14="http://schemas.microsoft.com/office/drawing/2010/main" val="0"/>
-              </a:ext>
-            </a:extLst>
-          </a:blip>
-          <a:srcRect l="6667" t="9360" r="47917" b="29306"/>
-          <a:stretch/>
-        </p:blipFill>
-        <p:spPr>
-          <a:xfrm>
-            <a:off x="112678" y="104775"/>
-            <a:ext cx="1421712" cy="1440000"/>
-          </a:xfrm>
-          <a:prstGeom prst="rect">
-            <a:avLst/>
-          </a:prstGeom>
-        </p:spPr>
-      </p:pic>
-    </p:spTree>
-    <p:extLst>
-      <p:ext uri="{BB962C8B-B14F-4D97-AF65-F5344CB8AC3E}">
-        <p14:creationId xmlns:p14="http://schemas.microsoft.com/office/powerpoint/2010/main" val="2217748098"/>
-      </p:ext>
-    </p:extLst>
-  </p:cSld>
-  <p:clrMapOvr>
-    <a:masterClrMapping/>
-  </p:clrMapOvr>
-</p:sld>
-</file>
-
-<file path=ppt/slides/slide9.xml><?xml version="1.0" encoding="utf-8"?>
-<p:sld xmlns:a="http://schemas.openxmlformats.org/drawingml/2006/main" xmlns:r="http://schemas.openxmlformats.org/officeDocument/2006/relationships" xmlns:p="http://schemas.openxmlformats.org/presentationml/2006/main">
-  <p:cSld>
-    <p:spTree>
-      <p:nvGrpSpPr>
-        <p:cNvPr id="1" name=""/>
-        <p:cNvGrpSpPr/>
-        <p:nvPr/>
-      </p:nvGrpSpPr>
-      <p:grpSpPr>
-        <a:xfrm>
-          <a:off x="0" y="0"/>
-          <a:ext cx="0" cy="0"/>
-          <a:chOff x="0" y="0"/>
-          <a:chExt cx="0" cy="0"/>
-        </a:xfrm>
-      </p:grpSpPr>
-      <p:sp>
-        <p:nvSpPr>
-          <p:cNvPr id="2" name="Titel 1">
-            <a:extLst>
-              <a:ext uri="{FF2B5EF4-FFF2-40B4-BE49-F238E27FC236}">
-                <a16:creationId xmlns:a16="http://schemas.microsoft.com/office/drawing/2014/main" id="{0F09C5DB-EA82-4F84-A170-C8D7412D4EE0}"/>
-              </a:ext>
-            </a:extLst>
-          </p:cNvPr>
-          <p:cNvSpPr>
-            <a:spLocks noGrp="1"/>
-          </p:cNvSpPr>
-          <p:nvPr>
-            <p:ph type="title"/>
-          </p:nvPr>
-        </p:nvSpPr>
-        <p:spPr/>
-        <p:txBody>
-          <a:bodyPr/>
-          <a:lstStyle/>
-          <a:p>
-            <a:pPr algn="ctr"/>
-            <a:r>
-              <a:rPr lang="de-DE" dirty="0"/>
-              <a:t>Fazit</a:t>
-            </a:r>
-          </a:p>
-        </p:txBody>
-      </p:sp>
-      <p:sp>
-        <p:nvSpPr>
-          <p:cNvPr id="3" name="Inhaltsplatzhalter 2">
-            <a:extLst>
-              <a:ext uri="{FF2B5EF4-FFF2-40B4-BE49-F238E27FC236}">
-                <a16:creationId xmlns:a16="http://schemas.microsoft.com/office/drawing/2014/main" id="{FCDCEEBD-68DF-4924-8A41-91582416FA35}"/>
-              </a:ext>
-            </a:extLst>
-          </p:cNvPr>
-          <p:cNvSpPr>
-            <a:spLocks noGrp="1"/>
-          </p:cNvSpPr>
-          <p:nvPr>
-            <p:ph idx="1"/>
-          </p:nvPr>
-        </p:nvSpPr>
-        <p:spPr/>
-        <p:txBody>
-          <a:bodyPr>
-            <a:normAutofit/>
-          </a:bodyPr>
-          <a:lstStyle/>
-          <a:p>
-            <a:pPr marL="0" indent="0">
-              <a:buNone/>
-            </a:pPr>
-            <a:r>
-              <a:rPr lang="de-DE" dirty="0"/>
-              <a:t>a) bisheriger Verlauf</a:t>
-            </a:r>
-          </a:p>
-          <a:p>
-            <a:r>
-              <a:rPr lang="de-DE" dirty="0"/>
-              <a:t>strukturiertes Arbeiten</a:t>
-            </a:r>
-          </a:p>
-          <a:p>
-            <a:r>
-              <a:rPr lang="de-DE" dirty="0"/>
-              <a:t>Planung abgeschlossen</a:t>
-            </a:r>
-          </a:p>
-          <a:p>
-            <a:pPr marL="0" indent="0">
-              <a:buNone/>
-            </a:pPr>
-            <a:r>
-              <a:rPr lang="de-DE" dirty="0"/>
-              <a:t>b) weitere Schritte </a:t>
-            </a:r>
-          </a:p>
-          <a:p>
-            <a:r>
-              <a:rPr lang="de-DE" dirty="0"/>
-              <a:t>Start der Programmierung:</a:t>
-            </a:r>
-          </a:p>
-          <a:p>
-            <a:pPr lvl="1"/>
-            <a:r>
-              <a:rPr lang="de-DE" dirty="0"/>
-              <a:t>Sensor auslesen</a:t>
-            </a:r>
-          </a:p>
-          <a:p>
-            <a:pPr lvl="1"/>
-            <a:r>
-              <a:rPr lang="de-DE" dirty="0"/>
-              <a:t>App</a:t>
-            </a:r>
-          </a:p>
-          <a:p>
-            <a:pPr lvl="1"/>
-            <a:r>
-              <a:rPr lang="de-DE" dirty="0"/>
-              <a:t>Datenbankeinbindung</a:t>
-            </a:r>
-          </a:p>
-        </p:txBody>
-      </p:sp>
-      <p:pic>
-        <p:nvPicPr>
-          <p:cNvPr id="5" name="Grafik 4">
-            <a:extLst>
-              <a:ext uri="{FF2B5EF4-FFF2-40B4-BE49-F238E27FC236}">
-                <a16:creationId xmlns:a16="http://schemas.microsoft.com/office/drawing/2014/main" id="{7D260344-23DD-4348-A2A1-C8A2EF22687F}"/>
-              </a:ext>
-            </a:extLst>
-          </p:cNvPr>
-          <p:cNvPicPr>
-            <a:picLocks noChangeAspect="1"/>
-          </p:cNvPicPr>
-          <p:nvPr/>
-        </p:nvPicPr>
-        <p:blipFill rotWithShape="1">
-          <a:blip r:embed="rId2" cstate="print">
-            <a:extLst>
-              <a:ext uri="{28A0092B-C50C-407E-A947-70E740481C1C}">
-                <a14:useLocalDpi xmlns:a14="http://schemas.microsoft.com/office/drawing/2010/main" val="0"/>
-              </a:ext>
-            </a:extLst>
-          </a:blip>
-          <a:srcRect l="11774" t="14019" r="12142" b="11639"/>
-          <a:stretch/>
-        </p:blipFill>
-        <p:spPr bwMode="auto">
-          <a:xfrm>
-            <a:off x="10401302" y="104775"/>
-            <a:ext cx="1678020" cy="1440000"/>
-          </a:xfrm>
-          <a:prstGeom prst="rect">
-            <a:avLst/>
-          </a:prstGeom>
-          <a:noFill/>
-          <a:ln>
-            <a:noFill/>
-          </a:ln>
-        </p:spPr>
-      </p:pic>
-      <p:pic>
-        <p:nvPicPr>
-          <p:cNvPr id="11" name="Grafik 10">
-            <a:extLst>
-              <a:ext uri="{FF2B5EF4-FFF2-40B4-BE49-F238E27FC236}">
-                <a16:creationId xmlns:a16="http://schemas.microsoft.com/office/drawing/2014/main" id="{BDE6FB44-65FD-4E2B-BE99-975EFC3E58BC}"/>
-              </a:ext>
-            </a:extLst>
-          </p:cNvPr>
-          <p:cNvPicPr>
-            <a:picLocks noChangeAspect="1"/>
-          </p:cNvPicPr>
-          <p:nvPr/>
-        </p:nvPicPr>
-        <p:blipFill rotWithShape="1">
-          <a:blip r:embed="rId3">
-            <a:extLst>
-              <a:ext uri="{28A0092B-C50C-407E-A947-70E740481C1C}">
-                <a14:useLocalDpi xmlns:a14="http://schemas.microsoft.com/office/drawing/2010/main" val="0"/>
-              </a:ext>
-            </a:extLst>
-          </a:blip>
-          <a:srcRect l="6667" t="9360" r="47917" b="29306"/>
-          <a:stretch/>
-        </p:blipFill>
-        <p:spPr>
-          <a:xfrm>
-            <a:off x="112678" y="104775"/>
-            <a:ext cx="1421712" cy="1440000"/>
-          </a:xfrm>
-          <a:prstGeom prst="rect">
-            <a:avLst/>
-          </a:prstGeom>
-        </p:spPr>
-      </p:pic>
-    </p:spTree>
-    <p:extLst>
-      <p:ext uri="{BB962C8B-B14F-4D97-AF65-F5344CB8AC3E}">
-        <p14:creationId xmlns:p14="http://schemas.microsoft.com/office/powerpoint/2010/main" val="1794733916"/>
+        <p14:creationId xmlns:p14="http://schemas.microsoft.com/office/powerpoint/2010/main" val="1261335411"/>
       </p:ext>
     </p:extLst>
   </p:cSld>
@@ -7964,4 +14817,299 @@
     </a:ext>
   </a:extLst>
 </a:theme>
+</file>
+
+<file path=ppt/theme/theme2.xml><?xml version="1.0" encoding="utf-8"?>
+<a:theme xmlns:a="http://schemas.openxmlformats.org/drawingml/2006/main" name="Office">
+  <a:themeElements>
+    <a:clrScheme name="Office">
+      <a:dk1>
+        <a:sysClr val="windowText" lastClr="000000"/>
+      </a:dk1>
+      <a:lt1>
+        <a:sysClr val="window" lastClr="FFFFFF"/>
+      </a:lt1>
+      <a:dk2>
+        <a:srgbClr val="44546A"/>
+      </a:dk2>
+      <a:lt2>
+        <a:srgbClr val="E7E6E6"/>
+      </a:lt2>
+      <a:accent1>
+        <a:srgbClr val="4472C4"/>
+      </a:accent1>
+      <a:accent2>
+        <a:srgbClr val="ED7D31"/>
+      </a:accent2>
+      <a:accent3>
+        <a:srgbClr val="A5A5A5"/>
+      </a:accent3>
+      <a:accent4>
+        <a:srgbClr val="FFC000"/>
+      </a:accent4>
+      <a:accent5>
+        <a:srgbClr val="5B9BD5"/>
+      </a:accent5>
+      <a:accent6>
+        <a:srgbClr val="70AD47"/>
+      </a:accent6>
+      <a:hlink>
+        <a:srgbClr val="0563C1"/>
+      </a:hlink>
+      <a:folHlink>
+        <a:srgbClr val="954F72"/>
+      </a:folHlink>
+    </a:clrScheme>
+    <a:fontScheme name="Office">
+      <a:majorFont>
+        <a:latin typeface="Calibri Light" panose="020F0302020204030204"/>
+        <a:ea typeface=""/>
+        <a:cs typeface=""/>
+        <a:font script="Jpan" typeface="游ゴシック Light"/>
+        <a:font script="Hang" typeface="맑은 고딕"/>
+        <a:font script="Hans" typeface="等线 Light"/>
+        <a:font script="Hant" typeface="新細明體"/>
+        <a:font script="Arab" typeface="Times New Roman"/>
+        <a:font script="Hebr" typeface="Times New Roman"/>
+        <a:font script="Thai" typeface="Angsana New"/>
+        <a:font script="Ethi" typeface="Nyala"/>
+        <a:font script="Beng" typeface="Vrinda"/>
+        <a:font script="Gujr" typeface="Shruti"/>
+        <a:font script="Khmr" typeface="MoolBoran"/>
+        <a:font script="Knda" typeface="Tunga"/>
+        <a:font script="Guru" typeface="Raavi"/>
+        <a:font script="Cans" typeface="Euphemia"/>
+        <a:font script="Cher" typeface="Plantagenet Cherokee"/>
+        <a:font script="Yiii" typeface="Microsoft Yi Baiti"/>
+        <a:font script="Tibt" typeface="Microsoft Himalaya"/>
+        <a:font script="Thaa" typeface="MV Boli"/>
+        <a:font script="Deva" typeface="Mangal"/>
+        <a:font script="Telu" typeface="Gautami"/>
+        <a:font script="Taml" typeface="Latha"/>
+        <a:font script="Syrc" typeface="Estrangelo Edessa"/>
+        <a:font script="Orya" typeface="Kalinga"/>
+        <a:font script="Mlym" typeface="Kartika"/>
+        <a:font script="Laoo" typeface="DokChampa"/>
+        <a:font script="Sinh" typeface="Iskoola Pota"/>
+        <a:font script="Mong" typeface="Mongolian Baiti"/>
+        <a:font script="Viet" typeface="Times New Roman"/>
+        <a:font script="Uigh" typeface="Microsoft Uighur"/>
+        <a:font script="Geor" typeface="Sylfaen"/>
+        <a:font script="Armn" typeface="Arial"/>
+        <a:font script="Bugi" typeface="Leelawadee UI"/>
+        <a:font script="Bopo" typeface="Microsoft JhengHei"/>
+        <a:font script="Java" typeface="Javanese Text"/>
+        <a:font script="Lisu" typeface="Segoe UI"/>
+        <a:font script="Mymr" typeface="Myanmar Text"/>
+        <a:font script="Nkoo" typeface="Ebrima"/>
+        <a:font script="Olck" typeface="Nirmala UI"/>
+        <a:font script="Osma" typeface="Ebrima"/>
+        <a:font script="Phag" typeface="Phagspa"/>
+        <a:font script="Syrn" typeface="Estrangelo Edessa"/>
+        <a:font script="Syrj" typeface="Estrangelo Edessa"/>
+        <a:font script="Syre" typeface="Estrangelo Edessa"/>
+        <a:font script="Sora" typeface="Nirmala UI"/>
+        <a:font script="Tale" typeface="Microsoft Tai Le"/>
+        <a:font script="Talu" typeface="Microsoft New Tai Lue"/>
+        <a:font script="Tfng" typeface="Ebrima"/>
+      </a:majorFont>
+      <a:minorFont>
+        <a:latin typeface="Calibri" panose="020F0502020204030204"/>
+        <a:ea typeface=""/>
+        <a:cs typeface=""/>
+        <a:font script="Jpan" typeface="游ゴシック"/>
+        <a:font script="Hang" typeface="맑은 고딕"/>
+        <a:font script="Hans" typeface="等线"/>
+        <a:font script="Hant" typeface="新細明體"/>
+        <a:font script="Arab" typeface="Arial"/>
+        <a:font script="Hebr" typeface="Arial"/>
+        <a:font script="Thai" typeface="Cordia New"/>
+        <a:font script="Ethi" typeface="Nyala"/>
+        <a:font script="Beng" typeface="Vrinda"/>
+        <a:font script="Gujr" typeface="Shruti"/>
+        <a:font script="Khmr" typeface="DaunPenh"/>
+        <a:font script="Knda" typeface="Tunga"/>
+        <a:font script="Guru" typeface="Raavi"/>
+        <a:font script="Cans" typeface="Euphemia"/>
+        <a:font script="Cher" typeface="Plantagenet Cherokee"/>
+        <a:font script="Yiii" typeface="Microsoft Yi Baiti"/>
+        <a:font script="Tibt" typeface="Microsoft Himalaya"/>
+        <a:font script="Thaa" typeface="MV Boli"/>
+        <a:font script="Deva" typeface="Mangal"/>
+        <a:font script="Telu" typeface="Gautami"/>
+        <a:font script="Taml" typeface="Latha"/>
+        <a:font script="Syrc" typeface="Estrangelo Edessa"/>
+        <a:font script="Orya" typeface="Kalinga"/>
+        <a:font script="Mlym" typeface="Kartika"/>
+        <a:font script="Laoo" typeface="DokChampa"/>
+        <a:font script="Sinh" typeface="Iskoola Pota"/>
+        <a:font script="Mong" typeface="Mongolian Baiti"/>
+        <a:font script="Viet" typeface="Arial"/>
+        <a:font script="Uigh" typeface="Microsoft Uighur"/>
+        <a:font script="Geor" typeface="Sylfaen"/>
+        <a:font script="Armn" typeface="Arial"/>
+        <a:font script="Bugi" typeface="Leelawadee UI"/>
+        <a:font script="Bopo" typeface="Microsoft JhengHei"/>
+        <a:font script="Java" typeface="Javanese Text"/>
+        <a:font script="Lisu" typeface="Segoe UI"/>
+        <a:font script="Mymr" typeface="Myanmar Text"/>
+        <a:font script="Nkoo" typeface="Ebrima"/>
+        <a:font script="Olck" typeface="Nirmala UI"/>
+        <a:font script="Osma" typeface="Ebrima"/>
+        <a:font script="Phag" typeface="Phagspa"/>
+        <a:font script="Syrn" typeface="Estrangelo Edessa"/>
+        <a:font script="Syrj" typeface="Estrangelo Edessa"/>
+        <a:font script="Syre" typeface="Estrangelo Edessa"/>
+        <a:font script="Sora" typeface="Nirmala UI"/>
+        <a:font script="Tale" typeface="Microsoft Tai Le"/>
+        <a:font script="Talu" typeface="Microsoft New Tai Lue"/>
+        <a:font script="Tfng" typeface="Ebrima"/>
+      </a:minorFont>
+    </a:fontScheme>
+    <a:fmtScheme name="Office">
+      <a:fillStyleLst>
+        <a:solidFill>
+          <a:schemeClr val="phClr"/>
+        </a:solidFill>
+        <a:gradFill rotWithShape="1">
+          <a:gsLst>
+            <a:gs pos="0">
+              <a:schemeClr val="phClr">
+                <a:lumMod val="110000"/>
+                <a:satMod val="105000"/>
+                <a:tint val="67000"/>
+              </a:schemeClr>
+            </a:gs>
+            <a:gs pos="50000">
+              <a:schemeClr val="phClr">
+                <a:lumMod val="105000"/>
+                <a:satMod val="103000"/>
+                <a:tint val="73000"/>
+              </a:schemeClr>
+            </a:gs>
+            <a:gs pos="100000">
+              <a:schemeClr val="phClr">
+                <a:lumMod val="105000"/>
+                <a:satMod val="109000"/>
+                <a:tint val="81000"/>
+              </a:schemeClr>
+            </a:gs>
+          </a:gsLst>
+          <a:lin ang="5400000" scaled="0"/>
+        </a:gradFill>
+        <a:gradFill rotWithShape="1">
+          <a:gsLst>
+            <a:gs pos="0">
+              <a:schemeClr val="phClr">
+                <a:satMod val="103000"/>
+                <a:lumMod val="102000"/>
+                <a:tint val="94000"/>
+              </a:schemeClr>
+            </a:gs>
+            <a:gs pos="50000">
+              <a:schemeClr val="phClr">
+                <a:satMod val="110000"/>
+                <a:lumMod val="100000"/>
+                <a:shade val="100000"/>
+              </a:schemeClr>
+            </a:gs>
+            <a:gs pos="100000">
+              <a:schemeClr val="phClr">
+                <a:lumMod val="99000"/>
+                <a:satMod val="120000"/>
+                <a:shade val="78000"/>
+              </a:schemeClr>
+            </a:gs>
+          </a:gsLst>
+          <a:lin ang="5400000" scaled="0"/>
+        </a:gradFill>
+      </a:fillStyleLst>
+      <a:lnStyleLst>
+        <a:ln w="6350" cap="flat" cmpd="sng" algn="ctr">
+          <a:solidFill>
+            <a:schemeClr val="phClr"/>
+          </a:solidFill>
+          <a:prstDash val="solid"/>
+          <a:miter lim="800000"/>
+        </a:ln>
+        <a:ln w="12700" cap="flat" cmpd="sng" algn="ctr">
+          <a:solidFill>
+            <a:schemeClr val="phClr"/>
+          </a:solidFill>
+          <a:prstDash val="solid"/>
+          <a:miter lim="800000"/>
+        </a:ln>
+        <a:ln w="19050" cap="flat" cmpd="sng" algn="ctr">
+          <a:solidFill>
+            <a:schemeClr val="phClr"/>
+          </a:solidFill>
+          <a:prstDash val="solid"/>
+          <a:miter lim="800000"/>
+        </a:ln>
+      </a:lnStyleLst>
+      <a:effectStyleLst>
+        <a:effectStyle>
+          <a:effectLst/>
+        </a:effectStyle>
+        <a:effectStyle>
+          <a:effectLst/>
+        </a:effectStyle>
+        <a:effectStyle>
+          <a:effectLst>
+            <a:outerShdw blurRad="57150" dist="19050" dir="5400000" algn="ctr" rotWithShape="0">
+              <a:srgbClr val="000000">
+                <a:alpha val="63000"/>
+              </a:srgbClr>
+            </a:outerShdw>
+          </a:effectLst>
+        </a:effectStyle>
+      </a:effectStyleLst>
+      <a:bgFillStyleLst>
+        <a:solidFill>
+          <a:schemeClr val="phClr"/>
+        </a:solidFill>
+        <a:solidFill>
+          <a:schemeClr val="phClr">
+            <a:tint val="95000"/>
+            <a:satMod val="170000"/>
+          </a:schemeClr>
+        </a:solidFill>
+        <a:gradFill rotWithShape="1">
+          <a:gsLst>
+            <a:gs pos="0">
+              <a:schemeClr val="phClr">
+                <a:tint val="93000"/>
+                <a:satMod val="150000"/>
+                <a:shade val="98000"/>
+                <a:lumMod val="102000"/>
+              </a:schemeClr>
+            </a:gs>
+            <a:gs pos="50000">
+              <a:schemeClr val="phClr">
+                <a:tint val="98000"/>
+                <a:satMod val="130000"/>
+                <a:shade val="90000"/>
+                <a:lumMod val="103000"/>
+              </a:schemeClr>
+            </a:gs>
+            <a:gs pos="100000">
+              <a:schemeClr val="phClr">
+                <a:shade val="63000"/>
+                <a:satMod val="120000"/>
+              </a:schemeClr>
+            </a:gs>
+          </a:gsLst>
+          <a:lin ang="5400000" scaled="0"/>
+        </a:gradFill>
+      </a:bgFillStyleLst>
+    </a:fmtScheme>
+  </a:themeElements>
+  <a:objectDefaults/>
+  <a:extraClrSchemeLst/>
+  <a:extLst>
+    <a:ext uri="{05A4C25C-085E-4340-85A3-A5531E510DB2}">
+      <thm15:themeFamily xmlns:thm15="http://schemas.microsoft.com/office/thememl/2012/main" name="Office Theme" id="{62F939B6-93AF-4DB8-9C6B-D6C7DFDC589F}" vid="{4A3C46E8-61CC-4603-A589-7422A47A8E4A}"/>
+    </a:ext>
+  </a:extLst>
+</a:theme>
 </file>
--- a/PocketCoachExcel-PDF/PowerPoints/PocketCoach.pptx
+++ b/PocketCoachExcel-PDF/PowerPoints/PocketCoach.pptx
@@ -7281,9 +7281,18 @@
             <a:pPr algn="ctr"/>
             <a:r>
               <a:rPr lang="de-DE" dirty="0">
+                <a:solidFill>
+                  <a:srgbClr val="36FF86"/>
+                </a:solidFill>
                 <a:latin typeface="Bahnschrift" panose="020B0502040204020203" pitchFamily="34" charset="0"/>
               </a:rPr>
-              <a:t>PocketCoach</a:t>
+              <a:t>Pocket</a:t>
+            </a:r>
+            <a:r>
+              <a:rPr lang="de-DE" dirty="0">
+                <a:latin typeface="Bahnschrift" panose="020B0502040204020203" pitchFamily="34" charset="0"/>
+              </a:rPr>
+              <a:t>Coach</a:t>
             </a:r>
           </a:p>
         </p:txBody>
@@ -8906,45 +8915,6 @@
       </p:sp>
       <p:pic>
         <p:nvPicPr>
-          <p:cNvPr id="5" name="Grafik 4">
-            <a:extLst>
-              <a:ext uri="{FF2B5EF4-FFF2-40B4-BE49-F238E27FC236}">
-                <a16:creationId xmlns:a16="http://schemas.microsoft.com/office/drawing/2014/main" id="{7D260344-23DD-4348-A2A1-C8A2EF22687F}"/>
-              </a:ext>
-            </a:extLst>
-          </p:cNvPr>
-          <p:cNvPicPr>
-            <a:picLocks noChangeAspect="1"/>
-          </p:cNvPicPr>
-          <p:nvPr/>
-        </p:nvPicPr>
-        <p:blipFill rotWithShape="1">
-          <a:blip r:embed="rId3" cstate="print">
-            <a:extLst>
-              <a:ext uri="{28A0092B-C50C-407E-A947-70E740481C1C}">
-                <a14:useLocalDpi xmlns:a14="http://schemas.microsoft.com/office/drawing/2010/main" val="0"/>
-              </a:ext>
-            </a:extLst>
-          </a:blip>
-          <a:srcRect l="11774" t="14019" r="12142" b="11639"/>
-          <a:stretch/>
-        </p:blipFill>
-        <p:spPr bwMode="auto">
-          <a:xfrm>
-            <a:off x="10824228" y="467711"/>
-            <a:ext cx="1255093" cy="1077063"/>
-          </a:xfrm>
-          <a:prstGeom prst="rect">
-            <a:avLst/>
-          </a:prstGeom>
-          <a:noFill/>
-          <a:ln>
-            <a:noFill/>
-          </a:ln>
-        </p:spPr>
-      </p:pic>
-      <p:pic>
-        <p:nvPicPr>
           <p:cNvPr id="11" name="Grafik 10">
             <a:extLst>
               <a:ext uri="{FF2B5EF4-FFF2-40B4-BE49-F238E27FC236}">
@@ -8958,7 +8928,7 @@
           <p:nvPr/>
         </p:nvPicPr>
         <p:blipFill rotWithShape="1">
-          <a:blip r:embed="rId4">
+          <a:blip r:embed="rId3">
             <a:extLst>
               <a:ext uri="{28A0092B-C50C-407E-A947-70E740481C1C}">
                 <a14:useLocalDpi xmlns:a14="http://schemas.microsoft.com/office/drawing/2010/main" val="0"/>
@@ -9013,11 +8983,11 @@
             <p:nvPr/>
           </p:nvPicPr>
           <p:blipFill rotWithShape="1">
-            <a:blip r:embed="rId5">
+            <a:blip r:embed="rId4">
               <a:extLst>
                 <a:ext uri="{BEBA8EAE-BF5A-486C-A8C5-ECC9F3942E4B}">
                   <a14:imgProps xmlns:a14="http://schemas.microsoft.com/office/drawing/2010/main">
-                    <a14:imgLayer r:embed="rId6">
+                    <a14:imgLayer r:embed="rId5">
                       <a14:imgEffect>
                         <a14:saturation sat="0"/>
                       </a14:imgEffect>
@@ -9057,11 +9027,11 @@
             <p:nvPr/>
           </p:nvPicPr>
           <p:blipFill rotWithShape="1">
-            <a:blip r:embed="rId7">
+            <a:blip r:embed="rId6">
               <a:extLst>
                 <a:ext uri="{BEBA8EAE-BF5A-486C-A8C5-ECC9F3942E4B}">
                   <a14:imgProps xmlns:a14="http://schemas.microsoft.com/office/drawing/2010/main">
-                    <a14:imgLayer r:embed="rId8">
+                    <a14:imgLayer r:embed="rId7">
                       <a14:imgEffect>
                         <a14:saturation sat="0"/>
                       </a14:imgEffect>
@@ -9534,6 +9504,45 @@
           </a:p>
         </p:txBody>
       </p:sp>
+      <p:pic>
+        <p:nvPicPr>
+          <p:cNvPr id="3" name="Grafik 2">
+            <a:extLst>
+              <a:ext uri="{FF2B5EF4-FFF2-40B4-BE49-F238E27FC236}">
+                <a16:creationId xmlns:a16="http://schemas.microsoft.com/office/drawing/2014/main" id="{DBB095A0-31B0-4A63-89C8-AED5E99078F4}"/>
+              </a:ext>
+            </a:extLst>
+          </p:cNvPr>
+          <p:cNvPicPr>
+            <a:picLocks noChangeAspect="1"/>
+          </p:cNvPicPr>
+          <p:nvPr/>
+        </p:nvPicPr>
+        <p:blipFill rotWithShape="1">
+          <a:blip r:embed="rId8" cstate="print">
+            <a:extLst>
+              <a:ext uri="{28A0092B-C50C-407E-A947-70E740481C1C}">
+                <a14:useLocalDpi xmlns:a14="http://schemas.microsoft.com/office/drawing/2010/main" val="0"/>
+              </a:ext>
+            </a:extLst>
+          </a:blip>
+          <a:srcRect l="11774" t="14019" r="12142" b="11639"/>
+          <a:stretch/>
+        </p:blipFill>
+        <p:spPr bwMode="auto">
+          <a:xfrm>
+            <a:off x="10401302" y="104775"/>
+            <a:ext cx="1678020" cy="1440000"/>
+          </a:xfrm>
+          <a:prstGeom prst="rect">
+            <a:avLst/>
+          </a:prstGeom>
+          <a:noFill/>
+          <a:ln>
+            <a:noFill/>
+          </a:ln>
+        </p:spPr>
+      </p:pic>
     </p:spTree>
     <p:extLst>
       <p:ext uri="{BB962C8B-B14F-4D97-AF65-F5344CB8AC3E}">
@@ -9599,45 +9608,6 @@
       </p:sp>
       <p:pic>
         <p:nvPicPr>
-          <p:cNvPr id="5" name="Grafik 4">
-            <a:extLst>
-              <a:ext uri="{FF2B5EF4-FFF2-40B4-BE49-F238E27FC236}">
-                <a16:creationId xmlns:a16="http://schemas.microsoft.com/office/drawing/2014/main" id="{7D260344-23DD-4348-A2A1-C8A2EF22687F}"/>
-              </a:ext>
-            </a:extLst>
-          </p:cNvPr>
-          <p:cNvPicPr>
-            <a:picLocks noChangeAspect="1"/>
-          </p:cNvPicPr>
-          <p:nvPr/>
-        </p:nvPicPr>
-        <p:blipFill rotWithShape="1">
-          <a:blip r:embed="rId3" cstate="print">
-            <a:extLst>
-              <a:ext uri="{28A0092B-C50C-407E-A947-70E740481C1C}">
-                <a14:useLocalDpi xmlns:a14="http://schemas.microsoft.com/office/drawing/2010/main" val="0"/>
-              </a:ext>
-            </a:extLst>
-          </a:blip>
-          <a:srcRect l="11774" t="14019" r="12142" b="11639"/>
-          <a:stretch/>
-        </p:blipFill>
-        <p:spPr bwMode="auto">
-          <a:xfrm>
-            <a:off x="10824228" y="467711"/>
-            <a:ext cx="1255093" cy="1077063"/>
-          </a:xfrm>
-          <a:prstGeom prst="rect">
-            <a:avLst/>
-          </a:prstGeom>
-          <a:noFill/>
-          <a:ln>
-            <a:noFill/>
-          </a:ln>
-        </p:spPr>
-      </p:pic>
-      <p:pic>
-        <p:nvPicPr>
           <p:cNvPr id="11" name="Grafik 10">
             <a:extLst>
               <a:ext uri="{FF2B5EF4-FFF2-40B4-BE49-F238E27FC236}">
@@ -9651,7 +9621,7 @@
           <p:nvPr/>
         </p:nvPicPr>
         <p:blipFill rotWithShape="1">
-          <a:blip r:embed="rId4">
+          <a:blip r:embed="rId3">
             <a:extLst>
               <a:ext uri="{28A0092B-C50C-407E-A947-70E740481C1C}">
                 <a14:useLocalDpi xmlns:a14="http://schemas.microsoft.com/office/drawing/2010/main" val="0"/>
@@ -9706,11 +9676,11 @@
             <p:nvPr/>
           </p:nvPicPr>
           <p:blipFill rotWithShape="1">
-            <a:blip r:embed="rId5">
+            <a:blip r:embed="rId4">
               <a:extLst>
                 <a:ext uri="{BEBA8EAE-BF5A-486C-A8C5-ECC9F3942E4B}">
                   <a14:imgProps xmlns:a14="http://schemas.microsoft.com/office/drawing/2010/main">
-                    <a14:imgLayer r:embed="rId6">
+                    <a14:imgLayer r:embed="rId5">
                       <a14:imgEffect>
                         <a14:saturation sat="0"/>
                       </a14:imgEffect>
@@ -9750,11 +9720,11 @@
             <p:nvPr/>
           </p:nvPicPr>
           <p:blipFill rotWithShape="1">
-            <a:blip r:embed="rId7">
+            <a:blip r:embed="rId6">
               <a:extLst>
                 <a:ext uri="{BEBA8EAE-BF5A-486C-A8C5-ECC9F3942E4B}">
                   <a14:imgProps xmlns:a14="http://schemas.microsoft.com/office/drawing/2010/main">
-                    <a14:imgLayer r:embed="rId8">
+                    <a14:imgLayer r:embed="rId7">
                       <a14:imgEffect>
                         <a14:saturation sat="0"/>
                       </a14:imgEffect>
@@ -10242,13 +10212,13 @@
           <p:nvPr/>
         </p:nvPicPr>
         <p:blipFill>
-          <a:blip r:embed="rId9">
+          <a:blip r:embed="rId8">
             <a:extLst>
               <a:ext uri="{28A0092B-C50C-407E-A947-70E740481C1C}">
                 <a14:useLocalDpi xmlns:a14="http://schemas.microsoft.com/office/drawing/2010/main" val="0"/>
               </a:ext>
               <a:ext uri="{96DAC541-7B7A-43D3-8B79-37D633B846F1}">
-                <asvg:svgBlip xmlns:asvg="http://schemas.microsoft.com/office/drawing/2016/SVG/main" r:embed="rId10"/>
+                <asvg:svgBlip xmlns:asvg="http://schemas.microsoft.com/office/drawing/2016/SVG/main" r:embed="rId9"/>
               </a:ext>
             </a:extLst>
           </a:blip>
@@ -10281,13 +10251,13 @@
           <p:nvPr/>
         </p:nvPicPr>
         <p:blipFill>
-          <a:blip r:embed="rId9">
+          <a:blip r:embed="rId8">
             <a:extLst>
               <a:ext uri="{28A0092B-C50C-407E-A947-70E740481C1C}">
                 <a14:useLocalDpi xmlns:a14="http://schemas.microsoft.com/office/drawing/2010/main" val="0"/>
               </a:ext>
               <a:ext uri="{96DAC541-7B7A-43D3-8B79-37D633B846F1}">
-                <asvg:svgBlip xmlns:asvg="http://schemas.microsoft.com/office/drawing/2016/SVG/main" r:embed="rId10"/>
+                <asvg:svgBlip xmlns:asvg="http://schemas.microsoft.com/office/drawing/2016/SVG/main" r:embed="rId9"/>
               </a:ext>
             </a:extLst>
           </a:blip>
@@ -10303,6 +10273,45 @@
           <a:prstGeom prst="rect">
             <a:avLst/>
           </a:prstGeom>
+        </p:spPr>
+      </p:pic>
+      <p:pic>
+        <p:nvPicPr>
+          <p:cNvPr id="3" name="Grafik 2">
+            <a:extLst>
+              <a:ext uri="{FF2B5EF4-FFF2-40B4-BE49-F238E27FC236}">
+                <a16:creationId xmlns:a16="http://schemas.microsoft.com/office/drawing/2014/main" id="{B5A2044A-6001-4A70-BAAB-371BD7792788}"/>
+              </a:ext>
+            </a:extLst>
+          </p:cNvPr>
+          <p:cNvPicPr>
+            <a:picLocks noChangeAspect="1"/>
+          </p:cNvPicPr>
+          <p:nvPr/>
+        </p:nvPicPr>
+        <p:blipFill rotWithShape="1">
+          <a:blip r:embed="rId10" cstate="print">
+            <a:extLst>
+              <a:ext uri="{28A0092B-C50C-407E-A947-70E740481C1C}">
+                <a14:useLocalDpi xmlns:a14="http://schemas.microsoft.com/office/drawing/2010/main" val="0"/>
+              </a:ext>
+            </a:extLst>
+          </a:blip>
+          <a:srcRect l="11774" t="14019" r="12142" b="11639"/>
+          <a:stretch/>
+        </p:blipFill>
+        <p:spPr bwMode="auto">
+          <a:xfrm>
+            <a:off x="10401302" y="104775"/>
+            <a:ext cx="1678020" cy="1440000"/>
+          </a:xfrm>
+          <a:prstGeom prst="rect">
+            <a:avLst/>
+          </a:prstGeom>
+          <a:noFill/>
+          <a:ln>
+            <a:noFill/>
+          </a:ln>
         </p:spPr>
       </p:pic>
     </p:spTree>
@@ -12683,7 +12692,7 @@
         <p:spPr>
           <a:xfrm>
             <a:off x="1857707" y="5170524"/>
-            <a:ext cx="1834156" cy="369332"/>
+            <a:ext cx="1931939" cy="369332"/>
           </a:xfrm>
           <a:prstGeom prst="rect">
             <a:avLst/>
@@ -12698,7 +12707,7 @@
           <a:p>
             <a:r>
               <a:rPr lang="de-DE" dirty="0"/>
-              <a:t>App-Grundgerät</a:t>
+              <a:t>App-Grundgerüst</a:t>
             </a:r>
           </a:p>
         </p:txBody>

--- a/PocketCoachExcel-PDF/PowerPoints/PocketCoach.pptx
+++ b/PocketCoachExcel-PDF/PowerPoints/PocketCoach.pptx
@@ -5,7 +5,7 @@
     <p:sldMasterId id="2147483660" r:id="rId1"/>
   </p:sldMasterIdLst>
   <p:notesMasterIdLst>
-    <p:notesMasterId r:id="rId15"/>
+    <p:notesMasterId r:id="rId16"/>
   </p:notesMasterIdLst>
   <p:sldIdLst>
     <p:sldId id="256" r:id="rId2"/>
@@ -19,8 +19,9 @@
     <p:sldId id="267" r:id="rId10"/>
     <p:sldId id="263" r:id="rId11"/>
     <p:sldId id="260" r:id="rId12"/>
-    <p:sldId id="261" r:id="rId13"/>
-    <p:sldId id="262" r:id="rId14"/>
+    <p:sldId id="273" r:id="rId13"/>
+    <p:sldId id="261" r:id="rId14"/>
+    <p:sldId id="262" r:id="rId15"/>
   </p:sldIdLst>
   <p:sldSz cx="12192000" cy="6858000"/>
   <p:notesSz cx="6858000" cy="9144000"/>
@@ -209,7 +210,7 @@
           <a:p>
             <a:fld id="{876C7EC8-880A-DF4F-BED9-A1919BEA3339}" type="datetimeFigureOut">
               <a:rPr lang="de-DE" smtClean="0"/>
-              <a:t>06.11.20</a:t>
+              <a:t>07.11.20</a:t>
             </a:fld>
             <a:endParaRPr lang="de-DE"/>
           </a:p>
@@ -1517,6 +1518,90 @@
     <p:extLst>
       <p:ext uri="{BB962C8B-B14F-4D97-AF65-F5344CB8AC3E}">
         <p14:creationId xmlns:p14="http://schemas.microsoft.com/office/powerpoint/2010/main" val="2719721182"/>
+      </p:ext>
+    </p:extLst>
+  </p:cSld>
+  <p:clrMapOvr>
+    <a:masterClrMapping/>
+  </p:clrMapOvr>
+</p:notes>
+</file>
+
+<file path=ppt/notesSlides/notesSlide9.xml><?xml version="1.0" encoding="utf-8"?>
+<p:notes xmlns:a="http://schemas.openxmlformats.org/drawingml/2006/main" xmlns:r="http://schemas.openxmlformats.org/officeDocument/2006/relationships" xmlns:p="http://schemas.openxmlformats.org/presentationml/2006/main">
+  <p:cSld>
+    <p:spTree>
+      <p:nvGrpSpPr>
+        <p:cNvPr id="1" name=""/>
+        <p:cNvGrpSpPr/>
+        <p:nvPr/>
+      </p:nvGrpSpPr>
+      <p:grpSpPr>
+        <a:xfrm>
+          <a:off x="0" y="0"/>
+          <a:ext cx="0" cy="0"/>
+          <a:chOff x="0" y="0"/>
+          <a:chExt cx="0" cy="0"/>
+        </a:xfrm>
+      </p:grpSpPr>
+      <p:sp>
+        <p:nvSpPr>
+          <p:cNvPr id="2" name="Folienbildplatzhalter 1"/>
+          <p:cNvSpPr>
+            <a:spLocks noGrp="1" noRot="1" noChangeAspect="1"/>
+          </p:cNvSpPr>
+          <p:nvPr>
+            <p:ph type="sldImg"/>
+          </p:nvPr>
+        </p:nvSpPr>
+        <p:spPr/>
+      </p:sp>
+      <p:sp>
+        <p:nvSpPr>
+          <p:cNvPr id="3" name="Notizenplatzhalter 2"/>
+          <p:cNvSpPr>
+            <a:spLocks noGrp="1"/>
+          </p:cNvSpPr>
+          <p:nvPr>
+            <p:ph type="body" idx="1"/>
+          </p:nvPr>
+        </p:nvSpPr>
+        <p:spPr/>
+        <p:txBody>
+          <a:bodyPr/>
+          <a:lstStyle/>
+          <a:p>
+            <a:endParaRPr lang="de-DE" dirty="0"/>
+          </a:p>
+        </p:txBody>
+      </p:sp>
+      <p:sp>
+        <p:nvSpPr>
+          <p:cNvPr id="4" name="Foliennummernplatzhalter 3"/>
+          <p:cNvSpPr>
+            <a:spLocks noGrp="1"/>
+          </p:cNvSpPr>
+          <p:nvPr>
+            <p:ph type="sldNum" sz="quarter" idx="5"/>
+          </p:nvPr>
+        </p:nvSpPr>
+        <p:spPr/>
+        <p:txBody>
+          <a:bodyPr/>
+          <a:lstStyle/>
+          <a:p>
+            <a:fld id="{7023F634-3B75-3C42-9B21-44E0DAFB93BE}" type="slidenum">
+              <a:rPr lang="de-DE" smtClean="0"/>
+              <a:t>12</a:t>
+            </a:fld>
+            <a:endParaRPr lang="de-DE"/>
+          </a:p>
+        </p:txBody>
+      </p:sp>
+    </p:spTree>
+    <p:extLst>
+      <p:ext uri="{BB962C8B-B14F-4D97-AF65-F5344CB8AC3E}">
+        <p14:creationId xmlns:p14="http://schemas.microsoft.com/office/powerpoint/2010/main" val="1548333508"/>
       </p:ext>
     </p:extLst>
   </p:cSld>
@@ -2248,7 +2333,7 @@
           <a:p>
             <a:fld id="{05398259-13D8-49B1-995A-833CACEE6A13}" type="datetimeFigureOut">
               <a:rPr lang="de-DE" smtClean="0"/>
-              <a:t>06.11.20</a:t>
+              <a:t>07.11.20</a:t>
             </a:fld>
             <a:endParaRPr lang="de-DE"/>
           </a:p>
@@ -2499,7 +2584,7 @@
           <a:p>
             <a:fld id="{05398259-13D8-49B1-995A-833CACEE6A13}" type="datetimeFigureOut">
               <a:rPr lang="de-DE" smtClean="0"/>
-              <a:t>06.11.20</a:t>
+              <a:t>07.11.20</a:t>
             </a:fld>
             <a:endParaRPr lang="de-DE"/>
           </a:p>
@@ -2813,7 +2898,7 @@
           <a:p>
             <a:fld id="{05398259-13D8-49B1-995A-833CACEE6A13}" type="datetimeFigureOut">
               <a:rPr lang="de-DE" smtClean="0"/>
-              <a:t>06.11.20</a:t>
+              <a:t>07.11.20</a:t>
             </a:fld>
             <a:endParaRPr lang="de-DE"/>
           </a:p>
@@ -3154,7 +3239,7 @@
           <a:p>
             <a:fld id="{05398259-13D8-49B1-995A-833CACEE6A13}" type="datetimeFigureOut">
               <a:rPr lang="de-DE" smtClean="0"/>
-              <a:t>06.11.20</a:t>
+              <a:t>07.11.20</a:t>
             </a:fld>
             <a:endParaRPr lang="de-DE"/>
           </a:p>
@@ -3468,7 +3553,7 @@
           <a:p>
             <a:fld id="{05398259-13D8-49B1-995A-833CACEE6A13}" type="datetimeFigureOut">
               <a:rPr lang="de-DE" smtClean="0"/>
-              <a:t>06.11.20</a:t>
+              <a:t>07.11.20</a:t>
             </a:fld>
             <a:endParaRPr lang="de-DE"/>
           </a:p>
@@ -3861,7 +3946,7 @@
           <a:p>
             <a:fld id="{05398259-13D8-49B1-995A-833CACEE6A13}" type="datetimeFigureOut">
               <a:rPr lang="de-DE" smtClean="0"/>
-              <a:t>06.11.20</a:t>
+              <a:t>07.11.20</a:t>
             </a:fld>
             <a:endParaRPr lang="de-DE"/>
           </a:p>
@@ -4031,7 +4116,7 @@
           <a:p>
             <a:fld id="{05398259-13D8-49B1-995A-833CACEE6A13}" type="datetimeFigureOut">
               <a:rPr lang="de-DE" smtClean="0"/>
-              <a:t>06.11.20</a:t>
+              <a:t>07.11.20</a:t>
             </a:fld>
             <a:endParaRPr lang="de-DE"/>
           </a:p>
@@ -4211,7 +4296,7 @@
           <a:p>
             <a:fld id="{05398259-13D8-49B1-995A-833CACEE6A13}" type="datetimeFigureOut">
               <a:rPr lang="de-DE" smtClean="0"/>
-              <a:t>06.11.20</a:t>
+              <a:t>07.11.20</a:t>
             </a:fld>
             <a:endParaRPr lang="de-DE"/>
           </a:p>
@@ -4387,7 +4472,7 @@
           <a:p>
             <a:fld id="{05398259-13D8-49B1-995A-833CACEE6A13}" type="datetimeFigureOut">
               <a:rPr lang="de-DE" smtClean="0"/>
-              <a:t>06.11.20</a:t>
+              <a:t>07.11.20</a:t>
             </a:fld>
             <a:endParaRPr lang="de-DE"/>
           </a:p>
@@ -4634,7 +4719,7 @@
           <a:p>
             <a:fld id="{05398259-13D8-49B1-995A-833CACEE6A13}" type="datetimeFigureOut">
               <a:rPr lang="de-DE" smtClean="0"/>
-              <a:t>06.11.20</a:t>
+              <a:t>07.11.20</a:t>
             </a:fld>
             <a:endParaRPr lang="de-DE"/>
           </a:p>
@@ -4866,7 +4951,7 @@
           <a:p>
             <a:fld id="{05398259-13D8-49B1-995A-833CACEE6A13}" type="datetimeFigureOut">
               <a:rPr lang="de-DE" smtClean="0"/>
-              <a:t>06.11.20</a:t>
+              <a:t>07.11.20</a:t>
             </a:fld>
             <a:endParaRPr lang="de-DE"/>
           </a:p>
@@ -5240,7 +5325,7 @@
           <a:p>
             <a:fld id="{05398259-13D8-49B1-995A-833CACEE6A13}" type="datetimeFigureOut">
               <a:rPr lang="de-DE" smtClean="0"/>
-              <a:t>06.11.20</a:t>
+              <a:t>07.11.20</a:t>
             </a:fld>
             <a:endParaRPr lang="de-DE"/>
           </a:p>
@@ -5363,7 +5448,7 @@
           <a:p>
             <a:fld id="{05398259-13D8-49B1-995A-833CACEE6A13}" type="datetimeFigureOut">
               <a:rPr lang="de-DE" smtClean="0"/>
-              <a:t>06.11.20</a:t>
+              <a:t>07.11.20</a:t>
             </a:fld>
             <a:endParaRPr lang="de-DE"/>
           </a:p>
@@ -5458,7 +5543,7 @@
           <a:p>
             <a:fld id="{05398259-13D8-49B1-995A-833CACEE6A13}" type="datetimeFigureOut">
               <a:rPr lang="de-DE" smtClean="0"/>
-              <a:t>06.11.20</a:t>
+              <a:t>07.11.20</a:t>
             </a:fld>
             <a:endParaRPr lang="de-DE"/>
           </a:p>
@@ -5713,7 +5798,7 @@
           <a:p>
             <a:fld id="{05398259-13D8-49B1-995A-833CACEE6A13}" type="datetimeFigureOut">
               <a:rPr lang="de-DE" smtClean="0"/>
-              <a:t>06.11.20</a:t>
+              <a:t>07.11.20</a:t>
             </a:fld>
             <a:endParaRPr lang="de-DE"/>
           </a:p>
@@ -5976,7 +6061,7 @@
           <a:p>
             <a:fld id="{05398259-13D8-49B1-995A-833CACEE6A13}" type="datetimeFigureOut">
               <a:rPr lang="de-DE" smtClean="0"/>
-              <a:t>06.11.20</a:t>
+              <a:t>07.11.20</a:t>
             </a:fld>
             <a:endParaRPr lang="de-DE"/>
           </a:p>
@@ -6719,7 +6804,7 @@
           <a:p>
             <a:fld id="{05398259-13D8-49B1-995A-833CACEE6A13}" type="datetimeFigureOut">
               <a:rPr lang="de-DE" smtClean="0"/>
-              <a:t>06.11.20</a:t>
+              <a:t>07.11.20</a:t>
             </a:fld>
             <a:endParaRPr lang="de-DE"/>
           </a:p>
@@ -7930,34 +8015,6 @@
           </a:p>
         </p:txBody>
       </p:sp>
-      <p:sp>
-        <p:nvSpPr>
-          <p:cNvPr id="3" name="Inhaltsplatzhalter 2">
-            <a:extLst>
-              <a:ext uri="{FF2B5EF4-FFF2-40B4-BE49-F238E27FC236}">
-                <a16:creationId xmlns:a16="http://schemas.microsoft.com/office/drawing/2014/main" id="{FCDCEEBD-68DF-4924-8A41-91582416FA35}"/>
-              </a:ext>
-            </a:extLst>
-          </p:cNvPr>
-          <p:cNvSpPr>
-            <a:spLocks noGrp="1"/>
-          </p:cNvSpPr>
-          <p:nvPr>
-            <p:ph idx="1"/>
-          </p:nvPr>
-        </p:nvSpPr>
-        <p:spPr/>
-        <p:txBody>
-          <a:bodyPr/>
-          <a:lstStyle/>
-          <a:p>
-            <a:pPr marL="0" indent="0">
-              <a:buNone/>
-            </a:pPr>
-            <a:endParaRPr lang="de-DE" dirty="0"/>
-          </a:p>
-        </p:txBody>
-      </p:sp>
       <p:pic>
         <p:nvPicPr>
           <p:cNvPr id="5" name="Grafik 4">
@@ -8032,6 +8089,72 @@
           </a:prstGeom>
         </p:spPr>
       </p:pic>
+      <p:pic>
+        <p:nvPicPr>
+          <p:cNvPr id="8" name="Grafik 7" descr="Ein Bild, das Tisch enthält.&#10;&#10;Automatisch generierte Beschreibung">
+            <a:extLst>
+              <a:ext uri="{FF2B5EF4-FFF2-40B4-BE49-F238E27FC236}">
+                <a16:creationId xmlns:a16="http://schemas.microsoft.com/office/drawing/2014/main" id="{79FA558F-5163-7648-840E-3C4010AED48B}"/>
+              </a:ext>
+            </a:extLst>
+          </p:cNvPr>
+          <p:cNvPicPr>
+            <a:picLocks noChangeAspect="1"/>
+          </p:cNvPicPr>
+          <p:nvPr/>
+        </p:nvPicPr>
+        <p:blipFill>
+          <a:blip r:embed="rId4">
+            <a:extLst>
+              <a:ext uri="{28A0092B-C50C-407E-A947-70E740481C1C}">
+                <a14:useLocalDpi xmlns:a14="http://schemas.microsoft.com/office/drawing/2010/main" val="0"/>
+              </a:ext>
+            </a:extLst>
+          </a:blip>
+          <a:stretch>
+            <a:fillRect/>
+          </a:stretch>
+        </p:blipFill>
+        <p:spPr>
+          <a:xfrm>
+            <a:off x="1160408" y="1930400"/>
+            <a:ext cx="7630519" cy="5148620"/>
+          </a:xfrm>
+          <a:prstGeom prst="rect">
+            <a:avLst/>
+          </a:prstGeom>
+          <a:solidFill>
+            <a:srgbClr val="FFFFFF">
+              <a:shade val="85000"/>
+            </a:srgbClr>
+          </a:solidFill>
+          <a:ln w="88900" cap="sq">
+            <a:solidFill>
+              <a:srgbClr val="FFFFFF"/>
+            </a:solidFill>
+            <a:miter lim="800000"/>
+          </a:ln>
+          <a:effectLst>
+            <a:outerShdw blurRad="50800" dist="38100" dir="13500000" algn="br" rotWithShape="0">
+              <a:prstClr val="black">
+                <a:alpha val="40000"/>
+              </a:prstClr>
+            </a:outerShdw>
+          </a:effectLst>
+          <a:scene3d>
+            <a:camera prst="orthographicFront"/>
+            <a:lightRig rig="twoPt" dir="t">
+              <a:rot lat="0" lon="0" rev="7200000"/>
+            </a:lightRig>
+          </a:scene3d>
+          <a:sp3d>
+            <a:bevelT w="25400" h="19050"/>
+            <a:contourClr>
+              <a:srgbClr val="FFFFFF"/>
+            </a:contourClr>
+          </a:sp3d>
+        </p:spPr>
+      </p:pic>
     </p:spTree>
     <p:extLst>
       <p:ext uri="{BB962C8B-B14F-4D97-AF65-F5344CB8AC3E}">
@@ -8046,6 +8169,324 @@
 </file>
 
 <file path=ppt/slides/slide12.xml><?xml version="1.0" encoding="utf-8"?>
+<p:sld xmlns:a="http://schemas.openxmlformats.org/drawingml/2006/main" xmlns:r="http://schemas.openxmlformats.org/officeDocument/2006/relationships" xmlns:p="http://schemas.openxmlformats.org/presentationml/2006/main">
+  <p:cSld>
+    <p:spTree>
+      <p:nvGrpSpPr>
+        <p:cNvPr id="1" name=""/>
+        <p:cNvGrpSpPr/>
+        <p:nvPr/>
+      </p:nvGrpSpPr>
+      <p:grpSpPr>
+        <a:xfrm>
+          <a:off x="0" y="0"/>
+          <a:ext cx="0" cy="0"/>
+          <a:chOff x="0" y="0"/>
+          <a:chExt cx="0" cy="0"/>
+        </a:xfrm>
+      </p:grpSpPr>
+      <p:sp>
+        <p:nvSpPr>
+          <p:cNvPr id="2" name="Titel 1">
+            <a:extLst>
+              <a:ext uri="{FF2B5EF4-FFF2-40B4-BE49-F238E27FC236}">
+                <a16:creationId xmlns:a16="http://schemas.microsoft.com/office/drawing/2014/main" id="{0F09C5DB-EA82-4F84-A170-C8D7412D4EE0}"/>
+              </a:ext>
+            </a:extLst>
+          </p:cNvPr>
+          <p:cNvSpPr>
+            <a:spLocks noGrp="1"/>
+          </p:cNvSpPr>
+          <p:nvPr>
+            <p:ph type="title"/>
+          </p:nvPr>
+        </p:nvSpPr>
+        <p:spPr/>
+        <p:txBody>
+          <a:bodyPr/>
+          <a:lstStyle/>
+          <a:p>
+            <a:pPr algn="ctr"/>
+            <a:r>
+              <a:rPr lang="de-DE" dirty="0"/>
+              <a:t>Lastenheft</a:t>
+            </a:r>
+          </a:p>
+        </p:txBody>
+      </p:sp>
+      <p:pic>
+        <p:nvPicPr>
+          <p:cNvPr id="5" name="Grafik 4">
+            <a:extLst>
+              <a:ext uri="{FF2B5EF4-FFF2-40B4-BE49-F238E27FC236}">
+                <a16:creationId xmlns:a16="http://schemas.microsoft.com/office/drawing/2014/main" id="{7D260344-23DD-4348-A2A1-C8A2EF22687F}"/>
+              </a:ext>
+            </a:extLst>
+          </p:cNvPr>
+          <p:cNvPicPr>
+            <a:picLocks noChangeAspect="1"/>
+          </p:cNvPicPr>
+          <p:nvPr/>
+        </p:nvPicPr>
+        <p:blipFill rotWithShape="1">
+          <a:blip r:embed="rId3" cstate="print">
+            <a:extLst>
+              <a:ext uri="{28A0092B-C50C-407E-A947-70E740481C1C}">
+                <a14:useLocalDpi xmlns:a14="http://schemas.microsoft.com/office/drawing/2010/main" val="0"/>
+              </a:ext>
+            </a:extLst>
+          </a:blip>
+          <a:srcRect l="11774" t="14019" r="12142" b="11639"/>
+          <a:stretch/>
+        </p:blipFill>
+        <p:spPr bwMode="auto">
+          <a:xfrm>
+            <a:off x="10401302" y="104775"/>
+            <a:ext cx="1678020" cy="1440000"/>
+          </a:xfrm>
+          <a:prstGeom prst="rect">
+            <a:avLst/>
+          </a:prstGeom>
+          <a:noFill/>
+          <a:ln>
+            <a:noFill/>
+          </a:ln>
+        </p:spPr>
+      </p:pic>
+      <p:pic>
+        <p:nvPicPr>
+          <p:cNvPr id="11" name="Grafik 10">
+            <a:extLst>
+              <a:ext uri="{FF2B5EF4-FFF2-40B4-BE49-F238E27FC236}">
+                <a16:creationId xmlns:a16="http://schemas.microsoft.com/office/drawing/2014/main" id="{BDE6FB44-65FD-4E2B-BE99-975EFC3E58BC}"/>
+              </a:ext>
+            </a:extLst>
+          </p:cNvPr>
+          <p:cNvPicPr>
+            <a:picLocks noChangeAspect="1"/>
+          </p:cNvPicPr>
+          <p:nvPr/>
+        </p:nvPicPr>
+        <p:blipFill rotWithShape="1">
+          <a:blip r:embed="rId4">
+            <a:extLst>
+              <a:ext uri="{28A0092B-C50C-407E-A947-70E740481C1C}">
+                <a14:useLocalDpi xmlns:a14="http://schemas.microsoft.com/office/drawing/2010/main" val="0"/>
+              </a:ext>
+            </a:extLst>
+          </a:blip>
+          <a:srcRect l="6667" t="9360" r="47917" b="29306"/>
+          <a:stretch/>
+        </p:blipFill>
+        <p:spPr>
+          <a:xfrm>
+            <a:off x="112678" y="104775"/>
+            <a:ext cx="1421712" cy="1440000"/>
+          </a:xfrm>
+          <a:prstGeom prst="rect">
+            <a:avLst/>
+          </a:prstGeom>
+        </p:spPr>
+      </p:pic>
+      <p:pic>
+        <p:nvPicPr>
+          <p:cNvPr id="8" name="Grafik 7" descr="Ein Bild, das Tisch enthält.&#10;&#10;Automatisch generierte Beschreibung">
+            <a:extLst>
+              <a:ext uri="{FF2B5EF4-FFF2-40B4-BE49-F238E27FC236}">
+                <a16:creationId xmlns:a16="http://schemas.microsoft.com/office/drawing/2014/main" id="{79FA558F-5163-7648-840E-3C4010AED48B}"/>
+              </a:ext>
+            </a:extLst>
+          </p:cNvPr>
+          <p:cNvPicPr>
+            <a:picLocks noChangeAspect="1"/>
+          </p:cNvPicPr>
+          <p:nvPr/>
+        </p:nvPicPr>
+        <p:blipFill rotWithShape="1">
+          <a:blip r:embed="rId5">
+            <a:extLst>
+              <a:ext uri="{28A0092B-C50C-407E-A947-70E740481C1C}">
+                <a14:useLocalDpi xmlns:a14="http://schemas.microsoft.com/office/drawing/2010/main" val="0"/>
+              </a:ext>
+            </a:extLst>
+          </a:blip>
+          <a:srcRect l="1" r="26727"/>
+          <a:stretch/>
+        </p:blipFill>
+        <p:spPr>
+          <a:xfrm>
+            <a:off x="1160409" y="1930400"/>
+            <a:ext cx="5591148" cy="5148620"/>
+          </a:xfrm>
+          <a:prstGeom prst="rect">
+            <a:avLst/>
+          </a:prstGeom>
+          <a:solidFill>
+            <a:srgbClr val="FFFFFF">
+              <a:shade val="85000"/>
+            </a:srgbClr>
+          </a:solidFill>
+          <a:ln w="88900" cap="sq">
+            <a:solidFill>
+              <a:srgbClr val="FFFFFF"/>
+            </a:solidFill>
+            <a:miter lim="800000"/>
+          </a:ln>
+          <a:effectLst>
+            <a:outerShdw blurRad="50800" dist="38100" dir="13500000" algn="br" rotWithShape="0">
+              <a:prstClr val="black">
+                <a:alpha val="40000"/>
+              </a:prstClr>
+            </a:outerShdw>
+          </a:effectLst>
+          <a:scene3d>
+            <a:camera prst="orthographicFront"/>
+            <a:lightRig rig="twoPt" dir="t">
+              <a:rot lat="0" lon="0" rev="7200000"/>
+            </a:lightRig>
+          </a:scene3d>
+          <a:sp3d>
+            <a:bevelT w="25400" h="19050"/>
+            <a:contourClr>
+              <a:srgbClr val="FFFFFF"/>
+            </a:contourClr>
+          </a:sp3d>
+        </p:spPr>
+      </p:pic>
+      <p:sp>
+        <p:nvSpPr>
+          <p:cNvPr id="6" name="Trapez 5">
+            <a:extLst>
+              <a:ext uri="{FF2B5EF4-FFF2-40B4-BE49-F238E27FC236}">
+                <a16:creationId xmlns:a16="http://schemas.microsoft.com/office/drawing/2014/main" id="{B621BD38-7592-D14D-8567-3A75E531E6D9}"/>
+              </a:ext>
+            </a:extLst>
+          </p:cNvPr>
+          <p:cNvSpPr/>
+          <p:nvPr/>
+        </p:nvSpPr>
+        <p:spPr>
+          <a:xfrm rot="16200000">
+            <a:off x="2805343" y="3811786"/>
+            <a:ext cx="5910893" cy="2057396"/>
+          </a:xfrm>
+          <a:prstGeom prst="trapezoid">
+            <a:avLst/>
+          </a:prstGeom>
+          <a:ln>
+            <a:noFill/>
+          </a:ln>
+          <a:effectLst>
+            <a:outerShdw blurRad="50800" dist="38100" dir="13500000" algn="br" rotWithShape="0">
+              <a:prstClr val="black">
+                <a:alpha val="40000"/>
+              </a:prstClr>
+            </a:outerShdw>
+          </a:effectLst>
+        </p:spPr>
+        <p:style>
+          <a:lnRef idx="2">
+            <a:schemeClr val="accent6"/>
+          </a:lnRef>
+          <a:fillRef idx="1">
+            <a:schemeClr val="lt1"/>
+          </a:fillRef>
+          <a:effectRef idx="0">
+            <a:schemeClr val="accent6"/>
+          </a:effectRef>
+          <a:fontRef idx="minor">
+            <a:schemeClr val="dk1"/>
+          </a:fontRef>
+        </p:style>
+        <p:txBody>
+          <a:bodyPr rtlCol="0" anchor="ctr"/>
+          <a:lstStyle/>
+          <a:p>
+            <a:pPr algn="ctr"/>
+            <a:endParaRPr lang="de-DE"/>
+          </a:p>
+        </p:txBody>
+      </p:sp>
+      <p:sp>
+        <p:nvSpPr>
+          <p:cNvPr id="7" name="Inhaltsplatzhalter 5">
+            <a:extLst>
+              <a:ext uri="{FF2B5EF4-FFF2-40B4-BE49-F238E27FC236}">
+                <a16:creationId xmlns:a16="http://schemas.microsoft.com/office/drawing/2014/main" id="{11B67E43-333E-BF47-B1FB-B09C9FC5FE99}"/>
+              </a:ext>
+            </a:extLst>
+          </p:cNvPr>
+          <p:cNvSpPr>
+            <a:spLocks noGrp="1"/>
+          </p:cNvSpPr>
+          <p:nvPr>
+            <p:ph idx="1"/>
+          </p:nvPr>
+        </p:nvSpPr>
+        <p:spPr>
+          <a:xfrm>
+            <a:off x="6867557" y="2435225"/>
+            <a:ext cx="2406445" cy="3172218"/>
+          </a:xfrm>
+        </p:spPr>
+        <p:txBody>
+          <a:bodyPr>
+            <a:normAutofit/>
+          </a:bodyPr>
+          <a:lstStyle/>
+          <a:p>
+            <a:r>
+              <a:rPr lang="de-DE" dirty="0"/>
+              <a:t>Anforderungen</a:t>
+            </a:r>
+          </a:p>
+          <a:p>
+            <a:pPr marL="0" indent="0">
+              <a:buNone/>
+            </a:pPr>
+            <a:endParaRPr lang="de-DE" dirty="0"/>
+          </a:p>
+          <a:p>
+            <a:pPr lvl="1"/>
+            <a:r>
+              <a:rPr lang="de-DE" dirty="0"/>
+              <a:t>Hardware</a:t>
+            </a:r>
+          </a:p>
+          <a:p>
+            <a:pPr lvl="1"/>
+            <a:r>
+              <a:rPr lang="de-DE" dirty="0" err="1"/>
+              <a:t>Wearable</a:t>
+            </a:r>
+            <a:endParaRPr lang="de-DE" dirty="0"/>
+          </a:p>
+          <a:p>
+            <a:pPr lvl="1"/>
+            <a:r>
+              <a:rPr lang="de-DE" dirty="0"/>
+              <a:t>App</a:t>
+            </a:r>
+          </a:p>
+          <a:p>
+            <a:endParaRPr lang="de-DE" dirty="0"/>
+          </a:p>
+        </p:txBody>
+      </p:sp>
+    </p:spTree>
+    <p:extLst>
+      <p:ext uri="{BB962C8B-B14F-4D97-AF65-F5344CB8AC3E}">
+        <p14:creationId xmlns:p14="http://schemas.microsoft.com/office/powerpoint/2010/main" val="2770706068"/>
+      </p:ext>
+    </p:extLst>
+  </p:cSld>
+  <p:clrMapOvr>
+    <a:masterClrMapping/>
+  </p:clrMapOvr>
+</p:sld>
+</file>
+
+<file path=ppt/slides/slide13.xml><?xml version="1.0" encoding="utf-8"?>
 <p:sld xmlns:a="http://schemas.openxmlformats.org/drawingml/2006/main" xmlns:r="http://schemas.openxmlformats.org/officeDocument/2006/relationships" xmlns:p="http://schemas.openxmlformats.org/presentationml/2006/main">
   <p:cSld>
     <p:spTree>
@@ -8531,7 +8972,7 @@
 </p:sld>
 </file>
 
-<file path=ppt/slides/slide13.xml><?xml version="1.0" encoding="utf-8"?>
+<file path=ppt/slides/slide14.xml><?xml version="1.0" encoding="utf-8"?>
 <p:sld xmlns:a="http://schemas.openxmlformats.org/drawingml/2006/main" xmlns:r="http://schemas.openxmlformats.org/officeDocument/2006/relationships" xmlns:p="http://schemas.openxmlformats.org/presentationml/2006/main">
   <p:cSld>
     <p:spTree>
@@ -8571,7 +9012,9 @@
           </a:xfrm>
         </p:spPr>
         <p:txBody>
-          <a:bodyPr/>
+          <a:bodyPr>
+            <a:normAutofit fontScale="90000"/>
+          </a:bodyPr>
           <a:lstStyle/>
           <a:p>
             <a:pPr algn="ctr"/>
